--- a/doc/reference/GraalVm _Upgrade.pptx
+++ b/doc/reference/GraalVm _Upgrade.pptx
@@ -26,8 +26,14 @@
     <p:sldId id="292" r:id="rId20"/>
     <p:sldId id="293" r:id="rId21"/>
     <p:sldId id="289" r:id="rId22"/>
-    <p:sldId id="290" r:id="rId23"/>
-    <p:sldId id="273" r:id="rId24"/>
+    <p:sldId id="294" r:id="rId23"/>
+    <p:sldId id="295" r:id="rId24"/>
+    <p:sldId id="296" r:id="rId25"/>
+    <p:sldId id="297" r:id="rId26"/>
+    <p:sldId id="298" r:id="rId27"/>
+    <p:sldId id="299" r:id="rId28"/>
+    <p:sldId id="290" r:id="rId29"/>
+    <p:sldId id="273" r:id="rId30"/>
   </p:sldIdLst>
   <p:sldSz cx="12192000" cy="6858000"/>
   <p:notesSz cx="6858000" cy="9144000"/>
@@ -856,7 +862,7 @@
           <a:p>
             <a:fld id="{4AAD347D-5ACD-4C99-B74B-A9C85AD731AF}" type="datetimeFigureOut">
               <a:rPr lang="en-US" smtClean="0"/>
-              <a:t>10/20/2022</a:t>
+              <a:t>10/25/2022</a:t>
             </a:fld>
             <a:endParaRPr lang="en-US" dirty="0"/>
           </a:p>
@@ -1107,7 +1113,7 @@
           <a:p>
             <a:fld id="{4AAD347D-5ACD-4C99-B74B-A9C85AD731AF}" type="datetimeFigureOut">
               <a:rPr lang="en-US" smtClean="0"/>
-              <a:t>10/20/2022</a:t>
+              <a:t>10/25/2022</a:t>
             </a:fld>
             <a:endParaRPr lang="en-US" dirty="0"/>
           </a:p>
@@ -1422,7 +1428,7 @@
           <a:p>
             <a:fld id="{4AAD347D-5ACD-4C99-B74B-A9C85AD731AF}" type="datetimeFigureOut">
               <a:rPr lang="en-US" smtClean="0"/>
-              <a:t>10/20/2022</a:t>
+              <a:t>10/25/2022</a:t>
             </a:fld>
             <a:endParaRPr lang="en-US" dirty="0"/>
           </a:p>
@@ -1764,7 +1770,7 @@
           <a:p>
             <a:fld id="{4509A250-FF31-4206-8172-F9D3106AACB1}" type="datetimeFigureOut">
               <a:rPr lang="en-US" smtClean="0"/>
-              <a:t>10/20/2022</a:t>
+              <a:t>10/25/2022</a:t>
             </a:fld>
             <a:endParaRPr lang="en-US" dirty="0"/>
           </a:p>
@@ -2078,7 +2084,7 @@
           <a:p>
             <a:fld id="{4AAD347D-5ACD-4C99-B74B-A9C85AD731AF}" type="datetimeFigureOut">
               <a:rPr lang="en-US" smtClean="0"/>
-              <a:t>10/20/2022</a:t>
+              <a:t>10/25/2022</a:t>
             </a:fld>
             <a:endParaRPr lang="en-US" dirty="0"/>
           </a:p>
@@ -2472,7 +2478,7 @@
           <a:p>
             <a:fld id="{4AAD347D-5ACD-4C99-B74B-A9C85AD731AF}" type="datetimeFigureOut">
               <a:rPr lang="en-US" smtClean="0"/>
-              <a:t>10/20/2022</a:t>
+              <a:t>10/25/2022</a:t>
             </a:fld>
             <a:endParaRPr lang="en-US" dirty="0"/>
           </a:p>
@@ -2643,7 +2649,7 @@
           <a:p>
             <a:fld id="{4509A250-FF31-4206-8172-F9D3106AACB1}" type="datetimeFigureOut">
               <a:rPr lang="en-US" smtClean="0"/>
-              <a:t>10/20/2022</a:t>
+              <a:t>10/25/2022</a:t>
             </a:fld>
             <a:endParaRPr lang="en-US" dirty="0"/>
           </a:p>
@@ -2823,7 +2829,7 @@
           <a:p>
             <a:fld id="{4509A250-FF31-4206-8172-F9D3106AACB1}" type="datetimeFigureOut">
               <a:rPr lang="en-US" smtClean="0"/>
-              <a:t>10/20/2022</a:t>
+              <a:t>10/25/2022</a:t>
             </a:fld>
             <a:endParaRPr lang="en-US" dirty="0"/>
           </a:p>
@@ -2999,7 +3005,7 @@
           <a:p>
             <a:fld id="{4509A250-FF31-4206-8172-F9D3106AACB1}" type="datetimeFigureOut">
               <a:rPr lang="en-US" smtClean="0"/>
-              <a:t>10/20/2022</a:t>
+              <a:t>10/25/2022</a:t>
             </a:fld>
             <a:endParaRPr lang="en-US" dirty="0"/>
           </a:p>
@@ -3246,7 +3252,7 @@
           <a:p>
             <a:fld id="{9796027F-7875-4030-9381-8BD8C4F21935}" type="datetimeFigureOut">
               <a:rPr lang="en-US" smtClean="0"/>
-              <a:t>10/20/2022</a:t>
+              <a:t>10/25/2022</a:t>
             </a:fld>
             <a:endParaRPr lang="en-US" dirty="0"/>
           </a:p>
@@ -3478,7 +3484,7 @@
           <a:p>
             <a:fld id="{9796027F-7875-4030-9381-8BD8C4F21935}" type="datetimeFigureOut">
               <a:rPr lang="en-US" smtClean="0"/>
-              <a:t>10/20/2022</a:t>
+              <a:t>10/25/2022</a:t>
             </a:fld>
             <a:endParaRPr lang="en-US" dirty="0"/>
           </a:p>
@@ -3852,7 +3858,7 @@
           <a:p>
             <a:fld id="{9796027F-7875-4030-9381-8BD8C4F21935}" type="datetimeFigureOut">
               <a:rPr lang="en-US" smtClean="0"/>
-              <a:t>10/20/2022</a:t>
+              <a:t>10/25/2022</a:t>
             </a:fld>
             <a:endParaRPr lang="en-US" dirty="0"/>
           </a:p>
@@ -3975,7 +3981,7 @@
           <a:p>
             <a:fld id="{4509A250-FF31-4206-8172-F9D3106AACB1}" type="datetimeFigureOut">
               <a:rPr lang="en-US" smtClean="0"/>
-              <a:t>10/20/2022</a:t>
+              <a:t>10/25/2022</a:t>
             </a:fld>
             <a:endParaRPr lang="en-US" dirty="0"/>
           </a:p>
@@ -4070,7 +4076,7 @@
           <a:p>
             <a:fld id="{4509A250-FF31-4206-8172-F9D3106AACB1}" type="datetimeFigureOut">
               <a:rPr lang="en-US" smtClean="0"/>
-              <a:t>10/20/2022</a:t>
+              <a:t>10/25/2022</a:t>
             </a:fld>
             <a:endParaRPr lang="en-US" dirty="0"/>
           </a:p>
@@ -4325,7 +4331,7 @@
           <a:p>
             <a:fld id="{4509A250-FF31-4206-8172-F9D3106AACB1}" type="datetimeFigureOut">
               <a:rPr lang="en-US" smtClean="0"/>
-              <a:t>10/20/2022</a:t>
+              <a:t>10/25/2022</a:t>
             </a:fld>
             <a:endParaRPr lang="en-US" dirty="0"/>
           </a:p>
@@ -4588,7 +4594,7 @@
           <a:p>
             <a:fld id="{4509A250-FF31-4206-8172-F9D3106AACB1}" type="datetimeFigureOut">
               <a:rPr lang="en-US" smtClean="0"/>
-              <a:t>10/20/2022</a:t>
+              <a:t>10/25/2022</a:t>
             </a:fld>
             <a:endParaRPr lang="en-US" dirty="0"/>
           </a:p>
@@ -5331,7 +5337,7 @@
           <a:p>
             <a:fld id="{4AAD347D-5ACD-4C99-B74B-A9C85AD731AF}" type="datetimeFigureOut">
               <a:rPr lang="en-US" smtClean="0"/>
-              <a:t>10/20/2022</a:t>
+              <a:t>10/25/2022</a:t>
             </a:fld>
             <a:endParaRPr lang="en-US" dirty="0"/>
           </a:p>
@@ -5961,17 +5967,16 @@
           <a:lstStyle/>
           <a:p>
             <a:r>
-              <a:rPr lang="en-US" sz="4800"/>
+              <a:rPr lang="en-US" sz="4800" dirty="0"/>
               <a:t>GraalVM Native Images</a:t>
             </a:r>
             <a:br>
-              <a:rPr lang="en-US" sz="4800"/>
+              <a:rPr lang="en-US" sz="4800" dirty="0"/>
             </a:br>
             <a:r>
               <a:rPr lang="en-US" sz="4800" dirty="0"/>
               <a:t>With Java 17</a:t>
             </a:r>
-            <a:endParaRPr lang="en-US" sz="4800"/>
           </a:p>
         </p:txBody>
       </p:sp>
@@ -6827,12 +6832,8 @@
           <a:lstStyle/>
           <a:p>
             <a:r>
-              <a:rPr lang="en-US" dirty="0" err="1"/>
-              <a:t>GraalVM</a:t>
-            </a:r>
-            <a:r>
-              <a:rPr lang="en-US" dirty="0"/>
-              <a:t> Overview</a:t>
+              <a:rPr lang="en-US" dirty="0"/>
+              <a:t>GraalVM Overview</a:t>
             </a:r>
           </a:p>
         </p:txBody>
@@ -6904,7 +6905,7 @@
             </a:pPr>
             <a:r>
               <a:rPr lang="en-US" dirty="0"/>
-              <a:t>Written in Java and supporting any program in any language</a:t>
+              <a:t>Written in Java with goal to support any program in any language</a:t>
             </a:r>
           </a:p>
           <a:p>
@@ -6987,12 +6988,8 @@
           <a:lstStyle/>
           <a:p>
             <a:r>
-              <a:rPr lang="en-US" dirty="0" err="1"/>
-              <a:t>GraalVM</a:t>
-            </a:r>
-            <a:r>
-              <a:rPr lang="en-US" dirty="0"/>
-              <a:t> Overview </a:t>
+              <a:rPr lang="en-US" dirty="0"/>
+              <a:t>GraalVM Overview </a:t>
             </a:r>
             <a:r>
               <a:rPr lang="en-US" sz="1800" dirty="0"/>
@@ -7230,12 +7227,8 @@
           <a:lstStyle/>
           <a:p>
             <a:r>
-              <a:rPr lang="en-US" dirty="0" err="1"/>
-              <a:t>GraalVM</a:t>
-            </a:r>
-            <a:r>
-              <a:rPr lang="en-US" dirty="0"/>
-              <a:t> Overview </a:t>
+              <a:rPr lang="en-US" dirty="0"/>
+              <a:t>GraalVM Overview </a:t>
             </a:r>
             <a:r>
               <a:rPr lang="en-US" sz="1800" dirty="0"/>
@@ -7413,12 +7406,8 @@
           <a:lstStyle/>
           <a:p>
             <a:r>
-              <a:rPr lang="en-US" dirty="0" err="1"/>
-              <a:t>GraalVM</a:t>
-            </a:r>
-            <a:r>
-              <a:rPr lang="en-US" dirty="0"/>
-              <a:t> Overview </a:t>
+              <a:rPr lang="en-US" dirty="0"/>
+              <a:t>GraalVM Overview </a:t>
             </a:r>
             <a:r>
               <a:rPr lang="en-US" sz="1800" dirty="0"/>
@@ -7716,7 +7705,7 @@
             </a:pPr>
             <a:r>
               <a:rPr lang="en-US" dirty="0"/>
-              <a:t>Compiled into target’s machine language</a:t>
+              <a:t>Takes Java bytecode as input and creates a binary executable as output</a:t>
             </a:r>
           </a:p>
           <a:p>
@@ -7726,7 +7715,7 @@
             </a:pPr>
             <a:r>
               <a:rPr lang="en-US" dirty="0"/>
-              <a:t>No JVM</a:t>
+              <a:t>No JVM unless using a fallback file (more later)</a:t>
             </a:r>
           </a:p>
           <a:p>
@@ -7767,6 +7756,56 @@
             <a:r>
               <a:rPr lang="en-US" dirty="0"/>
               <a:t>Machine language == faster sustained performance</a:t>
+            </a:r>
+          </a:p>
+          <a:p>
+            <a:pPr lvl="1">
+              <a:buFont typeface="Wingdings" panose="05000000000000000000" pitchFamily="2" charset="2"/>
+              <a:buChar char="Ø"/>
+            </a:pPr>
+            <a:r>
+              <a:rPr lang="en-US" dirty="0"/>
+              <a:t>Use a fraction of the resources required by the JVM, so cheaper to run</a:t>
+            </a:r>
+          </a:p>
+          <a:p>
+            <a:pPr lvl="1">
+              <a:buFont typeface="Wingdings" panose="05000000000000000000" pitchFamily="2" charset="2"/>
+              <a:buChar char="Ø"/>
+            </a:pPr>
+            <a:r>
+              <a:rPr lang="en-US" dirty="0"/>
+              <a:t>Starts in milliseconds</a:t>
+            </a:r>
+          </a:p>
+          <a:p>
+            <a:pPr lvl="1">
+              <a:buFont typeface="Wingdings" panose="05000000000000000000" pitchFamily="2" charset="2"/>
+              <a:buChar char="Ø"/>
+            </a:pPr>
+            <a:r>
+              <a:rPr lang="en-US" dirty="0"/>
+              <a:t>Deliver peak performance immediately, no warmup</a:t>
+            </a:r>
+          </a:p>
+          <a:p>
+            <a:pPr lvl="1">
+              <a:buFont typeface="Wingdings" panose="05000000000000000000" pitchFamily="2" charset="2"/>
+              <a:buChar char="Ø"/>
+            </a:pPr>
+            <a:r>
+              <a:rPr lang="en-US" dirty="0"/>
+              <a:t>Can be packaged into lightweight container images for faster and more efficient deployments</a:t>
+            </a:r>
+          </a:p>
+          <a:p>
+            <a:pPr lvl="1">
+              <a:buFont typeface="Wingdings" panose="05000000000000000000" pitchFamily="2" charset="2"/>
+              <a:buChar char="Ø"/>
+            </a:pPr>
+            <a:r>
+              <a:rPr lang="en-US" dirty="0"/>
+              <a:t>Reduced attack surface</a:t>
             </a:r>
           </a:p>
           <a:p>
@@ -7864,7 +7903,9 @@
           </a:xfrm>
         </p:spPr>
         <p:txBody>
-          <a:bodyPr/>
+          <a:bodyPr>
+            <a:normAutofit/>
+          </a:bodyPr>
           <a:lstStyle/>
           <a:p>
             <a:r>
@@ -7879,7 +7920,7 @@
             </a:pPr>
             <a:r>
               <a:rPr lang="en-US" dirty="0"/>
-              <a:t>Few resources needed</a:t>
+              <a:t>Fewer resources needed</a:t>
             </a:r>
           </a:p>
           <a:p>
@@ -7920,6 +7961,16 @@
             <a:r>
               <a:rPr lang="en-US" dirty="0"/>
               <a:t>Up to 90% smaller images</a:t>
+            </a:r>
+          </a:p>
+          <a:p>
+            <a:pPr lvl="1">
+              <a:buFont typeface="Wingdings" panose="05000000000000000000" pitchFamily="2" charset="2"/>
+              <a:buChar char="Ø"/>
+            </a:pPr>
+            <a:r>
+              <a:rPr lang="en-US" dirty="0"/>
+              <a:t>No need to keep a microservice in an idle state</a:t>
             </a:r>
           </a:p>
           <a:p>
@@ -8361,9 +8412,20 @@
           <a:p>
             <a:r>
               <a:rPr lang="en-US" dirty="0"/>
-              <a:t>Process Overview</a:t>
-            </a:r>
-            <a:endParaRPr lang="en-US" sz="1800" dirty="0"/>
+              <a:t>Process Overview </a:t>
+            </a:r>
+            <a:r>
+              <a:rPr lang="en-US" sz="1800" dirty="0"/>
+              <a:t>(</a:t>
+            </a:r>
+            <a:r>
+              <a:rPr lang="en-US" sz="1800" dirty="0" err="1"/>
+              <a:t>Cont</a:t>
+            </a:r>
+            <a:r>
+              <a:rPr lang="en-US" sz="1800" dirty="0"/>
+              <a:t>)</a:t>
+            </a:r>
           </a:p>
         </p:txBody>
       </p:sp>
@@ -9412,9 +9474,20 @@
           <a:p>
             <a:r>
               <a:rPr lang="en-US" dirty="0"/>
-              <a:t>Process Overview</a:t>
-            </a:r>
-            <a:endParaRPr lang="en-US" sz="1800" dirty="0"/>
+              <a:t>Process Overview </a:t>
+            </a:r>
+            <a:r>
+              <a:rPr lang="en-US" sz="1800" dirty="0"/>
+              <a:t>(</a:t>
+            </a:r>
+            <a:r>
+              <a:rPr lang="en-US" sz="1800" dirty="0" err="1"/>
+              <a:t>Cont</a:t>
+            </a:r>
+            <a:r>
+              <a:rPr lang="en-US" sz="1800" dirty="0"/>
+              <a:t>)</a:t>
+            </a:r>
           </a:p>
         </p:txBody>
       </p:sp>
@@ -9642,6 +9715,1979 @@
       </p:grpSpPr>
       <p:sp>
         <p:nvSpPr>
+          <p:cNvPr id="2" name="Title 1"/>
+          <p:cNvSpPr>
+            <a:spLocks noGrp="1"/>
+          </p:cNvSpPr>
+          <p:nvPr>
+            <p:ph type="title"/>
+          </p:nvPr>
+        </p:nvSpPr>
+        <p:spPr>
+          <a:xfrm>
+            <a:off x="646111" y="452718"/>
+            <a:ext cx="9404723" cy="910569"/>
+          </a:xfrm>
+        </p:spPr>
+        <p:txBody>
+          <a:bodyPr/>
+          <a:lstStyle/>
+          <a:p>
+            <a:r>
+              <a:rPr lang="en-US" dirty="0"/>
+              <a:t>Native Image Conversion</a:t>
+            </a:r>
+            <a:endParaRPr lang="en-US" sz="1800" dirty="0"/>
+          </a:p>
+        </p:txBody>
+      </p:sp>
+      <p:sp>
+        <p:nvSpPr>
+          <p:cNvPr id="3" name="Content Placeholder 2"/>
+          <p:cNvSpPr>
+            <a:spLocks noGrp="1"/>
+          </p:cNvSpPr>
+          <p:nvPr>
+            <p:ph idx="1"/>
+          </p:nvPr>
+        </p:nvSpPr>
+        <p:spPr>
+          <a:xfrm>
+            <a:off x="646111" y="1363287"/>
+            <a:ext cx="9403743" cy="5120639"/>
+          </a:xfrm>
+        </p:spPr>
+        <p:txBody>
+          <a:bodyPr/>
+          <a:lstStyle/>
+          <a:p>
+            <a:r>
+              <a:rPr lang="en-US" dirty="0"/>
+              <a:t>Background</a:t>
+            </a:r>
+          </a:p>
+          <a:p>
+            <a:pPr lvl="1">
+              <a:buFont typeface="Wingdings" panose="05000000000000000000" pitchFamily="2" charset="2"/>
+              <a:buChar char="Ø"/>
+            </a:pPr>
+            <a:r>
+              <a:rPr lang="en-US" dirty="0"/>
+              <a:t>Closed-world Assumption</a:t>
+            </a:r>
+          </a:p>
+          <a:p>
+            <a:pPr lvl="2">
+              <a:buFont typeface="Wingdings" panose="05000000000000000000" pitchFamily="2" charset="2"/>
+              <a:buChar char="Ø"/>
+            </a:pPr>
+            <a:r>
+              <a:rPr lang="en-US" dirty="0"/>
+              <a:t>All code is known at build time</a:t>
+            </a:r>
+          </a:p>
+          <a:p>
+            <a:pPr lvl="2">
+              <a:buFont typeface="Wingdings" panose="05000000000000000000" pitchFamily="2" charset="2"/>
+              <a:buChar char="Ø"/>
+            </a:pPr>
+            <a:r>
+              <a:rPr lang="en-US" dirty="0"/>
+              <a:t>No new code is loaded at run time</a:t>
+            </a:r>
+          </a:p>
+          <a:p>
+            <a:pPr lvl="1">
+              <a:buFont typeface="Wingdings" panose="05000000000000000000" pitchFamily="2" charset="2"/>
+              <a:buChar char="Ø"/>
+            </a:pPr>
+            <a:r>
+              <a:rPr lang="en-US" dirty="0"/>
+              <a:t>No JVM is normally used</a:t>
+            </a:r>
+          </a:p>
+          <a:p>
+            <a:pPr lvl="2">
+              <a:buFont typeface="Wingdings" panose="05000000000000000000" pitchFamily="2" charset="2"/>
+              <a:buChar char="Ø"/>
+            </a:pPr>
+            <a:r>
+              <a:rPr lang="en-US" dirty="0"/>
+              <a:t>A fallback file may be produced if compiler can’t optimize the image</a:t>
+            </a:r>
+          </a:p>
+          <a:p>
+            <a:pPr lvl="2">
+              <a:buFont typeface="Wingdings" panose="05000000000000000000" pitchFamily="2" charset="2"/>
+              <a:buChar char="Ø"/>
+            </a:pPr>
+            <a:r>
+              <a:rPr lang="en-US" dirty="0"/>
+              <a:t>A fallback requires a JVM to run (not a native image)</a:t>
+            </a:r>
+          </a:p>
+          <a:p>
+            <a:pPr lvl="2">
+              <a:buFont typeface="Wingdings" panose="05000000000000000000" pitchFamily="2" charset="2"/>
+              <a:buChar char="Ø"/>
+            </a:pPr>
+            <a:r>
+              <a:rPr lang="en-US" dirty="0"/>
+              <a:t>Compiler can be told not to generate a fallback file</a:t>
+            </a:r>
+          </a:p>
+          <a:p>
+            <a:pPr lvl="1">
+              <a:buFont typeface="Wingdings" panose="05000000000000000000" pitchFamily="2" charset="2"/>
+              <a:buChar char="Ø"/>
+            </a:pPr>
+            <a:r>
+              <a:rPr lang="en-US" dirty="0"/>
+              <a:t>All reachable code must be known at build time</a:t>
+            </a:r>
+          </a:p>
+          <a:p>
+            <a:pPr lvl="2">
+              <a:buFont typeface="Wingdings" panose="05000000000000000000" pitchFamily="2" charset="2"/>
+              <a:buChar char="Ø"/>
+            </a:pPr>
+            <a:endParaRPr lang="en-US" dirty="0"/>
+          </a:p>
+          <a:p>
+            <a:pPr lvl="2">
+              <a:buFont typeface="Wingdings" panose="05000000000000000000" pitchFamily="2" charset="2"/>
+              <a:buChar char="§"/>
+            </a:pPr>
+            <a:endParaRPr lang="en-US" dirty="0"/>
+          </a:p>
+        </p:txBody>
+      </p:sp>
+    </p:spTree>
+    <p:extLst>
+      <p:ext uri="{BB962C8B-B14F-4D97-AF65-F5344CB8AC3E}">
+        <p14:creationId xmlns:p14="http://schemas.microsoft.com/office/powerpoint/2010/main" val="3040353718"/>
+      </p:ext>
+    </p:extLst>
+  </p:cSld>
+  <p:clrMapOvr>
+    <a:masterClrMapping/>
+  </p:clrMapOvr>
+</p:sld>
+</file>
+
+<file path=ppt/slides/slide23.xml><?xml version="1.0" encoding="utf-8"?>
+<p:sld xmlns:a="http://schemas.openxmlformats.org/drawingml/2006/main" xmlns:r="http://schemas.openxmlformats.org/officeDocument/2006/relationships" xmlns:p="http://schemas.openxmlformats.org/presentationml/2006/main">
+  <p:cSld>
+    <p:spTree>
+      <p:nvGrpSpPr>
+        <p:cNvPr id="1" name=""/>
+        <p:cNvGrpSpPr/>
+        <p:nvPr/>
+      </p:nvGrpSpPr>
+      <p:grpSpPr>
+        <a:xfrm>
+          <a:off x="0" y="0"/>
+          <a:ext cx="0" cy="0"/>
+          <a:chOff x="0" y="0"/>
+          <a:chExt cx="0" cy="0"/>
+        </a:xfrm>
+      </p:grpSpPr>
+      <p:sp>
+        <p:nvSpPr>
+          <p:cNvPr id="2" name="Title 1"/>
+          <p:cNvSpPr>
+            <a:spLocks noGrp="1"/>
+          </p:cNvSpPr>
+          <p:nvPr>
+            <p:ph type="title"/>
+          </p:nvPr>
+        </p:nvSpPr>
+        <p:spPr>
+          <a:xfrm>
+            <a:off x="646111" y="452718"/>
+            <a:ext cx="9404723" cy="910569"/>
+          </a:xfrm>
+        </p:spPr>
+        <p:txBody>
+          <a:bodyPr/>
+          <a:lstStyle/>
+          <a:p>
+            <a:r>
+              <a:rPr lang="en-US" dirty="0"/>
+              <a:t>Native Image Conversion </a:t>
+            </a:r>
+            <a:r>
+              <a:rPr lang="en-US" sz="1800" dirty="0"/>
+              <a:t>(</a:t>
+            </a:r>
+            <a:r>
+              <a:rPr lang="en-US" sz="1800" dirty="0" err="1"/>
+              <a:t>Cont</a:t>
+            </a:r>
+            <a:r>
+              <a:rPr lang="en-US" sz="1800" dirty="0"/>
+              <a:t>)</a:t>
+            </a:r>
+          </a:p>
+        </p:txBody>
+      </p:sp>
+      <p:sp>
+        <p:nvSpPr>
+          <p:cNvPr id="3" name="Content Placeholder 2"/>
+          <p:cNvSpPr>
+            <a:spLocks noGrp="1"/>
+          </p:cNvSpPr>
+          <p:nvPr>
+            <p:ph idx="1"/>
+          </p:nvPr>
+        </p:nvSpPr>
+        <p:spPr>
+          <a:xfrm>
+            <a:off x="646111" y="1363287"/>
+            <a:ext cx="9403743" cy="5120639"/>
+          </a:xfrm>
+        </p:spPr>
+        <p:txBody>
+          <a:bodyPr>
+            <a:normAutofit/>
+          </a:bodyPr>
+          <a:lstStyle/>
+          <a:p>
+            <a:r>
+              <a:rPr lang="en-US" dirty="0"/>
+              <a:t>Background </a:t>
+            </a:r>
+            <a:r>
+              <a:rPr lang="en-US" sz="1100" dirty="0"/>
+              <a:t>(</a:t>
+            </a:r>
+            <a:r>
+              <a:rPr lang="en-US" sz="1100" dirty="0" err="1"/>
+              <a:t>Cont</a:t>
+            </a:r>
+            <a:r>
+              <a:rPr lang="en-US" sz="1100" dirty="0"/>
+              <a:t>)</a:t>
+            </a:r>
+          </a:p>
+          <a:p>
+            <a:pPr lvl="1">
+              <a:buFont typeface="Wingdings" panose="05000000000000000000" pitchFamily="2" charset="2"/>
+              <a:buChar char="Ø"/>
+            </a:pPr>
+            <a:r>
+              <a:rPr lang="en-US" dirty="0"/>
+              <a:t>JVM initializes classes at first use</a:t>
+            </a:r>
+          </a:p>
+          <a:p>
+            <a:pPr lvl="1">
+              <a:buFont typeface="Wingdings" panose="05000000000000000000" pitchFamily="2" charset="2"/>
+              <a:buChar char="Ø"/>
+            </a:pPr>
+            <a:r>
+              <a:rPr lang="en-US" dirty="0"/>
+              <a:t>JVM includes Jar files from the </a:t>
+            </a:r>
+            <a:r>
+              <a:rPr lang="en-US" dirty="0" err="1"/>
+              <a:t>classpath</a:t>
+            </a:r>
+            <a:r>
+              <a:rPr lang="en-US" dirty="0"/>
+              <a:t> that may never be used</a:t>
+            </a:r>
+          </a:p>
+          <a:p>
+            <a:pPr lvl="1">
+              <a:buFont typeface="Wingdings" panose="05000000000000000000" pitchFamily="2" charset="2"/>
+              <a:buChar char="Ø"/>
+            </a:pPr>
+            <a:r>
+              <a:rPr lang="en-US" dirty="0"/>
+              <a:t>NI does not use a JVM</a:t>
+            </a:r>
+          </a:p>
+          <a:p>
+            <a:pPr lvl="2">
+              <a:buFont typeface="Wingdings" panose="05000000000000000000" pitchFamily="2" charset="2"/>
+              <a:buChar char="Ø"/>
+            </a:pPr>
+            <a:r>
+              <a:rPr lang="en-US" dirty="0"/>
+              <a:t>All classes and resources are compiled into a binary image</a:t>
+            </a:r>
+          </a:p>
+          <a:p>
+            <a:pPr lvl="3">
+              <a:buFont typeface="Wingdings" panose="05000000000000000000" pitchFamily="2" charset="2"/>
+              <a:buChar char="Ø"/>
+            </a:pPr>
+            <a:r>
+              <a:rPr lang="en-US" dirty="0"/>
+              <a:t>NI initializes classes at build time</a:t>
+            </a:r>
+          </a:p>
+          <a:p>
+            <a:pPr lvl="4">
+              <a:buFont typeface="Wingdings" panose="05000000000000000000" pitchFamily="2" charset="2"/>
+              <a:buChar char="§"/>
+            </a:pPr>
+            <a:r>
+              <a:rPr lang="en-US" dirty="0"/>
+              <a:t>All static state is compiled at stored at image build time</a:t>
+            </a:r>
+          </a:p>
+          <a:p>
+            <a:pPr lvl="4">
+              <a:buFont typeface="Wingdings" panose="05000000000000000000" pitchFamily="2" charset="2"/>
+              <a:buChar char="§"/>
+            </a:pPr>
+            <a:r>
+              <a:rPr lang="en-US" dirty="0"/>
+              <a:t>Frequently used classes such as </a:t>
+            </a:r>
+            <a:r>
+              <a:rPr lang="en-US" sz="1000" dirty="0" err="1">
+                <a:latin typeface="Lucida Console" panose="020B0609040504020204" pitchFamily="49" charset="0"/>
+              </a:rPr>
+              <a:t>java.lang.String</a:t>
+            </a:r>
+            <a:endParaRPr lang="en-US" sz="1000" dirty="0">
+              <a:latin typeface="Lucida Console" panose="020B0609040504020204" pitchFamily="49" charset="0"/>
+            </a:endParaRPr>
+          </a:p>
+          <a:p>
+            <a:pPr lvl="4">
+              <a:buFont typeface="Wingdings" panose="05000000000000000000" pitchFamily="2" charset="2"/>
+              <a:buChar char="§"/>
+            </a:pPr>
+            <a:r>
+              <a:rPr lang="en-US" dirty="0"/>
+              <a:t>Using command line option </a:t>
+            </a:r>
+            <a:r>
+              <a:rPr lang="en-US" sz="1000" dirty="0">
+                <a:latin typeface="Lucida Console" panose="020B0609040504020204" pitchFamily="49" charset="0"/>
+              </a:rPr>
+              <a:t>--initialize-at-build-time=&lt;class&gt;</a:t>
+            </a:r>
+          </a:p>
+          <a:p>
+            <a:pPr lvl="4">
+              <a:buFont typeface="Wingdings" panose="05000000000000000000" pitchFamily="2" charset="2"/>
+              <a:buChar char="§"/>
+            </a:pPr>
+            <a:r>
+              <a:rPr lang="en-US" dirty="0"/>
+              <a:t>From a configuration file</a:t>
+            </a:r>
+          </a:p>
+          <a:p>
+            <a:pPr lvl="3">
+              <a:buFont typeface="Wingdings" panose="05000000000000000000" pitchFamily="2" charset="2"/>
+              <a:buChar char="Ø"/>
+            </a:pPr>
+            <a:r>
+              <a:rPr lang="en-US" dirty="0"/>
+              <a:t>Static Analysis</a:t>
+            </a:r>
+          </a:p>
+          <a:p>
+            <a:pPr lvl="4">
+              <a:buFont typeface="Wingdings" panose="05000000000000000000" pitchFamily="2" charset="2"/>
+              <a:buChar char="§"/>
+            </a:pPr>
+            <a:r>
+              <a:rPr lang="en-US" dirty="0"/>
+              <a:t>Class bytecode scanned for reachable code</a:t>
+            </a:r>
+          </a:p>
+          <a:p>
+            <a:pPr lvl="4">
+              <a:buFont typeface="Wingdings" panose="05000000000000000000" pitchFamily="2" charset="2"/>
+              <a:buChar char="§"/>
+            </a:pPr>
+            <a:r>
+              <a:rPr lang="en-US" dirty="0"/>
+              <a:t>Method bytecode scanned for reachable elements</a:t>
+            </a:r>
+          </a:p>
+          <a:p>
+            <a:pPr lvl="4">
+              <a:buFont typeface="Wingdings" panose="05000000000000000000" pitchFamily="2" charset="2"/>
+              <a:buChar char="§"/>
+            </a:pPr>
+            <a:r>
+              <a:rPr lang="en-US" dirty="0"/>
+              <a:t>Discovered elements scanned iteratively</a:t>
+            </a:r>
+          </a:p>
+          <a:p>
+            <a:pPr lvl="4">
+              <a:buFont typeface="Wingdings" panose="05000000000000000000" pitchFamily="2" charset="2"/>
+              <a:buChar char="§"/>
+            </a:pPr>
+            <a:r>
+              <a:rPr lang="en-US" dirty="0"/>
+              <a:t>Only reachable elements are included in the final image</a:t>
+            </a:r>
+          </a:p>
+          <a:p>
+            <a:pPr lvl="2">
+              <a:buFont typeface="Wingdings" panose="05000000000000000000" pitchFamily="2" charset="2"/>
+              <a:buChar char="§"/>
+            </a:pPr>
+            <a:endParaRPr lang="en-US" dirty="0"/>
+          </a:p>
+        </p:txBody>
+      </p:sp>
+    </p:spTree>
+    <p:extLst>
+      <p:ext uri="{BB962C8B-B14F-4D97-AF65-F5344CB8AC3E}">
+        <p14:creationId xmlns:p14="http://schemas.microsoft.com/office/powerpoint/2010/main" val="3454209268"/>
+      </p:ext>
+    </p:extLst>
+  </p:cSld>
+  <p:clrMapOvr>
+    <a:masterClrMapping/>
+  </p:clrMapOvr>
+</p:sld>
+</file>
+
+<file path=ppt/slides/slide24.xml><?xml version="1.0" encoding="utf-8"?>
+<p:sld xmlns:a="http://schemas.openxmlformats.org/drawingml/2006/main" xmlns:r="http://schemas.openxmlformats.org/officeDocument/2006/relationships" xmlns:p="http://schemas.openxmlformats.org/presentationml/2006/main">
+  <p:cSld>
+    <p:spTree>
+      <p:nvGrpSpPr>
+        <p:cNvPr id="1" name=""/>
+        <p:cNvGrpSpPr/>
+        <p:nvPr/>
+      </p:nvGrpSpPr>
+      <p:grpSpPr>
+        <a:xfrm>
+          <a:off x="0" y="0"/>
+          <a:ext cx="0" cy="0"/>
+          <a:chOff x="0" y="0"/>
+          <a:chExt cx="0" cy="0"/>
+        </a:xfrm>
+      </p:grpSpPr>
+      <p:sp>
+        <p:nvSpPr>
+          <p:cNvPr id="2" name="Title 1"/>
+          <p:cNvSpPr>
+            <a:spLocks noGrp="1"/>
+          </p:cNvSpPr>
+          <p:nvPr>
+            <p:ph type="title"/>
+          </p:nvPr>
+        </p:nvSpPr>
+        <p:spPr>
+          <a:xfrm>
+            <a:off x="646111" y="452718"/>
+            <a:ext cx="9404723" cy="910569"/>
+          </a:xfrm>
+        </p:spPr>
+        <p:txBody>
+          <a:bodyPr/>
+          <a:lstStyle/>
+          <a:p>
+            <a:r>
+              <a:rPr lang="en-US" dirty="0"/>
+              <a:t>Native Image Conversion </a:t>
+            </a:r>
+            <a:r>
+              <a:rPr lang="en-US" sz="1800" dirty="0"/>
+              <a:t>(</a:t>
+            </a:r>
+            <a:r>
+              <a:rPr lang="en-US" sz="1800" dirty="0" err="1"/>
+              <a:t>Cont</a:t>
+            </a:r>
+            <a:r>
+              <a:rPr lang="en-US" sz="1800" dirty="0"/>
+              <a:t>)</a:t>
+            </a:r>
+          </a:p>
+        </p:txBody>
+      </p:sp>
+      <p:sp>
+        <p:nvSpPr>
+          <p:cNvPr id="3" name="Content Placeholder 2"/>
+          <p:cNvSpPr>
+            <a:spLocks noGrp="1"/>
+          </p:cNvSpPr>
+          <p:nvPr>
+            <p:ph idx="1"/>
+          </p:nvPr>
+        </p:nvSpPr>
+        <p:spPr>
+          <a:xfrm>
+            <a:off x="646111" y="1363287"/>
+            <a:ext cx="9403743" cy="5120639"/>
+          </a:xfrm>
+        </p:spPr>
+        <p:txBody>
+          <a:bodyPr>
+            <a:normAutofit fontScale="92500" lnSpcReduction="10000"/>
+          </a:bodyPr>
+          <a:lstStyle/>
+          <a:p>
+            <a:r>
+              <a:rPr lang="en-US" dirty="0"/>
+              <a:t>Detailed Build Process</a:t>
+            </a:r>
+          </a:p>
+          <a:p>
+            <a:pPr lvl="1">
+              <a:buFont typeface="Wingdings" panose="05000000000000000000" pitchFamily="2" charset="2"/>
+              <a:buChar char="Ø"/>
+            </a:pPr>
+            <a:r>
+              <a:rPr lang="en-US" dirty="0"/>
+              <a:t>Prerequisites</a:t>
+            </a:r>
+          </a:p>
+          <a:p>
+            <a:pPr lvl="2">
+              <a:buFont typeface="Wingdings" panose="05000000000000000000" pitchFamily="2" charset="2"/>
+              <a:buChar char="Ø"/>
+            </a:pPr>
+            <a:r>
+              <a:rPr lang="en-US" dirty="0"/>
+              <a:t>Start with a known stable Java 17 release of app to be built</a:t>
+            </a:r>
+          </a:p>
+          <a:p>
+            <a:pPr lvl="2">
+              <a:buFont typeface="Wingdings" panose="05000000000000000000" pitchFamily="2" charset="2"/>
+              <a:buChar char="Ø"/>
+            </a:pPr>
+            <a:r>
+              <a:rPr lang="en-US" dirty="0"/>
+              <a:t>GraalVM compiler version 22.2.r17 (</a:t>
+            </a:r>
+            <a:r>
+              <a:rPr lang="en-US" dirty="0" err="1"/>
+              <a:t>sdkman</a:t>
+            </a:r>
+            <a:r>
+              <a:rPr lang="en-US" dirty="0"/>
+              <a:t> 22.2.r17-grl)</a:t>
+            </a:r>
+          </a:p>
+          <a:p>
+            <a:pPr lvl="2">
+              <a:buFont typeface="Wingdings" panose="05000000000000000000" pitchFamily="2" charset="2"/>
+              <a:buChar char="Ø"/>
+            </a:pPr>
+            <a:r>
+              <a:rPr lang="en-US" dirty="0" err="1"/>
+              <a:t>Graal</a:t>
+            </a:r>
+            <a:r>
+              <a:rPr lang="en-US" dirty="0"/>
+              <a:t> Updater (for tracing agent) installed</a:t>
+            </a:r>
+          </a:p>
+          <a:p>
+            <a:pPr lvl="2">
+              <a:buFont typeface="Wingdings" panose="05000000000000000000" pitchFamily="2" charset="2"/>
+              <a:buChar char="Ø"/>
+            </a:pPr>
+            <a:r>
+              <a:rPr lang="en-US" dirty="0"/>
+              <a:t>IDE with debugger support (optional, but very helpful)</a:t>
+            </a:r>
+          </a:p>
+          <a:p>
+            <a:pPr lvl="1">
+              <a:buFont typeface="Wingdings" panose="05000000000000000000" pitchFamily="2" charset="2"/>
+              <a:buChar char="Ø"/>
+            </a:pPr>
+            <a:r>
+              <a:rPr lang="en-US" dirty="0"/>
+              <a:t>Step 1 – Starting point, test compile and run</a:t>
+            </a:r>
+          </a:p>
+          <a:p>
+            <a:pPr lvl="2">
+              <a:buFont typeface="Wingdings" panose="05000000000000000000" pitchFamily="2" charset="2"/>
+              <a:buChar char="Ø"/>
+            </a:pPr>
+            <a:r>
+              <a:rPr lang="en-US" dirty="0"/>
+              <a:t>Example basic build command for Qpid</a:t>
+            </a:r>
+          </a:p>
+          <a:p>
+            <a:pPr lvl="3">
+              <a:buFont typeface="Wingdings" panose="05000000000000000000" pitchFamily="2" charset="2"/>
+              <a:buChar char="Ø"/>
+            </a:pPr>
+            <a:r>
+              <a:rPr lang="en-US" dirty="0">
+                <a:latin typeface="Lucida Console" panose="020B0609040504020204" pitchFamily="49" charset="0"/>
+              </a:rPr>
+              <a:t>native-image --no-fallback </a:t>
+            </a:r>
+            <a:r>
+              <a:rPr lang="en-US" dirty="0">
+                <a:solidFill>
+                  <a:srgbClr val="000000"/>
+                </a:solidFill>
+                <a:latin typeface="Lucida Console" panose="020B0609040504020204" pitchFamily="49" charset="0"/>
+              </a:rPr>
+              <a:t>-J-XX:MaxDirectMemorySize=1536m -J-server -</a:t>
+            </a:r>
+            <a:r>
+              <a:rPr lang="en-US" dirty="0" err="1">
+                <a:solidFill>
+                  <a:srgbClr val="000000"/>
+                </a:solidFill>
+                <a:latin typeface="Lucida Console" panose="020B0609040504020204" pitchFamily="49" charset="0"/>
+              </a:rPr>
+              <a:t>Dpolyglot.js.nashorn-compat</a:t>
+            </a:r>
+            <a:r>
+              <a:rPr lang="en-US" dirty="0">
+                <a:solidFill>
+                  <a:srgbClr val="000000"/>
+                </a:solidFill>
+                <a:latin typeface="Lucida Console" panose="020B0609040504020204" pitchFamily="49" charset="0"/>
+              </a:rPr>
+              <a:t>=true -DPNAME=QPBRKR -DQPID_HOME=/</a:t>
+            </a:r>
+            <a:r>
+              <a:rPr lang="en-US" dirty="0" err="1">
+                <a:solidFill>
+                  <a:srgbClr val="000000"/>
+                </a:solidFill>
+                <a:latin typeface="Lucida Console" panose="020B0609040504020204" pitchFamily="49" charset="0"/>
+              </a:rPr>
+              <a:t>usr</a:t>
+            </a:r>
+            <a:r>
+              <a:rPr lang="en-US" dirty="0">
+                <a:solidFill>
+                  <a:srgbClr val="000000"/>
+                </a:solidFill>
+                <a:latin typeface="Lucida Console" panose="020B0609040504020204" pitchFamily="49" charset="0"/>
+              </a:rPr>
+              <a:t>/local/</a:t>
+            </a:r>
+            <a:r>
+              <a:rPr lang="en-US" dirty="0" err="1">
+                <a:solidFill>
+                  <a:srgbClr val="000000"/>
+                </a:solidFill>
+                <a:latin typeface="Lucida Console" panose="020B0609040504020204" pitchFamily="49" charset="0"/>
+              </a:rPr>
+              <a:t>src</a:t>
+            </a:r>
+            <a:r>
+              <a:rPr lang="en-US" dirty="0">
+                <a:solidFill>
+                  <a:srgbClr val="000000"/>
+                </a:solidFill>
+                <a:latin typeface="Lucida Console" panose="020B0609040504020204" pitchFamily="49" charset="0"/>
+              </a:rPr>
+              <a:t>/</a:t>
+            </a:r>
+            <a:r>
+              <a:rPr lang="en-US" dirty="0" err="1">
+                <a:solidFill>
+                  <a:srgbClr val="000000"/>
+                </a:solidFill>
+                <a:latin typeface="Lucida Console" panose="020B0609040504020204" pitchFamily="49" charset="0"/>
+              </a:rPr>
+              <a:t>qpid</a:t>
+            </a:r>
+            <a:r>
+              <a:rPr lang="en-US" dirty="0">
+                <a:solidFill>
+                  <a:srgbClr val="000000"/>
+                </a:solidFill>
+                <a:latin typeface="Lucida Console" panose="020B0609040504020204" pitchFamily="49" charset="0"/>
+              </a:rPr>
+              <a:t>/Qpid4Graal/native/</a:t>
+            </a:r>
+            <a:r>
+              <a:rPr lang="en-US" dirty="0" err="1">
+                <a:solidFill>
+                  <a:srgbClr val="000000"/>
+                </a:solidFill>
+                <a:latin typeface="Lucida Console" panose="020B0609040504020204" pitchFamily="49" charset="0"/>
+              </a:rPr>
+              <a:t>qpid</a:t>
+            </a:r>
+            <a:r>
+              <a:rPr lang="en-US" dirty="0">
+                <a:solidFill>
+                  <a:srgbClr val="000000"/>
+                </a:solidFill>
+                <a:latin typeface="Lucida Console" panose="020B0609040504020204" pitchFamily="49" charset="0"/>
+              </a:rPr>
+              <a:t>-broker/8.0.6 -DQPID_WORK=/var/</a:t>
+            </a:r>
+            <a:r>
+              <a:rPr lang="en-US" dirty="0" err="1">
+                <a:solidFill>
+                  <a:srgbClr val="000000"/>
+                </a:solidFill>
+                <a:latin typeface="Lucida Console" panose="020B0609040504020204" pitchFamily="49" charset="0"/>
+              </a:rPr>
+              <a:t>qpidwork</a:t>
+            </a:r>
+            <a:r>
+              <a:rPr lang="en-US" dirty="0">
+                <a:solidFill>
+                  <a:srgbClr val="000000"/>
+                </a:solidFill>
+                <a:latin typeface="Lucida Console" panose="020B0609040504020204" pitchFamily="49" charset="0"/>
+              </a:rPr>
+              <a:t> -jar qpid-broker-8.0.6.jar </a:t>
+            </a:r>
+            <a:r>
+              <a:rPr lang="en-US" dirty="0" err="1">
+                <a:solidFill>
+                  <a:srgbClr val="000000"/>
+                </a:solidFill>
+                <a:latin typeface="Lucida Console" panose="020B0609040504020204" pitchFamily="49" charset="0"/>
+              </a:rPr>
+              <a:t>qpid</a:t>
+            </a:r>
+            <a:endParaRPr lang="en-US" dirty="0">
+              <a:solidFill>
+                <a:srgbClr val="000000"/>
+              </a:solidFill>
+              <a:latin typeface="Lucida Console" panose="020B0609040504020204" pitchFamily="49" charset="0"/>
+            </a:endParaRPr>
+          </a:p>
+          <a:p>
+            <a:pPr lvl="2">
+              <a:buFont typeface="Wingdings" panose="05000000000000000000" pitchFamily="2" charset="2"/>
+              <a:buChar char="Ø"/>
+            </a:pPr>
+            <a:r>
+              <a:rPr lang="en-US" dirty="0">
+                <a:solidFill>
+                  <a:srgbClr val="000000"/>
+                </a:solidFill>
+              </a:rPr>
+              <a:t>Execute the resulting image</a:t>
+            </a:r>
+          </a:p>
+          <a:p>
+            <a:pPr lvl="3">
+              <a:buFont typeface="Wingdings" panose="05000000000000000000" pitchFamily="2" charset="2"/>
+              <a:buChar char="Ø"/>
+            </a:pPr>
+            <a:r>
+              <a:rPr lang="en-US" dirty="0">
+                <a:solidFill>
+                  <a:srgbClr val="000000"/>
+                </a:solidFill>
+                <a:latin typeface="Lucida Console" panose="020B0609040504020204" pitchFamily="49" charset="0"/>
+              </a:rPr>
+              <a:t>./</a:t>
+            </a:r>
+            <a:r>
+              <a:rPr lang="en-US" dirty="0" err="1">
+                <a:solidFill>
+                  <a:srgbClr val="000000"/>
+                </a:solidFill>
+                <a:latin typeface="Lucida Console" panose="020B0609040504020204" pitchFamily="49" charset="0"/>
+              </a:rPr>
+              <a:t>qpid</a:t>
+            </a:r>
+            <a:r>
+              <a:rPr lang="en-US" dirty="0">
+                <a:solidFill>
+                  <a:srgbClr val="000000"/>
+                </a:solidFill>
+                <a:latin typeface="Lucida Console" panose="020B0609040504020204" pitchFamily="49" charset="0"/>
+              </a:rPr>
+              <a:t> –DPNAME=QPBRKR –DQPID_HOME=/var/local/</a:t>
+            </a:r>
+            <a:r>
+              <a:rPr lang="en-US" dirty="0" err="1">
+                <a:solidFill>
+                  <a:srgbClr val="000000"/>
+                </a:solidFill>
+                <a:latin typeface="Lucida Console" panose="020B0609040504020204" pitchFamily="49" charset="0"/>
+              </a:rPr>
+              <a:t>qpid</a:t>
+            </a:r>
+            <a:r>
+              <a:rPr lang="en-US" dirty="0">
+                <a:solidFill>
+                  <a:srgbClr val="000000"/>
+                </a:solidFill>
+                <a:latin typeface="Lucida Console" panose="020B0609040504020204" pitchFamily="49" charset="0"/>
+              </a:rPr>
+              <a:t> –DQPID_WORK=/var/</a:t>
+            </a:r>
+            <a:r>
+              <a:rPr lang="en-US" dirty="0" err="1">
+                <a:solidFill>
+                  <a:srgbClr val="000000"/>
+                </a:solidFill>
+                <a:latin typeface="Lucida Console" panose="020B0609040504020204" pitchFamily="49" charset="0"/>
+              </a:rPr>
+              <a:t>qpidwork</a:t>
+            </a:r>
+            <a:r>
+              <a:rPr lang="en-US" dirty="0">
+                <a:solidFill>
+                  <a:srgbClr val="000000"/>
+                </a:solidFill>
+                <a:latin typeface="Lucida Console" panose="020B0609040504020204" pitchFamily="49" charset="0"/>
+              </a:rPr>
+              <a:t> –</a:t>
+            </a:r>
+            <a:r>
+              <a:rPr lang="en-US" dirty="0" err="1">
+                <a:solidFill>
+                  <a:srgbClr val="000000"/>
+                </a:solidFill>
+                <a:latin typeface="Lucida Console" panose="020B0609040504020204" pitchFamily="49" charset="0"/>
+              </a:rPr>
+              <a:t>st</a:t>
+            </a:r>
+            <a:r>
+              <a:rPr lang="en-US" dirty="0">
+                <a:solidFill>
+                  <a:srgbClr val="000000"/>
+                </a:solidFill>
+                <a:latin typeface="Lucida Console" panose="020B0609040504020204" pitchFamily="49" charset="0"/>
+              </a:rPr>
+              <a:t> JSON</a:t>
+            </a:r>
+          </a:p>
+          <a:p>
+            <a:pPr lvl="2">
+              <a:buFont typeface="Wingdings" panose="05000000000000000000" pitchFamily="2" charset="2"/>
+              <a:buChar char="Ø"/>
+            </a:pPr>
+            <a:r>
+              <a:rPr lang="en-US" dirty="0">
+                <a:solidFill>
+                  <a:srgbClr val="000000"/>
+                </a:solidFill>
+              </a:rPr>
+              <a:t>On failure, valuable insight is provided</a:t>
+            </a:r>
+          </a:p>
+          <a:p>
+            <a:pPr lvl="3">
+              <a:buFont typeface="Wingdings" panose="05000000000000000000" pitchFamily="2" charset="2"/>
+              <a:buChar char="Ø"/>
+            </a:pPr>
+            <a:r>
+              <a:rPr lang="en-US" dirty="0">
+                <a:solidFill>
+                  <a:srgbClr val="000000"/>
+                </a:solidFill>
+              </a:rPr>
+              <a:t>What command line options are needed</a:t>
+            </a:r>
+          </a:p>
+          <a:p>
+            <a:pPr lvl="3">
+              <a:buFont typeface="Wingdings" panose="05000000000000000000" pitchFamily="2" charset="2"/>
+              <a:buChar char="Ø"/>
+            </a:pPr>
+            <a:r>
+              <a:rPr lang="en-US" dirty="0">
+                <a:solidFill>
+                  <a:srgbClr val="000000"/>
+                </a:solidFill>
+              </a:rPr>
+              <a:t>What issues need to be resolved</a:t>
+            </a:r>
+          </a:p>
+          <a:p>
+            <a:pPr lvl="3">
+              <a:buFont typeface="Wingdings" panose="05000000000000000000" pitchFamily="2" charset="2"/>
+              <a:buChar char="Ø"/>
+            </a:pPr>
+            <a:r>
+              <a:rPr lang="en-US" dirty="0">
+                <a:solidFill>
+                  <a:srgbClr val="000000"/>
+                </a:solidFill>
+              </a:rPr>
+              <a:t>Is it even worth doing</a:t>
+            </a:r>
+          </a:p>
+        </p:txBody>
+      </p:sp>
+    </p:spTree>
+    <p:extLst>
+      <p:ext uri="{BB962C8B-B14F-4D97-AF65-F5344CB8AC3E}">
+        <p14:creationId xmlns:p14="http://schemas.microsoft.com/office/powerpoint/2010/main" val="1101922744"/>
+      </p:ext>
+    </p:extLst>
+  </p:cSld>
+  <p:clrMapOvr>
+    <a:masterClrMapping/>
+  </p:clrMapOvr>
+</p:sld>
+</file>
+
+<file path=ppt/slides/slide25.xml><?xml version="1.0" encoding="utf-8"?>
+<p:sld xmlns:a="http://schemas.openxmlformats.org/drawingml/2006/main" xmlns:r="http://schemas.openxmlformats.org/officeDocument/2006/relationships" xmlns:p="http://schemas.openxmlformats.org/presentationml/2006/main">
+  <p:cSld>
+    <p:spTree>
+      <p:nvGrpSpPr>
+        <p:cNvPr id="1" name=""/>
+        <p:cNvGrpSpPr/>
+        <p:nvPr/>
+      </p:nvGrpSpPr>
+      <p:grpSpPr>
+        <a:xfrm>
+          <a:off x="0" y="0"/>
+          <a:ext cx="0" cy="0"/>
+          <a:chOff x="0" y="0"/>
+          <a:chExt cx="0" cy="0"/>
+        </a:xfrm>
+      </p:grpSpPr>
+      <p:sp>
+        <p:nvSpPr>
+          <p:cNvPr id="2" name="Title 1"/>
+          <p:cNvSpPr>
+            <a:spLocks noGrp="1"/>
+          </p:cNvSpPr>
+          <p:nvPr>
+            <p:ph type="title"/>
+          </p:nvPr>
+        </p:nvSpPr>
+        <p:spPr>
+          <a:xfrm>
+            <a:off x="646111" y="452718"/>
+            <a:ext cx="9404723" cy="910569"/>
+          </a:xfrm>
+        </p:spPr>
+        <p:txBody>
+          <a:bodyPr/>
+          <a:lstStyle/>
+          <a:p>
+            <a:r>
+              <a:rPr lang="en-US" dirty="0"/>
+              <a:t>Native Image Conversion </a:t>
+            </a:r>
+            <a:r>
+              <a:rPr lang="en-US" sz="1800" dirty="0"/>
+              <a:t>(</a:t>
+            </a:r>
+            <a:r>
+              <a:rPr lang="en-US" sz="1800" dirty="0" err="1"/>
+              <a:t>Cont</a:t>
+            </a:r>
+            <a:r>
+              <a:rPr lang="en-US" sz="1800" dirty="0"/>
+              <a:t>)</a:t>
+            </a:r>
+          </a:p>
+        </p:txBody>
+      </p:sp>
+      <p:sp>
+        <p:nvSpPr>
+          <p:cNvPr id="3" name="Content Placeholder 2"/>
+          <p:cNvSpPr>
+            <a:spLocks noGrp="1"/>
+          </p:cNvSpPr>
+          <p:nvPr>
+            <p:ph idx="1"/>
+          </p:nvPr>
+        </p:nvSpPr>
+        <p:spPr>
+          <a:xfrm>
+            <a:off x="646112" y="1363287"/>
+            <a:ext cx="8936196" cy="5120639"/>
+          </a:xfrm>
+        </p:spPr>
+        <p:txBody>
+          <a:bodyPr>
+            <a:normAutofit/>
+          </a:bodyPr>
+          <a:lstStyle/>
+          <a:p>
+            <a:r>
+              <a:rPr lang="en-US" dirty="0"/>
+              <a:t>Detailed Build Process </a:t>
+            </a:r>
+            <a:r>
+              <a:rPr lang="en-US" sz="1100" dirty="0"/>
+              <a:t>(</a:t>
+            </a:r>
+            <a:r>
+              <a:rPr lang="en-US" sz="1100" dirty="0" err="1"/>
+              <a:t>Cont</a:t>
+            </a:r>
+            <a:r>
+              <a:rPr lang="en-US" sz="1100" dirty="0"/>
+              <a:t>)</a:t>
+            </a:r>
+          </a:p>
+          <a:p>
+            <a:pPr lvl="1">
+              <a:buFont typeface="Wingdings" panose="05000000000000000000" pitchFamily="2" charset="2"/>
+              <a:buChar char="Ø"/>
+            </a:pPr>
+            <a:r>
+              <a:rPr lang="en-US" dirty="0"/>
+              <a:t>Step 2 – Debug and Agent Test</a:t>
+            </a:r>
+          </a:p>
+          <a:p>
+            <a:pPr lvl="2">
+              <a:buFont typeface="Wingdings" panose="05000000000000000000" pitchFamily="2" charset="2"/>
+              <a:buChar char="Ø"/>
+            </a:pPr>
+            <a:r>
+              <a:rPr lang="en-US" dirty="0">
+                <a:solidFill>
+                  <a:srgbClr val="000000"/>
+                </a:solidFill>
+              </a:rPr>
+              <a:t>2a: Debug and address any obvious failures</a:t>
+            </a:r>
+          </a:p>
+          <a:p>
+            <a:pPr lvl="3">
+              <a:buFont typeface="Wingdings" panose="05000000000000000000" pitchFamily="2" charset="2"/>
+              <a:buChar char="Ø"/>
+            </a:pPr>
+            <a:r>
+              <a:rPr lang="en-US" dirty="0">
+                <a:solidFill>
+                  <a:srgbClr val="000000"/>
+                </a:solidFill>
+              </a:rPr>
+              <a:t>Add</a:t>
+            </a:r>
+            <a:r>
+              <a:rPr lang="en-US" dirty="0">
+                <a:solidFill>
+                  <a:srgbClr val="000000"/>
+                </a:solidFill>
+                <a:latin typeface="Lucida Console" panose="020B0609040504020204" pitchFamily="49" charset="0"/>
+              </a:rPr>
+              <a:t> </a:t>
+            </a:r>
+            <a:r>
+              <a:rPr lang="en-US" sz="1100" dirty="0">
+                <a:solidFill>
+                  <a:srgbClr val="000000"/>
+                </a:solidFill>
+                <a:latin typeface="Lucida Console" panose="020B0609040504020204" pitchFamily="49" charset="0"/>
+              </a:rPr>
+              <a:t>native-image </a:t>
+            </a:r>
+            <a:r>
+              <a:rPr lang="en-US" dirty="0">
+                <a:solidFill>
+                  <a:srgbClr val="000000"/>
+                </a:solidFill>
+              </a:rPr>
+              <a:t>command line options as needed</a:t>
+            </a:r>
+          </a:p>
+          <a:p>
+            <a:pPr lvl="4">
+              <a:buFont typeface="Wingdings" panose="05000000000000000000" pitchFamily="2" charset="2"/>
+              <a:buChar char="Ø"/>
+            </a:pPr>
+            <a:r>
+              <a:rPr lang="en-US" dirty="0">
+                <a:solidFill>
+                  <a:srgbClr val="000000"/>
+                </a:solidFill>
+              </a:rPr>
+              <a:t>HTTP Protocol</a:t>
+            </a:r>
+          </a:p>
+          <a:p>
+            <a:pPr lvl="4">
+              <a:buFont typeface="Wingdings" panose="05000000000000000000" pitchFamily="2" charset="2"/>
+              <a:buChar char="Ø"/>
+            </a:pPr>
+            <a:r>
+              <a:rPr lang="en-US" dirty="0">
+                <a:solidFill>
+                  <a:srgbClr val="000000"/>
+                </a:solidFill>
+              </a:rPr>
+              <a:t>HTTPS Protocol</a:t>
+            </a:r>
+          </a:p>
+          <a:p>
+            <a:pPr lvl="4">
+              <a:buFont typeface="Wingdings" panose="05000000000000000000" pitchFamily="2" charset="2"/>
+              <a:buChar char="Ø"/>
+            </a:pPr>
+            <a:r>
+              <a:rPr lang="en-US" dirty="0">
+                <a:solidFill>
+                  <a:srgbClr val="000000"/>
+                </a:solidFill>
+              </a:rPr>
+              <a:t>Signal Handlers</a:t>
+            </a:r>
+          </a:p>
+          <a:p>
+            <a:pPr lvl="3">
+              <a:buFont typeface="Wingdings" panose="05000000000000000000" pitchFamily="2" charset="2"/>
+              <a:buChar char="Ø"/>
+            </a:pPr>
+            <a:r>
+              <a:rPr lang="en-US" dirty="0">
+                <a:solidFill>
+                  <a:srgbClr val="000000"/>
+                </a:solidFill>
+              </a:rPr>
+              <a:t>Correct obvious code issues</a:t>
+            </a:r>
+          </a:p>
+          <a:p>
+            <a:pPr lvl="4">
+              <a:buFont typeface="Wingdings" panose="05000000000000000000" pitchFamily="2" charset="2"/>
+              <a:buChar char="Ø"/>
+            </a:pPr>
+            <a:r>
+              <a:rPr lang="en-US" dirty="0">
+                <a:solidFill>
+                  <a:srgbClr val="000000"/>
+                </a:solidFill>
+              </a:rPr>
+              <a:t>Review the </a:t>
+            </a:r>
+            <a:r>
+              <a:rPr lang="en-US" dirty="0">
+                <a:solidFill>
+                  <a:schemeClr val="accent2"/>
+                </a:solidFill>
+                <a:hlinkClick r:id="rId2">
+                  <a:extLst>
+                    <a:ext uri="{A12FA001-AC4F-418D-AE19-62706E023703}">
+                      <ahyp:hlinkClr xmlns:ahyp="http://schemas.microsoft.com/office/drawing/2018/hyperlinkcolor" val="tx"/>
+                    </a:ext>
+                  </a:extLst>
+                </a:hlinkClick>
+              </a:rPr>
+              <a:t>Native Image Compatibility Guide</a:t>
+            </a:r>
+            <a:endParaRPr lang="en-US" dirty="0">
+              <a:solidFill>
+                <a:schemeClr val="accent2"/>
+              </a:solidFill>
+            </a:endParaRPr>
+          </a:p>
+          <a:p>
+            <a:pPr lvl="4">
+              <a:buFont typeface="Wingdings" panose="05000000000000000000" pitchFamily="2" charset="2"/>
+              <a:buChar char="Ø"/>
+            </a:pPr>
+            <a:r>
+              <a:rPr lang="en-US" dirty="0">
+                <a:solidFill>
+                  <a:schemeClr val="tx1"/>
+                </a:solidFill>
+              </a:rPr>
+              <a:t>Review</a:t>
+            </a:r>
+            <a:r>
+              <a:rPr lang="en-US" dirty="0">
+                <a:solidFill>
+                  <a:schemeClr val="accent2"/>
+                </a:solidFill>
+              </a:rPr>
+              <a:t> </a:t>
+            </a:r>
+            <a:r>
+              <a:rPr lang="en-US" dirty="0">
+                <a:solidFill>
+                  <a:schemeClr val="accent2"/>
+                </a:solidFill>
+                <a:hlinkClick r:id="rId3">
+                  <a:extLst>
+                    <a:ext uri="{A12FA001-AC4F-418D-AE19-62706E023703}">
+                      <ahyp:hlinkClr xmlns:ahyp="http://schemas.microsoft.com/office/drawing/2018/hyperlinkcolor" val="tx"/>
+                    </a:ext>
+                  </a:extLst>
+                </a:hlinkClick>
+              </a:rPr>
+              <a:t>Spring Native Image Documentation</a:t>
+            </a:r>
+            <a:endParaRPr lang="en-US" dirty="0">
+              <a:solidFill>
+                <a:schemeClr val="accent2"/>
+              </a:solidFill>
+            </a:endParaRPr>
+          </a:p>
+          <a:p>
+            <a:pPr lvl="3">
+              <a:buFont typeface="Wingdings" panose="05000000000000000000" pitchFamily="2" charset="2"/>
+              <a:buChar char="Ø"/>
+            </a:pPr>
+            <a:r>
+              <a:rPr lang="en-US" dirty="0">
+                <a:solidFill>
+                  <a:srgbClr val="000000"/>
+                </a:solidFill>
+              </a:rPr>
+              <a:t>Add missing resources to the build/image path</a:t>
+            </a:r>
+          </a:p>
+          <a:p>
+            <a:pPr lvl="4">
+              <a:buFont typeface="Wingdings" panose="05000000000000000000" pitchFamily="2" charset="2"/>
+              <a:buChar char="Ø"/>
+            </a:pPr>
+            <a:r>
+              <a:rPr lang="en-US" dirty="0">
+                <a:solidFill>
+                  <a:srgbClr val="000000"/>
+                </a:solidFill>
+              </a:rPr>
+              <a:t>Database driver(s)</a:t>
+            </a:r>
+          </a:p>
+          <a:p>
+            <a:pPr lvl="4">
+              <a:buFont typeface="Wingdings" panose="05000000000000000000" pitchFamily="2" charset="2"/>
+              <a:buChar char="Ø"/>
+            </a:pPr>
+            <a:r>
+              <a:rPr lang="en-US" dirty="0">
+                <a:solidFill>
+                  <a:srgbClr val="000000"/>
+                </a:solidFill>
+              </a:rPr>
+              <a:t>Locale bundle(s)</a:t>
+            </a:r>
+          </a:p>
+          <a:p>
+            <a:pPr lvl="4">
+              <a:buFont typeface="Wingdings" panose="05000000000000000000" pitchFamily="2" charset="2"/>
+              <a:buChar char="Ø"/>
+            </a:pPr>
+            <a:r>
+              <a:rPr lang="en-US" dirty="0">
+                <a:solidFill>
+                  <a:srgbClr val="000000"/>
+                </a:solidFill>
+              </a:rPr>
+              <a:t>Property files</a:t>
+            </a:r>
+          </a:p>
+          <a:p>
+            <a:pPr lvl="4">
+              <a:buFont typeface="Wingdings" panose="05000000000000000000" pitchFamily="2" charset="2"/>
+              <a:buChar char="Ø"/>
+            </a:pPr>
+            <a:r>
+              <a:rPr lang="en-US" dirty="0">
+                <a:solidFill>
+                  <a:srgbClr val="000000"/>
+                </a:solidFill>
+              </a:rPr>
+              <a:t>Manifest file (Main class)</a:t>
+            </a:r>
+          </a:p>
+          <a:p>
+            <a:pPr lvl="2">
+              <a:buFont typeface="Wingdings" panose="05000000000000000000" pitchFamily="2" charset="2"/>
+              <a:buChar char="Ø"/>
+            </a:pPr>
+            <a:endParaRPr lang="en-US" dirty="0">
+              <a:solidFill>
+                <a:srgbClr val="000000"/>
+              </a:solidFill>
+            </a:endParaRPr>
+          </a:p>
+        </p:txBody>
+      </p:sp>
+    </p:spTree>
+    <p:extLst>
+      <p:ext uri="{BB962C8B-B14F-4D97-AF65-F5344CB8AC3E}">
+        <p14:creationId xmlns:p14="http://schemas.microsoft.com/office/powerpoint/2010/main" val="3738767005"/>
+      </p:ext>
+    </p:extLst>
+  </p:cSld>
+  <p:clrMapOvr>
+    <a:masterClrMapping/>
+  </p:clrMapOvr>
+</p:sld>
+</file>
+
+<file path=ppt/slides/slide26.xml><?xml version="1.0" encoding="utf-8"?>
+<p:sld xmlns:a="http://schemas.openxmlformats.org/drawingml/2006/main" xmlns:r="http://schemas.openxmlformats.org/officeDocument/2006/relationships" xmlns:p="http://schemas.openxmlformats.org/presentationml/2006/main">
+  <p:cSld>
+    <p:spTree>
+      <p:nvGrpSpPr>
+        <p:cNvPr id="1" name=""/>
+        <p:cNvGrpSpPr/>
+        <p:nvPr/>
+      </p:nvGrpSpPr>
+      <p:grpSpPr>
+        <a:xfrm>
+          <a:off x="0" y="0"/>
+          <a:ext cx="0" cy="0"/>
+          <a:chOff x="0" y="0"/>
+          <a:chExt cx="0" cy="0"/>
+        </a:xfrm>
+      </p:grpSpPr>
+      <p:sp>
+        <p:nvSpPr>
+          <p:cNvPr id="2" name="Title 1"/>
+          <p:cNvSpPr>
+            <a:spLocks noGrp="1"/>
+          </p:cNvSpPr>
+          <p:nvPr>
+            <p:ph type="title"/>
+          </p:nvPr>
+        </p:nvSpPr>
+        <p:spPr>
+          <a:xfrm>
+            <a:off x="646111" y="452718"/>
+            <a:ext cx="9404723" cy="910569"/>
+          </a:xfrm>
+        </p:spPr>
+        <p:txBody>
+          <a:bodyPr/>
+          <a:lstStyle/>
+          <a:p>
+            <a:r>
+              <a:rPr lang="en-US" dirty="0"/>
+              <a:t>Native Image Conversion </a:t>
+            </a:r>
+            <a:r>
+              <a:rPr lang="en-US" sz="1800" dirty="0"/>
+              <a:t>(</a:t>
+            </a:r>
+            <a:r>
+              <a:rPr lang="en-US" sz="1800" dirty="0" err="1"/>
+              <a:t>Cont</a:t>
+            </a:r>
+            <a:r>
+              <a:rPr lang="en-US" sz="1800" dirty="0"/>
+              <a:t>)</a:t>
+            </a:r>
+          </a:p>
+        </p:txBody>
+      </p:sp>
+      <p:sp>
+        <p:nvSpPr>
+          <p:cNvPr id="3" name="Content Placeholder 2"/>
+          <p:cNvSpPr>
+            <a:spLocks noGrp="1"/>
+          </p:cNvSpPr>
+          <p:nvPr>
+            <p:ph idx="1"/>
+          </p:nvPr>
+        </p:nvSpPr>
+        <p:spPr>
+          <a:xfrm>
+            <a:off x="646111" y="1363287"/>
+            <a:ext cx="9403743" cy="5120639"/>
+          </a:xfrm>
+        </p:spPr>
+        <p:txBody>
+          <a:bodyPr>
+            <a:normAutofit lnSpcReduction="10000"/>
+          </a:bodyPr>
+          <a:lstStyle/>
+          <a:p>
+            <a:r>
+              <a:rPr lang="en-US" dirty="0"/>
+              <a:t>Detailed Build Process </a:t>
+            </a:r>
+            <a:r>
+              <a:rPr lang="en-US" sz="1100" dirty="0"/>
+              <a:t>(</a:t>
+            </a:r>
+            <a:r>
+              <a:rPr lang="en-US" sz="1100" dirty="0" err="1"/>
+              <a:t>Cont</a:t>
+            </a:r>
+            <a:r>
+              <a:rPr lang="en-US" sz="1100" dirty="0"/>
+              <a:t>)</a:t>
+            </a:r>
+          </a:p>
+          <a:p>
+            <a:pPr lvl="1">
+              <a:buFont typeface="Wingdings" panose="05000000000000000000" pitchFamily="2" charset="2"/>
+              <a:buChar char="Ø"/>
+            </a:pPr>
+            <a:r>
+              <a:rPr lang="en-US" dirty="0"/>
+              <a:t>Step 2 – Debug and Agent Test</a:t>
+            </a:r>
+          </a:p>
+          <a:p>
+            <a:pPr lvl="2">
+              <a:buFont typeface="Wingdings" panose="05000000000000000000" pitchFamily="2" charset="2"/>
+              <a:buChar char="Ø"/>
+            </a:pPr>
+            <a:r>
+              <a:rPr lang="en-US" dirty="0"/>
+              <a:t>2b: Run the Tracing Agent</a:t>
+            </a:r>
+          </a:p>
+          <a:p>
+            <a:pPr lvl="3">
+              <a:buFont typeface="Wingdings" panose="05000000000000000000" pitchFamily="2" charset="2"/>
+              <a:buChar char="Ø"/>
+            </a:pPr>
+            <a:r>
+              <a:rPr lang="en-US" dirty="0"/>
+              <a:t>Purpose</a:t>
+            </a:r>
+          </a:p>
+          <a:p>
+            <a:pPr lvl="4">
+              <a:buFont typeface="Wingdings" panose="05000000000000000000" pitchFamily="2" charset="2"/>
+              <a:buChar char="Ø"/>
+            </a:pPr>
+            <a:r>
+              <a:rPr lang="en-US" dirty="0">
+                <a:solidFill>
+                  <a:srgbClr val="000000"/>
+                </a:solidFill>
+              </a:rPr>
+              <a:t>Tracks resources and classes used at run time</a:t>
+            </a:r>
+          </a:p>
+          <a:p>
+            <a:pPr lvl="4">
+              <a:buFont typeface="Wingdings" panose="05000000000000000000" pitchFamily="2" charset="2"/>
+              <a:buChar char="Ø"/>
+            </a:pPr>
+            <a:r>
+              <a:rPr lang="en-US" dirty="0">
+                <a:solidFill>
+                  <a:srgbClr val="000000"/>
+                </a:solidFill>
+              </a:rPr>
+              <a:t>Creates/updates configuration files as needed for build time</a:t>
+            </a:r>
+          </a:p>
+          <a:p>
+            <a:pPr lvl="4">
+              <a:buFont typeface="Wingdings" panose="05000000000000000000" pitchFamily="2" charset="2"/>
+              <a:buChar char="Ø"/>
+            </a:pPr>
+            <a:r>
+              <a:rPr lang="en-US" dirty="0">
+                <a:solidFill>
+                  <a:srgbClr val="000000"/>
+                </a:solidFill>
+              </a:rPr>
+              <a:t>Requires Java run-time testing</a:t>
+            </a:r>
+          </a:p>
+          <a:p>
+            <a:pPr lvl="3">
+              <a:buFont typeface="Wingdings" panose="05000000000000000000" pitchFamily="2" charset="2"/>
+              <a:buChar char="Ø"/>
+            </a:pPr>
+            <a:r>
+              <a:rPr lang="en-US" dirty="0">
+                <a:solidFill>
+                  <a:srgbClr val="000000"/>
+                </a:solidFill>
+              </a:rPr>
+              <a:t>Install the tracing agent using the </a:t>
+            </a:r>
+            <a:r>
+              <a:rPr lang="en-US" dirty="0">
+                <a:solidFill>
+                  <a:schemeClr val="accent2"/>
+                </a:solidFill>
+                <a:hlinkClick r:id="rId2">
+                  <a:extLst>
+                    <a:ext uri="{A12FA001-AC4F-418D-AE19-62706E023703}">
+                      <ahyp:hlinkClr xmlns:ahyp="http://schemas.microsoft.com/office/drawing/2018/hyperlinkcolor" val="tx"/>
+                    </a:ext>
+                  </a:extLst>
+                </a:hlinkClick>
+              </a:rPr>
+              <a:t>GraalVM Updater</a:t>
+            </a:r>
+            <a:endParaRPr lang="en-US" dirty="0">
+              <a:solidFill>
+                <a:schemeClr val="accent2"/>
+              </a:solidFill>
+            </a:endParaRPr>
+          </a:p>
+          <a:p>
+            <a:pPr lvl="3">
+              <a:buFont typeface="Wingdings" panose="05000000000000000000" pitchFamily="2" charset="2"/>
+              <a:buChar char="Ø"/>
+            </a:pPr>
+            <a:r>
+              <a:rPr lang="en-US" dirty="0">
+                <a:solidFill>
+                  <a:srgbClr val="000000"/>
+                </a:solidFill>
+              </a:rPr>
+              <a:t>Run the Java application with the tracing agent:</a:t>
+            </a:r>
+          </a:p>
+          <a:p>
+            <a:pPr lvl="4">
+              <a:buFont typeface="Wingdings" panose="05000000000000000000" pitchFamily="2" charset="2"/>
+              <a:buChar char="Ø"/>
+            </a:pPr>
+            <a:r>
+              <a:rPr lang="en-US" dirty="0">
+                <a:solidFill>
+                  <a:schemeClr val="tx1"/>
+                </a:solidFill>
+              </a:rPr>
+              <a:t>Via command line:</a:t>
+            </a:r>
+          </a:p>
+          <a:p>
+            <a:pPr lvl="5">
+              <a:buFont typeface="Wingdings" panose="05000000000000000000" pitchFamily="2" charset="2"/>
+              <a:buChar char="Ø"/>
+            </a:pPr>
+            <a:r>
+              <a:rPr lang="en-US" sz="1100" dirty="0">
+                <a:latin typeface="Lucida Console" panose="020B0609040504020204" pitchFamily="49" charset="0"/>
+              </a:rPr>
+              <a:t>java -</a:t>
+            </a:r>
+            <a:r>
+              <a:rPr lang="en-US" sz="1100" dirty="0" err="1">
+                <a:latin typeface="Lucida Console" panose="020B0609040504020204" pitchFamily="49" charset="0"/>
+              </a:rPr>
+              <a:t>agentlib:native-image-agent</a:t>
+            </a:r>
+            <a:r>
+              <a:rPr lang="en-US" sz="1100" dirty="0">
+                <a:latin typeface="Lucida Console" panose="020B0609040504020204" pitchFamily="49" charset="0"/>
+              </a:rPr>
+              <a:t>=config-merge-</a:t>
+            </a:r>
+            <a:r>
+              <a:rPr lang="en-US" sz="1100" dirty="0" err="1">
+                <a:latin typeface="Lucida Console" panose="020B0609040504020204" pitchFamily="49" charset="0"/>
+              </a:rPr>
+              <a:t>dir</a:t>
+            </a:r>
+            <a:r>
+              <a:rPr lang="en-US" sz="1100" dirty="0">
+                <a:latin typeface="Lucida Console" panose="020B0609040504020204" pitchFamily="49" charset="0"/>
+              </a:rPr>
+              <a:t>=${BUILDPATH}/</a:t>
+            </a:r>
+            <a:r>
+              <a:rPr lang="en-US" sz="1100" dirty="0" err="1">
+                <a:latin typeface="Lucida Console" panose="020B0609040504020204" pitchFamily="49" charset="0"/>
+              </a:rPr>
+              <a:t>src</a:t>
+            </a:r>
+            <a:r>
+              <a:rPr lang="en-US" sz="1100" dirty="0">
+                <a:latin typeface="Lucida Console" panose="020B0609040504020204" pitchFamily="49" charset="0"/>
+              </a:rPr>
+              <a:t>/main/resources/META-INF/native-image -server –</a:t>
+            </a:r>
+            <a:r>
+              <a:rPr lang="en-US" sz="1100" dirty="0" err="1">
+                <a:latin typeface="Lucida Console" panose="020B0609040504020204" pitchFamily="49" charset="0"/>
+              </a:rPr>
+              <a:t>classpath</a:t>
+            </a:r>
+            <a:r>
+              <a:rPr lang="en-US" sz="1100" dirty="0">
+                <a:latin typeface="Lucida Console" panose="020B0609040504020204" pitchFamily="49" charset="0"/>
+              </a:rPr>
+              <a:t> &lt;CLASSPATH&gt; -</a:t>
+            </a:r>
+            <a:r>
+              <a:rPr lang="en-US" sz="1100" dirty="0" err="1">
+                <a:latin typeface="Lucida Console" panose="020B0609040504020204" pitchFamily="49" charset="0"/>
+              </a:rPr>
+              <a:t>Dpolyglot.js.nashorn-compat</a:t>
+            </a:r>
+            <a:r>
+              <a:rPr lang="en-US" sz="1100" dirty="0">
+                <a:latin typeface="Lucida Console" panose="020B0609040504020204" pitchFamily="49" charset="0"/>
+              </a:rPr>
+              <a:t>=true -DPNAME=QPBRKR -XX:+</a:t>
+            </a:r>
+            <a:r>
+              <a:rPr lang="en-US" sz="1100" dirty="0" err="1">
+                <a:latin typeface="Lucida Console" panose="020B0609040504020204" pitchFamily="49" charset="0"/>
+              </a:rPr>
+              <a:t>HeapDumpOnOutOfMemoryError</a:t>
+            </a:r>
+            <a:r>
+              <a:rPr lang="en-US" sz="1100" dirty="0">
+                <a:latin typeface="Lucida Console" panose="020B0609040504020204" pitchFamily="49" charset="0"/>
+              </a:rPr>
+              <a:t> -Xmx512m -</a:t>
+            </a:r>
+            <a:r>
+              <a:rPr lang="en-US" sz="1100" dirty="0" err="1">
+                <a:latin typeface="Lucida Console" panose="020B0609040504020204" pitchFamily="49" charset="0"/>
+              </a:rPr>
+              <a:t>XX:MaxDirectMemorySize</a:t>
+            </a:r>
+            <a:r>
+              <a:rPr lang="en-US" sz="1100" dirty="0">
+                <a:latin typeface="Lucida Console" panose="020B0609040504020204" pitchFamily="49" charset="0"/>
+              </a:rPr>
+              <a:t>=1536m -DQPID_HOME=/</a:t>
+            </a:r>
+            <a:r>
+              <a:rPr lang="en-US" sz="1100" dirty="0" err="1">
+                <a:latin typeface="Lucida Console" panose="020B0609040504020204" pitchFamily="49" charset="0"/>
+              </a:rPr>
+              <a:t>usr</a:t>
+            </a:r>
+            <a:r>
+              <a:rPr lang="en-US" sz="1100" dirty="0">
+                <a:latin typeface="Lucida Console" panose="020B0609040504020204" pitchFamily="49" charset="0"/>
+              </a:rPr>
+              <a:t>/local/</a:t>
+            </a:r>
+            <a:r>
+              <a:rPr lang="en-US" sz="1100" dirty="0" err="1">
+                <a:latin typeface="Lucida Console" panose="020B0609040504020204" pitchFamily="49" charset="0"/>
+              </a:rPr>
+              <a:t>src</a:t>
+            </a:r>
+            <a:r>
+              <a:rPr lang="en-US" sz="1100" dirty="0">
+                <a:latin typeface="Lucida Console" panose="020B0609040504020204" pitchFamily="49" charset="0"/>
+              </a:rPr>
+              <a:t>/</a:t>
+            </a:r>
+            <a:r>
+              <a:rPr lang="en-US" sz="1100" dirty="0" err="1">
+                <a:latin typeface="Lucida Console" panose="020B0609040504020204" pitchFamily="49" charset="0"/>
+              </a:rPr>
+              <a:t>qpid</a:t>
+            </a:r>
+            <a:r>
+              <a:rPr lang="en-US" sz="1100" dirty="0">
+                <a:latin typeface="Lucida Console" panose="020B0609040504020204" pitchFamily="49" charset="0"/>
+              </a:rPr>
+              <a:t>/Qpid4Graal/native/</a:t>
+            </a:r>
+            <a:r>
+              <a:rPr lang="en-US" sz="1100" dirty="0" err="1">
+                <a:latin typeface="Lucida Console" panose="020B0609040504020204" pitchFamily="49" charset="0"/>
+              </a:rPr>
+              <a:t>qpid</a:t>
+            </a:r>
+            <a:r>
+              <a:rPr lang="en-US" sz="1100" dirty="0">
+                <a:latin typeface="Lucida Console" panose="020B0609040504020204" pitchFamily="49" charset="0"/>
+              </a:rPr>
+              <a:t>-broker/8.0.6 -DQPID_WORK=/var/</a:t>
+            </a:r>
+            <a:r>
+              <a:rPr lang="en-US" sz="1100" dirty="0" err="1">
+                <a:latin typeface="Lucida Console" panose="020B0609040504020204" pitchFamily="49" charset="0"/>
+              </a:rPr>
+              <a:t>qpidwork</a:t>
+            </a:r>
+            <a:r>
+              <a:rPr lang="en-US" sz="1100" dirty="0">
+                <a:latin typeface="Lucida Console" panose="020B0609040504020204" pitchFamily="49" charset="0"/>
+              </a:rPr>
+              <a:t> </a:t>
+            </a:r>
+            <a:r>
+              <a:rPr lang="en-US" sz="1100" dirty="0" err="1">
+                <a:latin typeface="Lucida Console" panose="020B0609040504020204" pitchFamily="49" charset="0"/>
+              </a:rPr>
+              <a:t>org.apache.qpid.server.Main</a:t>
+            </a:r>
+            <a:r>
+              <a:rPr lang="en-US" sz="1100" dirty="0">
+                <a:latin typeface="Lucida Console" panose="020B0609040504020204" pitchFamily="49" charset="0"/>
+              </a:rPr>
+              <a:t> -</a:t>
+            </a:r>
+            <a:r>
+              <a:rPr lang="en-US" sz="1100" dirty="0" err="1">
+                <a:latin typeface="Lucida Console" panose="020B0609040504020204" pitchFamily="49" charset="0"/>
+              </a:rPr>
+              <a:t>st</a:t>
+            </a:r>
+            <a:r>
+              <a:rPr lang="en-US" sz="1100" dirty="0">
+                <a:latin typeface="Lucida Console" panose="020B0609040504020204" pitchFamily="49" charset="0"/>
+              </a:rPr>
+              <a:t> BDB</a:t>
+            </a:r>
+          </a:p>
+          <a:p>
+            <a:pPr lvl="4">
+              <a:buFont typeface="Wingdings" panose="05000000000000000000" pitchFamily="2" charset="2"/>
+              <a:buChar char="Ø"/>
+            </a:pPr>
+            <a:r>
+              <a:rPr lang="en-US" dirty="0">
+                <a:solidFill>
+                  <a:srgbClr val="000000"/>
+                </a:solidFill>
+              </a:rPr>
+              <a:t>Via environment variable</a:t>
+            </a:r>
+          </a:p>
+          <a:p>
+            <a:pPr lvl="5">
+              <a:buFont typeface="Wingdings" panose="05000000000000000000" pitchFamily="2" charset="2"/>
+              <a:buChar char="Ø"/>
+            </a:pPr>
+            <a:r>
+              <a:rPr lang="en-US" sz="1100" b="0" i="0" dirty="0">
+                <a:solidFill>
+                  <a:schemeClr val="tx1">
+                    <a:lumMod val="95000"/>
+                    <a:lumOff val="5000"/>
+                  </a:schemeClr>
+                </a:solidFill>
+                <a:effectLst/>
+                <a:latin typeface="Lucida Console" panose="020B0609040504020204" pitchFamily="49" charset="0"/>
+              </a:rPr>
+              <a:t>export JAVA_TOOL_OPTIONS="</a:t>
+            </a:r>
+            <a:r>
+              <a:rPr lang="en-US" sz="1100" dirty="0">
+                <a:latin typeface="Lucida Console" panose="020B0609040504020204" pitchFamily="49" charset="0"/>
+              </a:rPr>
+              <a:t>-</a:t>
+            </a:r>
+            <a:r>
+              <a:rPr lang="en-US" sz="1100" dirty="0" err="1">
+                <a:latin typeface="Lucida Console" panose="020B0609040504020204" pitchFamily="49" charset="0"/>
+              </a:rPr>
+              <a:t>agentlib:native-image-agent</a:t>
+            </a:r>
+            <a:r>
+              <a:rPr lang="en-US" sz="1100" dirty="0">
+                <a:latin typeface="Lucida Console" panose="020B0609040504020204" pitchFamily="49" charset="0"/>
+              </a:rPr>
+              <a:t>=config-merge-</a:t>
+            </a:r>
+            <a:r>
+              <a:rPr lang="en-US" sz="1100" dirty="0" err="1">
+                <a:latin typeface="Lucida Console" panose="020B0609040504020204" pitchFamily="49" charset="0"/>
+              </a:rPr>
+              <a:t>dir</a:t>
+            </a:r>
+            <a:r>
+              <a:rPr lang="en-US" sz="1100" dirty="0">
+                <a:latin typeface="Lucida Console" panose="020B0609040504020204" pitchFamily="49" charset="0"/>
+              </a:rPr>
+              <a:t>=${BUILDPATH}/</a:t>
+            </a:r>
+            <a:r>
+              <a:rPr lang="en-US" sz="1100" dirty="0" err="1">
+                <a:latin typeface="Lucida Console" panose="020B0609040504020204" pitchFamily="49" charset="0"/>
+              </a:rPr>
+              <a:t>src</a:t>
+            </a:r>
+            <a:r>
+              <a:rPr lang="en-US" sz="1100" dirty="0">
+                <a:latin typeface="Lucida Console" panose="020B0609040504020204" pitchFamily="49" charset="0"/>
+              </a:rPr>
+              <a:t>/main/resources/META-INF/native-image</a:t>
+            </a:r>
+            <a:r>
+              <a:rPr lang="en-US" sz="1100" b="0" i="0" dirty="0">
+                <a:solidFill>
+                  <a:schemeClr val="tx1">
+                    <a:lumMod val="95000"/>
+                    <a:lumOff val="5000"/>
+                  </a:schemeClr>
+                </a:solidFill>
+                <a:effectLst/>
+                <a:latin typeface="Lucida Console" panose="020B0609040504020204" pitchFamily="49" charset="0"/>
+              </a:rPr>
+              <a:t>"</a:t>
+            </a:r>
+            <a:endParaRPr lang="en-US" sz="1100" dirty="0">
+              <a:solidFill>
+                <a:schemeClr val="tx1">
+                  <a:lumMod val="95000"/>
+                  <a:lumOff val="5000"/>
+                </a:schemeClr>
+              </a:solidFill>
+              <a:latin typeface="Lucida Console" panose="020B0609040504020204" pitchFamily="49" charset="0"/>
+            </a:endParaRPr>
+          </a:p>
+        </p:txBody>
+      </p:sp>
+    </p:spTree>
+    <p:extLst>
+      <p:ext uri="{BB962C8B-B14F-4D97-AF65-F5344CB8AC3E}">
+        <p14:creationId xmlns:p14="http://schemas.microsoft.com/office/powerpoint/2010/main" val="1779215433"/>
+      </p:ext>
+    </p:extLst>
+  </p:cSld>
+  <p:clrMapOvr>
+    <a:masterClrMapping/>
+  </p:clrMapOvr>
+</p:sld>
+</file>
+
+<file path=ppt/slides/slide27.xml><?xml version="1.0" encoding="utf-8"?>
+<p:sld xmlns:a="http://schemas.openxmlformats.org/drawingml/2006/main" xmlns:r="http://schemas.openxmlformats.org/officeDocument/2006/relationships" xmlns:p="http://schemas.openxmlformats.org/presentationml/2006/main">
+  <p:cSld>
+    <p:spTree>
+      <p:nvGrpSpPr>
+        <p:cNvPr id="1" name=""/>
+        <p:cNvGrpSpPr/>
+        <p:nvPr/>
+      </p:nvGrpSpPr>
+      <p:grpSpPr>
+        <a:xfrm>
+          <a:off x="0" y="0"/>
+          <a:ext cx="0" cy="0"/>
+          <a:chOff x="0" y="0"/>
+          <a:chExt cx="0" cy="0"/>
+        </a:xfrm>
+      </p:grpSpPr>
+      <p:sp>
+        <p:nvSpPr>
+          <p:cNvPr id="2" name="Title 1"/>
+          <p:cNvSpPr>
+            <a:spLocks noGrp="1"/>
+          </p:cNvSpPr>
+          <p:nvPr>
+            <p:ph type="title"/>
+          </p:nvPr>
+        </p:nvSpPr>
+        <p:spPr>
+          <a:xfrm>
+            <a:off x="646111" y="452718"/>
+            <a:ext cx="9404723" cy="910569"/>
+          </a:xfrm>
+        </p:spPr>
+        <p:txBody>
+          <a:bodyPr/>
+          <a:lstStyle/>
+          <a:p>
+            <a:r>
+              <a:rPr lang="en-US" dirty="0"/>
+              <a:t>Native Image Conversion </a:t>
+            </a:r>
+            <a:r>
+              <a:rPr lang="en-US" sz="1800" dirty="0"/>
+              <a:t>(</a:t>
+            </a:r>
+            <a:r>
+              <a:rPr lang="en-US" sz="1800" dirty="0" err="1"/>
+              <a:t>Cont</a:t>
+            </a:r>
+            <a:r>
+              <a:rPr lang="en-US" sz="1800" dirty="0"/>
+              <a:t>)</a:t>
+            </a:r>
+          </a:p>
+        </p:txBody>
+      </p:sp>
+      <p:sp>
+        <p:nvSpPr>
+          <p:cNvPr id="3" name="Content Placeholder 2"/>
+          <p:cNvSpPr>
+            <a:spLocks noGrp="1"/>
+          </p:cNvSpPr>
+          <p:nvPr>
+            <p:ph idx="1"/>
+          </p:nvPr>
+        </p:nvSpPr>
+        <p:spPr>
+          <a:xfrm>
+            <a:off x="646111" y="1363287"/>
+            <a:ext cx="9403743" cy="5120639"/>
+          </a:xfrm>
+        </p:spPr>
+        <p:txBody>
+          <a:bodyPr>
+            <a:normAutofit/>
+          </a:bodyPr>
+          <a:lstStyle/>
+          <a:p>
+            <a:r>
+              <a:rPr lang="en-US" dirty="0"/>
+              <a:t>Detailed Build Process </a:t>
+            </a:r>
+            <a:r>
+              <a:rPr lang="en-US" sz="1100" dirty="0"/>
+              <a:t>(</a:t>
+            </a:r>
+            <a:r>
+              <a:rPr lang="en-US" sz="1100" dirty="0" err="1"/>
+              <a:t>Cont</a:t>
+            </a:r>
+            <a:r>
+              <a:rPr lang="en-US" sz="1100" dirty="0"/>
+              <a:t>)</a:t>
+            </a:r>
+          </a:p>
+          <a:p>
+            <a:pPr lvl="1">
+              <a:buFont typeface="Wingdings" panose="05000000000000000000" pitchFamily="2" charset="2"/>
+              <a:buChar char="Ø"/>
+            </a:pPr>
+            <a:r>
+              <a:rPr lang="en-US" dirty="0"/>
+              <a:t>Step 2</a:t>
+            </a:r>
+            <a:endParaRPr lang="en-US" dirty="0">
+              <a:solidFill>
+                <a:srgbClr val="000000"/>
+              </a:solidFill>
+            </a:endParaRPr>
+          </a:p>
+        </p:txBody>
+      </p:sp>
+    </p:spTree>
+    <p:extLst>
+      <p:ext uri="{BB962C8B-B14F-4D97-AF65-F5344CB8AC3E}">
+        <p14:creationId xmlns:p14="http://schemas.microsoft.com/office/powerpoint/2010/main" val="2554981032"/>
+      </p:ext>
+    </p:extLst>
+  </p:cSld>
+  <p:clrMapOvr>
+    <a:masterClrMapping/>
+  </p:clrMapOvr>
+</p:sld>
+</file>
+
+<file path=ppt/slides/slide28.xml><?xml version="1.0" encoding="utf-8"?>
+<p:sld xmlns:a="http://schemas.openxmlformats.org/drawingml/2006/main" xmlns:r="http://schemas.openxmlformats.org/officeDocument/2006/relationships" xmlns:p="http://schemas.openxmlformats.org/presentationml/2006/main">
+  <p:cSld>
+    <p:spTree>
+      <p:nvGrpSpPr>
+        <p:cNvPr id="1" name=""/>
+        <p:cNvGrpSpPr/>
+        <p:nvPr/>
+      </p:nvGrpSpPr>
+      <p:grpSpPr>
+        <a:xfrm>
+          <a:off x="0" y="0"/>
+          <a:ext cx="0" cy="0"/>
+          <a:chOff x="0" y="0"/>
+          <a:chExt cx="0" cy="0"/>
+        </a:xfrm>
+      </p:grpSpPr>
+      <p:sp>
+        <p:nvSpPr>
           <p:cNvPr id="2" name="Title 1">
             <a:extLst>
               <a:ext uri="{FF2B5EF4-FFF2-40B4-BE49-F238E27FC236}">
@@ -9718,7 +11764,7 @@
 </p:sld>
 </file>
 
-<file path=ppt/slides/slide23.xml><?xml version="1.0" encoding="utf-8"?>
+<file path=ppt/slides/slide29.xml><?xml version="1.0" encoding="utf-8"?>
 <p:sld xmlns:a="http://schemas.openxmlformats.org/drawingml/2006/main" xmlns:r="http://schemas.openxmlformats.org/officeDocument/2006/relationships" xmlns:p="http://schemas.openxmlformats.org/presentationml/2006/main">
   <p:cSld>
     <p:spTree>
@@ -9758,11 +11804,13 @@
           </a:xfrm>
         </p:spPr>
         <p:txBody>
-          <a:bodyPr anchor="t" anchorCtr="0"/>
+          <a:bodyPr anchor="t" anchorCtr="0">
+            <a:normAutofit/>
+          </a:bodyPr>
           <a:lstStyle/>
           <a:p>
             <a:r>
-              <a:rPr lang="en-US" dirty="0"/>
+              <a:rPr lang="en-US" sz="4200" dirty="0"/>
               <a:t>References</a:t>
             </a:r>
           </a:p>
@@ -9799,12 +11847,9 @@
               <a:buChar char="•"/>
             </a:pPr>
             <a:r>
-              <a:rPr lang="en-US" dirty="0">
-                <a:solidFill>
-                  <a:schemeClr val="accent3">
-                    <a:lumMod val="20000"/>
-                    <a:lumOff val="80000"/>
-                  </a:schemeClr>
+              <a:rPr lang="en-US" sz="1600" dirty="0">
+                <a:solidFill>
+                  <a:schemeClr val="accent2"/>
                 </a:solidFill>
                 <a:effectLst>
                   <a:glow rad="38100">
@@ -9828,78 +11873,11 @@
                   </a:extLst>
                 </a:hlinkClick>
               </a:rPr>
-              <a:t>Forbes: Meet the Team that Built </a:t>
-            </a:r>
-            <a:r>
-              <a:rPr lang="en-US" dirty="0" err="1">
-                <a:solidFill>
-                  <a:schemeClr val="accent3">
-                    <a:lumMod val="20000"/>
-                    <a:lumOff val="80000"/>
-                  </a:schemeClr>
-                </a:solidFill>
-                <a:effectLst>
-                  <a:glow rad="38100">
-                    <a:prstClr val="black">
-                      <a:lumMod val="50000"/>
-                      <a:lumOff val="50000"/>
-                      <a:alpha val="20000"/>
-                    </a:prstClr>
-                  </a:glow>
-                  <a:outerShdw blurRad="44450" dist="12700" dir="13860000" algn="tl" rotWithShape="0">
-                    <a:srgbClr val="000000">
-                      <a:alpha val="20000"/>
-                    </a:srgbClr>
-                  </a:outerShdw>
-                </a:effectLst>
-                <a:hlinkClick r:id="rId2">
-                  <a:extLst>
-                    <a:ext uri="{A12FA001-AC4F-418D-AE19-62706E023703}">
-                      <ahyp:hlinkClr xmlns:ahyp="http://schemas.microsoft.com/office/drawing/2018/hyperlinkcolor" val="tx"/>
-                    </a:ext>
-                  </a:extLst>
-                </a:hlinkClick>
-              </a:rPr>
-              <a:t>GraalVM</a:t>
-            </a:r>
-            <a:r>
-              <a:rPr lang="en-US" dirty="0">
-                <a:solidFill>
-                  <a:schemeClr val="accent3">
-                    <a:lumMod val="20000"/>
-                    <a:lumOff val="80000"/>
-                  </a:schemeClr>
-                </a:solidFill>
-                <a:effectLst>
-                  <a:glow rad="38100">
-                    <a:prstClr val="black">
-                      <a:lumMod val="50000"/>
-                      <a:lumOff val="50000"/>
-                      <a:alpha val="20000"/>
-                    </a:prstClr>
-                  </a:glow>
-                  <a:outerShdw blurRad="44450" dist="12700" dir="13860000" algn="tl" rotWithShape="0">
-                    <a:srgbClr val="000000">
-                      <a:alpha val="20000"/>
-                    </a:srgbClr>
-                  </a:outerShdw>
-                </a:effectLst>
-                <a:hlinkClick r:id="rId2">
-                  <a:extLst>
-                    <a:ext uri="{A12FA001-AC4F-418D-AE19-62706E023703}">
-                      <ahyp:hlinkClr xmlns:ahyp="http://schemas.microsoft.com/office/drawing/2018/hyperlinkcolor" val="tx"/>
-                    </a:ext>
-                  </a:extLst>
-                </a:hlinkClick>
-              </a:rPr>
-              <a:t>, an Energy-Saving Multi-Lingual Compiler Written Entirely in Java </a:t>
-            </a:r>
-            <a:endParaRPr lang="en-US" dirty="0">
+              <a:t>Forbes: Meet the Team that Built GraalVM, an Energy-Saving Multi-Lingual Compiler Written Entirely in Java </a:t>
+            </a:r>
+            <a:endParaRPr lang="en-US" sz="1600" dirty="0">
               <a:solidFill>
-                <a:schemeClr val="accent3">
-                  <a:lumMod val="20000"/>
-                  <a:lumOff val="80000"/>
-                </a:schemeClr>
+                <a:schemeClr val="accent2"/>
               </a:solidFill>
               <a:effectLst>
                 <a:glow rad="38100">
@@ -9923,12 +11901,9 @@
               <a:buChar char="•"/>
             </a:pPr>
             <a:r>
-              <a:rPr lang="en-US" dirty="0" err="1">
-                <a:solidFill>
-                  <a:schemeClr val="accent3">
-                    <a:lumMod val="20000"/>
-                    <a:lumOff val="80000"/>
-                  </a:schemeClr>
+              <a:rPr lang="en-US" sz="1600" dirty="0">
+                <a:solidFill>
+                  <a:schemeClr val="accent2"/>
                 </a:solidFill>
                 <a:effectLst>
                   <a:glow rad="38100">
@@ -9954,12 +11929,9 @@
               </a:rPr>
               <a:t>GraalVM</a:t>
             </a:r>
-            <a:endParaRPr lang="en-US" dirty="0">
+            <a:endParaRPr lang="en-US" sz="1600" dirty="0">
               <a:solidFill>
-                <a:schemeClr val="accent3">
-                  <a:lumMod val="20000"/>
-                  <a:lumOff val="80000"/>
-                </a:schemeClr>
+                <a:schemeClr val="accent2"/>
               </a:solidFill>
               <a:effectLst>
                 <a:glow rad="38100">
@@ -9983,12 +11955,9 @@
               <a:buChar char="•"/>
             </a:pPr>
             <a:r>
-              <a:rPr lang="en-US" dirty="0">
-                <a:solidFill>
-                  <a:schemeClr val="accent3">
-                    <a:lumMod val="20000"/>
-                    <a:lumOff val="80000"/>
-                  </a:schemeClr>
+              <a:rPr lang="en-US" sz="1600" dirty="0">
+                <a:solidFill>
+                  <a:schemeClr val="accent2"/>
                 </a:solidFill>
                 <a:effectLst>
                   <a:glow rad="38100">
@@ -10014,12 +11983,9 @@
               </a:rPr>
               <a:t>OpenJDK JEP Index</a:t>
             </a:r>
-            <a:endParaRPr lang="en-US" dirty="0">
+            <a:endParaRPr lang="en-US" sz="1600" dirty="0">
               <a:solidFill>
-                <a:schemeClr val="accent3">
-                  <a:lumMod val="20000"/>
-                  <a:lumOff val="80000"/>
-                </a:schemeClr>
+                <a:schemeClr val="accent2"/>
               </a:solidFill>
               <a:effectLst>
                 <a:glow rad="38100">
@@ -10043,12 +12009,9 @@
               <a:buChar char="•"/>
             </a:pPr>
             <a:r>
-              <a:rPr lang="en-US" dirty="0">
-                <a:solidFill>
-                  <a:schemeClr val="accent3">
-                    <a:lumMod val="20000"/>
-                    <a:lumOff val="80000"/>
-                  </a:schemeClr>
+              <a:rPr lang="en-US" sz="1600" dirty="0">
+                <a:solidFill>
+                  <a:schemeClr val="accent2"/>
                 </a:solidFill>
                 <a:effectLst>
                   <a:glow rad="38100">
@@ -10074,12 +12037,308 @@
               </a:rPr>
               <a:t>Java 17 Features: A comparison between versions 8 and 17. What has changed over the years?</a:t>
             </a:r>
-            <a:endParaRPr lang="en-US" dirty="0">
+            <a:endParaRPr lang="en-US" sz="1600" dirty="0">
               <a:solidFill>
-                <a:schemeClr val="accent3">
-                  <a:lumMod val="20000"/>
-                  <a:lumOff val="80000"/>
-                </a:schemeClr>
+                <a:schemeClr val="accent2"/>
+              </a:solidFill>
+              <a:effectLst>
+                <a:glow rad="38100">
+                  <a:prstClr val="black">
+                    <a:lumMod val="50000"/>
+                    <a:lumOff val="50000"/>
+                    <a:alpha val="20000"/>
+                  </a:prstClr>
+                </a:glow>
+                <a:outerShdw blurRad="44450" dist="12700" dir="13860000" algn="tl" rotWithShape="0">
+                  <a:srgbClr val="000000">
+                    <a:alpha val="20000"/>
+                  </a:srgbClr>
+                </a:outerShdw>
+              </a:effectLst>
+            </a:endParaRPr>
+          </a:p>
+          <a:p>
+            <a:pPr marL="285750" indent="-285750">
+              <a:buFont typeface="Arial" panose="020B0604020202020204" pitchFamily="34" charset="0"/>
+              <a:buChar char="•"/>
+            </a:pPr>
+            <a:r>
+              <a:rPr lang="en-US" sz="1600" dirty="0">
+                <a:solidFill>
+                  <a:schemeClr val="accent2"/>
+                </a:solidFill>
+                <a:effectLst>
+                  <a:glow rad="38100">
+                    <a:prstClr val="black">
+                      <a:lumMod val="50000"/>
+                      <a:lumOff val="50000"/>
+                      <a:alpha val="20000"/>
+                    </a:prstClr>
+                  </a:glow>
+                  <a:outerShdw blurRad="44450" dist="12700" dir="13860000" algn="tl" rotWithShape="0">
+                    <a:srgbClr val="000000">
+                      <a:alpha val="20000"/>
+                    </a:srgbClr>
+                  </a:outerShdw>
+                </a:effectLst>
+                <a:hlinkClick r:id="rId6">
+                  <a:extLst>
+                    <a:ext uri="{A12FA001-AC4F-418D-AE19-62706E023703}">
+                      <ahyp:hlinkClr xmlns:ahyp="http://schemas.microsoft.com/office/drawing/2018/hyperlinkcolor" val="tx"/>
+                    </a:ext>
+                  </a:extLst>
+                </a:hlinkClick>
+              </a:rPr>
+              <a:t>Understanding Reflection and GraalVM Native Image</a:t>
+            </a:r>
+            <a:endParaRPr lang="en-US" sz="1600" dirty="0">
+              <a:solidFill>
+                <a:schemeClr val="accent2"/>
+              </a:solidFill>
+              <a:effectLst>
+                <a:glow rad="38100">
+                  <a:prstClr val="black">
+                    <a:lumMod val="50000"/>
+                    <a:lumOff val="50000"/>
+                    <a:alpha val="20000"/>
+                  </a:prstClr>
+                </a:glow>
+                <a:outerShdw blurRad="44450" dist="12700" dir="13860000" algn="tl" rotWithShape="0">
+                  <a:srgbClr val="000000">
+                    <a:alpha val="20000"/>
+                  </a:srgbClr>
+                </a:outerShdw>
+              </a:effectLst>
+            </a:endParaRPr>
+          </a:p>
+          <a:p>
+            <a:pPr marL="285750" indent="-285750">
+              <a:buFont typeface="Arial" panose="020B0604020202020204" pitchFamily="34" charset="0"/>
+              <a:buChar char="•"/>
+            </a:pPr>
+            <a:r>
+              <a:rPr lang="en-US" sz="1600" dirty="0" err="1">
+                <a:solidFill>
+                  <a:schemeClr val="accent2"/>
+                </a:solidFill>
+                <a:effectLst>
+                  <a:glow rad="38100">
+                    <a:prstClr val="black">
+                      <a:lumMod val="50000"/>
+                      <a:lumOff val="50000"/>
+                      <a:alpha val="20000"/>
+                    </a:prstClr>
+                  </a:glow>
+                  <a:outerShdw blurRad="44450" dist="12700" dir="13860000" algn="tl" rotWithShape="0">
+                    <a:srgbClr val="000000">
+                      <a:alpha val="20000"/>
+                    </a:srgbClr>
+                  </a:outerShdw>
+                </a:effectLst>
+                <a:hlinkClick r:id="rId7">
+                  <a:extLst>
+                    <a:ext uri="{A12FA001-AC4F-418D-AE19-62706E023703}">
+                      <ahyp:hlinkClr xmlns:ahyp="http://schemas.microsoft.com/office/drawing/2018/hyperlinkcolor" val="tx"/>
+                    </a:ext>
+                  </a:extLst>
+                </a:hlinkClick>
+              </a:rPr>
+              <a:t>GraalVm</a:t>
+            </a:r>
+            <a:r>
+              <a:rPr lang="en-US" sz="1600" dirty="0">
+                <a:solidFill>
+                  <a:schemeClr val="accent2"/>
+                </a:solidFill>
+                <a:effectLst>
+                  <a:glow rad="38100">
+                    <a:prstClr val="black">
+                      <a:lumMod val="50000"/>
+                      <a:lumOff val="50000"/>
+                      <a:alpha val="20000"/>
+                    </a:prstClr>
+                  </a:glow>
+                  <a:outerShdw blurRad="44450" dist="12700" dir="13860000" algn="tl" rotWithShape="0">
+                    <a:srgbClr val="000000">
+                      <a:alpha val="20000"/>
+                    </a:srgbClr>
+                  </a:outerShdw>
+                </a:effectLst>
+                <a:hlinkClick r:id="rId7">
+                  <a:extLst>
+                    <a:ext uri="{A12FA001-AC4F-418D-AE19-62706E023703}">
+                      <ahyp:hlinkClr xmlns:ahyp="http://schemas.microsoft.com/office/drawing/2018/hyperlinkcolor" val="tx"/>
+                    </a:ext>
+                  </a:extLst>
+                </a:hlinkClick>
+              </a:rPr>
+              <a:t> v22.2 Reference Manuals</a:t>
+            </a:r>
+            <a:endParaRPr lang="en-US" sz="1600" dirty="0">
+              <a:solidFill>
+                <a:schemeClr val="accent2"/>
+              </a:solidFill>
+              <a:effectLst>
+                <a:glow rad="38100">
+                  <a:prstClr val="black">
+                    <a:lumMod val="50000"/>
+                    <a:lumOff val="50000"/>
+                    <a:alpha val="20000"/>
+                  </a:prstClr>
+                </a:glow>
+                <a:outerShdw blurRad="44450" dist="12700" dir="13860000" algn="tl" rotWithShape="0">
+                  <a:srgbClr val="000000">
+                    <a:alpha val="20000"/>
+                  </a:srgbClr>
+                </a:outerShdw>
+              </a:effectLst>
+            </a:endParaRPr>
+          </a:p>
+          <a:p>
+            <a:pPr marL="285750" indent="-285750">
+              <a:buFont typeface="Arial" panose="020B0604020202020204" pitchFamily="34" charset="0"/>
+              <a:buChar char="•"/>
+            </a:pPr>
+            <a:r>
+              <a:rPr lang="en-US" sz="1600" dirty="0">
+                <a:solidFill>
+                  <a:schemeClr val="accent2"/>
+                </a:solidFill>
+                <a:effectLst>
+                  <a:glow rad="38100">
+                    <a:prstClr val="black">
+                      <a:lumMod val="50000"/>
+                      <a:lumOff val="50000"/>
+                      <a:alpha val="20000"/>
+                    </a:prstClr>
+                  </a:glow>
+                  <a:outerShdw blurRad="44450" dist="12700" dir="13860000" algn="tl" rotWithShape="0">
+                    <a:srgbClr val="000000">
+                      <a:alpha val="20000"/>
+                    </a:srgbClr>
+                  </a:outerShdw>
+                </a:effectLst>
+                <a:hlinkClick r:id="rId8">
+                  <a:extLst>
+                    <a:ext uri="{A12FA001-AC4F-418D-AE19-62706E023703}">
+                      <ahyp:hlinkClr xmlns:ahyp="http://schemas.microsoft.com/office/drawing/2018/hyperlinkcolor" val="tx"/>
+                    </a:ext>
+                  </a:extLst>
+                </a:hlinkClick>
+              </a:rPr>
+              <a:t>Qpid GraalVM Project</a:t>
+            </a:r>
+            <a:endParaRPr lang="en-US" sz="1600" dirty="0">
+              <a:solidFill>
+                <a:schemeClr val="accent2"/>
+              </a:solidFill>
+              <a:effectLst>
+                <a:glow rad="38100">
+                  <a:prstClr val="black">
+                    <a:lumMod val="50000"/>
+                    <a:lumOff val="50000"/>
+                    <a:alpha val="20000"/>
+                  </a:prstClr>
+                </a:glow>
+                <a:outerShdw blurRad="44450" dist="12700" dir="13860000" algn="tl" rotWithShape="0">
+                  <a:srgbClr val="000000">
+                    <a:alpha val="20000"/>
+                  </a:srgbClr>
+                </a:outerShdw>
+              </a:effectLst>
+            </a:endParaRPr>
+          </a:p>
+          <a:p>
+            <a:pPr marL="285750" indent="-285750">
+              <a:buFont typeface="Arial" panose="020B0604020202020204" pitchFamily="34" charset="0"/>
+              <a:buChar char="•"/>
+            </a:pPr>
+            <a:r>
+              <a:rPr lang="en-US" sz="1600" dirty="0">
+                <a:solidFill>
+                  <a:schemeClr val="accent2"/>
+                </a:solidFill>
+                <a:effectLst>
+                  <a:glow rad="38100">
+                    <a:prstClr val="black">
+                      <a:lumMod val="50000"/>
+                      <a:lumOff val="50000"/>
+                      <a:alpha val="20000"/>
+                    </a:prstClr>
+                  </a:glow>
+                  <a:outerShdw blurRad="44450" dist="12700" dir="13860000" algn="tl" rotWithShape="0">
+                    <a:srgbClr val="000000">
+                      <a:alpha val="20000"/>
+                    </a:srgbClr>
+                  </a:outerShdw>
+                </a:effectLst>
+                <a:hlinkClick r:id="rId9">
+                  <a:extLst>
+                    <a:ext uri="{A12FA001-AC4F-418D-AE19-62706E023703}">
+                      <ahyp:hlinkClr xmlns:ahyp="http://schemas.microsoft.com/office/drawing/2018/hyperlinkcolor" val="tx"/>
+                    </a:ext>
+                  </a:extLst>
+                </a:hlinkClick>
+              </a:rPr>
+              <a:t>Native Image Compatibility Guide</a:t>
+            </a:r>
+            <a:endParaRPr lang="en-US" sz="1600" dirty="0">
+              <a:solidFill>
+                <a:schemeClr val="accent2"/>
+              </a:solidFill>
+              <a:effectLst>
+                <a:glow rad="38100">
+                  <a:prstClr val="black">
+                    <a:lumMod val="50000"/>
+                    <a:lumOff val="50000"/>
+                    <a:alpha val="20000"/>
+                  </a:prstClr>
+                </a:glow>
+                <a:outerShdw blurRad="44450" dist="12700" dir="13860000" algn="tl" rotWithShape="0">
+                  <a:srgbClr val="000000">
+                    <a:alpha val="20000"/>
+                  </a:srgbClr>
+                </a:outerShdw>
+              </a:effectLst>
+            </a:endParaRPr>
+          </a:p>
+          <a:p>
+            <a:pPr marL="285750" indent="-285750">
+              <a:buFont typeface="Arial" panose="020B0604020202020204" pitchFamily="34" charset="0"/>
+              <a:buChar char="•"/>
+            </a:pPr>
+            <a:r>
+              <a:rPr lang="en-US" sz="1600" dirty="0">
+                <a:solidFill>
+                  <a:schemeClr val="accent2"/>
+                </a:solidFill>
+                <a:effectLst>
+                  <a:glow rad="38100">
+                    <a:prstClr val="black">
+                      <a:lumMod val="50000"/>
+                      <a:lumOff val="50000"/>
+                      <a:alpha val="20000"/>
+                    </a:prstClr>
+                  </a:glow>
+                  <a:outerShdw blurRad="44450" dist="12700" dir="13860000" algn="tl" rotWithShape="0">
+                    <a:srgbClr val="000000">
+                      <a:alpha val="20000"/>
+                    </a:srgbClr>
+                  </a:outerShdw>
+                </a:effectLst>
+                <a:hlinkClick r:id="rId10">
+                  <a:extLst>
+                    <a:ext uri="{A12FA001-AC4F-418D-AE19-62706E023703}">
+                      <ahyp:hlinkClr xmlns:ahyp="http://schemas.microsoft.com/office/drawing/2018/hyperlinkcolor" val="tx"/>
+                    </a:ext>
+                  </a:extLst>
+                </a:hlinkClick>
+              </a:rPr>
+              <a:t>Spring Native Image Documentation</a:t>
+            </a:r>
+            <a:endParaRPr lang="en-US" sz="1600" dirty="0">
+              <a:solidFill>
+                <a:schemeClr val="accent2"/>
               </a:solidFill>
               <a:effectLst>
                 <a:glow rad="38100">
@@ -10461,15 +12720,7 @@
             </a:pPr>
             <a:r>
               <a:rPr lang="en-US" dirty="0"/>
-              <a:t>Oracle sponsored Java 17 webinar including focus on </a:t>
-            </a:r>
-            <a:r>
-              <a:rPr lang="en-US" dirty="0" err="1"/>
-              <a:t>GraalVM</a:t>
-            </a:r>
-            <a:r>
-              <a:rPr lang="en-US" dirty="0"/>
-              <a:t> in 2021</a:t>
+              <a:t>Oracle sponsored Java 17 webinar including focus on GraalVM in 2021</a:t>
             </a:r>
           </a:p>
         </p:txBody>
@@ -10644,12 +12895,8 @@
               <a:buChar char="§"/>
             </a:pPr>
             <a:r>
-              <a:rPr lang="en-US" dirty="0" err="1"/>
-              <a:t>GraalVM</a:t>
-            </a:r>
-            <a:r>
-              <a:rPr lang="en-US" dirty="0"/>
-              <a:t> further tightens security and improves performance</a:t>
+              <a:rPr lang="en-US" dirty="0"/>
+              <a:t>GraalVM further tightens security and improves performance</a:t>
             </a:r>
           </a:p>
         </p:txBody>
@@ -10890,15 +13137,7 @@
             </a:pPr>
             <a:r>
               <a:rPr lang="en-US" dirty="0"/>
-              <a:t>Improved </a:t>
-            </a:r>
-            <a:r>
-              <a:rPr lang="en-US" dirty="0" err="1"/>
-              <a:t>GraalVM</a:t>
-            </a:r>
-            <a:r>
-              <a:rPr lang="en-US" dirty="0"/>
-              <a:t> Compiler</a:t>
+              <a:t>Improved GraalVM Compiler</a:t>
             </a:r>
           </a:p>
         </p:txBody>
@@ -11165,12 +13404,8 @@
           <a:p>
             <a:pPr algn="l"/>
             <a:r>
-              <a:rPr lang="en-US" dirty="0" err="1"/>
-              <a:t>GraalVM</a:t>
-            </a:r>
-            <a:r>
-              <a:rPr lang="en-US" dirty="0"/>
-              <a:t> Overview</a:t>
+              <a:rPr lang="en-US" dirty="0"/>
+              <a:t>GraalVM Overview</a:t>
             </a:r>
           </a:p>
         </p:txBody>

--- a/doc/reference/GraalVm _Upgrade.pptx
+++ b/doc/reference/GraalVm _Upgrade.pptx
@@ -32,8 +32,13 @@
     <p:sldId id="297" r:id="rId26"/>
     <p:sldId id="298" r:id="rId27"/>
     <p:sldId id="299" r:id="rId28"/>
-    <p:sldId id="290" r:id="rId29"/>
-    <p:sldId id="273" r:id="rId30"/>
+    <p:sldId id="300" r:id="rId29"/>
+    <p:sldId id="301" r:id="rId30"/>
+    <p:sldId id="306" r:id="rId31"/>
+    <p:sldId id="304" r:id="rId32"/>
+    <p:sldId id="305" r:id="rId33"/>
+    <p:sldId id="290" r:id="rId34"/>
+    <p:sldId id="273" r:id="rId35"/>
   </p:sldIdLst>
   <p:sldSz cx="12192000" cy="6858000"/>
   <p:notesSz cx="6858000" cy="9144000"/>
@@ -862,7 +867,7 @@
           <a:p>
             <a:fld id="{4AAD347D-5ACD-4C99-B74B-A9C85AD731AF}" type="datetimeFigureOut">
               <a:rPr lang="en-US" smtClean="0"/>
-              <a:t>10/25/2022</a:t>
+              <a:t>10/31/2022</a:t>
             </a:fld>
             <a:endParaRPr lang="en-US" dirty="0"/>
           </a:p>
@@ -1113,7 +1118,7 @@
           <a:p>
             <a:fld id="{4AAD347D-5ACD-4C99-B74B-A9C85AD731AF}" type="datetimeFigureOut">
               <a:rPr lang="en-US" smtClean="0"/>
-              <a:t>10/25/2022</a:t>
+              <a:t>10/31/2022</a:t>
             </a:fld>
             <a:endParaRPr lang="en-US" dirty="0"/>
           </a:p>
@@ -1428,7 +1433,7 @@
           <a:p>
             <a:fld id="{4AAD347D-5ACD-4C99-B74B-A9C85AD731AF}" type="datetimeFigureOut">
               <a:rPr lang="en-US" smtClean="0"/>
-              <a:t>10/25/2022</a:t>
+              <a:t>10/31/2022</a:t>
             </a:fld>
             <a:endParaRPr lang="en-US" dirty="0"/>
           </a:p>
@@ -1770,7 +1775,7 @@
           <a:p>
             <a:fld id="{4509A250-FF31-4206-8172-F9D3106AACB1}" type="datetimeFigureOut">
               <a:rPr lang="en-US" smtClean="0"/>
-              <a:t>10/25/2022</a:t>
+              <a:t>10/31/2022</a:t>
             </a:fld>
             <a:endParaRPr lang="en-US" dirty="0"/>
           </a:p>
@@ -2084,7 +2089,7 @@
           <a:p>
             <a:fld id="{4AAD347D-5ACD-4C99-B74B-A9C85AD731AF}" type="datetimeFigureOut">
               <a:rPr lang="en-US" smtClean="0"/>
-              <a:t>10/25/2022</a:t>
+              <a:t>10/31/2022</a:t>
             </a:fld>
             <a:endParaRPr lang="en-US" dirty="0"/>
           </a:p>
@@ -2478,7 +2483,7 @@
           <a:p>
             <a:fld id="{4AAD347D-5ACD-4C99-B74B-A9C85AD731AF}" type="datetimeFigureOut">
               <a:rPr lang="en-US" smtClean="0"/>
-              <a:t>10/25/2022</a:t>
+              <a:t>10/31/2022</a:t>
             </a:fld>
             <a:endParaRPr lang="en-US" dirty="0"/>
           </a:p>
@@ -2649,7 +2654,7 @@
           <a:p>
             <a:fld id="{4509A250-FF31-4206-8172-F9D3106AACB1}" type="datetimeFigureOut">
               <a:rPr lang="en-US" smtClean="0"/>
-              <a:t>10/25/2022</a:t>
+              <a:t>10/31/2022</a:t>
             </a:fld>
             <a:endParaRPr lang="en-US" dirty="0"/>
           </a:p>
@@ -2829,7 +2834,7 @@
           <a:p>
             <a:fld id="{4509A250-FF31-4206-8172-F9D3106AACB1}" type="datetimeFigureOut">
               <a:rPr lang="en-US" smtClean="0"/>
-              <a:t>10/25/2022</a:t>
+              <a:t>10/31/2022</a:t>
             </a:fld>
             <a:endParaRPr lang="en-US" dirty="0"/>
           </a:p>
@@ -3005,7 +3010,7 @@
           <a:p>
             <a:fld id="{4509A250-FF31-4206-8172-F9D3106AACB1}" type="datetimeFigureOut">
               <a:rPr lang="en-US" smtClean="0"/>
-              <a:t>10/25/2022</a:t>
+              <a:t>10/31/2022</a:t>
             </a:fld>
             <a:endParaRPr lang="en-US" dirty="0"/>
           </a:p>
@@ -3252,7 +3257,7 @@
           <a:p>
             <a:fld id="{9796027F-7875-4030-9381-8BD8C4F21935}" type="datetimeFigureOut">
               <a:rPr lang="en-US" smtClean="0"/>
-              <a:t>10/25/2022</a:t>
+              <a:t>10/31/2022</a:t>
             </a:fld>
             <a:endParaRPr lang="en-US" dirty="0"/>
           </a:p>
@@ -3484,7 +3489,7 @@
           <a:p>
             <a:fld id="{9796027F-7875-4030-9381-8BD8C4F21935}" type="datetimeFigureOut">
               <a:rPr lang="en-US" smtClean="0"/>
-              <a:t>10/25/2022</a:t>
+              <a:t>10/31/2022</a:t>
             </a:fld>
             <a:endParaRPr lang="en-US" dirty="0"/>
           </a:p>
@@ -3858,7 +3863,7 @@
           <a:p>
             <a:fld id="{9796027F-7875-4030-9381-8BD8C4F21935}" type="datetimeFigureOut">
               <a:rPr lang="en-US" smtClean="0"/>
-              <a:t>10/25/2022</a:t>
+              <a:t>10/31/2022</a:t>
             </a:fld>
             <a:endParaRPr lang="en-US" dirty="0"/>
           </a:p>
@@ -3981,7 +3986,7 @@
           <a:p>
             <a:fld id="{4509A250-FF31-4206-8172-F9D3106AACB1}" type="datetimeFigureOut">
               <a:rPr lang="en-US" smtClean="0"/>
-              <a:t>10/25/2022</a:t>
+              <a:t>10/31/2022</a:t>
             </a:fld>
             <a:endParaRPr lang="en-US" dirty="0"/>
           </a:p>
@@ -4076,7 +4081,7 @@
           <a:p>
             <a:fld id="{4509A250-FF31-4206-8172-F9D3106AACB1}" type="datetimeFigureOut">
               <a:rPr lang="en-US" smtClean="0"/>
-              <a:t>10/25/2022</a:t>
+              <a:t>10/31/2022</a:t>
             </a:fld>
             <a:endParaRPr lang="en-US" dirty="0"/>
           </a:p>
@@ -4331,7 +4336,7 @@
           <a:p>
             <a:fld id="{4509A250-FF31-4206-8172-F9D3106AACB1}" type="datetimeFigureOut">
               <a:rPr lang="en-US" smtClean="0"/>
-              <a:t>10/25/2022</a:t>
+              <a:t>10/31/2022</a:t>
             </a:fld>
             <a:endParaRPr lang="en-US" dirty="0"/>
           </a:p>
@@ -4594,7 +4599,7 @@
           <a:p>
             <a:fld id="{4509A250-FF31-4206-8172-F9D3106AACB1}" type="datetimeFigureOut">
               <a:rPr lang="en-US" smtClean="0"/>
-              <a:t>10/25/2022</a:t>
+              <a:t>10/31/2022</a:t>
             </a:fld>
             <a:endParaRPr lang="en-US" dirty="0"/>
           </a:p>
@@ -5337,7 +5342,7 @@
           <a:p>
             <a:fld id="{4AAD347D-5ACD-4C99-B74B-A9C85AD731AF}" type="datetimeFigureOut">
               <a:rPr lang="en-US" smtClean="0"/>
-              <a:t>10/25/2022</a:t>
+              <a:t>10/31/2022</a:t>
             </a:fld>
             <a:endParaRPr lang="en-US" dirty="0"/>
           </a:p>
@@ -7071,7 +7076,7 @@
             </a:pPr>
             <a:r>
               <a:rPr lang="en-US" dirty="0"/>
-              <a:t>benefits from Java profiling and debug tools</a:t>
+              <a:t>Benefits from Java profiling and debug tools</a:t>
             </a:r>
           </a:p>
           <a:p>
@@ -7271,15 +7276,15 @@
               <a:t>Technology </a:t>
             </a:r>
             <a:r>
-              <a:rPr lang="en-US" sz="1050" dirty="0"/>
+              <a:rPr lang="en-US" sz="1000" dirty="0"/>
               <a:t>(</a:t>
             </a:r>
             <a:r>
-              <a:rPr lang="en-US" sz="1050" dirty="0" err="1"/>
+              <a:rPr lang="en-US" sz="1000" dirty="0" err="1"/>
               <a:t>Cont</a:t>
             </a:r>
             <a:r>
-              <a:rPr lang="en-US" sz="1050" dirty="0"/>
+              <a:rPr lang="en-US" sz="1000" dirty="0"/>
               <a:t>)</a:t>
             </a:r>
           </a:p>
@@ -9958,15 +9963,15 @@
               <a:t>Background </a:t>
             </a:r>
             <a:r>
-              <a:rPr lang="en-US" sz="1100" dirty="0"/>
+              <a:rPr lang="en-US" sz="1000" dirty="0"/>
               <a:t>(</a:t>
             </a:r>
             <a:r>
-              <a:rPr lang="en-US" sz="1100" dirty="0" err="1"/>
+              <a:rPr lang="en-US" sz="1000" dirty="0" err="1"/>
               <a:t>Cont</a:t>
             </a:r>
             <a:r>
-              <a:rPr lang="en-US" sz="1100" dirty="0"/>
+              <a:rPr lang="en-US" sz="1000" dirty="0"/>
               <a:t>)</a:t>
             </a:r>
           </a:p>
@@ -10719,15 +10724,15 @@
               <a:t>Detailed Build Process </a:t>
             </a:r>
             <a:r>
-              <a:rPr lang="en-US" sz="1100" dirty="0"/>
+              <a:rPr lang="en-US" sz="1050" dirty="0"/>
               <a:t>(</a:t>
             </a:r>
             <a:r>
-              <a:rPr lang="en-US" sz="1100" dirty="0" err="1"/>
+              <a:rPr lang="en-US" sz="1050" dirty="0" err="1"/>
               <a:t>Cont</a:t>
             </a:r>
             <a:r>
-              <a:rPr lang="en-US" sz="1100" dirty="0"/>
+              <a:rPr lang="en-US" sz="1050" dirty="0"/>
               <a:t>)</a:t>
             </a:r>
           </a:p>
@@ -11097,29 +11102,32 @@
         </p:spPr>
         <p:txBody>
           <a:bodyPr>
-            <a:normAutofit lnSpcReduction="10000"/>
+            <a:normAutofit/>
           </a:bodyPr>
           <a:lstStyle/>
           <a:p>
             <a:r>
-              <a:rPr lang="en-US" dirty="0"/>
+              <a:rPr lang="en-US" sz="1600" dirty="0"/>
               <a:t>Detailed Build Process </a:t>
             </a:r>
             <a:r>
-              <a:rPr lang="en-US" sz="1100" dirty="0"/>
+              <a:rPr lang="en-US" sz="1000" dirty="0"/>
               <a:t>(</a:t>
             </a:r>
             <a:r>
-              <a:rPr lang="en-US" sz="1100" dirty="0" err="1"/>
+              <a:rPr lang="en-US" sz="1000" dirty="0" err="1"/>
               <a:t>Cont</a:t>
             </a:r>
             <a:r>
-              <a:rPr lang="en-US" sz="1100" dirty="0"/>
+              <a:rPr lang="en-US" sz="1000" dirty="0"/>
               <a:t>)</a:t>
             </a:r>
           </a:p>
           <a:p>
             <a:pPr lvl="1">
+              <a:spcBef>
+                <a:spcPts val="600"/>
+              </a:spcBef>
               <a:buFont typeface="Wingdings" panose="05000000000000000000" pitchFamily="2" charset="2"/>
               <a:buChar char="Ø"/>
             </a:pPr>
@@ -11130,6 +11138,9 @@
           </a:p>
           <a:p>
             <a:pPr lvl="2">
+              <a:spcBef>
+                <a:spcPts val="600"/>
+              </a:spcBef>
               <a:buFont typeface="Wingdings" panose="05000000000000000000" pitchFamily="2" charset="2"/>
               <a:buChar char="Ø"/>
             </a:pPr>
@@ -11140,6 +11151,9 @@
           </a:p>
           <a:p>
             <a:pPr lvl="3">
+              <a:spcBef>
+                <a:spcPts val="600"/>
+              </a:spcBef>
               <a:buFont typeface="Wingdings" panose="05000000000000000000" pitchFamily="2" charset="2"/>
               <a:buChar char="Ø"/>
             </a:pPr>
@@ -11150,6 +11164,9 @@
           </a:p>
           <a:p>
             <a:pPr lvl="4">
+              <a:spcBef>
+                <a:spcPts val="600"/>
+              </a:spcBef>
               <a:buFont typeface="Wingdings" panose="05000000000000000000" pitchFamily="2" charset="2"/>
               <a:buChar char="Ø"/>
             </a:pPr>
@@ -11164,6 +11181,9 @@
           </a:p>
           <a:p>
             <a:pPr lvl="4">
+              <a:spcBef>
+                <a:spcPts val="600"/>
+              </a:spcBef>
               <a:buFont typeface="Wingdings" panose="05000000000000000000" pitchFamily="2" charset="2"/>
               <a:buChar char="Ø"/>
             </a:pPr>
@@ -11178,6 +11198,9 @@
           </a:p>
           <a:p>
             <a:pPr lvl="4">
+              <a:spcBef>
+                <a:spcPts val="600"/>
+              </a:spcBef>
               <a:buFont typeface="Wingdings" panose="05000000000000000000" pitchFamily="2" charset="2"/>
               <a:buChar char="Ø"/>
             </a:pPr>
@@ -11192,6 +11215,9 @@
           </a:p>
           <a:p>
             <a:pPr lvl="3">
+              <a:spcBef>
+                <a:spcPts val="600"/>
+              </a:spcBef>
               <a:buFont typeface="Wingdings" panose="05000000000000000000" pitchFamily="2" charset="2"/>
               <a:buChar char="Ø"/>
             </a:pPr>
@@ -11226,6 +11252,9 @@
           </a:p>
           <a:p>
             <a:pPr lvl="3">
+              <a:spcBef>
+                <a:spcPts val="600"/>
+              </a:spcBef>
               <a:buFont typeface="Wingdings" panose="05000000000000000000" pitchFamily="2" charset="2"/>
               <a:buChar char="Ø"/>
             </a:pPr>
@@ -11240,6 +11269,9 @@
           </a:p>
           <a:p>
             <a:pPr lvl="4">
+              <a:spcBef>
+                <a:spcPts val="600"/>
+              </a:spcBef>
               <a:buFont typeface="Wingdings" panose="05000000000000000000" pitchFamily="2" charset="2"/>
               <a:buChar char="Ø"/>
             </a:pPr>
@@ -11254,6 +11286,9 @@
           </a:p>
           <a:p>
             <a:pPr lvl="5">
+              <a:spcBef>
+                <a:spcPts val="600"/>
+              </a:spcBef>
               <a:buFont typeface="Wingdings" panose="05000000000000000000" pitchFamily="2" charset="2"/>
               <a:buChar char="Ø"/>
             </a:pPr>
@@ -11434,6 +11469,9 @@
           </a:p>
           <a:p>
             <a:pPr lvl="4">
+              <a:spcBef>
+                <a:spcPts val="600"/>
+              </a:spcBef>
               <a:buFont typeface="Wingdings" panose="05000000000000000000" pitchFamily="2" charset="2"/>
               <a:buChar char="Ø"/>
             </a:pPr>
@@ -11448,17 +11486,14 @@
           </a:p>
           <a:p>
             <a:pPr lvl="5">
+              <a:spcBef>
+                <a:spcPts val="600"/>
+              </a:spcBef>
               <a:buFont typeface="Wingdings" panose="05000000000000000000" pitchFamily="2" charset="2"/>
               <a:buChar char="Ø"/>
             </a:pPr>
             <a:r>
               <a:rPr lang="en-US" sz="1100" b="0" i="0" dirty="0">
-                <a:solidFill>
-                  <a:schemeClr val="tx1">
-                    <a:lumMod val="95000"/>
-                    <a:lumOff val="5000"/>
-                  </a:schemeClr>
-                </a:solidFill>
                 <a:effectLst/>
                 <a:latin typeface="Lucida Console" panose="020B0609040504020204" pitchFamily="49" charset="0"/>
               </a:rPr>
@@ -11508,17 +11543,50 @@
             </a:r>
             <a:r>
               <a:rPr lang="en-US" sz="1100" b="0" i="0" dirty="0">
-                <a:solidFill>
-                  <a:schemeClr val="tx1">
-                    <a:lumMod val="95000"/>
-                    <a:lumOff val="5000"/>
-                  </a:schemeClr>
-                </a:solidFill>
                 <a:effectLst/>
                 <a:latin typeface="Lucida Console" panose="020B0609040504020204" pitchFamily="49" charset="0"/>
               </a:rPr>
-              <a:t>"</a:t>
-            </a:r>
+              <a:t>“</a:t>
+            </a:r>
+          </a:p>
+          <a:p>
+            <a:pPr lvl="3">
+              <a:spcBef>
+                <a:spcPts val="600"/>
+              </a:spcBef>
+              <a:buFont typeface="Wingdings" panose="05000000000000000000" pitchFamily="2" charset="2"/>
+              <a:buChar char="Ø"/>
+            </a:pPr>
+            <a:r>
+              <a:rPr lang="en-US" sz="1100" dirty="0">
+                <a:solidFill>
+                  <a:schemeClr val="tx1"/>
+                </a:solidFill>
+                <a:latin typeface="Lucida Console" panose="020B0609040504020204" pitchFamily="49" charset="0"/>
+              </a:rPr>
+              <a:t>Execute system tests</a:t>
+            </a:r>
+          </a:p>
+          <a:p>
+            <a:pPr lvl="3">
+              <a:buFont typeface="Wingdings" panose="05000000000000000000" pitchFamily="2" charset="2"/>
+              <a:buChar char="Ø"/>
+            </a:pPr>
+            <a:r>
+              <a:rPr lang="en-US" sz="1050" dirty="0">
+                <a:solidFill>
+                  <a:schemeClr val="tx1"/>
+                </a:solidFill>
+                <a:latin typeface="Lucida Console" panose="020B0609040504020204" pitchFamily="49" charset="0"/>
+              </a:rPr>
+              <a:t>Stop the application to save configuration</a:t>
+            </a:r>
+          </a:p>
+          <a:p>
+            <a:pPr lvl="3">
+              <a:buFont typeface="Wingdings" panose="05000000000000000000" pitchFamily="2" charset="2"/>
+              <a:buChar char="Ø"/>
+            </a:pPr>
             <a:endParaRPr lang="en-US" sz="1100" dirty="0">
               <a:solidFill>
                 <a:schemeClr val="tx1">
@@ -11627,15 +11695,15 @@
               <a:t>Detailed Build Process </a:t>
             </a:r>
             <a:r>
-              <a:rPr lang="en-US" sz="1100" dirty="0"/>
+              <a:rPr lang="en-US" sz="1050" dirty="0"/>
               <a:t>(</a:t>
             </a:r>
             <a:r>
-              <a:rPr lang="en-US" sz="1100" dirty="0" err="1"/>
+              <a:rPr lang="en-US" sz="1050" dirty="0" err="1"/>
               <a:t>Cont</a:t>
             </a:r>
             <a:r>
-              <a:rPr lang="en-US" sz="1100" dirty="0"/>
+              <a:rPr lang="en-US" sz="1050" dirty="0"/>
               <a:t>)</a:t>
             </a:r>
           </a:p>
@@ -11645,14 +11713,69 @@
               <a:buChar char="Ø"/>
             </a:pPr>
             <a:r>
-              <a:rPr lang="en-US" dirty="0"/>
-              <a:t>Step 2</a:t>
-            </a:r>
-            <a:endParaRPr lang="en-US" dirty="0">
-              <a:solidFill>
-                <a:srgbClr val="000000"/>
-              </a:solidFill>
-            </a:endParaRPr>
+              <a:rPr lang="en-US" dirty="0">
+                <a:solidFill>
+                  <a:schemeClr val="tx1"/>
+                </a:solidFill>
+              </a:rPr>
+              <a:t>Step 3 – Repeat the build-run-test process</a:t>
+            </a:r>
+          </a:p>
+          <a:p>
+            <a:pPr lvl="2">
+              <a:buFont typeface="Wingdings" panose="05000000000000000000" pitchFamily="2" charset="2"/>
+              <a:buChar char="Ø"/>
+            </a:pPr>
+            <a:r>
+              <a:rPr lang="en-US" dirty="0">
+                <a:solidFill>
+                  <a:schemeClr val="tx1"/>
+                </a:solidFill>
+              </a:rPr>
+              <a:t>Verify the native image configuration files</a:t>
+            </a:r>
+          </a:p>
+          <a:p>
+            <a:pPr lvl="2">
+              <a:buFont typeface="Wingdings" panose="05000000000000000000" pitchFamily="2" charset="2"/>
+              <a:buChar char="Ø"/>
+            </a:pPr>
+            <a:r>
+              <a:rPr lang="en-US" dirty="0">
+                <a:solidFill>
+                  <a:schemeClr val="tx1"/>
+                </a:solidFill>
+              </a:rPr>
+              <a:t>Build the native image</a:t>
+            </a:r>
+          </a:p>
+          <a:p>
+            <a:pPr lvl="2">
+              <a:buFont typeface="Wingdings" panose="05000000000000000000" pitchFamily="2" charset="2"/>
+              <a:buChar char="Ø"/>
+            </a:pPr>
+            <a:r>
+              <a:rPr lang="en-US" dirty="0">
+                <a:solidFill>
+                  <a:schemeClr val="tx1"/>
+                </a:solidFill>
+              </a:rPr>
+              <a:t>System test the image</a:t>
+            </a:r>
+          </a:p>
+          <a:p>
+            <a:pPr lvl="1">
+              <a:buFont typeface="Wingdings" panose="05000000000000000000" pitchFamily="2" charset="2"/>
+              <a:buChar char="Ø"/>
+            </a:pPr>
+            <a:r>
+              <a:rPr lang="en-US" dirty="0">
+                <a:solidFill>
+                  <a:srgbClr val="000000"/>
+                </a:solidFill>
+              </a:rPr>
+              <a:t>Repeat Step 2 and 3 as needed</a:t>
+            </a:r>
           </a:p>
         </p:txBody>
       </p:sp>
@@ -11688,73 +11811,841 @@
       </p:grpSpPr>
       <p:sp>
         <p:nvSpPr>
-          <p:cNvPr id="2" name="Title 1">
-            <a:extLst>
-              <a:ext uri="{FF2B5EF4-FFF2-40B4-BE49-F238E27FC236}">
-                <a16:creationId xmlns:a16="http://schemas.microsoft.com/office/drawing/2014/main" id="{64C64BBE-DC3D-874C-A5D2-96AC27F3F4DB}"/>
-              </a:ext>
-            </a:extLst>
-          </p:cNvPr>
+          <p:cNvPr id="2" name="Title 1"/>
           <p:cNvSpPr>
             <a:spLocks noGrp="1"/>
           </p:cNvSpPr>
           <p:nvPr>
-            <p:ph type="ctrTitle"/>
+            <p:ph type="title"/>
           </p:nvPr>
         </p:nvSpPr>
         <p:spPr>
           <a:xfrm>
-            <a:off x="4974337" y="1265314"/>
-            <a:ext cx="4299666" cy="3249131"/>
+            <a:off x="646111" y="452718"/>
+            <a:ext cx="9404723" cy="910569"/>
           </a:xfrm>
         </p:spPr>
         <p:txBody>
-          <a:bodyPr anchorCtr="0">
-            <a:normAutofit/>
+          <a:bodyPr/>
+          <a:lstStyle/>
+          <a:p>
+            <a:r>
+              <a:rPr lang="en-US" dirty="0"/>
+              <a:t>Native Image Conversion </a:t>
+            </a:r>
+            <a:r>
+              <a:rPr lang="en-US" sz="1800" dirty="0"/>
+              <a:t>(</a:t>
+            </a:r>
+            <a:r>
+              <a:rPr lang="en-US" sz="1800" dirty="0" err="1"/>
+              <a:t>Cont</a:t>
+            </a:r>
+            <a:r>
+              <a:rPr lang="en-US" sz="1800" dirty="0"/>
+              <a:t>)</a:t>
+            </a:r>
+          </a:p>
+        </p:txBody>
+      </p:sp>
+      <p:sp>
+        <p:nvSpPr>
+          <p:cNvPr id="3" name="Content Placeholder 2"/>
+          <p:cNvSpPr>
+            <a:spLocks noGrp="1"/>
+          </p:cNvSpPr>
+          <p:nvPr>
+            <p:ph idx="1"/>
+          </p:nvPr>
+        </p:nvSpPr>
+        <p:spPr>
+          <a:xfrm>
+            <a:off x="646111" y="1363287"/>
+            <a:ext cx="9403743" cy="5120639"/>
+          </a:xfrm>
+        </p:spPr>
+        <p:txBody>
+          <a:bodyPr>
+            <a:normAutofit fontScale="92500" lnSpcReduction="20000"/>
           </a:bodyPr>
           <a:lstStyle/>
           <a:p>
-            <a:pPr algn="l"/>
-            <a:r>
-              <a:rPr lang="en-US" dirty="0"/>
-              <a:t>References</a:t>
-            </a:r>
+            <a:r>
+              <a:rPr lang="en-US" dirty="0"/>
+              <a:t>Maven build</a:t>
+            </a:r>
+          </a:p>
+          <a:p>
+            <a:pPr lvl="1"/>
+            <a:r>
+              <a:rPr lang="en-US" dirty="0"/>
+              <a:t>Typical</a:t>
+            </a:r>
+          </a:p>
+          <a:p>
+            <a:pPr lvl="2">
+              <a:buFont typeface="Wingdings" panose="05000000000000000000" pitchFamily="2" charset="2"/>
+              <a:buChar char="Ø"/>
+            </a:pPr>
+            <a:r>
+              <a:rPr lang="en-US" dirty="0"/>
+              <a:t>Set Java version to 17</a:t>
+            </a:r>
+          </a:p>
+          <a:p>
+            <a:pPr lvl="2">
+              <a:buFont typeface="Wingdings" panose="05000000000000000000" pitchFamily="2" charset="2"/>
+              <a:buChar char="Ø"/>
+            </a:pPr>
+            <a:r>
+              <a:rPr lang="en-US" dirty="0"/>
+              <a:t>Add dependencies:</a:t>
+            </a:r>
+          </a:p>
+          <a:p>
+            <a:pPr marL="914400" lvl="2" indent="0">
+              <a:buNone/>
+            </a:pPr>
+            <a:r>
+              <a:rPr lang="en-US" sz="1000" dirty="0">
+                <a:latin typeface="Lucida Console" panose="020B0609040504020204" pitchFamily="49" charset="0"/>
+              </a:rPr>
+              <a:t>&lt;!-- TODO: Remove when </a:t>
+            </a:r>
+            <a:r>
+              <a:rPr lang="en-US" sz="1000" dirty="0" err="1">
+                <a:latin typeface="Lucida Console" panose="020B0609040504020204" pitchFamily="49" charset="0"/>
+              </a:rPr>
+              <a:t>GraalVM</a:t>
+            </a:r>
+            <a:r>
+              <a:rPr lang="en-US" sz="1000" dirty="0">
+                <a:latin typeface="Lucida Console" panose="020B0609040504020204" pitchFamily="49" charset="0"/>
+              </a:rPr>
+              <a:t> engine support is working. --&gt;</a:t>
+            </a:r>
+          </a:p>
+          <a:p>
+            <a:pPr marL="914400" lvl="2" indent="0">
+              <a:lnSpc>
+                <a:spcPct val="120000"/>
+              </a:lnSpc>
+              <a:spcBef>
+                <a:spcPts val="0"/>
+              </a:spcBef>
+              <a:buNone/>
+            </a:pPr>
+            <a:r>
+              <a:rPr lang="en-US" sz="1000" dirty="0">
+                <a:latin typeface="Lucida Console" panose="020B0609040504020204" pitchFamily="49" charset="0"/>
+              </a:rPr>
+              <a:t>&lt;dependency&gt;</a:t>
+            </a:r>
+          </a:p>
+          <a:p>
+            <a:pPr marL="914400" lvl="2" indent="0">
+              <a:lnSpc>
+                <a:spcPct val="120000"/>
+              </a:lnSpc>
+              <a:spcBef>
+                <a:spcPts val="0"/>
+              </a:spcBef>
+              <a:buNone/>
+            </a:pPr>
+            <a:r>
+              <a:rPr lang="en-US" sz="1000" dirty="0">
+                <a:latin typeface="Lucida Console" panose="020B0609040504020204" pitchFamily="49" charset="0"/>
+              </a:rPr>
+              <a:t>  &lt;</a:t>
+            </a:r>
+            <a:r>
+              <a:rPr lang="en-US" sz="1000" dirty="0" err="1">
+                <a:latin typeface="Lucida Console" panose="020B0609040504020204" pitchFamily="49" charset="0"/>
+              </a:rPr>
+              <a:t>groupId</a:t>
+            </a:r>
+            <a:r>
+              <a:rPr lang="en-US" sz="1000" dirty="0">
+                <a:latin typeface="Lucida Console" panose="020B0609040504020204" pitchFamily="49" charset="0"/>
+              </a:rPr>
+              <a:t>&gt;</a:t>
+            </a:r>
+            <a:r>
+              <a:rPr lang="en-US" sz="1000" dirty="0" err="1">
+                <a:latin typeface="Lucida Console" panose="020B0609040504020204" pitchFamily="49" charset="0"/>
+              </a:rPr>
+              <a:t>org.openjdk.nashorn</a:t>
+            </a:r>
+            <a:r>
+              <a:rPr lang="en-US" sz="1000" dirty="0">
+                <a:latin typeface="Lucida Console" panose="020B0609040504020204" pitchFamily="49" charset="0"/>
+              </a:rPr>
+              <a:t>&lt;/</a:t>
+            </a:r>
+            <a:r>
+              <a:rPr lang="en-US" sz="1000" dirty="0" err="1">
+                <a:latin typeface="Lucida Console" panose="020B0609040504020204" pitchFamily="49" charset="0"/>
+              </a:rPr>
+              <a:t>groupId</a:t>
+            </a:r>
+            <a:r>
+              <a:rPr lang="en-US" sz="1000" dirty="0">
+                <a:latin typeface="Lucida Console" panose="020B0609040504020204" pitchFamily="49" charset="0"/>
+              </a:rPr>
+              <a:t>&gt;</a:t>
+            </a:r>
+          </a:p>
+          <a:p>
+            <a:pPr marL="914400" lvl="2" indent="0">
+              <a:lnSpc>
+                <a:spcPct val="120000"/>
+              </a:lnSpc>
+              <a:spcBef>
+                <a:spcPts val="0"/>
+              </a:spcBef>
+              <a:buNone/>
+            </a:pPr>
+            <a:r>
+              <a:rPr lang="en-US" sz="1000" dirty="0">
+                <a:latin typeface="Lucida Console" panose="020B0609040504020204" pitchFamily="49" charset="0"/>
+              </a:rPr>
+              <a:t>  &lt;</a:t>
+            </a:r>
+            <a:r>
+              <a:rPr lang="en-US" sz="1000" dirty="0" err="1">
+                <a:latin typeface="Lucida Console" panose="020B0609040504020204" pitchFamily="49" charset="0"/>
+              </a:rPr>
+              <a:t>artifactId</a:t>
+            </a:r>
+            <a:r>
+              <a:rPr lang="en-US" sz="1000" dirty="0">
+                <a:latin typeface="Lucida Console" panose="020B0609040504020204" pitchFamily="49" charset="0"/>
+              </a:rPr>
+              <a:t>&gt;</a:t>
+            </a:r>
+            <a:r>
+              <a:rPr lang="en-US" sz="1000" dirty="0" err="1">
+                <a:latin typeface="Lucida Console" panose="020B0609040504020204" pitchFamily="49" charset="0"/>
+              </a:rPr>
+              <a:t>nashorn</a:t>
+            </a:r>
+            <a:r>
+              <a:rPr lang="en-US" sz="1000" dirty="0">
+                <a:latin typeface="Lucida Console" panose="020B0609040504020204" pitchFamily="49" charset="0"/>
+              </a:rPr>
+              <a:t>-core&lt;/</a:t>
+            </a:r>
+            <a:r>
+              <a:rPr lang="en-US" sz="1000" dirty="0" err="1">
+                <a:latin typeface="Lucida Console" panose="020B0609040504020204" pitchFamily="49" charset="0"/>
+              </a:rPr>
+              <a:t>artifactId</a:t>
+            </a:r>
+            <a:r>
+              <a:rPr lang="en-US" sz="1000" dirty="0">
+                <a:latin typeface="Lucida Console" panose="020B0609040504020204" pitchFamily="49" charset="0"/>
+              </a:rPr>
+              <a:t>&gt;</a:t>
+            </a:r>
+          </a:p>
+          <a:p>
+            <a:pPr marL="914400" lvl="2" indent="0">
+              <a:lnSpc>
+                <a:spcPct val="120000"/>
+              </a:lnSpc>
+              <a:spcBef>
+                <a:spcPts val="0"/>
+              </a:spcBef>
+              <a:buNone/>
+            </a:pPr>
+            <a:r>
+              <a:rPr lang="en-US" sz="1000" dirty="0">
+                <a:latin typeface="Lucida Console" panose="020B0609040504020204" pitchFamily="49" charset="0"/>
+              </a:rPr>
+              <a:t>  &lt;version&gt;15.4&lt;/version&gt;</a:t>
+            </a:r>
+          </a:p>
+          <a:p>
+            <a:pPr marL="914400" lvl="2" indent="0">
+              <a:lnSpc>
+                <a:spcPct val="120000"/>
+              </a:lnSpc>
+              <a:spcBef>
+                <a:spcPts val="0"/>
+              </a:spcBef>
+              <a:buNone/>
+            </a:pPr>
+            <a:r>
+              <a:rPr lang="en-US" sz="1000" dirty="0">
+                <a:latin typeface="Lucida Console" panose="020B0609040504020204" pitchFamily="49" charset="0"/>
+              </a:rPr>
+              <a:t>&lt;/dependency&gt;</a:t>
+            </a:r>
+          </a:p>
+          <a:p>
+            <a:pPr marL="914400" lvl="2" indent="0">
+              <a:lnSpc>
+                <a:spcPct val="120000"/>
+              </a:lnSpc>
+              <a:spcBef>
+                <a:spcPts val="0"/>
+              </a:spcBef>
+              <a:buNone/>
+            </a:pPr>
+            <a:r>
+              <a:rPr lang="en-US" sz="1000" dirty="0">
+                <a:latin typeface="Lucida Console" panose="020B0609040504020204" pitchFamily="49" charset="0"/>
+              </a:rPr>
+              <a:t>&lt;!-- TODO END --&gt;</a:t>
+            </a:r>
+          </a:p>
+          <a:p>
+            <a:pPr marL="914400" lvl="2" indent="0">
+              <a:lnSpc>
+                <a:spcPct val="120000"/>
+              </a:lnSpc>
+              <a:spcBef>
+                <a:spcPts val="0"/>
+              </a:spcBef>
+              <a:buNone/>
+            </a:pPr>
+            <a:endParaRPr lang="en-US" sz="1000" dirty="0">
+              <a:latin typeface="Lucida Console" panose="020B0609040504020204" pitchFamily="49" charset="0"/>
+            </a:endParaRPr>
+          </a:p>
+          <a:p>
+            <a:pPr marL="914400" lvl="2" indent="0">
+              <a:lnSpc>
+                <a:spcPct val="120000"/>
+              </a:lnSpc>
+              <a:spcBef>
+                <a:spcPts val="0"/>
+              </a:spcBef>
+              <a:buNone/>
+            </a:pPr>
+            <a:r>
+              <a:rPr lang="en-US" sz="1000" dirty="0">
+                <a:latin typeface="Lucida Console" panose="020B0609040504020204" pitchFamily="49" charset="0"/>
+              </a:rPr>
+              <a:t>&lt;!-- Java 17 </a:t>
+            </a:r>
+            <a:r>
+              <a:rPr lang="en-US" sz="1000" dirty="0" err="1">
+                <a:latin typeface="Lucida Console" panose="020B0609040504020204" pitchFamily="49" charset="0"/>
+              </a:rPr>
+              <a:t>GraalVM</a:t>
+            </a:r>
+            <a:r>
+              <a:rPr lang="en-US" sz="1000" dirty="0">
+                <a:latin typeface="Lucida Console" panose="020B0609040504020204" pitchFamily="49" charset="0"/>
+              </a:rPr>
+              <a:t> compiler and JavaScript engine --&gt;</a:t>
+            </a:r>
+          </a:p>
+          <a:p>
+            <a:pPr marL="914400" lvl="2" indent="0">
+              <a:lnSpc>
+                <a:spcPct val="120000"/>
+              </a:lnSpc>
+              <a:spcBef>
+                <a:spcPts val="0"/>
+              </a:spcBef>
+              <a:buNone/>
+            </a:pPr>
+            <a:r>
+              <a:rPr lang="en-US" sz="1000" dirty="0">
+                <a:latin typeface="Lucida Console" panose="020B0609040504020204" pitchFamily="49" charset="0"/>
+              </a:rPr>
+              <a:t>&lt;dependency&gt;</a:t>
+            </a:r>
+          </a:p>
+          <a:p>
+            <a:pPr marL="914400" lvl="2" indent="0">
+              <a:lnSpc>
+                <a:spcPct val="120000"/>
+              </a:lnSpc>
+              <a:spcBef>
+                <a:spcPts val="0"/>
+              </a:spcBef>
+              <a:buNone/>
+            </a:pPr>
+            <a:r>
+              <a:rPr lang="en-US" sz="1000" dirty="0">
+                <a:latin typeface="Lucida Console" panose="020B0609040504020204" pitchFamily="49" charset="0"/>
+              </a:rPr>
+              <a:t>  &lt;</a:t>
+            </a:r>
+            <a:r>
+              <a:rPr lang="en-US" sz="1000" dirty="0" err="1">
+                <a:latin typeface="Lucida Console" panose="020B0609040504020204" pitchFamily="49" charset="0"/>
+              </a:rPr>
+              <a:t>groupId</a:t>
+            </a:r>
+            <a:r>
+              <a:rPr lang="en-US" sz="1000" dirty="0">
+                <a:latin typeface="Lucida Console" panose="020B0609040504020204" pitchFamily="49" charset="0"/>
+              </a:rPr>
+              <a:t>&gt;</a:t>
+            </a:r>
+            <a:r>
+              <a:rPr lang="en-US" sz="1000" dirty="0" err="1">
+                <a:latin typeface="Lucida Console" panose="020B0609040504020204" pitchFamily="49" charset="0"/>
+              </a:rPr>
+              <a:t>org.graalvm.compiler</a:t>
+            </a:r>
+            <a:r>
+              <a:rPr lang="en-US" sz="1000" dirty="0">
+                <a:latin typeface="Lucida Console" panose="020B0609040504020204" pitchFamily="49" charset="0"/>
+              </a:rPr>
+              <a:t>&lt;/</a:t>
+            </a:r>
+            <a:r>
+              <a:rPr lang="en-US" sz="1000" dirty="0" err="1">
+                <a:latin typeface="Lucida Console" panose="020B0609040504020204" pitchFamily="49" charset="0"/>
+              </a:rPr>
+              <a:t>groupId</a:t>
+            </a:r>
+            <a:r>
+              <a:rPr lang="en-US" sz="1000" dirty="0">
+                <a:latin typeface="Lucida Console" panose="020B0609040504020204" pitchFamily="49" charset="0"/>
+              </a:rPr>
+              <a:t>&gt;</a:t>
+            </a:r>
+          </a:p>
+          <a:p>
+            <a:pPr marL="914400" lvl="2" indent="0">
+              <a:lnSpc>
+                <a:spcPct val="120000"/>
+              </a:lnSpc>
+              <a:spcBef>
+                <a:spcPts val="0"/>
+              </a:spcBef>
+              <a:buNone/>
+            </a:pPr>
+            <a:r>
+              <a:rPr lang="en-US" sz="1000" dirty="0">
+                <a:latin typeface="Lucida Console" panose="020B0609040504020204" pitchFamily="49" charset="0"/>
+              </a:rPr>
+              <a:t>  &lt;</a:t>
+            </a:r>
+            <a:r>
+              <a:rPr lang="en-US" sz="1000" dirty="0" err="1">
+                <a:latin typeface="Lucida Console" panose="020B0609040504020204" pitchFamily="49" charset="0"/>
+              </a:rPr>
+              <a:t>artifactId</a:t>
+            </a:r>
+            <a:r>
+              <a:rPr lang="en-US" sz="1000" dirty="0">
+                <a:latin typeface="Lucida Console" panose="020B0609040504020204" pitchFamily="49" charset="0"/>
+              </a:rPr>
+              <a:t>&gt;compiler&lt;/</a:t>
+            </a:r>
+            <a:r>
+              <a:rPr lang="en-US" sz="1000" dirty="0" err="1">
+                <a:latin typeface="Lucida Console" panose="020B0609040504020204" pitchFamily="49" charset="0"/>
+              </a:rPr>
+              <a:t>artifactId</a:t>
+            </a:r>
+            <a:r>
+              <a:rPr lang="en-US" sz="1000" dirty="0">
+                <a:latin typeface="Lucida Console" panose="020B0609040504020204" pitchFamily="49" charset="0"/>
+              </a:rPr>
+              <a:t>&gt;</a:t>
+            </a:r>
+          </a:p>
+          <a:p>
+            <a:pPr marL="914400" lvl="2" indent="0">
+              <a:lnSpc>
+                <a:spcPct val="120000"/>
+              </a:lnSpc>
+              <a:spcBef>
+                <a:spcPts val="0"/>
+              </a:spcBef>
+              <a:buNone/>
+            </a:pPr>
+            <a:r>
+              <a:rPr lang="en-US" sz="1000" dirty="0">
+                <a:latin typeface="Lucida Console" panose="020B0609040504020204" pitchFamily="49" charset="0"/>
+              </a:rPr>
+              <a:t>  &lt;version&gt;22.2.0&lt;/version&gt;</a:t>
+            </a:r>
+          </a:p>
+          <a:p>
+            <a:pPr marL="914400" lvl="2" indent="0">
+              <a:lnSpc>
+                <a:spcPct val="120000"/>
+              </a:lnSpc>
+              <a:spcBef>
+                <a:spcPts val="0"/>
+              </a:spcBef>
+              <a:buNone/>
+            </a:pPr>
+            <a:r>
+              <a:rPr lang="en-US" sz="1000" dirty="0">
+                <a:latin typeface="Lucida Console" panose="020B0609040504020204" pitchFamily="49" charset="0"/>
+              </a:rPr>
+              <a:t>&lt;/dependency&gt;</a:t>
+            </a:r>
+          </a:p>
+          <a:p>
+            <a:pPr marL="914400" lvl="2" indent="0">
+              <a:lnSpc>
+                <a:spcPct val="120000"/>
+              </a:lnSpc>
+              <a:spcBef>
+                <a:spcPts val="0"/>
+              </a:spcBef>
+              <a:buNone/>
+            </a:pPr>
+            <a:r>
+              <a:rPr lang="en-US" sz="1000" dirty="0">
+                <a:latin typeface="Lucida Console" panose="020B0609040504020204" pitchFamily="49" charset="0"/>
+              </a:rPr>
+              <a:t>	</a:t>
+            </a:r>
+          </a:p>
+          <a:p>
+            <a:pPr marL="914400" lvl="2" indent="0">
+              <a:lnSpc>
+                <a:spcPct val="120000"/>
+              </a:lnSpc>
+              <a:spcBef>
+                <a:spcPts val="0"/>
+              </a:spcBef>
+              <a:buNone/>
+            </a:pPr>
+            <a:r>
+              <a:rPr lang="en-US" sz="1000" dirty="0">
+                <a:latin typeface="Lucida Console" panose="020B0609040504020204" pitchFamily="49" charset="0"/>
+              </a:rPr>
+              <a:t>&lt;dependency&gt;</a:t>
+            </a:r>
+          </a:p>
+          <a:p>
+            <a:pPr marL="914400" lvl="2" indent="0">
+              <a:lnSpc>
+                <a:spcPct val="120000"/>
+              </a:lnSpc>
+              <a:spcBef>
+                <a:spcPts val="0"/>
+              </a:spcBef>
+              <a:buNone/>
+            </a:pPr>
+            <a:r>
+              <a:rPr lang="en-US" sz="1000" dirty="0">
+                <a:latin typeface="Lucida Console" panose="020B0609040504020204" pitchFamily="49" charset="0"/>
+              </a:rPr>
+              <a:t>  &lt;</a:t>
+            </a:r>
+            <a:r>
+              <a:rPr lang="en-US" sz="1000" dirty="0" err="1">
+                <a:latin typeface="Lucida Console" panose="020B0609040504020204" pitchFamily="49" charset="0"/>
+              </a:rPr>
+              <a:t>groupId</a:t>
+            </a:r>
+            <a:r>
+              <a:rPr lang="en-US" sz="1000" dirty="0">
+                <a:latin typeface="Lucida Console" panose="020B0609040504020204" pitchFamily="49" charset="0"/>
+              </a:rPr>
+              <a:t>&gt;org.graalvm.js&lt;/</a:t>
+            </a:r>
+            <a:r>
+              <a:rPr lang="en-US" sz="1000" dirty="0" err="1">
+                <a:latin typeface="Lucida Console" panose="020B0609040504020204" pitchFamily="49" charset="0"/>
+              </a:rPr>
+              <a:t>groupId</a:t>
+            </a:r>
+            <a:r>
+              <a:rPr lang="en-US" sz="1000" dirty="0">
+                <a:latin typeface="Lucida Console" panose="020B0609040504020204" pitchFamily="49" charset="0"/>
+              </a:rPr>
+              <a:t>&gt;</a:t>
+            </a:r>
+          </a:p>
+          <a:p>
+            <a:pPr marL="914400" lvl="2" indent="0">
+              <a:lnSpc>
+                <a:spcPct val="120000"/>
+              </a:lnSpc>
+              <a:spcBef>
+                <a:spcPts val="0"/>
+              </a:spcBef>
+              <a:buNone/>
+            </a:pPr>
+            <a:r>
+              <a:rPr lang="en-US" sz="1000" dirty="0">
+                <a:latin typeface="Lucida Console" panose="020B0609040504020204" pitchFamily="49" charset="0"/>
+              </a:rPr>
+              <a:t>  &lt;</a:t>
+            </a:r>
+            <a:r>
+              <a:rPr lang="en-US" sz="1000" dirty="0" err="1">
+                <a:latin typeface="Lucida Console" panose="020B0609040504020204" pitchFamily="49" charset="0"/>
+              </a:rPr>
+              <a:t>artifactId</a:t>
+            </a:r>
+            <a:r>
+              <a:rPr lang="en-US" sz="1000" dirty="0">
+                <a:latin typeface="Lucida Console" panose="020B0609040504020204" pitchFamily="49" charset="0"/>
+              </a:rPr>
+              <a:t>&gt;</a:t>
+            </a:r>
+            <a:r>
+              <a:rPr lang="en-US" sz="1000" dirty="0" err="1">
+                <a:latin typeface="Lucida Console" panose="020B0609040504020204" pitchFamily="49" charset="0"/>
+              </a:rPr>
+              <a:t>js</a:t>
+            </a:r>
+            <a:r>
+              <a:rPr lang="en-US" sz="1000" dirty="0">
+                <a:latin typeface="Lucida Console" panose="020B0609040504020204" pitchFamily="49" charset="0"/>
+              </a:rPr>
+              <a:t>&lt;/</a:t>
+            </a:r>
+            <a:r>
+              <a:rPr lang="en-US" sz="1000" dirty="0" err="1">
+                <a:latin typeface="Lucida Console" panose="020B0609040504020204" pitchFamily="49" charset="0"/>
+              </a:rPr>
+              <a:t>artifactId</a:t>
+            </a:r>
+            <a:r>
+              <a:rPr lang="en-US" sz="1000" dirty="0">
+                <a:latin typeface="Lucida Console" panose="020B0609040504020204" pitchFamily="49" charset="0"/>
+              </a:rPr>
+              <a:t>&gt;</a:t>
+            </a:r>
+          </a:p>
+          <a:p>
+            <a:pPr marL="914400" lvl="2" indent="0">
+              <a:lnSpc>
+                <a:spcPct val="120000"/>
+              </a:lnSpc>
+              <a:spcBef>
+                <a:spcPts val="0"/>
+              </a:spcBef>
+              <a:buNone/>
+            </a:pPr>
+            <a:r>
+              <a:rPr lang="en-US" sz="1000" dirty="0">
+                <a:latin typeface="Lucida Console" panose="020B0609040504020204" pitchFamily="49" charset="0"/>
+              </a:rPr>
+              <a:t>  &lt;version&gt;22.2.0&lt;/version&gt;</a:t>
+            </a:r>
+          </a:p>
+          <a:p>
+            <a:pPr marL="914400" lvl="2" indent="0">
+              <a:lnSpc>
+                <a:spcPct val="120000"/>
+              </a:lnSpc>
+              <a:spcBef>
+                <a:spcPts val="0"/>
+              </a:spcBef>
+              <a:buNone/>
+            </a:pPr>
+            <a:r>
+              <a:rPr lang="en-US" sz="1000" dirty="0">
+                <a:latin typeface="Lucida Console" panose="020B0609040504020204" pitchFamily="49" charset="0"/>
+              </a:rPr>
+              <a:t>&lt;/dependency&gt;</a:t>
+            </a:r>
+          </a:p>
+          <a:p>
+            <a:pPr marL="914400" lvl="2" indent="0">
+              <a:lnSpc>
+                <a:spcPct val="120000"/>
+              </a:lnSpc>
+              <a:spcBef>
+                <a:spcPts val="0"/>
+              </a:spcBef>
+              <a:buNone/>
+            </a:pPr>
+            <a:endParaRPr lang="en-US" sz="1000" dirty="0">
+              <a:latin typeface="Lucida Console" panose="020B0609040504020204" pitchFamily="49" charset="0"/>
+            </a:endParaRPr>
+          </a:p>
+          <a:p>
+            <a:pPr marL="914400" lvl="2" indent="0">
+              <a:lnSpc>
+                <a:spcPct val="120000"/>
+              </a:lnSpc>
+              <a:spcBef>
+                <a:spcPts val="0"/>
+              </a:spcBef>
+              <a:buNone/>
+            </a:pPr>
+            <a:r>
+              <a:rPr lang="en-US" sz="1000" dirty="0">
+                <a:latin typeface="Lucida Console" panose="020B0609040504020204" pitchFamily="49" charset="0"/>
+              </a:rPr>
+              <a:t>&lt;dependency&gt;</a:t>
+            </a:r>
+          </a:p>
+          <a:p>
+            <a:pPr marL="914400" lvl="2" indent="0">
+              <a:lnSpc>
+                <a:spcPct val="120000"/>
+              </a:lnSpc>
+              <a:spcBef>
+                <a:spcPts val="0"/>
+              </a:spcBef>
+              <a:buNone/>
+            </a:pPr>
+            <a:r>
+              <a:rPr lang="en-US" sz="1000" dirty="0">
+                <a:latin typeface="Lucida Console" panose="020B0609040504020204" pitchFamily="49" charset="0"/>
+              </a:rPr>
+              <a:t>  &lt;</a:t>
+            </a:r>
+            <a:r>
+              <a:rPr lang="en-US" sz="1000" dirty="0" err="1">
+                <a:latin typeface="Lucida Console" panose="020B0609040504020204" pitchFamily="49" charset="0"/>
+              </a:rPr>
+              <a:t>groupId</a:t>
+            </a:r>
+            <a:r>
+              <a:rPr lang="en-US" sz="1000" dirty="0">
+                <a:latin typeface="Lucida Console" panose="020B0609040504020204" pitchFamily="49" charset="0"/>
+              </a:rPr>
+              <a:t>&gt;org.graalvm.js&lt;/</a:t>
+            </a:r>
+            <a:r>
+              <a:rPr lang="en-US" sz="1000" dirty="0" err="1">
+                <a:latin typeface="Lucida Console" panose="020B0609040504020204" pitchFamily="49" charset="0"/>
+              </a:rPr>
+              <a:t>groupId</a:t>
+            </a:r>
+            <a:r>
+              <a:rPr lang="en-US" sz="1000" dirty="0">
+                <a:latin typeface="Lucida Console" panose="020B0609040504020204" pitchFamily="49" charset="0"/>
+              </a:rPr>
+              <a:t>&gt;</a:t>
+            </a:r>
+          </a:p>
+          <a:p>
+            <a:pPr marL="914400" lvl="2" indent="0">
+              <a:lnSpc>
+                <a:spcPct val="120000"/>
+              </a:lnSpc>
+              <a:spcBef>
+                <a:spcPts val="0"/>
+              </a:spcBef>
+              <a:buNone/>
+            </a:pPr>
+            <a:r>
+              <a:rPr lang="en-US" sz="1000" dirty="0">
+                <a:latin typeface="Lucida Console" panose="020B0609040504020204" pitchFamily="49" charset="0"/>
+              </a:rPr>
+              <a:t>  &lt;</a:t>
+            </a:r>
+            <a:r>
+              <a:rPr lang="en-US" sz="1000" dirty="0" err="1">
+                <a:latin typeface="Lucida Console" panose="020B0609040504020204" pitchFamily="49" charset="0"/>
+              </a:rPr>
+              <a:t>artifactId</a:t>
+            </a:r>
+            <a:r>
+              <a:rPr lang="en-US" sz="1000" dirty="0">
+                <a:latin typeface="Lucida Console" panose="020B0609040504020204" pitchFamily="49" charset="0"/>
+              </a:rPr>
+              <a:t>&gt;</a:t>
+            </a:r>
+            <a:r>
+              <a:rPr lang="en-US" sz="1000" dirty="0" err="1">
+                <a:latin typeface="Lucida Console" panose="020B0609040504020204" pitchFamily="49" charset="0"/>
+              </a:rPr>
+              <a:t>js-scriptengine</a:t>
+            </a:r>
+            <a:r>
+              <a:rPr lang="en-US" sz="1000" dirty="0">
+                <a:latin typeface="Lucida Console" panose="020B0609040504020204" pitchFamily="49" charset="0"/>
+              </a:rPr>
+              <a:t>&lt;/</a:t>
+            </a:r>
+            <a:r>
+              <a:rPr lang="en-US" sz="1000" dirty="0" err="1">
+                <a:latin typeface="Lucida Console" panose="020B0609040504020204" pitchFamily="49" charset="0"/>
+              </a:rPr>
+              <a:t>artifactId</a:t>
+            </a:r>
+            <a:r>
+              <a:rPr lang="en-US" sz="1000" dirty="0">
+                <a:latin typeface="Lucida Console" panose="020B0609040504020204" pitchFamily="49" charset="0"/>
+              </a:rPr>
+              <a:t>&gt;</a:t>
+            </a:r>
+          </a:p>
+          <a:p>
+            <a:pPr marL="914400" lvl="2" indent="0">
+              <a:lnSpc>
+                <a:spcPct val="120000"/>
+              </a:lnSpc>
+              <a:spcBef>
+                <a:spcPts val="0"/>
+              </a:spcBef>
+              <a:buNone/>
+            </a:pPr>
+            <a:r>
+              <a:rPr lang="en-US" sz="1000" dirty="0">
+                <a:latin typeface="Lucida Console" panose="020B0609040504020204" pitchFamily="49" charset="0"/>
+              </a:rPr>
+              <a:t>  &lt;version&gt;22.2.0&lt;/version&gt;</a:t>
+            </a:r>
+          </a:p>
+          <a:p>
+            <a:pPr marL="914400" lvl="2" indent="0">
+              <a:lnSpc>
+                <a:spcPct val="120000"/>
+              </a:lnSpc>
+              <a:spcBef>
+                <a:spcPts val="0"/>
+              </a:spcBef>
+              <a:buNone/>
+            </a:pPr>
+            <a:r>
+              <a:rPr lang="en-US" sz="1000" dirty="0">
+                <a:latin typeface="Lucida Console" panose="020B0609040504020204" pitchFamily="49" charset="0"/>
+              </a:rPr>
+              <a:t>&lt;/dependency&gt;</a:t>
+            </a:r>
+          </a:p>
+          <a:p>
+            <a:pPr marL="914400" lvl="2" indent="0">
+              <a:lnSpc>
+                <a:spcPct val="120000"/>
+              </a:lnSpc>
+              <a:spcBef>
+                <a:spcPts val="0"/>
+              </a:spcBef>
+              <a:buNone/>
+            </a:pPr>
+            <a:r>
+              <a:rPr lang="en-US" sz="1000" dirty="0">
+                <a:latin typeface="Lucida Console" panose="020B0609040504020204" pitchFamily="49" charset="0"/>
+              </a:rPr>
+              <a:t>&lt;!-- END Java 17 </a:t>
+            </a:r>
+            <a:r>
+              <a:rPr lang="en-US" sz="1000" dirty="0" err="1">
+                <a:latin typeface="Lucida Console" panose="020B0609040504020204" pitchFamily="49" charset="0"/>
+              </a:rPr>
+              <a:t>GraalVM</a:t>
+            </a:r>
+            <a:r>
+              <a:rPr lang="en-US" sz="1000" dirty="0">
+                <a:latin typeface="Lucida Console" panose="020B0609040504020204" pitchFamily="49" charset="0"/>
+              </a:rPr>
+              <a:t> and JavaScript engine --&gt;</a:t>
+            </a:r>
+            <a:endParaRPr lang="en-US" dirty="0">
+              <a:latin typeface="Lucida Console" panose="020B0609040504020204" pitchFamily="49" charset="0"/>
+            </a:endParaRPr>
           </a:p>
         </p:txBody>
       </p:sp>
-      <p:pic>
-        <p:nvPicPr>
-          <p:cNvPr id="5" name="Picture 4" descr="Close-up of water drops on a leaf in black and white">
-            <a:extLst>
-              <a:ext uri="{FF2B5EF4-FFF2-40B4-BE49-F238E27FC236}">
-                <a16:creationId xmlns:a16="http://schemas.microsoft.com/office/drawing/2014/main" id="{5B4601BB-44D3-39F5-A38E-46E6C44A3CB2}"/>
-              </a:ext>
-            </a:extLst>
-          </p:cNvPr>
-          <p:cNvPicPr>
-            <a:picLocks noChangeAspect="1"/>
-          </p:cNvPicPr>
-          <p:nvPr/>
-        </p:nvPicPr>
-        <p:blipFill rotWithShape="1">
-          <a:blip r:embed="rId2"/>
-          <a:srcRect l="14920" r="16571"/>
-          <a:stretch/>
-        </p:blipFill>
-        <p:spPr>
-          <a:xfrm>
-            <a:off x="888604" y="1605352"/>
-            <a:ext cx="3765692" cy="3655265"/>
-          </a:xfrm>
-          <a:prstGeom prst="rect">
-            <a:avLst/>
-          </a:prstGeom>
-        </p:spPr>
-      </p:pic>
     </p:spTree>
     <p:extLst>
       <p:ext uri="{BB962C8B-B14F-4D97-AF65-F5344CB8AC3E}">
-        <p14:creationId xmlns:p14="http://schemas.microsoft.com/office/powerpoint/2010/main" val="3860671785"/>
+        <p14:creationId xmlns:p14="http://schemas.microsoft.com/office/powerpoint/2010/main" val="2682807398"/>
       </p:ext>
     </p:extLst>
   </p:cSld>
@@ -11783,13 +12674,7 @@
       </p:grpSpPr>
       <p:sp>
         <p:nvSpPr>
-          <p:cNvPr id="2" name="Title 1">
-            <a:extLst>
-              <a:ext uri="{FF2B5EF4-FFF2-40B4-BE49-F238E27FC236}">
-                <a16:creationId xmlns:a16="http://schemas.microsoft.com/office/drawing/2014/main" id="{CCC6900C-1478-449E-A0C5-FE712A332800}"/>
-              </a:ext>
-            </a:extLst>
-          </p:cNvPr>
+          <p:cNvPr id="2" name="Title 1"/>
           <p:cNvSpPr>
             <a:spLocks noGrp="1"/>
           </p:cNvSpPr>
@@ -11799,583 +12684,379 @@
         </p:nvSpPr>
         <p:spPr>
           <a:xfrm>
-            <a:off x="1153906" y="374074"/>
-            <a:ext cx="9087373" cy="897774"/>
-          </a:xfrm>
-        </p:spPr>
-        <p:txBody>
-          <a:bodyPr anchor="t" anchorCtr="0">
-            <a:normAutofit/>
-          </a:bodyPr>
-          <a:lstStyle/>
-          <a:p>
-            <a:r>
-              <a:rPr lang="en-US" sz="4200" dirty="0"/>
-              <a:t>References</a:t>
-            </a:r>
-          </a:p>
-        </p:txBody>
-      </p:sp>
-      <p:sp>
-        <p:nvSpPr>
-          <p:cNvPr id="4" name="Text Placeholder 3">
-            <a:extLst>
-              <a:ext uri="{FF2B5EF4-FFF2-40B4-BE49-F238E27FC236}">
-                <a16:creationId xmlns:a16="http://schemas.microsoft.com/office/drawing/2014/main" id="{25C0817A-4CFB-4C37-9E46-30E71EDEE75B}"/>
-              </a:ext>
-            </a:extLst>
-          </p:cNvPr>
-          <p:cNvSpPr>
-            <a:spLocks noGrp="1"/>
-          </p:cNvSpPr>
-          <p:nvPr>
-            <p:ph type="body" sz="half" idx="2"/>
-          </p:nvPr>
-        </p:nvSpPr>
-        <p:spPr>
-          <a:xfrm>
-            <a:off x="1154954" y="1338349"/>
-            <a:ext cx="9086325" cy="5203767"/>
+            <a:off x="646111" y="452718"/>
+            <a:ext cx="9404723" cy="910569"/>
           </a:xfrm>
         </p:spPr>
         <p:txBody>
           <a:bodyPr/>
           <a:lstStyle/>
           <a:p>
-            <a:pPr marL="285750" indent="-285750">
-              <a:buFont typeface="Arial" panose="020B0604020202020204" pitchFamily="34" charset="0"/>
-              <a:buChar char="•"/>
-            </a:pPr>
-            <a:r>
-              <a:rPr lang="en-US" sz="1600" dirty="0">
-                <a:solidFill>
-                  <a:schemeClr val="accent2"/>
-                </a:solidFill>
-                <a:effectLst>
-                  <a:glow rad="38100">
-                    <a:prstClr val="black">
-                      <a:lumMod val="50000"/>
-                      <a:lumOff val="50000"/>
-                      <a:alpha val="20000"/>
-                    </a:prstClr>
-                  </a:glow>
-                  <a:outerShdw blurRad="44450" dist="12700" dir="13860000" algn="tl" rotWithShape="0">
-                    <a:srgbClr val="000000">
-                      <a:alpha val="20000"/>
-                    </a:srgbClr>
-                  </a:outerShdw>
-                </a:effectLst>
-                <a:hlinkClick r:id="rId2">
-                  <a:extLst>
-                    <a:ext uri="{A12FA001-AC4F-418D-AE19-62706E023703}">
-                      <ahyp:hlinkClr xmlns:ahyp="http://schemas.microsoft.com/office/drawing/2018/hyperlinkcolor" val="tx"/>
-                    </a:ext>
-                  </a:extLst>
-                </a:hlinkClick>
-              </a:rPr>
-              <a:t>Forbes: Meet the Team that Built GraalVM, an Energy-Saving Multi-Lingual Compiler Written Entirely in Java </a:t>
-            </a:r>
-            <a:endParaRPr lang="en-US" sz="1600" dirty="0">
-              <a:solidFill>
-                <a:schemeClr val="accent2"/>
-              </a:solidFill>
-              <a:effectLst>
-                <a:glow rad="38100">
-                  <a:prstClr val="black">
-                    <a:lumMod val="50000"/>
-                    <a:lumOff val="50000"/>
-                    <a:alpha val="20000"/>
-                  </a:prstClr>
-                </a:glow>
-                <a:outerShdw blurRad="44450" dist="12700" dir="13860000" algn="tl" rotWithShape="0">
-                  <a:srgbClr val="000000">
-                    <a:alpha val="20000"/>
-                  </a:srgbClr>
-                </a:outerShdw>
-              </a:effectLst>
-            </a:endParaRPr>
-          </a:p>
-          <a:p>
-            <a:pPr marL="285750" indent="-285750">
-              <a:buFont typeface="Arial" panose="020B0604020202020204" pitchFamily="34" charset="0"/>
-              <a:buChar char="•"/>
-            </a:pPr>
-            <a:r>
-              <a:rPr lang="en-US" sz="1600" dirty="0">
-                <a:solidFill>
-                  <a:schemeClr val="accent2"/>
-                </a:solidFill>
-                <a:effectLst>
-                  <a:glow rad="38100">
-                    <a:prstClr val="black">
-                      <a:lumMod val="50000"/>
-                      <a:lumOff val="50000"/>
-                      <a:alpha val="20000"/>
-                    </a:prstClr>
-                  </a:glow>
-                  <a:outerShdw blurRad="44450" dist="12700" dir="13860000" algn="tl" rotWithShape="0">
-                    <a:srgbClr val="000000">
-                      <a:alpha val="20000"/>
-                    </a:srgbClr>
-                  </a:outerShdw>
-                </a:effectLst>
-                <a:hlinkClick r:id="rId3">
-                  <a:extLst>
-                    <a:ext uri="{A12FA001-AC4F-418D-AE19-62706E023703}">
-                      <ahyp:hlinkClr xmlns:ahyp="http://schemas.microsoft.com/office/drawing/2018/hyperlinkcolor" val="tx"/>
-                    </a:ext>
-                  </a:extLst>
-                </a:hlinkClick>
-              </a:rPr>
-              <a:t>GraalVM</a:t>
-            </a:r>
-            <a:endParaRPr lang="en-US" sz="1600" dirty="0">
-              <a:solidFill>
-                <a:schemeClr val="accent2"/>
-              </a:solidFill>
-              <a:effectLst>
-                <a:glow rad="38100">
-                  <a:prstClr val="black">
-                    <a:lumMod val="50000"/>
-                    <a:lumOff val="50000"/>
-                    <a:alpha val="20000"/>
-                  </a:prstClr>
-                </a:glow>
-                <a:outerShdw blurRad="44450" dist="12700" dir="13860000" algn="tl" rotWithShape="0">
-                  <a:srgbClr val="000000">
-                    <a:alpha val="20000"/>
-                  </a:srgbClr>
-                </a:outerShdw>
-              </a:effectLst>
-            </a:endParaRPr>
-          </a:p>
-          <a:p>
-            <a:pPr marL="285750" indent="-285750">
-              <a:buFont typeface="Arial" panose="020B0604020202020204" pitchFamily="34" charset="0"/>
-              <a:buChar char="•"/>
-            </a:pPr>
-            <a:r>
-              <a:rPr lang="en-US" sz="1600" dirty="0">
-                <a:solidFill>
-                  <a:schemeClr val="accent2"/>
-                </a:solidFill>
-                <a:effectLst>
-                  <a:glow rad="38100">
-                    <a:prstClr val="black">
-                      <a:lumMod val="50000"/>
-                      <a:lumOff val="50000"/>
-                      <a:alpha val="20000"/>
-                    </a:prstClr>
-                  </a:glow>
-                  <a:outerShdw blurRad="44450" dist="12700" dir="13860000" algn="tl" rotWithShape="0">
-                    <a:srgbClr val="000000">
-                      <a:alpha val="20000"/>
-                    </a:srgbClr>
-                  </a:outerShdw>
-                </a:effectLst>
-                <a:hlinkClick r:id="rId4">
-                  <a:extLst>
-                    <a:ext uri="{A12FA001-AC4F-418D-AE19-62706E023703}">
-                      <ahyp:hlinkClr xmlns:ahyp="http://schemas.microsoft.com/office/drawing/2018/hyperlinkcolor" val="tx"/>
-                    </a:ext>
-                  </a:extLst>
-                </a:hlinkClick>
-              </a:rPr>
-              <a:t>OpenJDK JEP Index</a:t>
-            </a:r>
-            <a:endParaRPr lang="en-US" sz="1600" dirty="0">
-              <a:solidFill>
-                <a:schemeClr val="accent2"/>
-              </a:solidFill>
-              <a:effectLst>
-                <a:glow rad="38100">
-                  <a:prstClr val="black">
-                    <a:lumMod val="50000"/>
-                    <a:lumOff val="50000"/>
-                    <a:alpha val="20000"/>
-                  </a:prstClr>
-                </a:glow>
-                <a:outerShdw blurRad="44450" dist="12700" dir="13860000" algn="tl" rotWithShape="0">
-                  <a:srgbClr val="000000">
-                    <a:alpha val="20000"/>
-                  </a:srgbClr>
-                </a:outerShdw>
-              </a:effectLst>
-            </a:endParaRPr>
-          </a:p>
-          <a:p>
-            <a:pPr marL="285750" indent="-285750">
-              <a:buFont typeface="Arial" panose="020B0604020202020204" pitchFamily="34" charset="0"/>
-              <a:buChar char="•"/>
-            </a:pPr>
-            <a:r>
-              <a:rPr lang="en-US" sz="1600" dirty="0">
-                <a:solidFill>
-                  <a:schemeClr val="accent2"/>
-                </a:solidFill>
-                <a:effectLst>
-                  <a:glow rad="38100">
-                    <a:prstClr val="black">
-                      <a:lumMod val="50000"/>
-                      <a:lumOff val="50000"/>
-                      <a:alpha val="20000"/>
-                    </a:prstClr>
-                  </a:glow>
-                  <a:outerShdw blurRad="44450" dist="12700" dir="13860000" algn="tl" rotWithShape="0">
-                    <a:srgbClr val="000000">
-                      <a:alpha val="20000"/>
-                    </a:srgbClr>
-                  </a:outerShdw>
-                </a:effectLst>
-                <a:hlinkClick r:id="rId5">
-                  <a:extLst>
-                    <a:ext uri="{A12FA001-AC4F-418D-AE19-62706E023703}">
-                      <ahyp:hlinkClr xmlns:ahyp="http://schemas.microsoft.com/office/drawing/2018/hyperlinkcolor" val="tx"/>
-                    </a:ext>
-                  </a:extLst>
-                </a:hlinkClick>
-              </a:rPr>
-              <a:t>Java 17 Features: A comparison between versions 8 and 17. What has changed over the years?</a:t>
-            </a:r>
-            <a:endParaRPr lang="en-US" sz="1600" dirty="0">
-              <a:solidFill>
-                <a:schemeClr val="accent2"/>
-              </a:solidFill>
-              <a:effectLst>
-                <a:glow rad="38100">
-                  <a:prstClr val="black">
-                    <a:lumMod val="50000"/>
-                    <a:lumOff val="50000"/>
-                    <a:alpha val="20000"/>
-                  </a:prstClr>
-                </a:glow>
-                <a:outerShdw blurRad="44450" dist="12700" dir="13860000" algn="tl" rotWithShape="0">
-                  <a:srgbClr val="000000">
-                    <a:alpha val="20000"/>
-                  </a:srgbClr>
-                </a:outerShdw>
-              </a:effectLst>
-            </a:endParaRPr>
-          </a:p>
-          <a:p>
-            <a:pPr marL="285750" indent="-285750">
-              <a:buFont typeface="Arial" panose="020B0604020202020204" pitchFamily="34" charset="0"/>
-              <a:buChar char="•"/>
-            </a:pPr>
-            <a:r>
-              <a:rPr lang="en-US" sz="1600" dirty="0">
-                <a:solidFill>
-                  <a:schemeClr val="accent2"/>
-                </a:solidFill>
-                <a:effectLst>
-                  <a:glow rad="38100">
-                    <a:prstClr val="black">
-                      <a:lumMod val="50000"/>
-                      <a:lumOff val="50000"/>
-                      <a:alpha val="20000"/>
-                    </a:prstClr>
-                  </a:glow>
-                  <a:outerShdw blurRad="44450" dist="12700" dir="13860000" algn="tl" rotWithShape="0">
-                    <a:srgbClr val="000000">
-                      <a:alpha val="20000"/>
-                    </a:srgbClr>
-                  </a:outerShdw>
-                </a:effectLst>
-                <a:hlinkClick r:id="rId6">
-                  <a:extLst>
-                    <a:ext uri="{A12FA001-AC4F-418D-AE19-62706E023703}">
-                      <ahyp:hlinkClr xmlns:ahyp="http://schemas.microsoft.com/office/drawing/2018/hyperlinkcolor" val="tx"/>
-                    </a:ext>
-                  </a:extLst>
-                </a:hlinkClick>
-              </a:rPr>
-              <a:t>Understanding Reflection and GraalVM Native Image</a:t>
-            </a:r>
-            <a:endParaRPr lang="en-US" sz="1600" dirty="0">
-              <a:solidFill>
-                <a:schemeClr val="accent2"/>
-              </a:solidFill>
-              <a:effectLst>
-                <a:glow rad="38100">
-                  <a:prstClr val="black">
-                    <a:lumMod val="50000"/>
-                    <a:lumOff val="50000"/>
-                    <a:alpha val="20000"/>
-                  </a:prstClr>
-                </a:glow>
-                <a:outerShdw blurRad="44450" dist="12700" dir="13860000" algn="tl" rotWithShape="0">
-                  <a:srgbClr val="000000">
-                    <a:alpha val="20000"/>
-                  </a:srgbClr>
-                </a:outerShdw>
-              </a:effectLst>
-            </a:endParaRPr>
-          </a:p>
-          <a:p>
-            <a:pPr marL="285750" indent="-285750">
-              <a:buFont typeface="Arial" panose="020B0604020202020204" pitchFamily="34" charset="0"/>
-              <a:buChar char="•"/>
-            </a:pPr>
-            <a:r>
-              <a:rPr lang="en-US" sz="1600" dirty="0" err="1">
-                <a:solidFill>
-                  <a:schemeClr val="accent2"/>
-                </a:solidFill>
-                <a:effectLst>
-                  <a:glow rad="38100">
-                    <a:prstClr val="black">
-                      <a:lumMod val="50000"/>
-                      <a:lumOff val="50000"/>
-                      <a:alpha val="20000"/>
-                    </a:prstClr>
-                  </a:glow>
-                  <a:outerShdw blurRad="44450" dist="12700" dir="13860000" algn="tl" rotWithShape="0">
-                    <a:srgbClr val="000000">
-                      <a:alpha val="20000"/>
-                    </a:srgbClr>
-                  </a:outerShdw>
-                </a:effectLst>
-                <a:hlinkClick r:id="rId7">
-                  <a:extLst>
-                    <a:ext uri="{A12FA001-AC4F-418D-AE19-62706E023703}">
-                      <ahyp:hlinkClr xmlns:ahyp="http://schemas.microsoft.com/office/drawing/2018/hyperlinkcolor" val="tx"/>
-                    </a:ext>
-                  </a:extLst>
-                </a:hlinkClick>
-              </a:rPr>
-              <a:t>GraalVm</a:t>
-            </a:r>
-            <a:r>
-              <a:rPr lang="en-US" sz="1600" dirty="0">
-                <a:solidFill>
-                  <a:schemeClr val="accent2"/>
-                </a:solidFill>
-                <a:effectLst>
-                  <a:glow rad="38100">
-                    <a:prstClr val="black">
-                      <a:lumMod val="50000"/>
-                      <a:lumOff val="50000"/>
-                      <a:alpha val="20000"/>
-                    </a:prstClr>
-                  </a:glow>
-                  <a:outerShdw blurRad="44450" dist="12700" dir="13860000" algn="tl" rotWithShape="0">
-                    <a:srgbClr val="000000">
-                      <a:alpha val="20000"/>
-                    </a:srgbClr>
-                  </a:outerShdw>
-                </a:effectLst>
-                <a:hlinkClick r:id="rId7">
-                  <a:extLst>
-                    <a:ext uri="{A12FA001-AC4F-418D-AE19-62706E023703}">
-                      <ahyp:hlinkClr xmlns:ahyp="http://schemas.microsoft.com/office/drawing/2018/hyperlinkcolor" val="tx"/>
-                    </a:ext>
-                  </a:extLst>
-                </a:hlinkClick>
-              </a:rPr>
-              <a:t> v22.2 Reference Manuals</a:t>
-            </a:r>
-            <a:endParaRPr lang="en-US" sz="1600" dirty="0">
-              <a:solidFill>
-                <a:schemeClr val="accent2"/>
-              </a:solidFill>
-              <a:effectLst>
-                <a:glow rad="38100">
-                  <a:prstClr val="black">
-                    <a:lumMod val="50000"/>
-                    <a:lumOff val="50000"/>
-                    <a:alpha val="20000"/>
-                  </a:prstClr>
-                </a:glow>
-                <a:outerShdw blurRad="44450" dist="12700" dir="13860000" algn="tl" rotWithShape="0">
-                  <a:srgbClr val="000000">
-                    <a:alpha val="20000"/>
-                  </a:srgbClr>
-                </a:outerShdw>
-              </a:effectLst>
-            </a:endParaRPr>
-          </a:p>
-          <a:p>
-            <a:pPr marL="285750" indent="-285750">
-              <a:buFont typeface="Arial" panose="020B0604020202020204" pitchFamily="34" charset="0"/>
-              <a:buChar char="•"/>
-            </a:pPr>
-            <a:r>
-              <a:rPr lang="en-US" sz="1600" dirty="0">
-                <a:solidFill>
-                  <a:schemeClr val="accent2"/>
-                </a:solidFill>
-                <a:effectLst>
-                  <a:glow rad="38100">
-                    <a:prstClr val="black">
-                      <a:lumMod val="50000"/>
-                      <a:lumOff val="50000"/>
-                      <a:alpha val="20000"/>
-                    </a:prstClr>
-                  </a:glow>
-                  <a:outerShdw blurRad="44450" dist="12700" dir="13860000" algn="tl" rotWithShape="0">
-                    <a:srgbClr val="000000">
-                      <a:alpha val="20000"/>
-                    </a:srgbClr>
-                  </a:outerShdw>
-                </a:effectLst>
-                <a:hlinkClick r:id="rId8">
-                  <a:extLst>
-                    <a:ext uri="{A12FA001-AC4F-418D-AE19-62706E023703}">
-                      <ahyp:hlinkClr xmlns:ahyp="http://schemas.microsoft.com/office/drawing/2018/hyperlinkcolor" val="tx"/>
-                    </a:ext>
-                  </a:extLst>
-                </a:hlinkClick>
-              </a:rPr>
-              <a:t>Qpid GraalVM Project</a:t>
-            </a:r>
-            <a:endParaRPr lang="en-US" sz="1600" dirty="0">
-              <a:solidFill>
-                <a:schemeClr val="accent2"/>
-              </a:solidFill>
-              <a:effectLst>
-                <a:glow rad="38100">
-                  <a:prstClr val="black">
-                    <a:lumMod val="50000"/>
-                    <a:lumOff val="50000"/>
-                    <a:alpha val="20000"/>
-                  </a:prstClr>
-                </a:glow>
-                <a:outerShdw blurRad="44450" dist="12700" dir="13860000" algn="tl" rotWithShape="0">
-                  <a:srgbClr val="000000">
-                    <a:alpha val="20000"/>
-                  </a:srgbClr>
-                </a:outerShdw>
-              </a:effectLst>
-            </a:endParaRPr>
-          </a:p>
-          <a:p>
-            <a:pPr marL="285750" indent="-285750">
-              <a:buFont typeface="Arial" panose="020B0604020202020204" pitchFamily="34" charset="0"/>
-              <a:buChar char="•"/>
-            </a:pPr>
-            <a:r>
-              <a:rPr lang="en-US" sz="1600" dirty="0">
-                <a:solidFill>
-                  <a:schemeClr val="accent2"/>
-                </a:solidFill>
-                <a:effectLst>
-                  <a:glow rad="38100">
-                    <a:prstClr val="black">
-                      <a:lumMod val="50000"/>
-                      <a:lumOff val="50000"/>
-                      <a:alpha val="20000"/>
-                    </a:prstClr>
-                  </a:glow>
-                  <a:outerShdw blurRad="44450" dist="12700" dir="13860000" algn="tl" rotWithShape="0">
-                    <a:srgbClr val="000000">
-                      <a:alpha val="20000"/>
-                    </a:srgbClr>
-                  </a:outerShdw>
-                </a:effectLst>
-                <a:hlinkClick r:id="rId9">
-                  <a:extLst>
-                    <a:ext uri="{A12FA001-AC4F-418D-AE19-62706E023703}">
-                      <ahyp:hlinkClr xmlns:ahyp="http://schemas.microsoft.com/office/drawing/2018/hyperlinkcolor" val="tx"/>
-                    </a:ext>
-                  </a:extLst>
-                </a:hlinkClick>
-              </a:rPr>
-              <a:t>Native Image Compatibility Guide</a:t>
-            </a:r>
-            <a:endParaRPr lang="en-US" sz="1600" dirty="0">
-              <a:solidFill>
-                <a:schemeClr val="accent2"/>
-              </a:solidFill>
-              <a:effectLst>
-                <a:glow rad="38100">
-                  <a:prstClr val="black">
-                    <a:lumMod val="50000"/>
-                    <a:lumOff val="50000"/>
-                    <a:alpha val="20000"/>
-                  </a:prstClr>
-                </a:glow>
-                <a:outerShdw blurRad="44450" dist="12700" dir="13860000" algn="tl" rotWithShape="0">
-                  <a:srgbClr val="000000">
-                    <a:alpha val="20000"/>
-                  </a:srgbClr>
-                </a:outerShdw>
-              </a:effectLst>
-            </a:endParaRPr>
-          </a:p>
-          <a:p>
-            <a:pPr marL="285750" indent="-285750">
-              <a:buFont typeface="Arial" panose="020B0604020202020204" pitchFamily="34" charset="0"/>
-              <a:buChar char="•"/>
-            </a:pPr>
-            <a:r>
-              <a:rPr lang="en-US" sz="1600" dirty="0">
-                <a:solidFill>
-                  <a:schemeClr val="accent2"/>
-                </a:solidFill>
-                <a:effectLst>
-                  <a:glow rad="38100">
-                    <a:prstClr val="black">
-                      <a:lumMod val="50000"/>
-                      <a:lumOff val="50000"/>
-                      <a:alpha val="20000"/>
-                    </a:prstClr>
-                  </a:glow>
-                  <a:outerShdw blurRad="44450" dist="12700" dir="13860000" algn="tl" rotWithShape="0">
-                    <a:srgbClr val="000000">
-                      <a:alpha val="20000"/>
-                    </a:srgbClr>
-                  </a:outerShdw>
-                </a:effectLst>
-                <a:hlinkClick r:id="rId10">
-                  <a:extLst>
-                    <a:ext uri="{A12FA001-AC4F-418D-AE19-62706E023703}">
-                      <ahyp:hlinkClr xmlns:ahyp="http://schemas.microsoft.com/office/drawing/2018/hyperlinkcolor" val="tx"/>
-                    </a:ext>
-                  </a:extLst>
-                </a:hlinkClick>
-              </a:rPr>
-              <a:t>Spring Native Image Documentation</a:t>
-            </a:r>
-            <a:endParaRPr lang="en-US" sz="1600" dirty="0">
-              <a:solidFill>
-                <a:schemeClr val="accent2"/>
-              </a:solidFill>
-              <a:effectLst>
-                <a:glow rad="38100">
-                  <a:prstClr val="black">
-                    <a:lumMod val="50000"/>
-                    <a:lumOff val="50000"/>
-                    <a:alpha val="20000"/>
-                  </a:prstClr>
-                </a:glow>
-                <a:outerShdw blurRad="44450" dist="12700" dir="13860000" algn="tl" rotWithShape="0">
-                  <a:srgbClr val="000000">
-                    <a:alpha val="20000"/>
-                  </a:srgbClr>
-                </a:outerShdw>
-              </a:effectLst>
-            </a:endParaRPr>
-          </a:p>
-          <a:p>
-            <a:pPr marL="285750" indent="-285750">
-              <a:buFont typeface="Arial" panose="020B0604020202020204" pitchFamily="34" charset="0"/>
-              <a:buChar char="•"/>
-            </a:pPr>
-            <a:endParaRPr lang="en-US" dirty="0">
-              <a:effectLst>
-                <a:glow rad="38100">
-                  <a:prstClr val="black">
-                    <a:lumMod val="50000"/>
-                    <a:lumOff val="50000"/>
-                    <a:alpha val="20000"/>
-                  </a:prstClr>
-                </a:glow>
-                <a:outerShdw blurRad="44450" dist="12700" dir="13860000" algn="tl" rotWithShape="0">
-                  <a:srgbClr val="000000">
-                    <a:alpha val="20000"/>
-                  </a:srgbClr>
-                </a:outerShdw>
-              </a:effectLst>
+            <a:r>
+              <a:rPr lang="en-US" dirty="0"/>
+              <a:t>Native Image Conversion </a:t>
+            </a:r>
+            <a:r>
+              <a:rPr lang="en-US" sz="1800" dirty="0"/>
+              <a:t>(</a:t>
+            </a:r>
+            <a:r>
+              <a:rPr lang="en-US" sz="1800" dirty="0" err="1"/>
+              <a:t>Cont</a:t>
+            </a:r>
+            <a:r>
+              <a:rPr lang="en-US" sz="1800" dirty="0"/>
+              <a:t>)</a:t>
+            </a:r>
+          </a:p>
+        </p:txBody>
+      </p:sp>
+      <p:sp>
+        <p:nvSpPr>
+          <p:cNvPr id="3" name="Content Placeholder 2"/>
+          <p:cNvSpPr>
+            <a:spLocks noGrp="1"/>
+          </p:cNvSpPr>
+          <p:nvPr>
+            <p:ph idx="1"/>
+          </p:nvPr>
+        </p:nvSpPr>
+        <p:spPr>
+          <a:xfrm>
+            <a:off x="646111" y="1363287"/>
+            <a:ext cx="9403743" cy="5120639"/>
+          </a:xfrm>
+        </p:spPr>
+        <p:txBody>
+          <a:bodyPr>
+            <a:normAutofit/>
+          </a:bodyPr>
+          <a:lstStyle/>
+          <a:p>
+            <a:r>
+              <a:rPr lang="en-US" dirty="0"/>
+              <a:t>Maven Build </a:t>
+            </a:r>
+            <a:r>
+              <a:rPr lang="en-US" sz="1000" dirty="0"/>
+              <a:t>(</a:t>
+            </a:r>
+            <a:r>
+              <a:rPr lang="en-US" sz="1000" dirty="0" err="1"/>
+              <a:t>Cont</a:t>
+            </a:r>
+            <a:r>
+              <a:rPr lang="en-US" sz="1000" dirty="0"/>
+              <a:t>)</a:t>
+            </a:r>
+          </a:p>
+          <a:p>
+            <a:pPr lvl="1"/>
+            <a:r>
+              <a:rPr lang="en-US" dirty="0"/>
+              <a:t>Spring Boot</a:t>
+            </a:r>
+          </a:p>
+          <a:p>
+            <a:pPr lvl="2"/>
+            <a:r>
+              <a:rPr lang="en-US" dirty="0"/>
+              <a:t>Dependencies for native image</a:t>
+            </a:r>
+          </a:p>
+          <a:p>
+            <a:pPr lvl="3"/>
+            <a:r>
+              <a:rPr lang="en-US" dirty="0"/>
+              <a:t>Unit tests may not be supported</a:t>
+            </a:r>
+          </a:p>
+          <a:p>
+            <a:pPr marL="1371600" lvl="3" indent="0">
+              <a:buNone/>
+            </a:pPr>
+            <a:r>
+              <a:rPr lang="en-US" sz="900" dirty="0">
+                <a:latin typeface="Lucida Console" panose="020B0609040504020204" pitchFamily="49" charset="0"/>
+              </a:rPr>
+              <a:t>&lt;!–- Migrator is for development/debugging only --&gt;</a:t>
+            </a:r>
+          </a:p>
+          <a:p>
+            <a:pPr marL="1371600" lvl="3" indent="0">
+              <a:spcBef>
+                <a:spcPts val="0"/>
+              </a:spcBef>
+              <a:buNone/>
+            </a:pPr>
+            <a:r>
+              <a:rPr lang="en-US" sz="900" dirty="0">
+                <a:latin typeface="Lucida Console" panose="020B0609040504020204" pitchFamily="49" charset="0"/>
+              </a:rPr>
+              <a:t>&lt;dependency&gt;</a:t>
+            </a:r>
+          </a:p>
+          <a:p>
+            <a:pPr marL="1371600" lvl="3" indent="0">
+              <a:spcBef>
+                <a:spcPts val="0"/>
+              </a:spcBef>
+              <a:buNone/>
+            </a:pPr>
+            <a:r>
+              <a:rPr lang="en-US" sz="900" dirty="0">
+                <a:latin typeface="Lucida Console" panose="020B0609040504020204" pitchFamily="49" charset="0"/>
+              </a:rPr>
+              <a:t>  &lt;</a:t>
+            </a:r>
+            <a:r>
+              <a:rPr lang="en-US" sz="900" dirty="0" err="1">
+                <a:latin typeface="Lucida Console" panose="020B0609040504020204" pitchFamily="49" charset="0"/>
+              </a:rPr>
+              <a:t>groupId</a:t>
+            </a:r>
+            <a:r>
+              <a:rPr lang="en-US" sz="900" dirty="0">
+                <a:latin typeface="Lucida Console" panose="020B0609040504020204" pitchFamily="49" charset="0"/>
+              </a:rPr>
+              <a:t>&gt;</a:t>
+            </a:r>
+            <a:r>
+              <a:rPr lang="en-US" sz="900" dirty="0" err="1">
+                <a:latin typeface="Lucida Console" panose="020B0609040504020204" pitchFamily="49" charset="0"/>
+              </a:rPr>
+              <a:t>org.springframework.boot</a:t>
+            </a:r>
+            <a:r>
+              <a:rPr lang="en-US" sz="900" dirty="0">
+                <a:latin typeface="Lucida Console" panose="020B0609040504020204" pitchFamily="49" charset="0"/>
+              </a:rPr>
+              <a:t>&lt;/</a:t>
+            </a:r>
+            <a:r>
+              <a:rPr lang="en-US" sz="900" dirty="0" err="1">
+                <a:latin typeface="Lucida Console" panose="020B0609040504020204" pitchFamily="49" charset="0"/>
+              </a:rPr>
+              <a:t>groupId</a:t>
+            </a:r>
+            <a:r>
+              <a:rPr lang="en-US" sz="900" dirty="0">
+                <a:latin typeface="Lucida Console" panose="020B0609040504020204" pitchFamily="49" charset="0"/>
+              </a:rPr>
+              <a:t>&gt;</a:t>
+            </a:r>
+          </a:p>
+          <a:p>
+            <a:pPr marL="1371600" lvl="3" indent="0">
+              <a:spcBef>
+                <a:spcPts val="0"/>
+              </a:spcBef>
+              <a:buNone/>
+            </a:pPr>
+            <a:r>
+              <a:rPr lang="en-US" sz="900" dirty="0">
+                <a:latin typeface="Lucida Console" panose="020B0609040504020204" pitchFamily="49" charset="0"/>
+              </a:rPr>
+              <a:t>  &lt;</a:t>
+            </a:r>
+            <a:r>
+              <a:rPr lang="en-US" sz="900" dirty="0" err="1">
+                <a:latin typeface="Lucida Console" panose="020B0609040504020204" pitchFamily="49" charset="0"/>
+              </a:rPr>
+              <a:t>artifactId</a:t>
+            </a:r>
+            <a:r>
+              <a:rPr lang="en-US" sz="900" dirty="0">
+                <a:latin typeface="Lucida Console" panose="020B0609040504020204" pitchFamily="49" charset="0"/>
+              </a:rPr>
+              <a:t>&gt;spring-boot-properties-migrator&lt;/</a:t>
+            </a:r>
+            <a:r>
+              <a:rPr lang="en-US" sz="900" dirty="0" err="1">
+                <a:latin typeface="Lucida Console" panose="020B0609040504020204" pitchFamily="49" charset="0"/>
+              </a:rPr>
+              <a:t>artifactId</a:t>
+            </a:r>
+            <a:r>
+              <a:rPr lang="en-US" sz="900" dirty="0">
+                <a:latin typeface="Lucida Console" panose="020B0609040504020204" pitchFamily="49" charset="0"/>
+              </a:rPr>
+              <a:t>&gt;</a:t>
+            </a:r>
+          </a:p>
+          <a:p>
+            <a:pPr marL="1371600" lvl="3" indent="0">
+              <a:spcBef>
+                <a:spcPts val="0"/>
+              </a:spcBef>
+              <a:buNone/>
+            </a:pPr>
+            <a:r>
+              <a:rPr lang="en-US" sz="900" dirty="0">
+                <a:latin typeface="Lucida Console" panose="020B0609040504020204" pitchFamily="49" charset="0"/>
+              </a:rPr>
+              <a:t>  &lt;scope&gt;runtime&lt;/scope&gt;</a:t>
+            </a:r>
+          </a:p>
+          <a:p>
+            <a:pPr marL="1371600" lvl="3" indent="0">
+              <a:spcBef>
+                <a:spcPts val="0"/>
+              </a:spcBef>
+              <a:buNone/>
+            </a:pPr>
+            <a:r>
+              <a:rPr lang="en-US" sz="900" dirty="0">
+                <a:latin typeface="Lucida Console" panose="020B0609040504020204" pitchFamily="49" charset="0"/>
+              </a:rPr>
+              <a:t>&lt;/dependency&gt;</a:t>
+            </a:r>
+          </a:p>
+          <a:p>
+            <a:pPr marL="1371600" lvl="3" indent="0">
+              <a:spcBef>
+                <a:spcPts val="0"/>
+              </a:spcBef>
+              <a:buNone/>
+            </a:pPr>
+            <a:r>
+              <a:rPr lang="en-US" sz="900" dirty="0">
+                <a:latin typeface="Lucida Console" panose="020B0609040504020204" pitchFamily="49" charset="0"/>
+              </a:rPr>
+              <a:t> </a:t>
+            </a:r>
+          </a:p>
+          <a:p>
+            <a:pPr marL="1371600" lvl="3" indent="0">
+              <a:spcBef>
+                <a:spcPts val="0"/>
+              </a:spcBef>
+              <a:buNone/>
+            </a:pPr>
+            <a:r>
+              <a:rPr lang="en-US" sz="900" dirty="0">
+                <a:latin typeface="Lucida Console" panose="020B0609040504020204" pitchFamily="49" charset="0"/>
+              </a:rPr>
+              <a:t>&lt;dependency&gt;</a:t>
+            </a:r>
+          </a:p>
+          <a:p>
+            <a:pPr marL="1371600" lvl="3" indent="0">
+              <a:spcBef>
+                <a:spcPts val="0"/>
+              </a:spcBef>
+              <a:buNone/>
+            </a:pPr>
+            <a:r>
+              <a:rPr lang="en-US" sz="900" dirty="0">
+                <a:latin typeface="Lucida Console" panose="020B0609040504020204" pitchFamily="49" charset="0"/>
+              </a:rPr>
+              <a:t>  &lt;</a:t>
+            </a:r>
+            <a:r>
+              <a:rPr lang="en-US" sz="900" dirty="0" err="1">
+                <a:latin typeface="Lucida Console" panose="020B0609040504020204" pitchFamily="49" charset="0"/>
+              </a:rPr>
+              <a:t>groupId</a:t>
+            </a:r>
+            <a:r>
+              <a:rPr lang="en-US" sz="900" dirty="0">
+                <a:latin typeface="Lucida Console" panose="020B0609040504020204" pitchFamily="49" charset="0"/>
+              </a:rPr>
+              <a:t>&gt;</a:t>
+            </a:r>
+            <a:r>
+              <a:rPr lang="en-US" sz="900" dirty="0" err="1">
+                <a:latin typeface="Lucida Console" panose="020B0609040504020204" pitchFamily="49" charset="0"/>
+              </a:rPr>
+              <a:t>org.springframework.experimental</a:t>
+            </a:r>
+            <a:r>
+              <a:rPr lang="en-US" sz="900" dirty="0">
+                <a:latin typeface="Lucida Console" panose="020B0609040504020204" pitchFamily="49" charset="0"/>
+              </a:rPr>
+              <a:t>&lt;/</a:t>
+            </a:r>
+            <a:r>
+              <a:rPr lang="en-US" sz="900" dirty="0" err="1">
+                <a:latin typeface="Lucida Console" panose="020B0609040504020204" pitchFamily="49" charset="0"/>
+              </a:rPr>
+              <a:t>groupId</a:t>
+            </a:r>
+            <a:r>
+              <a:rPr lang="en-US" sz="900" dirty="0">
+                <a:latin typeface="Lucida Console" panose="020B0609040504020204" pitchFamily="49" charset="0"/>
+              </a:rPr>
+              <a:t>&gt;</a:t>
+            </a:r>
+          </a:p>
+          <a:p>
+            <a:pPr marL="1371600" lvl="3" indent="0">
+              <a:spcBef>
+                <a:spcPts val="0"/>
+              </a:spcBef>
+              <a:buNone/>
+            </a:pPr>
+            <a:r>
+              <a:rPr lang="en-US" sz="900" dirty="0">
+                <a:latin typeface="Lucida Console" panose="020B0609040504020204" pitchFamily="49" charset="0"/>
+              </a:rPr>
+              <a:t>  &lt;</a:t>
+            </a:r>
+            <a:r>
+              <a:rPr lang="en-US" sz="900" dirty="0" err="1">
+                <a:latin typeface="Lucida Console" panose="020B0609040504020204" pitchFamily="49" charset="0"/>
+              </a:rPr>
+              <a:t>artifactId</a:t>
+            </a:r>
+            <a:r>
+              <a:rPr lang="en-US" sz="900" dirty="0">
+                <a:latin typeface="Lucida Console" panose="020B0609040504020204" pitchFamily="49" charset="0"/>
+              </a:rPr>
+              <a:t>&gt;spring-native&lt;/</a:t>
+            </a:r>
+            <a:r>
+              <a:rPr lang="en-US" sz="900" dirty="0" err="1">
+                <a:latin typeface="Lucida Console" panose="020B0609040504020204" pitchFamily="49" charset="0"/>
+              </a:rPr>
+              <a:t>artifactId</a:t>
+            </a:r>
+            <a:r>
+              <a:rPr lang="en-US" sz="900" dirty="0">
+                <a:latin typeface="Lucida Console" panose="020B0609040504020204" pitchFamily="49" charset="0"/>
+              </a:rPr>
+              <a:t>&gt;</a:t>
+            </a:r>
+          </a:p>
+          <a:p>
+            <a:pPr marL="1371600" lvl="3" indent="0">
+              <a:spcBef>
+                <a:spcPts val="0"/>
+              </a:spcBef>
+              <a:buNone/>
+            </a:pPr>
+            <a:r>
+              <a:rPr lang="en-US" sz="900" dirty="0">
+                <a:latin typeface="Lucida Console" panose="020B0609040504020204" pitchFamily="49" charset="0"/>
+              </a:rPr>
+              <a:t>  &lt;version&gt;0.12.0&lt;/version&gt;</a:t>
+            </a:r>
+          </a:p>
+          <a:p>
+            <a:pPr marL="1371600" lvl="3" indent="0">
+              <a:spcBef>
+                <a:spcPts val="0"/>
+              </a:spcBef>
+              <a:buNone/>
+            </a:pPr>
+            <a:r>
+              <a:rPr lang="en-US" sz="900" dirty="0">
+                <a:latin typeface="Lucida Console" panose="020B0609040504020204" pitchFamily="49" charset="0"/>
+              </a:rPr>
+              <a:t>&lt;/dependency&gt;</a:t>
+            </a:r>
+            <a:endParaRPr lang="en-US" sz="3200" dirty="0">
+              <a:latin typeface="Lucida Console" panose="020B0609040504020204" pitchFamily="49" charset="0"/>
             </a:endParaRPr>
           </a:p>
         </p:txBody>
@@ -12383,7 +13064,7 @@
     </p:spTree>
     <p:extLst>
       <p:ext uri="{BB962C8B-B14F-4D97-AF65-F5344CB8AC3E}">
-        <p14:creationId xmlns:p14="http://schemas.microsoft.com/office/powerpoint/2010/main" val="158878503"/>
+        <p14:creationId xmlns:p14="http://schemas.microsoft.com/office/powerpoint/2010/main" val="353073596"/>
       </p:ext>
     </p:extLst>
   </p:cSld>
@@ -12554,6 +13235,3772 @@
 </p:sld>
 </file>
 
+<file path=ppt/slides/slide30.xml><?xml version="1.0" encoding="utf-8"?>
+<p:sld xmlns:a="http://schemas.openxmlformats.org/drawingml/2006/main" xmlns:r="http://schemas.openxmlformats.org/officeDocument/2006/relationships" xmlns:p="http://schemas.openxmlformats.org/presentationml/2006/main">
+  <p:cSld>
+    <p:spTree>
+      <p:nvGrpSpPr>
+        <p:cNvPr id="1" name=""/>
+        <p:cNvGrpSpPr/>
+        <p:nvPr/>
+      </p:nvGrpSpPr>
+      <p:grpSpPr>
+        <a:xfrm>
+          <a:off x="0" y="0"/>
+          <a:ext cx="0" cy="0"/>
+          <a:chOff x="0" y="0"/>
+          <a:chExt cx="0" cy="0"/>
+        </a:xfrm>
+      </p:grpSpPr>
+      <p:sp>
+        <p:nvSpPr>
+          <p:cNvPr id="2" name="Title 1"/>
+          <p:cNvSpPr>
+            <a:spLocks noGrp="1"/>
+          </p:cNvSpPr>
+          <p:nvPr>
+            <p:ph type="title"/>
+          </p:nvPr>
+        </p:nvSpPr>
+        <p:spPr>
+          <a:xfrm>
+            <a:off x="646111" y="452718"/>
+            <a:ext cx="9404723" cy="910569"/>
+          </a:xfrm>
+        </p:spPr>
+        <p:txBody>
+          <a:bodyPr/>
+          <a:lstStyle/>
+          <a:p>
+            <a:r>
+              <a:rPr lang="en-US" dirty="0"/>
+              <a:t>Native Image Conversion </a:t>
+            </a:r>
+            <a:r>
+              <a:rPr lang="en-US" sz="1800" dirty="0"/>
+              <a:t>(</a:t>
+            </a:r>
+            <a:r>
+              <a:rPr lang="en-US" sz="1800" dirty="0" err="1"/>
+              <a:t>Cont</a:t>
+            </a:r>
+            <a:r>
+              <a:rPr lang="en-US" sz="1800" dirty="0"/>
+              <a:t>)</a:t>
+            </a:r>
+          </a:p>
+        </p:txBody>
+      </p:sp>
+      <p:sp>
+        <p:nvSpPr>
+          <p:cNvPr id="3" name="Content Placeholder 2"/>
+          <p:cNvSpPr>
+            <a:spLocks noGrp="1"/>
+          </p:cNvSpPr>
+          <p:nvPr>
+            <p:ph idx="1"/>
+          </p:nvPr>
+        </p:nvSpPr>
+        <p:spPr>
+          <a:xfrm>
+            <a:off x="646111" y="1363287"/>
+            <a:ext cx="9403743" cy="5120639"/>
+          </a:xfrm>
+        </p:spPr>
+        <p:txBody>
+          <a:bodyPr numCol="2">
+            <a:normAutofit/>
+          </a:bodyPr>
+          <a:lstStyle/>
+          <a:p>
+            <a:r>
+              <a:rPr lang="en-US" dirty="0"/>
+              <a:t>Maven Build </a:t>
+            </a:r>
+            <a:r>
+              <a:rPr lang="en-US" sz="1000" dirty="0"/>
+              <a:t>(</a:t>
+            </a:r>
+            <a:r>
+              <a:rPr lang="en-US" sz="1000" dirty="0" err="1"/>
+              <a:t>Cont</a:t>
+            </a:r>
+            <a:r>
+              <a:rPr lang="en-US" sz="1000" dirty="0"/>
+              <a:t>)</a:t>
+            </a:r>
+          </a:p>
+          <a:p>
+            <a:pPr lvl="1">
+              <a:buFont typeface="Wingdings" panose="05000000000000000000" pitchFamily="2" charset="2"/>
+              <a:buChar char="Ø"/>
+            </a:pPr>
+            <a:r>
+              <a:rPr lang="en-US" dirty="0"/>
+              <a:t>Spring Boot </a:t>
+            </a:r>
+            <a:r>
+              <a:rPr lang="en-US" sz="900" dirty="0"/>
+              <a:t>(</a:t>
+            </a:r>
+            <a:r>
+              <a:rPr lang="en-US" sz="900" dirty="0" err="1"/>
+              <a:t>Cont</a:t>
+            </a:r>
+            <a:r>
+              <a:rPr lang="en-US" sz="900" dirty="0"/>
+              <a:t>)</a:t>
+            </a:r>
+          </a:p>
+          <a:p>
+            <a:pPr lvl="2">
+              <a:buFont typeface="Wingdings" panose="05000000000000000000" pitchFamily="2" charset="2"/>
+              <a:buChar char="Ø"/>
+            </a:pPr>
+            <a:r>
+              <a:rPr lang="en-US" dirty="0"/>
+              <a:t>Build plugins for native image</a:t>
+            </a:r>
+            <a:endParaRPr lang="en-US" dirty="0">
+              <a:solidFill>
+                <a:schemeClr val="tx1"/>
+              </a:solidFill>
+            </a:endParaRPr>
+          </a:p>
+          <a:p>
+            <a:pPr marL="914400" lvl="2" indent="0">
+              <a:buNone/>
+            </a:pPr>
+            <a:r>
+              <a:rPr lang="en-US" sz="900" dirty="0">
+                <a:solidFill>
+                  <a:srgbClr val="000000"/>
+                </a:solidFill>
+                <a:latin typeface="Consolas" panose="020B0609020204030204" pitchFamily="49" charset="0"/>
+              </a:rPr>
+              <a:t>&lt;</a:t>
+            </a:r>
+            <a:r>
+              <a:rPr lang="en-US" sz="900" dirty="0">
+                <a:solidFill>
+                  <a:srgbClr val="268BD2"/>
+                </a:solidFill>
+                <a:latin typeface="Consolas" panose="020B0609020204030204" pitchFamily="49" charset="0"/>
+              </a:rPr>
+              <a:t>build</a:t>
+            </a:r>
+            <a:r>
+              <a:rPr lang="en-US" sz="900" dirty="0">
+                <a:solidFill>
+                  <a:srgbClr val="000000"/>
+                </a:solidFill>
+                <a:latin typeface="Consolas" panose="020B0609020204030204" pitchFamily="49" charset="0"/>
+              </a:rPr>
+              <a:t>&gt;</a:t>
+            </a:r>
+          </a:p>
+          <a:p>
+            <a:pPr marL="400050" lvl="1" indent="0">
+              <a:spcBef>
+                <a:spcPts val="0"/>
+              </a:spcBef>
+              <a:buNone/>
+            </a:pPr>
+            <a:r>
+              <a:rPr lang="en-US" sz="900" dirty="0">
+                <a:solidFill>
+                  <a:srgbClr val="000000"/>
+                </a:solidFill>
+                <a:latin typeface="Consolas" panose="020B0609020204030204" pitchFamily="49" charset="0"/>
+              </a:rPr>
+              <a:t>         &lt;</a:t>
+            </a:r>
+            <a:r>
+              <a:rPr lang="en-US" sz="900" dirty="0">
+                <a:solidFill>
+                  <a:srgbClr val="268BD2"/>
+                </a:solidFill>
+                <a:latin typeface="Consolas" panose="020B0609020204030204" pitchFamily="49" charset="0"/>
+              </a:rPr>
+              <a:t>plugins</a:t>
+            </a:r>
+            <a:r>
+              <a:rPr lang="en-US" sz="900" dirty="0">
+                <a:solidFill>
+                  <a:srgbClr val="000000"/>
+                </a:solidFill>
+                <a:latin typeface="Consolas" panose="020B0609020204030204" pitchFamily="49" charset="0"/>
+              </a:rPr>
+              <a:t>&gt;</a:t>
+            </a:r>
+          </a:p>
+          <a:p>
+            <a:pPr marL="400050" lvl="1" indent="0">
+              <a:spcBef>
+                <a:spcPts val="0"/>
+              </a:spcBef>
+              <a:buNone/>
+            </a:pPr>
+            <a:r>
+              <a:rPr lang="en-US" sz="900" dirty="0">
+                <a:solidFill>
+                  <a:srgbClr val="000000"/>
+                </a:solidFill>
+                <a:latin typeface="Consolas" panose="020B0609020204030204" pitchFamily="49" charset="0"/>
+              </a:rPr>
+              <a:t>           &lt;</a:t>
+            </a:r>
+            <a:r>
+              <a:rPr lang="en-US" sz="900" dirty="0">
+                <a:solidFill>
+                  <a:srgbClr val="268BD2"/>
+                </a:solidFill>
+                <a:latin typeface="Consolas" panose="020B0609020204030204" pitchFamily="49" charset="0"/>
+              </a:rPr>
+              <a:t>plugin</a:t>
+            </a:r>
+            <a:r>
+              <a:rPr lang="en-US" sz="900" dirty="0">
+                <a:solidFill>
+                  <a:srgbClr val="000000"/>
+                </a:solidFill>
+                <a:latin typeface="Consolas" panose="020B0609020204030204" pitchFamily="49" charset="0"/>
+              </a:rPr>
+              <a:t>&gt;</a:t>
+            </a:r>
+          </a:p>
+          <a:p>
+            <a:pPr marL="400050" lvl="1" indent="0">
+              <a:spcBef>
+                <a:spcPts val="0"/>
+              </a:spcBef>
+              <a:buNone/>
+            </a:pPr>
+            <a:r>
+              <a:rPr lang="en-US" sz="900" dirty="0">
+                <a:solidFill>
+                  <a:srgbClr val="000000"/>
+                </a:solidFill>
+                <a:latin typeface="Consolas" panose="020B0609020204030204" pitchFamily="49" charset="0"/>
+              </a:rPr>
+              <a:t>             &lt;</a:t>
+            </a:r>
+            <a:r>
+              <a:rPr lang="en-US" sz="900" dirty="0" err="1">
+                <a:solidFill>
+                  <a:srgbClr val="268BD2"/>
+                </a:solidFill>
+                <a:latin typeface="Consolas" panose="020B0609020204030204" pitchFamily="49" charset="0"/>
+              </a:rPr>
+              <a:t>groupId</a:t>
+            </a:r>
+            <a:r>
+              <a:rPr lang="en-US" sz="900" dirty="0">
+                <a:solidFill>
+                  <a:srgbClr val="000000"/>
+                </a:solidFill>
+                <a:latin typeface="Consolas" panose="020B0609020204030204" pitchFamily="49" charset="0"/>
+              </a:rPr>
+              <a:t>&gt;</a:t>
+            </a:r>
+            <a:r>
+              <a:rPr lang="en-US" sz="900" dirty="0" err="1">
+                <a:solidFill>
+                  <a:srgbClr val="000000"/>
+                </a:solidFill>
+                <a:latin typeface="Consolas" panose="020B0609020204030204" pitchFamily="49" charset="0"/>
+              </a:rPr>
+              <a:t>org.springframework.experimental</a:t>
+            </a:r>
+            <a:r>
+              <a:rPr lang="en-US" sz="900" dirty="0">
+                <a:solidFill>
+                  <a:srgbClr val="000000"/>
+                </a:solidFill>
+                <a:latin typeface="Consolas" panose="020B0609020204030204" pitchFamily="49" charset="0"/>
+              </a:rPr>
+              <a:t>&lt;/</a:t>
+            </a:r>
+            <a:r>
+              <a:rPr lang="en-US" sz="900" dirty="0" err="1">
+                <a:solidFill>
+                  <a:srgbClr val="268BD2"/>
+                </a:solidFill>
+                <a:latin typeface="Consolas" panose="020B0609020204030204" pitchFamily="49" charset="0"/>
+              </a:rPr>
+              <a:t>groupId</a:t>
+            </a:r>
+            <a:r>
+              <a:rPr lang="en-US" sz="900" dirty="0">
+                <a:solidFill>
+                  <a:srgbClr val="000000"/>
+                </a:solidFill>
+                <a:latin typeface="Consolas" panose="020B0609020204030204" pitchFamily="49" charset="0"/>
+              </a:rPr>
+              <a:t>&gt;</a:t>
+            </a:r>
+          </a:p>
+          <a:p>
+            <a:pPr marL="400050" lvl="1" indent="0">
+              <a:spcBef>
+                <a:spcPts val="0"/>
+              </a:spcBef>
+              <a:buNone/>
+            </a:pPr>
+            <a:r>
+              <a:rPr lang="en-US" sz="900" dirty="0">
+                <a:solidFill>
+                  <a:srgbClr val="000000"/>
+                </a:solidFill>
+                <a:latin typeface="Consolas" panose="020B0609020204030204" pitchFamily="49" charset="0"/>
+              </a:rPr>
+              <a:t>             &lt;</a:t>
+            </a:r>
+            <a:r>
+              <a:rPr lang="en-US" sz="900" dirty="0" err="1">
+                <a:solidFill>
+                  <a:srgbClr val="268BD2"/>
+                </a:solidFill>
+                <a:latin typeface="Consolas" panose="020B0609020204030204" pitchFamily="49" charset="0"/>
+              </a:rPr>
+              <a:t>artifactId</a:t>
+            </a:r>
+            <a:r>
+              <a:rPr lang="en-US" sz="900" dirty="0">
+                <a:solidFill>
+                  <a:srgbClr val="000000"/>
+                </a:solidFill>
+                <a:latin typeface="Consolas" panose="020B0609020204030204" pitchFamily="49" charset="0"/>
+              </a:rPr>
+              <a:t>&gt;spring-</a:t>
+            </a:r>
+            <a:r>
+              <a:rPr lang="en-US" sz="900" dirty="0" err="1">
+                <a:solidFill>
+                  <a:srgbClr val="000000"/>
+                </a:solidFill>
+                <a:latin typeface="Consolas" panose="020B0609020204030204" pitchFamily="49" charset="0"/>
+              </a:rPr>
+              <a:t>aot</a:t>
+            </a:r>
+            <a:r>
+              <a:rPr lang="en-US" sz="900" dirty="0">
+                <a:solidFill>
+                  <a:srgbClr val="000000"/>
+                </a:solidFill>
+                <a:latin typeface="Consolas" panose="020B0609020204030204" pitchFamily="49" charset="0"/>
+              </a:rPr>
+              <a:t>-maven-plugin&lt;/</a:t>
+            </a:r>
+            <a:r>
+              <a:rPr lang="en-US" sz="900" dirty="0" err="1">
+                <a:solidFill>
+                  <a:srgbClr val="268BD2"/>
+                </a:solidFill>
+                <a:latin typeface="Consolas" panose="020B0609020204030204" pitchFamily="49" charset="0"/>
+              </a:rPr>
+              <a:t>artifactId</a:t>
+            </a:r>
+            <a:r>
+              <a:rPr lang="en-US" sz="900" dirty="0">
+                <a:solidFill>
+                  <a:srgbClr val="000000"/>
+                </a:solidFill>
+                <a:latin typeface="Consolas" panose="020B0609020204030204" pitchFamily="49" charset="0"/>
+              </a:rPr>
+              <a:t>&gt;</a:t>
+            </a:r>
+          </a:p>
+          <a:p>
+            <a:pPr marL="400050" lvl="1" indent="0">
+              <a:spcBef>
+                <a:spcPts val="0"/>
+              </a:spcBef>
+              <a:buNone/>
+            </a:pPr>
+            <a:r>
+              <a:rPr lang="en-US" sz="900" dirty="0">
+                <a:solidFill>
+                  <a:srgbClr val="000000"/>
+                </a:solidFill>
+                <a:latin typeface="Consolas" panose="020B0609020204030204" pitchFamily="49" charset="0"/>
+              </a:rPr>
+              <a:t>             &lt;</a:t>
+            </a:r>
+            <a:r>
+              <a:rPr lang="en-US" sz="900" dirty="0">
+                <a:solidFill>
+                  <a:srgbClr val="268BD2"/>
+                </a:solidFill>
+                <a:latin typeface="Consolas" panose="020B0609020204030204" pitchFamily="49" charset="0"/>
+              </a:rPr>
+              <a:t>version</a:t>
+            </a:r>
+            <a:r>
+              <a:rPr lang="en-US" sz="900" dirty="0">
+                <a:solidFill>
+                  <a:srgbClr val="000000"/>
+                </a:solidFill>
+                <a:latin typeface="Consolas" panose="020B0609020204030204" pitchFamily="49" charset="0"/>
+              </a:rPr>
+              <a:t>&gt;0.12.0&lt;/</a:t>
+            </a:r>
+            <a:r>
+              <a:rPr lang="en-US" sz="900" dirty="0">
+                <a:solidFill>
+                  <a:srgbClr val="268BD2"/>
+                </a:solidFill>
+                <a:latin typeface="Consolas" panose="020B0609020204030204" pitchFamily="49" charset="0"/>
+              </a:rPr>
+              <a:t>version</a:t>
+            </a:r>
+            <a:r>
+              <a:rPr lang="en-US" sz="900" dirty="0">
+                <a:solidFill>
+                  <a:srgbClr val="000000"/>
+                </a:solidFill>
+                <a:latin typeface="Consolas" panose="020B0609020204030204" pitchFamily="49" charset="0"/>
+              </a:rPr>
+              <a:t>&gt;</a:t>
+            </a:r>
+          </a:p>
+          <a:p>
+            <a:pPr marL="400050" lvl="1" indent="0">
+              <a:spcBef>
+                <a:spcPts val="0"/>
+              </a:spcBef>
+              <a:buNone/>
+            </a:pPr>
+            <a:r>
+              <a:rPr lang="en-US" sz="900" dirty="0">
+                <a:solidFill>
+                  <a:srgbClr val="000000"/>
+                </a:solidFill>
+                <a:latin typeface="Consolas" panose="020B0609020204030204" pitchFamily="49" charset="0"/>
+              </a:rPr>
+              <a:t>               &lt;</a:t>
+            </a:r>
+            <a:r>
+              <a:rPr lang="en-US" sz="900" dirty="0">
+                <a:solidFill>
+                  <a:srgbClr val="268BD2"/>
+                </a:solidFill>
+                <a:latin typeface="Consolas" panose="020B0609020204030204" pitchFamily="49" charset="0"/>
+              </a:rPr>
+              <a:t>executions</a:t>
+            </a:r>
+            <a:r>
+              <a:rPr lang="en-US" sz="900" dirty="0">
+                <a:solidFill>
+                  <a:srgbClr val="000000"/>
+                </a:solidFill>
+                <a:latin typeface="Consolas" panose="020B0609020204030204" pitchFamily="49" charset="0"/>
+              </a:rPr>
+              <a:t>&gt;</a:t>
+            </a:r>
+          </a:p>
+          <a:p>
+            <a:pPr marL="400050" lvl="1" indent="0">
+              <a:spcBef>
+                <a:spcPts val="0"/>
+              </a:spcBef>
+              <a:buNone/>
+            </a:pPr>
+            <a:r>
+              <a:rPr lang="en-US" sz="900" dirty="0">
+                <a:solidFill>
+                  <a:srgbClr val="000000"/>
+                </a:solidFill>
+                <a:latin typeface="Consolas" panose="020B0609020204030204" pitchFamily="49" charset="0"/>
+              </a:rPr>
+              <a:t>                 &lt;</a:t>
+            </a:r>
+            <a:r>
+              <a:rPr lang="en-US" sz="900" dirty="0">
+                <a:solidFill>
+                  <a:srgbClr val="268BD2"/>
+                </a:solidFill>
+                <a:latin typeface="Consolas" panose="020B0609020204030204" pitchFamily="49" charset="0"/>
+              </a:rPr>
+              <a:t>execution</a:t>
+            </a:r>
+            <a:r>
+              <a:rPr lang="en-US" sz="900" dirty="0">
+                <a:solidFill>
+                  <a:srgbClr val="000000"/>
+                </a:solidFill>
+                <a:latin typeface="Consolas" panose="020B0609020204030204" pitchFamily="49" charset="0"/>
+              </a:rPr>
+              <a:t>&gt;</a:t>
+            </a:r>
+          </a:p>
+          <a:p>
+            <a:pPr marL="400050" lvl="1" indent="0">
+              <a:spcBef>
+                <a:spcPts val="0"/>
+              </a:spcBef>
+              <a:buNone/>
+            </a:pPr>
+            <a:r>
+              <a:rPr lang="en-US" sz="900" dirty="0">
+                <a:solidFill>
+                  <a:srgbClr val="000000"/>
+                </a:solidFill>
+                <a:latin typeface="Consolas" panose="020B0609020204030204" pitchFamily="49" charset="0"/>
+              </a:rPr>
+              <a:t>                   &lt;</a:t>
+            </a:r>
+            <a:r>
+              <a:rPr lang="en-US" sz="900" dirty="0">
+                <a:solidFill>
+                  <a:srgbClr val="268BD2"/>
+                </a:solidFill>
+                <a:latin typeface="Consolas" panose="020B0609020204030204" pitchFamily="49" charset="0"/>
+              </a:rPr>
+              <a:t>id</a:t>
+            </a:r>
+            <a:r>
+              <a:rPr lang="en-US" sz="900" dirty="0">
+                <a:solidFill>
+                  <a:srgbClr val="000000"/>
+                </a:solidFill>
+                <a:latin typeface="Consolas" panose="020B0609020204030204" pitchFamily="49" charset="0"/>
+              </a:rPr>
+              <a:t>&gt;generate&lt;/</a:t>
+            </a:r>
+            <a:r>
+              <a:rPr lang="en-US" sz="900" dirty="0">
+                <a:solidFill>
+                  <a:srgbClr val="268BD2"/>
+                </a:solidFill>
+                <a:latin typeface="Consolas" panose="020B0609020204030204" pitchFamily="49" charset="0"/>
+              </a:rPr>
+              <a:t>id</a:t>
+            </a:r>
+            <a:r>
+              <a:rPr lang="en-US" sz="900" dirty="0">
+                <a:solidFill>
+                  <a:srgbClr val="000000"/>
+                </a:solidFill>
+                <a:latin typeface="Consolas" panose="020B0609020204030204" pitchFamily="49" charset="0"/>
+              </a:rPr>
+              <a:t>&gt;</a:t>
+            </a:r>
+          </a:p>
+          <a:p>
+            <a:pPr marL="400050" lvl="1" indent="0">
+              <a:spcBef>
+                <a:spcPts val="0"/>
+              </a:spcBef>
+              <a:buNone/>
+            </a:pPr>
+            <a:r>
+              <a:rPr lang="en-US" sz="900" dirty="0">
+                <a:solidFill>
+                  <a:srgbClr val="000000"/>
+                </a:solidFill>
+                <a:latin typeface="Consolas" panose="020B0609020204030204" pitchFamily="49" charset="0"/>
+              </a:rPr>
+              <a:t>                   &lt;</a:t>
+            </a:r>
+            <a:r>
+              <a:rPr lang="en-US" sz="900" dirty="0">
+                <a:solidFill>
+                  <a:srgbClr val="268BD2"/>
+                </a:solidFill>
+                <a:latin typeface="Consolas" panose="020B0609020204030204" pitchFamily="49" charset="0"/>
+              </a:rPr>
+              <a:t>goals</a:t>
+            </a:r>
+            <a:r>
+              <a:rPr lang="en-US" sz="900" dirty="0">
+                <a:solidFill>
+                  <a:srgbClr val="000000"/>
+                </a:solidFill>
+                <a:latin typeface="Consolas" panose="020B0609020204030204" pitchFamily="49" charset="0"/>
+              </a:rPr>
+              <a:t>&gt;</a:t>
+            </a:r>
+          </a:p>
+          <a:p>
+            <a:pPr marL="400050" lvl="1" indent="0">
+              <a:spcBef>
+                <a:spcPts val="0"/>
+              </a:spcBef>
+              <a:buNone/>
+            </a:pPr>
+            <a:r>
+              <a:rPr lang="en-US" sz="900" dirty="0">
+                <a:solidFill>
+                  <a:srgbClr val="000000"/>
+                </a:solidFill>
+                <a:latin typeface="Consolas" panose="020B0609020204030204" pitchFamily="49" charset="0"/>
+              </a:rPr>
+              <a:t>                     &lt;</a:t>
+            </a:r>
+            <a:r>
+              <a:rPr lang="en-US" sz="900" dirty="0">
+                <a:solidFill>
+                  <a:srgbClr val="268BD2"/>
+                </a:solidFill>
+                <a:latin typeface="Consolas" panose="020B0609020204030204" pitchFamily="49" charset="0"/>
+              </a:rPr>
+              <a:t>goal</a:t>
+            </a:r>
+            <a:r>
+              <a:rPr lang="en-US" sz="900" dirty="0">
+                <a:solidFill>
+                  <a:srgbClr val="000000"/>
+                </a:solidFill>
+                <a:latin typeface="Consolas" panose="020B0609020204030204" pitchFamily="49" charset="0"/>
+              </a:rPr>
+              <a:t>&gt;generate&lt;/</a:t>
+            </a:r>
+            <a:r>
+              <a:rPr lang="en-US" sz="900" dirty="0">
+                <a:solidFill>
+                  <a:srgbClr val="268BD2"/>
+                </a:solidFill>
+                <a:latin typeface="Consolas" panose="020B0609020204030204" pitchFamily="49" charset="0"/>
+              </a:rPr>
+              <a:t>goal</a:t>
+            </a:r>
+            <a:r>
+              <a:rPr lang="en-US" sz="900" dirty="0">
+                <a:solidFill>
+                  <a:srgbClr val="000000"/>
+                </a:solidFill>
+                <a:latin typeface="Consolas" panose="020B0609020204030204" pitchFamily="49" charset="0"/>
+              </a:rPr>
+              <a:t>&gt;</a:t>
+            </a:r>
+          </a:p>
+          <a:p>
+            <a:pPr marL="400050" lvl="1" indent="0">
+              <a:spcBef>
+                <a:spcPts val="0"/>
+              </a:spcBef>
+              <a:buNone/>
+            </a:pPr>
+            <a:r>
+              <a:rPr lang="en-US" sz="900" dirty="0">
+                <a:solidFill>
+                  <a:srgbClr val="000000"/>
+                </a:solidFill>
+                <a:latin typeface="Consolas" panose="020B0609020204030204" pitchFamily="49" charset="0"/>
+              </a:rPr>
+              <a:t>                   &lt;/</a:t>
+            </a:r>
+            <a:r>
+              <a:rPr lang="en-US" sz="900" dirty="0">
+                <a:solidFill>
+                  <a:srgbClr val="268BD2"/>
+                </a:solidFill>
+                <a:latin typeface="Consolas" panose="020B0609020204030204" pitchFamily="49" charset="0"/>
+              </a:rPr>
+              <a:t>goals</a:t>
+            </a:r>
+            <a:r>
+              <a:rPr lang="en-US" sz="900" dirty="0">
+                <a:solidFill>
+                  <a:srgbClr val="000000"/>
+                </a:solidFill>
+                <a:latin typeface="Consolas" panose="020B0609020204030204" pitchFamily="49" charset="0"/>
+              </a:rPr>
+              <a:t>&gt;</a:t>
+            </a:r>
+          </a:p>
+          <a:p>
+            <a:pPr marL="400050" lvl="1" indent="0">
+              <a:spcBef>
+                <a:spcPts val="0"/>
+              </a:spcBef>
+              <a:buNone/>
+            </a:pPr>
+            <a:r>
+              <a:rPr lang="en-US" sz="900" dirty="0">
+                <a:solidFill>
+                  <a:srgbClr val="000000"/>
+                </a:solidFill>
+                <a:latin typeface="Consolas" panose="020B0609020204030204" pitchFamily="49" charset="0"/>
+              </a:rPr>
+              <a:t>                 &lt;/</a:t>
+            </a:r>
+            <a:r>
+              <a:rPr lang="en-US" sz="900" dirty="0">
+                <a:solidFill>
+                  <a:srgbClr val="268BD2"/>
+                </a:solidFill>
+                <a:latin typeface="Consolas" panose="020B0609020204030204" pitchFamily="49" charset="0"/>
+              </a:rPr>
+              <a:t>execution</a:t>
+            </a:r>
+            <a:r>
+              <a:rPr lang="en-US" sz="900" dirty="0">
+                <a:solidFill>
+                  <a:srgbClr val="000000"/>
+                </a:solidFill>
+                <a:latin typeface="Consolas" panose="020B0609020204030204" pitchFamily="49" charset="0"/>
+              </a:rPr>
+              <a:t>&gt;</a:t>
+            </a:r>
+          </a:p>
+          <a:p>
+            <a:pPr marL="400050" lvl="1" indent="0">
+              <a:spcBef>
+                <a:spcPts val="0"/>
+              </a:spcBef>
+              <a:buNone/>
+            </a:pPr>
+            <a:r>
+              <a:rPr lang="en-US" sz="900" dirty="0">
+                <a:solidFill>
+                  <a:srgbClr val="000000"/>
+                </a:solidFill>
+                <a:latin typeface="Consolas" panose="020B0609020204030204" pitchFamily="49" charset="0"/>
+              </a:rPr>
+              <a:t>                 &lt;</a:t>
+            </a:r>
+            <a:r>
+              <a:rPr lang="en-US" sz="900" dirty="0">
+                <a:solidFill>
+                  <a:srgbClr val="268BD2"/>
+                </a:solidFill>
+                <a:latin typeface="Consolas" panose="020B0609020204030204" pitchFamily="49" charset="0"/>
+              </a:rPr>
+              <a:t>execution</a:t>
+            </a:r>
+            <a:r>
+              <a:rPr lang="en-US" sz="900" dirty="0">
+                <a:solidFill>
+                  <a:srgbClr val="000000"/>
+                </a:solidFill>
+                <a:latin typeface="Consolas" panose="020B0609020204030204" pitchFamily="49" charset="0"/>
+              </a:rPr>
+              <a:t>&gt;</a:t>
+            </a:r>
+          </a:p>
+          <a:p>
+            <a:pPr marL="400050" lvl="1" indent="0">
+              <a:spcBef>
+                <a:spcPts val="0"/>
+              </a:spcBef>
+              <a:buNone/>
+            </a:pPr>
+            <a:r>
+              <a:rPr lang="en-US" sz="900" dirty="0">
+                <a:solidFill>
+                  <a:srgbClr val="000000"/>
+                </a:solidFill>
+                <a:latin typeface="Consolas" panose="020B0609020204030204" pitchFamily="49" charset="0"/>
+              </a:rPr>
+              <a:t>                   &lt;</a:t>
+            </a:r>
+            <a:r>
+              <a:rPr lang="en-US" sz="900" dirty="0">
+                <a:solidFill>
+                  <a:srgbClr val="268BD2"/>
+                </a:solidFill>
+                <a:latin typeface="Consolas" panose="020B0609020204030204" pitchFamily="49" charset="0"/>
+              </a:rPr>
+              <a:t>id</a:t>
+            </a:r>
+            <a:r>
+              <a:rPr lang="en-US" sz="900" dirty="0">
+                <a:solidFill>
+                  <a:srgbClr val="000000"/>
+                </a:solidFill>
+                <a:latin typeface="Consolas" panose="020B0609020204030204" pitchFamily="49" charset="0"/>
+              </a:rPr>
+              <a:t>&gt;test-generate&lt;/</a:t>
+            </a:r>
+            <a:r>
+              <a:rPr lang="en-US" sz="900" dirty="0">
+                <a:solidFill>
+                  <a:srgbClr val="268BD2"/>
+                </a:solidFill>
+                <a:latin typeface="Consolas" panose="020B0609020204030204" pitchFamily="49" charset="0"/>
+              </a:rPr>
+              <a:t>id</a:t>
+            </a:r>
+            <a:r>
+              <a:rPr lang="en-US" sz="900" dirty="0">
+                <a:solidFill>
+                  <a:srgbClr val="000000"/>
+                </a:solidFill>
+                <a:latin typeface="Consolas" panose="020B0609020204030204" pitchFamily="49" charset="0"/>
+              </a:rPr>
+              <a:t>&gt;</a:t>
+            </a:r>
+          </a:p>
+          <a:p>
+            <a:pPr marL="400050" lvl="1" indent="0">
+              <a:spcBef>
+                <a:spcPts val="0"/>
+              </a:spcBef>
+              <a:buNone/>
+            </a:pPr>
+            <a:r>
+              <a:rPr lang="en-US" sz="900" dirty="0">
+                <a:solidFill>
+                  <a:srgbClr val="000000"/>
+                </a:solidFill>
+                <a:latin typeface="Consolas" panose="020B0609020204030204" pitchFamily="49" charset="0"/>
+              </a:rPr>
+              <a:t>                   &lt;</a:t>
+            </a:r>
+            <a:r>
+              <a:rPr lang="en-US" sz="900" dirty="0">
+                <a:solidFill>
+                  <a:srgbClr val="268BD2"/>
+                </a:solidFill>
+                <a:latin typeface="Consolas" panose="020B0609020204030204" pitchFamily="49" charset="0"/>
+              </a:rPr>
+              <a:t>goals</a:t>
+            </a:r>
+            <a:r>
+              <a:rPr lang="en-US" sz="900" dirty="0">
+                <a:solidFill>
+                  <a:srgbClr val="000000"/>
+                </a:solidFill>
+                <a:latin typeface="Consolas" panose="020B0609020204030204" pitchFamily="49" charset="0"/>
+              </a:rPr>
+              <a:t>&gt;</a:t>
+            </a:r>
+          </a:p>
+          <a:p>
+            <a:pPr marL="400050" lvl="1" indent="0">
+              <a:spcBef>
+                <a:spcPts val="0"/>
+              </a:spcBef>
+              <a:buNone/>
+            </a:pPr>
+            <a:r>
+              <a:rPr lang="en-US" sz="900" dirty="0">
+                <a:solidFill>
+                  <a:srgbClr val="000000"/>
+                </a:solidFill>
+                <a:latin typeface="Consolas" panose="020B0609020204030204" pitchFamily="49" charset="0"/>
+              </a:rPr>
+              <a:t>                     &lt;</a:t>
+            </a:r>
+            <a:r>
+              <a:rPr lang="en-US" sz="900" dirty="0">
+                <a:solidFill>
+                  <a:srgbClr val="268BD2"/>
+                </a:solidFill>
+                <a:latin typeface="Consolas" panose="020B0609020204030204" pitchFamily="49" charset="0"/>
+              </a:rPr>
+              <a:t>goal</a:t>
+            </a:r>
+            <a:r>
+              <a:rPr lang="en-US" sz="900" dirty="0">
+                <a:solidFill>
+                  <a:srgbClr val="000000"/>
+                </a:solidFill>
+                <a:latin typeface="Consolas" panose="020B0609020204030204" pitchFamily="49" charset="0"/>
+              </a:rPr>
+              <a:t>&gt;test-generate&lt;/</a:t>
+            </a:r>
+            <a:r>
+              <a:rPr lang="en-US" sz="900" dirty="0">
+                <a:solidFill>
+                  <a:srgbClr val="268BD2"/>
+                </a:solidFill>
+                <a:latin typeface="Consolas" panose="020B0609020204030204" pitchFamily="49" charset="0"/>
+              </a:rPr>
+              <a:t>goal</a:t>
+            </a:r>
+            <a:r>
+              <a:rPr lang="en-US" sz="900" dirty="0">
+                <a:solidFill>
+                  <a:srgbClr val="000000"/>
+                </a:solidFill>
+                <a:latin typeface="Consolas" panose="020B0609020204030204" pitchFamily="49" charset="0"/>
+              </a:rPr>
+              <a:t>&gt;</a:t>
+            </a:r>
+          </a:p>
+          <a:p>
+            <a:pPr marL="400050" lvl="1" indent="0">
+              <a:spcBef>
+                <a:spcPts val="0"/>
+              </a:spcBef>
+              <a:buNone/>
+            </a:pPr>
+            <a:r>
+              <a:rPr lang="en-US" sz="900" dirty="0">
+                <a:solidFill>
+                  <a:srgbClr val="000000"/>
+                </a:solidFill>
+                <a:latin typeface="Consolas" panose="020B0609020204030204" pitchFamily="49" charset="0"/>
+              </a:rPr>
+              <a:t>                   &lt;/</a:t>
+            </a:r>
+            <a:r>
+              <a:rPr lang="en-US" sz="900" dirty="0">
+                <a:solidFill>
+                  <a:srgbClr val="268BD2"/>
+                </a:solidFill>
+                <a:latin typeface="Consolas" panose="020B0609020204030204" pitchFamily="49" charset="0"/>
+              </a:rPr>
+              <a:t>goals</a:t>
+            </a:r>
+            <a:r>
+              <a:rPr lang="en-US" sz="900" dirty="0">
+                <a:solidFill>
+                  <a:srgbClr val="000000"/>
+                </a:solidFill>
+                <a:latin typeface="Consolas" panose="020B0609020204030204" pitchFamily="49" charset="0"/>
+              </a:rPr>
+              <a:t>&gt;</a:t>
+            </a:r>
+          </a:p>
+          <a:p>
+            <a:pPr marL="400050" lvl="1" indent="0">
+              <a:spcBef>
+                <a:spcPts val="0"/>
+              </a:spcBef>
+              <a:buNone/>
+            </a:pPr>
+            <a:r>
+              <a:rPr lang="en-US" sz="900" dirty="0">
+                <a:solidFill>
+                  <a:srgbClr val="000000"/>
+                </a:solidFill>
+                <a:latin typeface="Consolas" panose="020B0609020204030204" pitchFamily="49" charset="0"/>
+              </a:rPr>
+              <a:t>                 &lt;/</a:t>
+            </a:r>
+            <a:r>
+              <a:rPr lang="en-US" sz="900" dirty="0">
+                <a:solidFill>
+                  <a:srgbClr val="268BD2"/>
+                </a:solidFill>
+                <a:latin typeface="Consolas" panose="020B0609020204030204" pitchFamily="49" charset="0"/>
+              </a:rPr>
+              <a:t>execution</a:t>
+            </a:r>
+            <a:r>
+              <a:rPr lang="en-US" sz="900" dirty="0">
+                <a:solidFill>
+                  <a:srgbClr val="000000"/>
+                </a:solidFill>
+                <a:latin typeface="Consolas" panose="020B0609020204030204" pitchFamily="49" charset="0"/>
+              </a:rPr>
+              <a:t>&gt;</a:t>
+            </a:r>
+          </a:p>
+          <a:p>
+            <a:pPr marL="400050" lvl="1" indent="0">
+              <a:spcBef>
+                <a:spcPts val="0"/>
+              </a:spcBef>
+              <a:buNone/>
+            </a:pPr>
+            <a:r>
+              <a:rPr lang="en-US" sz="900" dirty="0">
+                <a:solidFill>
+                  <a:srgbClr val="000000"/>
+                </a:solidFill>
+                <a:latin typeface="Consolas" panose="020B0609020204030204" pitchFamily="49" charset="0"/>
+              </a:rPr>
+              <a:t>               &lt;/</a:t>
+            </a:r>
+            <a:r>
+              <a:rPr lang="en-US" sz="900" dirty="0">
+                <a:solidFill>
+                  <a:srgbClr val="268BD2"/>
+                </a:solidFill>
+                <a:latin typeface="Consolas" panose="020B0609020204030204" pitchFamily="49" charset="0"/>
+              </a:rPr>
+              <a:t>executions</a:t>
+            </a:r>
+            <a:r>
+              <a:rPr lang="en-US" sz="900" dirty="0">
+                <a:solidFill>
+                  <a:srgbClr val="000000"/>
+                </a:solidFill>
+                <a:latin typeface="Consolas" panose="020B0609020204030204" pitchFamily="49" charset="0"/>
+              </a:rPr>
+              <a:t>&gt;</a:t>
+            </a:r>
+          </a:p>
+          <a:p>
+            <a:pPr marL="400050" lvl="1" indent="0">
+              <a:spcBef>
+                <a:spcPts val="0"/>
+              </a:spcBef>
+              <a:buNone/>
+            </a:pPr>
+            <a:r>
+              <a:rPr lang="en-US" sz="900" dirty="0">
+                <a:solidFill>
+                  <a:srgbClr val="000000"/>
+                </a:solidFill>
+                <a:latin typeface="Consolas" panose="020B0609020204030204" pitchFamily="49" charset="0"/>
+              </a:rPr>
+              <a:t>           &lt;/</a:t>
+            </a:r>
+            <a:r>
+              <a:rPr lang="en-US" sz="900" dirty="0">
+                <a:solidFill>
+                  <a:srgbClr val="268BD2"/>
+                </a:solidFill>
+                <a:latin typeface="Consolas" panose="020B0609020204030204" pitchFamily="49" charset="0"/>
+              </a:rPr>
+              <a:t>plugin</a:t>
+            </a:r>
+            <a:r>
+              <a:rPr lang="en-US" sz="900" dirty="0">
+                <a:solidFill>
+                  <a:srgbClr val="000000"/>
+                </a:solidFill>
+                <a:latin typeface="Consolas" panose="020B0609020204030204" pitchFamily="49" charset="0"/>
+              </a:rPr>
+              <a:t>&gt;</a:t>
+            </a:r>
+            <a:endParaRPr lang="en-US" sz="900" dirty="0">
+              <a:latin typeface="Consolas" panose="020B0609020204030204" pitchFamily="49" charset="0"/>
+            </a:endParaRPr>
+          </a:p>
+          <a:p>
+            <a:pPr marL="400050" lvl="1" indent="0">
+              <a:spcBef>
+                <a:spcPts val="0"/>
+              </a:spcBef>
+              <a:buNone/>
+            </a:pPr>
+            <a:endParaRPr lang="en-US" sz="900" dirty="0">
+              <a:latin typeface="Consolas" panose="020B0609020204030204" pitchFamily="49" charset="0"/>
+            </a:endParaRPr>
+          </a:p>
+          <a:p>
+            <a:pPr marL="400050" lvl="1" indent="0">
+              <a:spcBef>
+                <a:spcPts val="0"/>
+              </a:spcBef>
+              <a:buNone/>
+            </a:pPr>
+            <a:r>
+              <a:rPr lang="en-US" sz="900" dirty="0">
+                <a:solidFill>
+                  <a:srgbClr val="000000"/>
+                </a:solidFill>
+                <a:latin typeface="Consolas" panose="020B0609020204030204" pitchFamily="49" charset="0"/>
+              </a:rPr>
+              <a:t>           </a:t>
+            </a:r>
+          </a:p>
+          <a:p>
+            <a:pPr marL="400050" lvl="1" indent="0">
+              <a:spcBef>
+                <a:spcPts val="0"/>
+              </a:spcBef>
+              <a:buNone/>
+            </a:pPr>
+            <a:endParaRPr lang="en-US" sz="900" dirty="0">
+              <a:solidFill>
+                <a:srgbClr val="000000"/>
+              </a:solidFill>
+              <a:latin typeface="Consolas" panose="020B0609020204030204" pitchFamily="49" charset="0"/>
+            </a:endParaRPr>
+          </a:p>
+          <a:p>
+            <a:pPr marL="400050" lvl="1" indent="0">
+              <a:spcBef>
+                <a:spcPts val="0"/>
+              </a:spcBef>
+              <a:buNone/>
+            </a:pPr>
+            <a:endParaRPr lang="en-US" sz="900" dirty="0">
+              <a:solidFill>
+                <a:srgbClr val="000000"/>
+              </a:solidFill>
+              <a:latin typeface="Consolas" panose="020B0609020204030204" pitchFamily="49" charset="0"/>
+            </a:endParaRPr>
+          </a:p>
+          <a:p>
+            <a:pPr marL="400050" lvl="1" indent="0">
+              <a:spcBef>
+                <a:spcPts val="0"/>
+              </a:spcBef>
+              <a:buNone/>
+            </a:pPr>
+            <a:endParaRPr lang="en-US" sz="900" dirty="0">
+              <a:solidFill>
+                <a:srgbClr val="000000"/>
+              </a:solidFill>
+              <a:latin typeface="Consolas" panose="020B0609020204030204" pitchFamily="49" charset="0"/>
+            </a:endParaRPr>
+          </a:p>
+          <a:p>
+            <a:pPr marL="400050" lvl="1" indent="0">
+              <a:spcBef>
+                <a:spcPts val="0"/>
+              </a:spcBef>
+              <a:buNone/>
+            </a:pPr>
+            <a:endParaRPr lang="en-US" sz="900" dirty="0">
+              <a:solidFill>
+                <a:srgbClr val="000000"/>
+              </a:solidFill>
+              <a:latin typeface="Consolas" panose="020B0609020204030204" pitchFamily="49" charset="0"/>
+            </a:endParaRPr>
+          </a:p>
+          <a:p>
+            <a:pPr marL="400050" lvl="1" indent="0">
+              <a:spcBef>
+                <a:spcPts val="0"/>
+              </a:spcBef>
+              <a:buNone/>
+            </a:pPr>
+            <a:endParaRPr lang="en-US" sz="900" dirty="0">
+              <a:solidFill>
+                <a:srgbClr val="000000"/>
+              </a:solidFill>
+              <a:latin typeface="Consolas" panose="020B0609020204030204" pitchFamily="49" charset="0"/>
+            </a:endParaRPr>
+          </a:p>
+          <a:p>
+            <a:pPr marL="400050" lvl="1" indent="0">
+              <a:spcBef>
+                <a:spcPts val="0"/>
+              </a:spcBef>
+              <a:buNone/>
+            </a:pPr>
+            <a:endParaRPr lang="en-US" sz="900" dirty="0">
+              <a:solidFill>
+                <a:srgbClr val="000000"/>
+              </a:solidFill>
+              <a:latin typeface="Consolas" panose="020B0609020204030204" pitchFamily="49" charset="0"/>
+            </a:endParaRPr>
+          </a:p>
+          <a:p>
+            <a:pPr marL="400050" lvl="1" indent="0">
+              <a:spcBef>
+                <a:spcPts val="0"/>
+              </a:spcBef>
+              <a:buNone/>
+            </a:pPr>
+            <a:endParaRPr lang="en-US" sz="900" dirty="0">
+              <a:solidFill>
+                <a:srgbClr val="000000"/>
+              </a:solidFill>
+              <a:latin typeface="Consolas" panose="020B0609020204030204" pitchFamily="49" charset="0"/>
+            </a:endParaRPr>
+          </a:p>
+          <a:p>
+            <a:pPr marL="400050" lvl="1" indent="0">
+              <a:spcBef>
+                <a:spcPts val="0"/>
+              </a:spcBef>
+              <a:buNone/>
+            </a:pPr>
+            <a:endParaRPr lang="en-US" sz="900" dirty="0">
+              <a:solidFill>
+                <a:srgbClr val="000000"/>
+              </a:solidFill>
+              <a:latin typeface="Consolas" panose="020B0609020204030204" pitchFamily="49" charset="0"/>
+            </a:endParaRPr>
+          </a:p>
+          <a:p>
+            <a:pPr marL="400050" lvl="1" indent="0">
+              <a:spcBef>
+                <a:spcPts val="0"/>
+              </a:spcBef>
+              <a:buNone/>
+            </a:pPr>
+            <a:endParaRPr lang="en-US" sz="900" dirty="0">
+              <a:solidFill>
+                <a:srgbClr val="000000"/>
+              </a:solidFill>
+              <a:latin typeface="Consolas" panose="020B0609020204030204" pitchFamily="49" charset="0"/>
+            </a:endParaRPr>
+          </a:p>
+          <a:p>
+            <a:pPr marL="400050" lvl="1" indent="0">
+              <a:spcBef>
+                <a:spcPts val="0"/>
+              </a:spcBef>
+              <a:buNone/>
+            </a:pPr>
+            <a:endParaRPr lang="en-US" sz="900" dirty="0">
+              <a:solidFill>
+                <a:srgbClr val="000000"/>
+              </a:solidFill>
+              <a:latin typeface="Consolas" panose="020B0609020204030204" pitchFamily="49" charset="0"/>
+            </a:endParaRPr>
+          </a:p>
+          <a:p>
+            <a:pPr marL="400050" lvl="1" indent="0">
+              <a:spcBef>
+                <a:spcPts val="0"/>
+              </a:spcBef>
+              <a:buNone/>
+            </a:pPr>
+            <a:endParaRPr lang="en-US" sz="900" dirty="0">
+              <a:solidFill>
+                <a:srgbClr val="000000"/>
+              </a:solidFill>
+              <a:latin typeface="Consolas" panose="020B0609020204030204" pitchFamily="49" charset="0"/>
+            </a:endParaRPr>
+          </a:p>
+          <a:p>
+            <a:pPr marL="400050" lvl="1" indent="0">
+              <a:spcBef>
+                <a:spcPts val="0"/>
+              </a:spcBef>
+              <a:buNone/>
+            </a:pPr>
+            <a:endParaRPr lang="en-US" sz="900" dirty="0">
+              <a:solidFill>
+                <a:srgbClr val="000000"/>
+              </a:solidFill>
+              <a:latin typeface="Consolas" panose="020B0609020204030204" pitchFamily="49" charset="0"/>
+            </a:endParaRPr>
+          </a:p>
+          <a:p>
+            <a:pPr marL="400050" lvl="1" indent="0">
+              <a:spcBef>
+                <a:spcPts val="0"/>
+              </a:spcBef>
+              <a:buNone/>
+            </a:pPr>
+            <a:endParaRPr lang="en-US" sz="1000" dirty="0">
+              <a:solidFill>
+                <a:srgbClr val="000000"/>
+              </a:solidFill>
+              <a:latin typeface="Consolas" panose="020B0609020204030204" pitchFamily="49" charset="0"/>
+            </a:endParaRPr>
+          </a:p>
+          <a:p>
+            <a:pPr marL="400050" lvl="1" indent="0">
+              <a:spcBef>
+                <a:spcPts val="0"/>
+              </a:spcBef>
+              <a:buNone/>
+            </a:pPr>
+            <a:r>
+              <a:rPr lang="en-US" sz="1000" dirty="0">
+                <a:solidFill>
+                  <a:srgbClr val="000000"/>
+                </a:solidFill>
+                <a:latin typeface="Consolas" panose="020B0609020204030204" pitchFamily="49" charset="0"/>
+              </a:rPr>
+              <a:t>    </a:t>
+            </a:r>
+            <a:r>
+              <a:rPr lang="en-US" sz="900" dirty="0">
+                <a:solidFill>
+                  <a:srgbClr val="000000"/>
+                </a:solidFill>
+                <a:latin typeface="Consolas" panose="020B0609020204030204" pitchFamily="49" charset="0"/>
+              </a:rPr>
+              <a:t>&lt;</a:t>
+            </a:r>
+            <a:r>
+              <a:rPr lang="en-US" sz="900" dirty="0">
+                <a:solidFill>
+                  <a:srgbClr val="268BD2"/>
+                </a:solidFill>
+                <a:latin typeface="Consolas" panose="020B0609020204030204" pitchFamily="49" charset="0"/>
+              </a:rPr>
+              <a:t>plugin</a:t>
+            </a:r>
+            <a:r>
+              <a:rPr lang="en-US" sz="900" dirty="0">
+                <a:solidFill>
+                  <a:srgbClr val="000000"/>
+                </a:solidFill>
+                <a:latin typeface="Consolas" panose="020B0609020204030204" pitchFamily="49" charset="0"/>
+              </a:rPr>
+              <a:t>&gt;</a:t>
+            </a:r>
+          </a:p>
+          <a:p>
+            <a:pPr marL="400050" lvl="1" indent="0">
+              <a:spcBef>
+                <a:spcPts val="0"/>
+              </a:spcBef>
+              <a:buNone/>
+            </a:pPr>
+            <a:r>
+              <a:rPr lang="en-US" sz="900" dirty="0">
+                <a:solidFill>
+                  <a:srgbClr val="000000"/>
+                </a:solidFill>
+                <a:latin typeface="Consolas" panose="020B0609020204030204" pitchFamily="49" charset="0"/>
+              </a:rPr>
+              <a:t>      &lt;</a:t>
+            </a:r>
+            <a:r>
+              <a:rPr lang="en-US" sz="900" dirty="0" err="1">
+                <a:solidFill>
+                  <a:srgbClr val="268BD2"/>
+                </a:solidFill>
+                <a:latin typeface="Consolas" panose="020B0609020204030204" pitchFamily="49" charset="0"/>
+              </a:rPr>
+              <a:t>groupId</a:t>
+            </a:r>
+            <a:r>
+              <a:rPr lang="en-US" sz="900" dirty="0">
+                <a:solidFill>
+                  <a:srgbClr val="000000"/>
+                </a:solidFill>
+                <a:latin typeface="Consolas" panose="020B0609020204030204" pitchFamily="49" charset="0"/>
+              </a:rPr>
+              <a:t>&gt;</a:t>
+            </a:r>
+            <a:r>
+              <a:rPr lang="en-US" sz="900" dirty="0" err="1">
+                <a:solidFill>
+                  <a:srgbClr val="000000"/>
+                </a:solidFill>
+                <a:latin typeface="Consolas" panose="020B0609020204030204" pitchFamily="49" charset="0"/>
+              </a:rPr>
+              <a:t>org.springframework.boot</a:t>
+            </a:r>
+            <a:r>
+              <a:rPr lang="en-US" sz="900" dirty="0">
+                <a:solidFill>
+                  <a:srgbClr val="000000"/>
+                </a:solidFill>
+                <a:latin typeface="Consolas" panose="020B0609020204030204" pitchFamily="49" charset="0"/>
+              </a:rPr>
+              <a:t>&lt;/</a:t>
+            </a:r>
+            <a:r>
+              <a:rPr lang="en-US" sz="900" dirty="0" err="1">
+                <a:solidFill>
+                  <a:srgbClr val="268BD2"/>
+                </a:solidFill>
+                <a:latin typeface="Consolas" panose="020B0609020204030204" pitchFamily="49" charset="0"/>
+              </a:rPr>
+              <a:t>groupId</a:t>
+            </a:r>
+            <a:r>
+              <a:rPr lang="en-US" sz="900" dirty="0">
+                <a:solidFill>
+                  <a:srgbClr val="000000"/>
+                </a:solidFill>
+                <a:latin typeface="Consolas" panose="020B0609020204030204" pitchFamily="49" charset="0"/>
+              </a:rPr>
+              <a:t>&gt;</a:t>
+            </a:r>
+          </a:p>
+          <a:p>
+            <a:pPr marL="400050" lvl="1" indent="0">
+              <a:spcBef>
+                <a:spcPts val="0"/>
+              </a:spcBef>
+              <a:buNone/>
+            </a:pPr>
+            <a:r>
+              <a:rPr lang="en-US" sz="900" dirty="0">
+                <a:solidFill>
+                  <a:srgbClr val="000000"/>
+                </a:solidFill>
+                <a:latin typeface="Consolas" panose="020B0609020204030204" pitchFamily="49" charset="0"/>
+              </a:rPr>
+              <a:t>      &lt;</a:t>
+            </a:r>
+            <a:r>
+              <a:rPr lang="en-US" sz="900" dirty="0" err="1">
+                <a:solidFill>
+                  <a:srgbClr val="268BD2"/>
+                </a:solidFill>
+                <a:latin typeface="Consolas" panose="020B0609020204030204" pitchFamily="49" charset="0"/>
+              </a:rPr>
+              <a:t>artifactId</a:t>
+            </a:r>
+            <a:r>
+              <a:rPr lang="en-US" sz="900" dirty="0">
+                <a:solidFill>
+                  <a:srgbClr val="000000"/>
+                </a:solidFill>
+                <a:latin typeface="Consolas" panose="020B0609020204030204" pitchFamily="49" charset="0"/>
+              </a:rPr>
+              <a:t>&gt;spring-boot-maven-plugin&lt;/</a:t>
+            </a:r>
+            <a:r>
+              <a:rPr lang="en-US" sz="900" dirty="0" err="1">
+                <a:solidFill>
+                  <a:srgbClr val="268BD2"/>
+                </a:solidFill>
+                <a:latin typeface="Consolas" panose="020B0609020204030204" pitchFamily="49" charset="0"/>
+              </a:rPr>
+              <a:t>artifactId</a:t>
+            </a:r>
+            <a:r>
+              <a:rPr lang="en-US" sz="900" dirty="0">
+                <a:solidFill>
+                  <a:srgbClr val="000000"/>
+                </a:solidFill>
+                <a:latin typeface="Consolas" panose="020B0609020204030204" pitchFamily="49" charset="0"/>
+              </a:rPr>
+              <a:t>&gt;</a:t>
+            </a:r>
+          </a:p>
+          <a:p>
+            <a:pPr marL="400050" lvl="1" indent="0">
+              <a:spcBef>
+                <a:spcPts val="0"/>
+              </a:spcBef>
+              <a:buNone/>
+            </a:pPr>
+            <a:r>
+              <a:rPr lang="en-US" sz="900" dirty="0">
+                <a:solidFill>
+                  <a:srgbClr val="000000"/>
+                </a:solidFill>
+                <a:latin typeface="Consolas" panose="020B0609020204030204" pitchFamily="49" charset="0"/>
+              </a:rPr>
+              <a:t>      &lt;</a:t>
+            </a:r>
+            <a:r>
+              <a:rPr lang="en-US" sz="900" dirty="0">
+                <a:solidFill>
+                  <a:srgbClr val="268BD2"/>
+                </a:solidFill>
+                <a:latin typeface="Consolas" panose="020B0609020204030204" pitchFamily="49" charset="0"/>
+              </a:rPr>
+              <a:t>executions</a:t>
+            </a:r>
+            <a:r>
+              <a:rPr lang="en-US" sz="900" dirty="0">
+                <a:solidFill>
+                  <a:srgbClr val="000000"/>
+                </a:solidFill>
+                <a:latin typeface="Consolas" panose="020B0609020204030204" pitchFamily="49" charset="0"/>
+              </a:rPr>
+              <a:t>&gt;</a:t>
+            </a:r>
+          </a:p>
+          <a:p>
+            <a:pPr marL="400050" lvl="1" indent="0">
+              <a:spcBef>
+                <a:spcPts val="0"/>
+              </a:spcBef>
+              <a:buNone/>
+            </a:pPr>
+            <a:r>
+              <a:rPr lang="en-US" sz="900" dirty="0">
+                <a:solidFill>
+                  <a:srgbClr val="000000"/>
+                </a:solidFill>
+                <a:latin typeface="Consolas" panose="020B0609020204030204" pitchFamily="49" charset="0"/>
+              </a:rPr>
+              <a:t>        &lt;</a:t>
+            </a:r>
+            <a:r>
+              <a:rPr lang="en-US" sz="900" dirty="0">
+                <a:solidFill>
+                  <a:srgbClr val="268BD2"/>
+                </a:solidFill>
+                <a:latin typeface="Consolas" panose="020B0609020204030204" pitchFamily="49" charset="0"/>
+              </a:rPr>
+              <a:t>execution</a:t>
+            </a:r>
+            <a:r>
+              <a:rPr lang="en-US" sz="900" dirty="0">
+                <a:solidFill>
+                  <a:srgbClr val="000000"/>
+                </a:solidFill>
+                <a:latin typeface="Consolas" panose="020B0609020204030204" pitchFamily="49" charset="0"/>
+              </a:rPr>
+              <a:t>&gt;</a:t>
+            </a:r>
+          </a:p>
+          <a:p>
+            <a:pPr marL="400050" lvl="1" indent="0">
+              <a:spcBef>
+                <a:spcPts val="0"/>
+              </a:spcBef>
+              <a:buNone/>
+            </a:pPr>
+            <a:r>
+              <a:rPr lang="en-US" sz="900" dirty="0">
+                <a:solidFill>
+                  <a:srgbClr val="000000"/>
+                </a:solidFill>
+                <a:latin typeface="Consolas" panose="020B0609020204030204" pitchFamily="49" charset="0"/>
+              </a:rPr>
+              <a:t>          &lt;</a:t>
+            </a:r>
+            <a:r>
+              <a:rPr lang="en-US" sz="900" dirty="0">
+                <a:solidFill>
+                  <a:srgbClr val="268BD2"/>
+                </a:solidFill>
+                <a:latin typeface="Consolas" panose="020B0609020204030204" pitchFamily="49" charset="0"/>
+              </a:rPr>
+              <a:t>goals</a:t>
+            </a:r>
+            <a:r>
+              <a:rPr lang="en-US" sz="900" dirty="0">
+                <a:solidFill>
+                  <a:srgbClr val="000000"/>
+                </a:solidFill>
+                <a:latin typeface="Consolas" panose="020B0609020204030204" pitchFamily="49" charset="0"/>
+              </a:rPr>
+              <a:t>&gt;</a:t>
+            </a:r>
+          </a:p>
+          <a:p>
+            <a:pPr marL="400050" lvl="1" indent="0">
+              <a:spcBef>
+                <a:spcPts val="0"/>
+              </a:spcBef>
+              <a:buNone/>
+            </a:pPr>
+            <a:r>
+              <a:rPr lang="en-US" sz="900" dirty="0">
+                <a:solidFill>
+                  <a:srgbClr val="000000"/>
+                </a:solidFill>
+                <a:latin typeface="Consolas" panose="020B0609020204030204" pitchFamily="49" charset="0"/>
+              </a:rPr>
+              <a:t>            &lt;</a:t>
+            </a:r>
+            <a:r>
+              <a:rPr lang="en-US" sz="900" dirty="0">
+                <a:solidFill>
+                  <a:srgbClr val="268BD2"/>
+                </a:solidFill>
+                <a:latin typeface="Consolas" panose="020B0609020204030204" pitchFamily="49" charset="0"/>
+              </a:rPr>
+              <a:t>goal</a:t>
+            </a:r>
+            <a:r>
+              <a:rPr lang="en-US" sz="900" dirty="0">
+                <a:solidFill>
+                  <a:srgbClr val="000000"/>
+                </a:solidFill>
+                <a:latin typeface="Consolas" panose="020B0609020204030204" pitchFamily="49" charset="0"/>
+              </a:rPr>
+              <a:t>&gt;build-image&lt;/</a:t>
+            </a:r>
+            <a:r>
+              <a:rPr lang="en-US" sz="900" dirty="0">
+                <a:solidFill>
+                  <a:srgbClr val="268BD2"/>
+                </a:solidFill>
+                <a:latin typeface="Consolas" panose="020B0609020204030204" pitchFamily="49" charset="0"/>
+              </a:rPr>
+              <a:t>goal</a:t>
+            </a:r>
+            <a:r>
+              <a:rPr lang="en-US" sz="900" dirty="0">
+                <a:solidFill>
+                  <a:srgbClr val="000000"/>
+                </a:solidFill>
+                <a:latin typeface="Consolas" panose="020B0609020204030204" pitchFamily="49" charset="0"/>
+              </a:rPr>
+              <a:t>&gt;</a:t>
+            </a:r>
+          </a:p>
+          <a:p>
+            <a:pPr marL="400050" lvl="1" indent="0">
+              <a:spcBef>
+                <a:spcPts val="0"/>
+              </a:spcBef>
+              <a:buNone/>
+            </a:pPr>
+            <a:r>
+              <a:rPr lang="en-US" sz="900" dirty="0">
+                <a:solidFill>
+                  <a:srgbClr val="000000"/>
+                </a:solidFill>
+                <a:latin typeface="Consolas" panose="020B0609020204030204" pitchFamily="49" charset="0"/>
+              </a:rPr>
+              <a:t>          &lt;/</a:t>
+            </a:r>
+            <a:r>
+              <a:rPr lang="en-US" sz="900" dirty="0">
+                <a:solidFill>
+                  <a:srgbClr val="268BD2"/>
+                </a:solidFill>
+                <a:latin typeface="Consolas" panose="020B0609020204030204" pitchFamily="49" charset="0"/>
+              </a:rPr>
+              <a:t>goals</a:t>
+            </a:r>
+            <a:r>
+              <a:rPr lang="en-US" sz="900" dirty="0">
+                <a:solidFill>
+                  <a:srgbClr val="000000"/>
+                </a:solidFill>
+                <a:latin typeface="Consolas" panose="020B0609020204030204" pitchFamily="49" charset="0"/>
+              </a:rPr>
+              <a:t>&gt;</a:t>
+            </a:r>
+          </a:p>
+          <a:p>
+            <a:pPr marL="400050" lvl="1" indent="0">
+              <a:spcBef>
+                <a:spcPts val="0"/>
+              </a:spcBef>
+              <a:buNone/>
+            </a:pPr>
+            <a:r>
+              <a:rPr lang="en-US" sz="900" dirty="0">
+                <a:solidFill>
+                  <a:srgbClr val="000000"/>
+                </a:solidFill>
+                <a:latin typeface="Consolas" panose="020B0609020204030204" pitchFamily="49" charset="0"/>
+              </a:rPr>
+              <a:t>        &lt;/</a:t>
+            </a:r>
+            <a:r>
+              <a:rPr lang="en-US" sz="900" dirty="0">
+                <a:solidFill>
+                  <a:srgbClr val="268BD2"/>
+                </a:solidFill>
+                <a:latin typeface="Consolas" panose="020B0609020204030204" pitchFamily="49" charset="0"/>
+              </a:rPr>
+              <a:t>execution</a:t>
+            </a:r>
+            <a:r>
+              <a:rPr lang="en-US" sz="900" dirty="0">
+                <a:solidFill>
+                  <a:srgbClr val="000000"/>
+                </a:solidFill>
+                <a:latin typeface="Consolas" panose="020B0609020204030204" pitchFamily="49" charset="0"/>
+              </a:rPr>
+              <a:t>&gt;</a:t>
+            </a:r>
+          </a:p>
+          <a:p>
+            <a:pPr marL="400050" lvl="1" indent="0">
+              <a:spcBef>
+                <a:spcPts val="0"/>
+              </a:spcBef>
+              <a:buNone/>
+            </a:pPr>
+            <a:r>
+              <a:rPr lang="en-US" sz="900" dirty="0">
+                <a:solidFill>
+                  <a:srgbClr val="000000"/>
+                </a:solidFill>
+                <a:latin typeface="Consolas" panose="020B0609020204030204" pitchFamily="49" charset="0"/>
+              </a:rPr>
+              <a:t>      &lt;/</a:t>
+            </a:r>
+            <a:r>
+              <a:rPr lang="en-US" sz="900" dirty="0">
+                <a:solidFill>
+                  <a:srgbClr val="268BD2"/>
+                </a:solidFill>
+                <a:latin typeface="Consolas" panose="020B0609020204030204" pitchFamily="49" charset="0"/>
+              </a:rPr>
+              <a:t>executions</a:t>
+            </a:r>
+            <a:r>
+              <a:rPr lang="en-US" sz="900" dirty="0">
+                <a:solidFill>
+                  <a:srgbClr val="000000"/>
+                </a:solidFill>
+                <a:latin typeface="Consolas" panose="020B0609020204030204" pitchFamily="49" charset="0"/>
+              </a:rPr>
+              <a:t>&gt;</a:t>
+            </a:r>
+          </a:p>
+          <a:p>
+            <a:pPr marL="400050" lvl="1" indent="0">
+              <a:spcBef>
+                <a:spcPts val="0"/>
+              </a:spcBef>
+              <a:buNone/>
+            </a:pPr>
+            <a:r>
+              <a:rPr lang="en-US" sz="900" dirty="0">
+                <a:solidFill>
+                  <a:srgbClr val="000000"/>
+                </a:solidFill>
+                <a:latin typeface="Consolas" panose="020B0609020204030204" pitchFamily="49" charset="0"/>
+              </a:rPr>
+              <a:t>      &lt;</a:t>
+            </a:r>
+            <a:r>
+              <a:rPr lang="en-US" sz="900" dirty="0">
+                <a:solidFill>
+                  <a:srgbClr val="268BD2"/>
+                </a:solidFill>
+                <a:latin typeface="Consolas" panose="020B0609020204030204" pitchFamily="49" charset="0"/>
+              </a:rPr>
+              <a:t>configuration</a:t>
+            </a:r>
+            <a:r>
+              <a:rPr lang="en-US" sz="900" dirty="0">
+                <a:solidFill>
+                  <a:srgbClr val="000000"/>
+                </a:solidFill>
+                <a:latin typeface="Consolas" panose="020B0609020204030204" pitchFamily="49" charset="0"/>
+              </a:rPr>
+              <a:t>&gt;</a:t>
+            </a:r>
+          </a:p>
+          <a:p>
+            <a:pPr marL="400050" lvl="1" indent="0">
+              <a:spcBef>
+                <a:spcPts val="0"/>
+              </a:spcBef>
+              <a:buNone/>
+            </a:pPr>
+            <a:r>
+              <a:rPr lang="en-US" sz="900" dirty="0">
+                <a:solidFill>
+                  <a:srgbClr val="000000"/>
+                </a:solidFill>
+                <a:latin typeface="Consolas" panose="020B0609020204030204" pitchFamily="49" charset="0"/>
+              </a:rPr>
+              <a:t>        &lt;</a:t>
+            </a:r>
+            <a:r>
+              <a:rPr lang="en-US" sz="900" dirty="0">
+                <a:solidFill>
+                  <a:srgbClr val="268BD2"/>
+                </a:solidFill>
+                <a:latin typeface="Consolas" panose="020B0609020204030204" pitchFamily="49" charset="0"/>
+              </a:rPr>
+              <a:t>image</a:t>
+            </a:r>
+            <a:r>
+              <a:rPr lang="en-US" sz="900" dirty="0">
+                <a:solidFill>
+                  <a:srgbClr val="000000"/>
+                </a:solidFill>
+                <a:latin typeface="Consolas" panose="020B0609020204030204" pitchFamily="49" charset="0"/>
+              </a:rPr>
+              <a:t>&gt;</a:t>
+            </a:r>
+          </a:p>
+          <a:p>
+            <a:pPr marL="400050" lvl="1" indent="0">
+              <a:spcBef>
+                <a:spcPts val="0"/>
+              </a:spcBef>
+              <a:buNone/>
+            </a:pPr>
+            <a:r>
+              <a:rPr lang="en-US" sz="900" dirty="0">
+                <a:solidFill>
+                  <a:srgbClr val="000000"/>
+                </a:solidFill>
+                <a:latin typeface="Consolas" panose="020B0609020204030204" pitchFamily="49" charset="0"/>
+              </a:rPr>
+              <a:t>          &lt;</a:t>
+            </a:r>
+            <a:r>
+              <a:rPr lang="en-US" sz="900" dirty="0">
+                <a:solidFill>
+                  <a:srgbClr val="268BD2"/>
+                </a:solidFill>
+                <a:latin typeface="Consolas" panose="020B0609020204030204" pitchFamily="49" charset="0"/>
+              </a:rPr>
+              <a:t>builder</a:t>
+            </a:r>
+            <a:r>
+              <a:rPr lang="en-US" sz="900" dirty="0">
+                <a:solidFill>
+                  <a:srgbClr val="000000"/>
+                </a:solidFill>
+                <a:latin typeface="Consolas" panose="020B0609020204030204" pitchFamily="49" charset="0"/>
+              </a:rPr>
+              <a:t>&gt;</a:t>
+            </a:r>
+            <a:r>
+              <a:rPr lang="en-US" sz="900" dirty="0" err="1">
+                <a:solidFill>
+                  <a:srgbClr val="000000"/>
+                </a:solidFill>
+                <a:latin typeface="Consolas" panose="020B0609020204030204" pitchFamily="49" charset="0"/>
+              </a:rPr>
+              <a:t>paketobuildpacks</a:t>
+            </a:r>
+            <a:r>
+              <a:rPr lang="en-US" sz="900" dirty="0">
+                <a:solidFill>
+                  <a:srgbClr val="000000"/>
+                </a:solidFill>
+                <a:latin typeface="Consolas" panose="020B0609020204030204" pitchFamily="49" charset="0"/>
+              </a:rPr>
+              <a:t>/</a:t>
+            </a:r>
+            <a:r>
+              <a:rPr lang="en-US" sz="900" dirty="0" err="1">
+                <a:solidFill>
+                  <a:srgbClr val="000000"/>
+                </a:solidFill>
+                <a:latin typeface="Consolas" panose="020B0609020204030204" pitchFamily="49" charset="0"/>
+              </a:rPr>
+              <a:t>builder:tiny</a:t>
+            </a:r>
+            <a:r>
+              <a:rPr lang="en-US" sz="900" dirty="0">
+                <a:solidFill>
+                  <a:srgbClr val="000000"/>
+                </a:solidFill>
+                <a:latin typeface="Consolas" panose="020B0609020204030204" pitchFamily="49" charset="0"/>
+              </a:rPr>
+              <a:t>&lt;/</a:t>
+            </a:r>
+            <a:r>
+              <a:rPr lang="en-US" sz="900" dirty="0">
+                <a:solidFill>
+                  <a:srgbClr val="268BD2"/>
+                </a:solidFill>
+                <a:latin typeface="Consolas" panose="020B0609020204030204" pitchFamily="49" charset="0"/>
+              </a:rPr>
+              <a:t>builder</a:t>
+            </a:r>
+            <a:r>
+              <a:rPr lang="en-US" sz="900" dirty="0">
+                <a:solidFill>
+                  <a:srgbClr val="000000"/>
+                </a:solidFill>
+                <a:latin typeface="Consolas" panose="020B0609020204030204" pitchFamily="49" charset="0"/>
+              </a:rPr>
+              <a:t>&gt;</a:t>
+            </a:r>
+          </a:p>
+          <a:p>
+            <a:pPr marL="400050" lvl="1" indent="0">
+              <a:spcBef>
+                <a:spcPts val="0"/>
+              </a:spcBef>
+              <a:buNone/>
+            </a:pPr>
+            <a:r>
+              <a:rPr lang="en-US" sz="900" dirty="0">
+                <a:solidFill>
+                  <a:srgbClr val="000000"/>
+                </a:solidFill>
+                <a:latin typeface="Consolas" panose="020B0609020204030204" pitchFamily="49" charset="0"/>
+              </a:rPr>
+              <a:t>          &lt;</a:t>
+            </a:r>
+            <a:r>
+              <a:rPr lang="en-US" sz="900" dirty="0">
+                <a:solidFill>
+                  <a:srgbClr val="268BD2"/>
+                </a:solidFill>
+                <a:latin typeface="Consolas" panose="020B0609020204030204" pitchFamily="49" charset="0"/>
+              </a:rPr>
+              <a:t>env</a:t>
+            </a:r>
+            <a:r>
+              <a:rPr lang="en-US" sz="900" dirty="0">
+                <a:solidFill>
+                  <a:srgbClr val="000000"/>
+                </a:solidFill>
+                <a:latin typeface="Consolas" panose="020B0609020204030204" pitchFamily="49" charset="0"/>
+              </a:rPr>
+              <a:t>&gt;</a:t>
+            </a:r>
+          </a:p>
+          <a:p>
+            <a:pPr marL="400050" lvl="1" indent="0">
+              <a:spcBef>
+                <a:spcPts val="0"/>
+              </a:spcBef>
+              <a:buNone/>
+            </a:pPr>
+            <a:r>
+              <a:rPr lang="en-US" sz="900" dirty="0">
+                <a:solidFill>
+                  <a:srgbClr val="000000"/>
+                </a:solidFill>
+                <a:latin typeface="Consolas" panose="020B0609020204030204" pitchFamily="49" charset="0"/>
+              </a:rPr>
+              <a:t>            &lt;</a:t>
+            </a:r>
+            <a:r>
+              <a:rPr lang="en-US" sz="900" dirty="0">
+                <a:solidFill>
+                  <a:srgbClr val="268BD2"/>
+                </a:solidFill>
+                <a:latin typeface="Consolas" panose="020B0609020204030204" pitchFamily="49" charset="0"/>
+              </a:rPr>
+              <a:t>BP_NATIVE_IMAGE</a:t>
+            </a:r>
+            <a:r>
+              <a:rPr lang="en-US" sz="900" dirty="0">
+                <a:solidFill>
+                  <a:srgbClr val="000000"/>
+                </a:solidFill>
+                <a:latin typeface="Consolas" panose="020B0609020204030204" pitchFamily="49" charset="0"/>
+              </a:rPr>
+              <a:t>&gt;true&lt;/</a:t>
+            </a:r>
+            <a:r>
+              <a:rPr lang="en-US" sz="900" dirty="0">
+                <a:solidFill>
+                  <a:srgbClr val="268BD2"/>
+                </a:solidFill>
+                <a:latin typeface="Consolas" panose="020B0609020204030204" pitchFamily="49" charset="0"/>
+              </a:rPr>
+              <a:t>BP_NATIVE_IMAGE</a:t>
+            </a:r>
+            <a:r>
+              <a:rPr lang="en-US" sz="900" dirty="0">
+                <a:solidFill>
+                  <a:srgbClr val="000000"/>
+                </a:solidFill>
+                <a:latin typeface="Consolas" panose="020B0609020204030204" pitchFamily="49" charset="0"/>
+              </a:rPr>
+              <a:t>&gt;</a:t>
+            </a:r>
+          </a:p>
+          <a:p>
+            <a:pPr marL="400050" lvl="1" indent="0">
+              <a:spcBef>
+                <a:spcPts val="0"/>
+              </a:spcBef>
+              <a:buNone/>
+            </a:pPr>
+            <a:r>
+              <a:rPr lang="en-US" sz="900" dirty="0">
+                <a:solidFill>
+                  <a:srgbClr val="000000"/>
+                </a:solidFill>
+                <a:latin typeface="Consolas" panose="020B0609020204030204" pitchFamily="49" charset="0"/>
+              </a:rPr>
+              <a:t>          &lt;/</a:t>
+            </a:r>
+            <a:r>
+              <a:rPr lang="en-US" sz="900" dirty="0">
+                <a:solidFill>
+                  <a:srgbClr val="268BD2"/>
+                </a:solidFill>
+                <a:latin typeface="Consolas" panose="020B0609020204030204" pitchFamily="49" charset="0"/>
+              </a:rPr>
+              <a:t>env</a:t>
+            </a:r>
+            <a:r>
+              <a:rPr lang="en-US" sz="900" dirty="0">
+                <a:solidFill>
+                  <a:srgbClr val="000000"/>
+                </a:solidFill>
+                <a:latin typeface="Consolas" panose="020B0609020204030204" pitchFamily="49" charset="0"/>
+              </a:rPr>
+              <a:t>&gt;</a:t>
+            </a:r>
+          </a:p>
+          <a:p>
+            <a:pPr marL="400050" lvl="1" indent="0">
+              <a:spcBef>
+                <a:spcPts val="0"/>
+              </a:spcBef>
+              <a:buNone/>
+            </a:pPr>
+            <a:r>
+              <a:rPr lang="en-US" sz="900" dirty="0">
+                <a:solidFill>
+                  <a:srgbClr val="000000"/>
+                </a:solidFill>
+                <a:latin typeface="Consolas" panose="020B0609020204030204" pitchFamily="49" charset="0"/>
+              </a:rPr>
+              <a:t>          &lt;</a:t>
+            </a:r>
+            <a:r>
+              <a:rPr lang="en-US" sz="900" dirty="0">
+                <a:solidFill>
+                  <a:srgbClr val="268BD2"/>
+                </a:solidFill>
+                <a:latin typeface="Consolas" panose="020B0609020204030204" pitchFamily="49" charset="0"/>
+              </a:rPr>
+              <a:t>name</a:t>
+            </a:r>
+            <a:r>
+              <a:rPr lang="en-US" sz="900" dirty="0">
+                <a:solidFill>
+                  <a:srgbClr val="000000"/>
+                </a:solidFill>
+                <a:latin typeface="Consolas" panose="020B0609020204030204" pitchFamily="49" charset="0"/>
+              </a:rPr>
+              <a:t>&gt;${NATIVE_IMAGE_NAME}&lt;/</a:t>
+            </a:r>
+            <a:r>
+              <a:rPr lang="en-US" sz="900" dirty="0">
+                <a:solidFill>
+                  <a:srgbClr val="268BD2"/>
+                </a:solidFill>
+                <a:latin typeface="Consolas" panose="020B0609020204030204" pitchFamily="49" charset="0"/>
+              </a:rPr>
+              <a:t>name</a:t>
+            </a:r>
+            <a:r>
+              <a:rPr lang="en-US" sz="900" dirty="0">
+                <a:solidFill>
+                  <a:srgbClr val="000000"/>
+                </a:solidFill>
+                <a:latin typeface="Consolas" panose="020B0609020204030204" pitchFamily="49" charset="0"/>
+              </a:rPr>
+              <a:t>&gt;</a:t>
+            </a:r>
+          </a:p>
+          <a:p>
+            <a:pPr marL="400050" lvl="1" indent="0">
+              <a:spcBef>
+                <a:spcPts val="0"/>
+              </a:spcBef>
+              <a:buNone/>
+            </a:pPr>
+            <a:r>
+              <a:rPr lang="en-US" sz="900" dirty="0">
+                <a:solidFill>
+                  <a:srgbClr val="000000"/>
+                </a:solidFill>
+                <a:latin typeface="Consolas" panose="020B0609020204030204" pitchFamily="49" charset="0"/>
+              </a:rPr>
+              <a:t>        &lt;/</a:t>
+            </a:r>
+            <a:r>
+              <a:rPr lang="en-US" sz="900" dirty="0">
+                <a:solidFill>
+                  <a:srgbClr val="268BD2"/>
+                </a:solidFill>
+                <a:latin typeface="Consolas" panose="020B0609020204030204" pitchFamily="49" charset="0"/>
+              </a:rPr>
+              <a:t>image</a:t>
+            </a:r>
+            <a:r>
+              <a:rPr lang="en-US" sz="900" dirty="0">
+                <a:solidFill>
+                  <a:srgbClr val="000000"/>
+                </a:solidFill>
+                <a:latin typeface="Consolas" panose="020B0609020204030204" pitchFamily="49" charset="0"/>
+              </a:rPr>
+              <a:t>&gt;</a:t>
+            </a:r>
+            <a:endParaRPr lang="en-US" sz="900" dirty="0">
+              <a:latin typeface="Consolas" panose="020B0609020204030204" pitchFamily="49" charset="0"/>
+            </a:endParaRPr>
+          </a:p>
+          <a:p>
+            <a:pPr marL="400050" lvl="1" indent="0">
+              <a:spcBef>
+                <a:spcPts val="0"/>
+              </a:spcBef>
+              <a:buNone/>
+            </a:pPr>
+            <a:r>
+              <a:rPr lang="en-US" sz="900" dirty="0">
+                <a:solidFill>
+                  <a:srgbClr val="000000"/>
+                </a:solidFill>
+                <a:latin typeface="Consolas" panose="020B0609020204030204" pitchFamily="49" charset="0"/>
+              </a:rPr>
+              <a:t>      &lt;/</a:t>
+            </a:r>
+            <a:r>
+              <a:rPr lang="en-US" sz="900" dirty="0">
+                <a:solidFill>
+                  <a:srgbClr val="268BD2"/>
+                </a:solidFill>
+                <a:latin typeface="Consolas" panose="020B0609020204030204" pitchFamily="49" charset="0"/>
+              </a:rPr>
+              <a:t>configuration</a:t>
+            </a:r>
+            <a:r>
+              <a:rPr lang="en-US" sz="900" dirty="0">
+                <a:solidFill>
+                  <a:srgbClr val="000000"/>
+                </a:solidFill>
+                <a:latin typeface="Consolas" panose="020B0609020204030204" pitchFamily="49" charset="0"/>
+              </a:rPr>
+              <a:t>&gt;</a:t>
+            </a:r>
+          </a:p>
+          <a:p>
+            <a:pPr marL="400050" lvl="1" indent="0">
+              <a:spcBef>
+                <a:spcPts val="0"/>
+              </a:spcBef>
+              <a:buNone/>
+            </a:pPr>
+            <a:r>
+              <a:rPr lang="en-US" sz="900" dirty="0">
+                <a:solidFill>
+                  <a:srgbClr val="000000"/>
+                </a:solidFill>
+                <a:latin typeface="Consolas" panose="020B0609020204030204" pitchFamily="49" charset="0"/>
+              </a:rPr>
+              <a:t>    &lt;/</a:t>
+            </a:r>
+            <a:r>
+              <a:rPr lang="en-US" sz="900" dirty="0">
+                <a:solidFill>
+                  <a:srgbClr val="268BD2"/>
+                </a:solidFill>
+                <a:latin typeface="Consolas" panose="020B0609020204030204" pitchFamily="49" charset="0"/>
+              </a:rPr>
+              <a:t>plugin</a:t>
+            </a:r>
+            <a:r>
+              <a:rPr lang="en-US" sz="900" dirty="0">
+                <a:solidFill>
+                  <a:srgbClr val="000000"/>
+                </a:solidFill>
+                <a:latin typeface="Consolas" panose="020B0609020204030204" pitchFamily="49" charset="0"/>
+              </a:rPr>
+              <a:t>&gt;</a:t>
+            </a:r>
+          </a:p>
+          <a:p>
+            <a:pPr marL="400050" lvl="1" indent="0">
+              <a:spcBef>
+                <a:spcPts val="0"/>
+              </a:spcBef>
+              <a:buNone/>
+            </a:pPr>
+            <a:r>
+              <a:rPr lang="en-US" sz="900" dirty="0">
+                <a:solidFill>
+                  <a:srgbClr val="000000"/>
+                </a:solidFill>
+                <a:latin typeface="Consolas" panose="020B0609020204030204" pitchFamily="49" charset="0"/>
+              </a:rPr>
+              <a:t>  &lt;/</a:t>
+            </a:r>
+            <a:r>
+              <a:rPr lang="en-US" sz="900" dirty="0">
+                <a:solidFill>
+                  <a:srgbClr val="268BD2"/>
+                </a:solidFill>
+                <a:latin typeface="Consolas" panose="020B0609020204030204" pitchFamily="49" charset="0"/>
+              </a:rPr>
+              <a:t>plugins</a:t>
+            </a:r>
+            <a:r>
+              <a:rPr lang="en-US" sz="900" dirty="0">
+                <a:solidFill>
+                  <a:srgbClr val="000000"/>
+                </a:solidFill>
+                <a:latin typeface="Consolas" panose="020B0609020204030204" pitchFamily="49" charset="0"/>
+              </a:rPr>
+              <a:t>&gt;</a:t>
+            </a:r>
+          </a:p>
+          <a:p>
+            <a:pPr marL="400050" lvl="1" indent="0">
+              <a:spcBef>
+                <a:spcPts val="0"/>
+              </a:spcBef>
+              <a:buNone/>
+            </a:pPr>
+            <a:r>
+              <a:rPr lang="en-US" sz="900" dirty="0">
+                <a:solidFill>
+                  <a:srgbClr val="000000"/>
+                </a:solidFill>
+                <a:latin typeface="Consolas" panose="020B0609020204030204" pitchFamily="49" charset="0"/>
+              </a:rPr>
+              <a:t>&lt;/</a:t>
+            </a:r>
+            <a:r>
+              <a:rPr lang="en-US" sz="900" dirty="0">
+                <a:solidFill>
+                  <a:srgbClr val="268BD2"/>
+                </a:solidFill>
+                <a:latin typeface="Consolas" panose="020B0609020204030204" pitchFamily="49" charset="0"/>
+              </a:rPr>
+              <a:t>build</a:t>
+            </a:r>
+            <a:r>
+              <a:rPr lang="en-US" sz="900" dirty="0">
+                <a:solidFill>
+                  <a:srgbClr val="000000"/>
+                </a:solidFill>
+                <a:latin typeface="Consolas" panose="020B0609020204030204" pitchFamily="49" charset="0"/>
+              </a:rPr>
+              <a:t>&gt;</a:t>
+            </a:r>
+            <a:endParaRPr lang="en-US" sz="900" dirty="0">
+              <a:latin typeface="Lucida Console" panose="020B0609040504020204" pitchFamily="49" charset="0"/>
+            </a:endParaRPr>
+          </a:p>
+        </p:txBody>
+      </p:sp>
+    </p:spTree>
+    <p:extLst>
+      <p:ext uri="{BB962C8B-B14F-4D97-AF65-F5344CB8AC3E}">
+        <p14:creationId xmlns:p14="http://schemas.microsoft.com/office/powerpoint/2010/main" val="743800551"/>
+      </p:ext>
+    </p:extLst>
+  </p:cSld>
+  <p:clrMapOvr>
+    <a:masterClrMapping/>
+  </p:clrMapOvr>
+</p:sld>
+</file>
+
+<file path=ppt/slides/slide31.xml><?xml version="1.0" encoding="utf-8"?>
+<p:sld xmlns:a="http://schemas.openxmlformats.org/drawingml/2006/main" xmlns:r="http://schemas.openxmlformats.org/officeDocument/2006/relationships" xmlns:p="http://schemas.openxmlformats.org/presentationml/2006/main">
+  <p:cSld>
+    <p:spTree>
+      <p:nvGrpSpPr>
+        <p:cNvPr id="1" name=""/>
+        <p:cNvGrpSpPr/>
+        <p:nvPr/>
+      </p:nvGrpSpPr>
+      <p:grpSpPr>
+        <a:xfrm>
+          <a:off x="0" y="0"/>
+          <a:ext cx="0" cy="0"/>
+          <a:chOff x="0" y="0"/>
+          <a:chExt cx="0" cy="0"/>
+        </a:xfrm>
+      </p:grpSpPr>
+      <p:sp>
+        <p:nvSpPr>
+          <p:cNvPr id="2" name="Title 1"/>
+          <p:cNvSpPr>
+            <a:spLocks noGrp="1"/>
+          </p:cNvSpPr>
+          <p:nvPr>
+            <p:ph type="title"/>
+          </p:nvPr>
+        </p:nvSpPr>
+        <p:spPr>
+          <a:xfrm>
+            <a:off x="646111" y="452718"/>
+            <a:ext cx="9404723" cy="910569"/>
+          </a:xfrm>
+        </p:spPr>
+        <p:txBody>
+          <a:bodyPr/>
+          <a:lstStyle/>
+          <a:p>
+            <a:r>
+              <a:rPr lang="en-US" dirty="0"/>
+              <a:t>Native Image Conversion </a:t>
+            </a:r>
+            <a:r>
+              <a:rPr lang="en-US" sz="1800" dirty="0"/>
+              <a:t>(</a:t>
+            </a:r>
+            <a:r>
+              <a:rPr lang="en-US" sz="1800" dirty="0" err="1"/>
+              <a:t>Cont</a:t>
+            </a:r>
+            <a:r>
+              <a:rPr lang="en-US" sz="1800" dirty="0"/>
+              <a:t>)</a:t>
+            </a:r>
+          </a:p>
+        </p:txBody>
+      </p:sp>
+      <p:sp>
+        <p:nvSpPr>
+          <p:cNvPr id="3" name="Content Placeholder 2"/>
+          <p:cNvSpPr>
+            <a:spLocks noGrp="1"/>
+          </p:cNvSpPr>
+          <p:nvPr>
+            <p:ph idx="1"/>
+          </p:nvPr>
+        </p:nvSpPr>
+        <p:spPr>
+          <a:xfrm>
+            <a:off x="646111" y="1363287"/>
+            <a:ext cx="9403743" cy="5120639"/>
+          </a:xfrm>
+        </p:spPr>
+        <p:txBody>
+          <a:bodyPr>
+            <a:normAutofit lnSpcReduction="10000"/>
+          </a:bodyPr>
+          <a:lstStyle/>
+          <a:p>
+            <a:r>
+              <a:rPr lang="en-US" dirty="0"/>
+              <a:t>Common Build Issues</a:t>
+            </a:r>
+            <a:endParaRPr lang="en-US" sz="1100" dirty="0"/>
+          </a:p>
+          <a:p>
+            <a:pPr lvl="1">
+              <a:buFont typeface="Wingdings" panose="05000000000000000000" pitchFamily="2" charset="2"/>
+              <a:buChar char="Ø"/>
+            </a:pPr>
+            <a:r>
+              <a:rPr lang="en-US" dirty="0">
+                <a:solidFill>
+                  <a:schemeClr val="tx1"/>
+                </a:solidFill>
+              </a:rPr>
+              <a:t>Reflection and Proxies</a:t>
+            </a:r>
+          </a:p>
+          <a:p>
+            <a:pPr lvl="2">
+              <a:buFont typeface="Wingdings" panose="05000000000000000000" pitchFamily="2" charset="2"/>
+              <a:buChar char="Ø"/>
+            </a:pPr>
+            <a:r>
+              <a:rPr lang="en-US" sz="1400" dirty="0">
+                <a:solidFill>
+                  <a:schemeClr val="tx1"/>
+                </a:solidFill>
+                <a:effectLst>
+                  <a:glow rad="38100">
+                    <a:prstClr val="black">
+                      <a:lumMod val="50000"/>
+                      <a:lumOff val="50000"/>
+                      <a:alpha val="20000"/>
+                    </a:prstClr>
+                  </a:glow>
+                </a:effectLst>
+              </a:rPr>
+              <a:t>Review </a:t>
+            </a:r>
+            <a:r>
+              <a:rPr lang="en-US" sz="1400" dirty="0">
+                <a:solidFill>
+                  <a:schemeClr val="accent2"/>
+                </a:solidFill>
+                <a:effectLst>
+                  <a:glow rad="38100">
+                    <a:prstClr val="black">
+                      <a:lumMod val="50000"/>
+                      <a:lumOff val="50000"/>
+                      <a:alpha val="20000"/>
+                    </a:prstClr>
+                  </a:glow>
+                </a:effectLst>
+                <a:hlinkClick r:id="rId2">
+                  <a:extLst>
+                    <a:ext uri="{A12FA001-AC4F-418D-AE19-62706E023703}">
+                      <ahyp:hlinkClr xmlns:ahyp="http://schemas.microsoft.com/office/drawing/2018/hyperlinkcolor" val="tx"/>
+                    </a:ext>
+                  </a:extLst>
+                </a:hlinkClick>
+              </a:rPr>
+              <a:t>Understanding Reflection and </a:t>
+            </a:r>
+            <a:r>
+              <a:rPr lang="en-US" sz="1400" dirty="0" err="1">
+                <a:solidFill>
+                  <a:schemeClr val="accent2"/>
+                </a:solidFill>
+                <a:effectLst>
+                  <a:glow rad="38100">
+                    <a:prstClr val="black">
+                      <a:lumMod val="50000"/>
+                      <a:lumOff val="50000"/>
+                      <a:alpha val="20000"/>
+                    </a:prstClr>
+                  </a:glow>
+                </a:effectLst>
+                <a:hlinkClick r:id="rId2">
+                  <a:extLst>
+                    <a:ext uri="{A12FA001-AC4F-418D-AE19-62706E023703}">
+                      <ahyp:hlinkClr xmlns:ahyp="http://schemas.microsoft.com/office/drawing/2018/hyperlinkcolor" val="tx"/>
+                    </a:ext>
+                  </a:extLst>
+                </a:hlinkClick>
+              </a:rPr>
+              <a:t>GraalVM</a:t>
+            </a:r>
+            <a:r>
+              <a:rPr lang="en-US" sz="1400" dirty="0">
+                <a:solidFill>
+                  <a:schemeClr val="accent2"/>
+                </a:solidFill>
+                <a:effectLst>
+                  <a:glow rad="38100">
+                    <a:prstClr val="black">
+                      <a:lumMod val="50000"/>
+                      <a:lumOff val="50000"/>
+                      <a:alpha val="20000"/>
+                    </a:prstClr>
+                  </a:glow>
+                </a:effectLst>
+                <a:hlinkClick r:id="rId2">
+                  <a:extLst>
+                    <a:ext uri="{A12FA001-AC4F-418D-AE19-62706E023703}">
+                      <ahyp:hlinkClr xmlns:ahyp="http://schemas.microsoft.com/office/drawing/2018/hyperlinkcolor" val="tx"/>
+                    </a:ext>
+                  </a:extLst>
+                </a:hlinkClick>
+              </a:rPr>
+              <a:t> Native Image</a:t>
+            </a:r>
+            <a:endParaRPr lang="en-US" sz="1400" dirty="0">
+              <a:solidFill>
+                <a:schemeClr val="accent2"/>
+              </a:solidFill>
+              <a:effectLst>
+                <a:glow rad="38100">
+                  <a:prstClr val="black">
+                    <a:lumMod val="50000"/>
+                    <a:lumOff val="50000"/>
+                    <a:alpha val="20000"/>
+                  </a:prstClr>
+                </a:glow>
+              </a:effectLst>
+            </a:endParaRPr>
+          </a:p>
+          <a:p>
+            <a:pPr lvl="2">
+              <a:buFont typeface="Wingdings" panose="05000000000000000000" pitchFamily="2" charset="2"/>
+              <a:buChar char="Ø"/>
+            </a:pPr>
+            <a:r>
+              <a:rPr lang="en-US" sz="1400" dirty="0">
+                <a:solidFill>
+                  <a:schemeClr val="tx1"/>
+                </a:solidFill>
+                <a:effectLst>
+                  <a:glow rad="38100">
+                    <a:prstClr val="black">
+                      <a:lumMod val="50000"/>
+                      <a:lumOff val="50000"/>
+                      <a:alpha val="20000"/>
+                    </a:prstClr>
+                  </a:glow>
+                </a:effectLst>
+              </a:rPr>
+              <a:t>Random class names (Derby)</a:t>
+            </a:r>
+          </a:p>
+          <a:p>
+            <a:pPr lvl="1">
+              <a:buFont typeface="Wingdings" panose="05000000000000000000" pitchFamily="2" charset="2"/>
+              <a:buChar char="Ø"/>
+            </a:pPr>
+            <a:r>
+              <a:rPr lang="en-US" dirty="0">
+                <a:solidFill>
+                  <a:schemeClr val="tx1"/>
+                </a:solidFill>
+              </a:rPr>
+              <a:t>Entry Point</a:t>
+            </a:r>
+          </a:p>
+          <a:p>
+            <a:pPr lvl="2">
+              <a:buFont typeface="Wingdings" panose="05000000000000000000" pitchFamily="2" charset="2"/>
+              <a:buChar char="Ø"/>
+            </a:pPr>
+            <a:r>
+              <a:rPr lang="en-US" dirty="0">
+                <a:solidFill>
+                  <a:schemeClr val="tx1"/>
+                </a:solidFill>
+              </a:rPr>
+              <a:t>Missing </a:t>
+            </a:r>
+            <a:r>
+              <a:rPr lang="en-US" dirty="0" err="1">
+                <a:solidFill>
+                  <a:schemeClr val="tx1"/>
+                </a:solidFill>
+              </a:rPr>
+              <a:t>Manifest.MF</a:t>
+            </a:r>
+            <a:r>
+              <a:rPr lang="en-US" dirty="0">
+                <a:solidFill>
+                  <a:schemeClr val="tx1"/>
+                </a:solidFill>
+              </a:rPr>
+              <a:t> file</a:t>
+            </a:r>
+          </a:p>
+          <a:p>
+            <a:pPr lvl="2">
+              <a:buFont typeface="Wingdings" panose="05000000000000000000" pitchFamily="2" charset="2"/>
+              <a:buChar char="Ø"/>
+            </a:pPr>
+            <a:r>
+              <a:rPr lang="en-US" dirty="0">
+                <a:solidFill>
+                  <a:schemeClr val="tx1"/>
+                </a:solidFill>
+              </a:rPr>
+              <a:t>Missing entry point in </a:t>
+            </a:r>
+            <a:r>
+              <a:rPr lang="en-US" dirty="0" err="1">
+                <a:solidFill>
+                  <a:schemeClr val="tx1"/>
+                </a:solidFill>
+              </a:rPr>
+              <a:t>Manifest.MF</a:t>
+            </a:r>
+            <a:endParaRPr lang="en-US" dirty="0">
+              <a:solidFill>
+                <a:schemeClr val="tx1"/>
+              </a:solidFill>
+            </a:endParaRPr>
+          </a:p>
+          <a:p>
+            <a:pPr lvl="2">
+              <a:buFont typeface="Wingdings" panose="05000000000000000000" pitchFamily="2" charset="2"/>
+              <a:buChar char="Ø"/>
+            </a:pPr>
+            <a:r>
+              <a:rPr lang="en-US" dirty="0" err="1">
+                <a:solidFill>
+                  <a:schemeClr val="tx1"/>
+                </a:solidFill>
+              </a:rPr>
+              <a:t>Manifest.MF</a:t>
+            </a:r>
+            <a:r>
+              <a:rPr lang="en-US" dirty="0">
+                <a:solidFill>
+                  <a:schemeClr val="tx1"/>
+                </a:solidFill>
+              </a:rPr>
+              <a:t> not in application path</a:t>
+            </a:r>
+          </a:p>
+          <a:p>
+            <a:pPr lvl="1">
+              <a:buFont typeface="Wingdings" panose="05000000000000000000" pitchFamily="2" charset="2"/>
+              <a:buChar char="Ø"/>
+            </a:pPr>
+            <a:r>
+              <a:rPr lang="en-US" dirty="0">
+                <a:solidFill>
+                  <a:schemeClr val="tx1"/>
+                </a:solidFill>
+              </a:rPr>
+              <a:t>Resources</a:t>
+            </a:r>
+          </a:p>
+          <a:p>
+            <a:pPr lvl="2">
+              <a:buFont typeface="Wingdings" panose="05000000000000000000" pitchFamily="2" charset="2"/>
+              <a:buChar char="Ø"/>
+            </a:pPr>
+            <a:r>
+              <a:rPr lang="en-US" dirty="0">
+                <a:solidFill>
+                  <a:schemeClr val="tx1"/>
+                </a:solidFill>
+              </a:rPr>
+              <a:t>No </a:t>
+            </a:r>
+            <a:r>
+              <a:rPr lang="en-US" dirty="0" err="1">
+                <a:solidFill>
+                  <a:schemeClr val="tx1"/>
+                </a:solidFill>
+              </a:rPr>
+              <a:t>classpath</a:t>
+            </a:r>
+            <a:r>
+              <a:rPr lang="en-US" dirty="0">
+                <a:solidFill>
+                  <a:schemeClr val="tx1"/>
+                </a:solidFill>
+              </a:rPr>
+              <a:t> in a native image</a:t>
+            </a:r>
+          </a:p>
+          <a:p>
+            <a:pPr lvl="2">
+              <a:buFont typeface="Wingdings" panose="05000000000000000000" pitchFamily="2" charset="2"/>
+              <a:buChar char="Ø"/>
+            </a:pPr>
+            <a:r>
+              <a:rPr lang="en-US" dirty="0">
+                <a:solidFill>
+                  <a:schemeClr val="tx1"/>
+                </a:solidFill>
+              </a:rPr>
+              <a:t>No JAR files</a:t>
+            </a:r>
+          </a:p>
+          <a:p>
+            <a:pPr lvl="2">
+              <a:buFont typeface="Wingdings" panose="05000000000000000000" pitchFamily="2" charset="2"/>
+              <a:buChar char="Ø"/>
+            </a:pPr>
+            <a:r>
+              <a:rPr lang="en-US" dirty="0">
+                <a:solidFill>
+                  <a:schemeClr val="tx1"/>
+                </a:solidFill>
+              </a:rPr>
+              <a:t>Resources must be in the application search path</a:t>
+            </a:r>
+          </a:p>
+          <a:p>
+            <a:pPr lvl="2">
+              <a:buFont typeface="Wingdings" panose="05000000000000000000" pitchFamily="2" charset="2"/>
+              <a:buChar char="Ø"/>
+            </a:pPr>
+            <a:r>
+              <a:rPr lang="en-US" dirty="0">
+                <a:solidFill>
+                  <a:schemeClr val="tx1"/>
+                </a:solidFill>
+              </a:rPr>
+              <a:t>External library/driver support</a:t>
+            </a:r>
+          </a:p>
+          <a:p>
+            <a:pPr lvl="1">
+              <a:buFont typeface="Wingdings" panose="05000000000000000000" pitchFamily="2" charset="2"/>
+              <a:buChar char="Ø"/>
+            </a:pPr>
+            <a:r>
+              <a:rPr lang="en-US" dirty="0">
+                <a:solidFill>
+                  <a:schemeClr val="tx1"/>
+                </a:solidFill>
+              </a:rPr>
+              <a:t>Unit Tests (Junit)</a:t>
+            </a:r>
+          </a:p>
+          <a:p>
+            <a:pPr lvl="2">
+              <a:buFont typeface="Wingdings" panose="05000000000000000000" pitchFamily="2" charset="2"/>
+              <a:buChar char="Ø"/>
+            </a:pPr>
+            <a:r>
+              <a:rPr lang="en-US" dirty="0">
+                <a:solidFill>
+                  <a:schemeClr val="tx1"/>
+                </a:solidFill>
+              </a:rPr>
+              <a:t>Some Junit libraries may not be supported</a:t>
+            </a:r>
+          </a:p>
+        </p:txBody>
+      </p:sp>
+    </p:spTree>
+    <p:extLst>
+      <p:ext uri="{BB962C8B-B14F-4D97-AF65-F5344CB8AC3E}">
+        <p14:creationId xmlns:p14="http://schemas.microsoft.com/office/powerpoint/2010/main" val="2084653487"/>
+      </p:ext>
+    </p:extLst>
+  </p:cSld>
+  <p:clrMapOvr>
+    <a:masterClrMapping/>
+  </p:clrMapOvr>
+</p:sld>
+</file>
+
+<file path=ppt/slides/slide32.xml><?xml version="1.0" encoding="utf-8"?>
+<p:sld xmlns:a="http://schemas.openxmlformats.org/drawingml/2006/main" xmlns:r="http://schemas.openxmlformats.org/officeDocument/2006/relationships" xmlns:p="http://schemas.openxmlformats.org/presentationml/2006/main">
+  <p:cSld>
+    <p:spTree>
+      <p:nvGrpSpPr>
+        <p:cNvPr id="1" name=""/>
+        <p:cNvGrpSpPr/>
+        <p:nvPr/>
+      </p:nvGrpSpPr>
+      <p:grpSpPr>
+        <a:xfrm>
+          <a:off x="0" y="0"/>
+          <a:ext cx="0" cy="0"/>
+          <a:chOff x="0" y="0"/>
+          <a:chExt cx="0" cy="0"/>
+        </a:xfrm>
+      </p:grpSpPr>
+      <p:sp>
+        <p:nvSpPr>
+          <p:cNvPr id="2" name="Title 1"/>
+          <p:cNvSpPr>
+            <a:spLocks noGrp="1"/>
+          </p:cNvSpPr>
+          <p:nvPr>
+            <p:ph type="title"/>
+          </p:nvPr>
+        </p:nvSpPr>
+        <p:spPr>
+          <a:xfrm>
+            <a:off x="646111" y="452718"/>
+            <a:ext cx="9404723" cy="910569"/>
+          </a:xfrm>
+        </p:spPr>
+        <p:txBody>
+          <a:bodyPr/>
+          <a:lstStyle/>
+          <a:p>
+            <a:r>
+              <a:rPr lang="en-US" dirty="0"/>
+              <a:t>Native Image Conversion </a:t>
+            </a:r>
+            <a:r>
+              <a:rPr lang="en-US" sz="1800" dirty="0"/>
+              <a:t>(</a:t>
+            </a:r>
+            <a:r>
+              <a:rPr lang="en-US" sz="1800" dirty="0" err="1"/>
+              <a:t>Cont</a:t>
+            </a:r>
+            <a:r>
+              <a:rPr lang="en-US" sz="1800" dirty="0"/>
+              <a:t>)</a:t>
+            </a:r>
+          </a:p>
+        </p:txBody>
+      </p:sp>
+      <p:sp>
+        <p:nvSpPr>
+          <p:cNvPr id="3" name="Content Placeholder 2"/>
+          <p:cNvSpPr>
+            <a:spLocks noGrp="1"/>
+          </p:cNvSpPr>
+          <p:nvPr>
+            <p:ph idx="1"/>
+          </p:nvPr>
+        </p:nvSpPr>
+        <p:spPr>
+          <a:xfrm>
+            <a:off x="646111" y="1363287"/>
+            <a:ext cx="9403743" cy="5120639"/>
+          </a:xfrm>
+        </p:spPr>
+        <p:txBody>
+          <a:bodyPr>
+            <a:normAutofit/>
+          </a:bodyPr>
+          <a:lstStyle/>
+          <a:p>
+            <a:r>
+              <a:rPr lang="en-US" dirty="0"/>
+              <a:t>Maven</a:t>
+            </a:r>
+          </a:p>
+          <a:p>
+            <a:r>
+              <a:rPr lang="en-US" dirty="0"/>
+              <a:t>Gradle</a:t>
+            </a:r>
+          </a:p>
+          <a:p>
+            <a:r>
+              <a:rPr lang="en-US" dirty="0"/>
+              <a:t>Common Build Issues</a:t>
+            </a:r>
+            <a:endParaRPr lang="en-US" sz="1100" dirty="0"/>
+          </a:p>
+          <a:p>
+            <a:pPr lvl="1">
+              <a:buFont typeface="Wingdings" panose="05000000000000000000" pitchFamily="2" charset="2"/>
+              <a:buChar char="Ø"/>
+            </a:pPr>
+            <a:r>
+              <a:rPr lang="en-US" dirty="0">
+                <a:solidFill>
+                  <a:schemeClr val="tx1"/>
+                </a:solidFill>
+              </a:rPr>
+              <a:t>Reflection and Proxies</a:t>
+            </a:r>
+          </a:p>
+          <a:p>
+            <a:pPr lvl="2">
+              <a:buFont typeface="Wingdings" panose="05000000000000000000" pitchFamily="2" charset="2"/>
+              <a:buChar char="Ø"/>
+            </a:pPr>
+            <a:r>
+              <a:rPr lang="en-US" sz="1400" dirty="0">
+                <a:solidFill>
+                  <a:schemeClr val="tx1"/>
+                </a:solidFill>
+                <a:effectLst>
+                  <a:glow rad="38100">
+                    <a:prstClr val="black">
+                      <a:lumMod val="50000"/>
+                      <a:lumOff val="50000"/>
+                      <a:alpha val="20000"/>
+                    </a:prstClr>
+                  </a:glow>
+                </a:effectLst>
+              </a:rPr>
+              <a:t>Review</a:t>
+            </a:r>
+            <a:r>
+              <a:rPr lang="en-US" sz="1400" dirty="0">
+                <a:solidFill>
+                  <a:schemeClr val="tx1"/>
+                </a:solidFill>
+                <a:effectLst>
+                  <a:glow rad="38100">
+                    <a:prstClr val="black">
+                      <a:lumMod val="50000"/>
+                      <a:lumOff val="50000"/>
+                      <a:alpha val="20000"/>
+                    </a:prstClr>
+                  </a:glow>
+                  <a:outerShdw blurRad="44450" dist="12700" dir="13860000" algn="tl" rotWithShape="0">
+                    <a:srgbClr val="000000">
+                      <a:alpha val="20000"/>
+                    </a:srgbClr>
+                  </a:outerShdw>
+                </a:effectLst>
+              </a:rPr>
+              <a:t> </a:t>
+            </a:r>
+            <a:r>
+              <a:rPr lang="en-US" sz="1400" dirty="0">
+                <a:solidFill>
+                  <a:schemeClr val="accent2"/>
+                </a:solidFill>
+                <a:effectLst>
+                  <a:glow rad="38100">
+                    <a:prstClr val="black">
+                      <a:lumMod val="50000"/>
+                      <a:lumOff val="50000"/>
+                      <a:alpha val="20000"/>
+                    </a:prstClr>
+                  </a:glow>
+                </a:effectLst>
+                <a:hlinkClick r:id="rId2">
+                  <a:extLst>
+                    <a:ext uri="{A12FA001-AC4F-418D-AE19-62706E023703}">
+                      <ahyp:hlinkClr xmlns:ahyp="http://schemas.microsoft.com/office/drawing/2018/hyperlinkcolor" val="tx"/>
+                    </a:ext>
+                  </a:extLst>
+                </a:hlinkClick>
+              </a:rPr>
+              <a:t>Understanding Reflection and </a:t>
+            </a:r>
+            <a:r>
+              <a:rPr lang="en-US" sz="1400" dirty="0" err="1">
+                <a:solidFill>
+                  <a:schemeClr val="accent2"/>
+                </a:solidFill>
+                <a:effectLst>
+                  <a:glow rad="38100">
+                    <a:prstClr val="black">
+                      <a:lumMod val="50000"/>
+                      <a:lumOff val="50000"/>
+                      <a:alpha val="20000"/>
+                    </a:prstClr>
+                  </a:glow>
+                </a:effectLst>
+                <a:hlinkClick r:id="rId2">
+                  <a:extLst>
+                    <a:ext uri="{A12FA001-AC4F-418D-AE19-62706E023703}">
+                      <ahyp:hlinkClr xmlns:ahyp="http://schemas.microsoft.com/office/drawing/2018/hyperlinkcolor" val="tx"/>
+                    </a:ext>
+                  </a:extLst>
+                </a:hlinkClick>
+              </a:rPr>
+              <a:t>GraalVM</a:t>
+            </a:r>
+            <a:r>
+              <a:rPr lang="en-US" sz="1400" dirty="0">
+                <a:solidFill>
+                  <a:schemeClr val="accent2"/>
+                </a:solidFill>
+                <a:effectLst>
+                  <a:glow rad="38100">
+                    <a:prstClr val="black">
+                      <a:lumMod val="50000"/>
+                      <a:lumOff val="50000"/>
+                      <a:alpha val="20000"/>
+                    </a:prstClr>
+                  </a:glow>
+                </a:effectLst>
+                <a:hlinkClick r:id="rId2">
+                  <a:extLst>
+                    <a:ext uri="{A12FA001-AC4F-418D-AE19-62706E023703}">
+                      <ahyp:hlinkClr xmlns:ahyp="http://schemas.microsoft.com/office/drawing/2018/hyperlinkcolor" val="tx"/>
+                    </a:ext>
+                  </a:extLst>
+                </a:hlinkClick>
+              </a:rPr>
+              <a:t> Native Image</a:t>
+            </a:r>
+            <a:endParaRPr lang="en-US" sz="1400" dirty="0">
+              <a:solidFill>
+                <a:schemeClr val="accent2"/>
+              </a:solidFill>
+              <a:effectLst>
+                <a:glow rad="38100">
+                  <a:prstClr val="black">
+                    <a:lumMod val="50000"/>
+                    <a:lumOff val="50000"/>
+                    <a:alpha val="20000"/>
+                  </a:prstClr>
+                </a:glow>
+              </a:effectLst>
+            </a:endParaRPr>
+          </a:p>
+          <a:p>
+            <a:pPr lvl="2">
+              <a:buFont typeface="Wingdings" panose="05000000000000000000" pitchFamily="2" charset="2"/>
+              <a:buChar char="Ø"/>
+            </a:pPr>
+            <a:r>
+              <a:rPr lang="en-US" sz="1400" dirty="0">
+                <a:solidFill>
+                  <a:schemeClr val="tx1"/>
+                </a:solidFill>
+                <a:effectLst>
+                  <a:glow rad="38100">
+                    <a:prstClr val="black">
+                      <a:lumMod val="50000"/>
+                      <a:lumOff val="50000"/>
+                      <a:alpha val="20000"/>
+                    </a:prstClr>
+                  </a:glow>
+                </a:effectLst>
+              </a:rPr>
+              <a:t>Random class names (Derby)</a:t>
+            </a:r>
+          </a:p>
+          <a:p>
+            <a:pPr lvl="1">
+              <a:buFont typeface="Wingdings" panose="05000000000000000000" pitchFamily="2" charset="2"/>
+              <a:buChar char="Ø"/>
+            </a:pPr>
+            <a:r>
+              <a:rPr lang="en-US" dirty="0">
+                <a:solidFill>
+                  <a:schemeClr val="tx1"/>
+                </a:solidFill>
+              </a:rPr>
+              <a:t>Entry Point</a:t>
+            </a:r>
+          </a:p>
+          <a:p>
+            <a:pPr lvl="2">
+              <a:buFont typeface="Wingdings" panose="05000000000000000000" pitchFamily="2" charset="2"/>
+              <a:buChar char="Ø"/>
+            </a:pPr>
+            <a:r>
+              <a:rPr lang="en-US" dirty="0">
+                <a:solidFill>
+                  <a:schemeClr val="tx1"/>
+                </a:solidFill>
+              </a:rPr>
+              <a:t>Missing </a:t>
+            </a:r>
+            <a:r>
+              <a:rPr lang="en-US" dirty="0" err="1">
+                <a:solidFill>
+                  <a:schemeClr val="tx1"/>
+                </a:solidFill>
+              </a:rPr>
+              <a:t>Manifest.MF</a:t>
+            </a:r>
+            <a:r>
+              <a:rPr lang="en-US" dirty="0">
+                <a:solidFill>
+                  <a:schemeClr val="tx1"/>
+                </a:solidFill>
+              </a:rPr>
+              <a:t> file</a:t>
+            </a:r>
+          </a:p>
+          <a:p>
+            <a:pPr lvl="2">
+              <a:buFont typeface="Wingdings" panose="05000000000000000000" pitchFamily="2" charset="2"/>
+              <a:buChar char="Ø"/>
+            </a:pPr>
+            <a:r>
+              <a:rPr lang="en-US" dirty="0">
+                <a:solidFill>
+                  <a:schemeClr val="tx1"/>
+                </a:solidFill>
+              </a:rPr>
+              <a:t>Missing entry point in </a:t>
+            </a:r>
+            <a:r>
+              <a:rPr lang="en-US" dirty="0" err="1">
+                <a:solidFill>
+                  <a:schemeClr val="tx1"/>
+                </a:solidFill>
+              </a:rPr>
+              <a:t>Manifest.MF</a:t>
+            </a:r>
+            <a:endParaRPr lang="en-US" dirty="0">
+              <a:solidFill>
+                <a:schemeClr val="tx1"/>
+              </a:solidFill>
+            </a:endParaRPr>
+          </a:p>
+          <a:p>
+            <a:pPr lvl="2">
+              <a:buFont typeface="Wingdings" panose="05000000000000000000" pitchFamily="2" charset="2"/>
+              <a:buChar char="Ø"/>
+            </a:pPr>
+            <a:r>
+              <a:rPr lang="en-US" dirty="0" err="1">
+                <a:solidFill>
+                  <a:schemeClr val="tx1"/>
+                </a:solidFill>
+              </a:rPr>
+              <a:t>Manifest.MF</a:t>
+            </a:r>
+            <a:r>
+              <a:rPr lang="en-US" dirty="0">
+                <a:solidFill>
+                  <a:schemeClr val="tx1"/>
+                </a:solidFill>
+              </a:rPr>
+              <a:t> not in application path</a:t>
+            </a:r>
+          </a:p>
+          <a:p>
+            <a:pPr lvl="1">
+              <a:buFont typeface="Wingdings" panose="05000000000000000000" pitchFamily="2" charset="2"/>
+              <a:buChar char="Ø"/>
+            </a:pPr>
+            <a:r>
+              <a:rPr lang="en-US" dirty="0">
+                <a:solidFill>
+                  <a:schemeClr val="tx1"/>
+                </a:solidFill>
+              </a:rPr>
+              <a:t>Resources</a:t>
+            </a:r>
+          </a:p>
+          <a:p>
+            <a:pPr lvl="1">
+              <a:buFont typeface="Wingdings" panose="05000000000000000000" pitchFamily="2" charset="2"/>
+              <a:buChar char="Ø"/>
+            </a:pPr>
+            <a:r>
+              <a:rPr lang="en-US" dirty="0">
+                <a:solidFill>
+                  <a:schemeClr val="tx1"/>
+                </a:solidFill>
+              </a:rPr>
+              <a:t>Spring Framework and Spring Boot</a:t>
+            </a:r>
+          </a:p>
+          <a:p>
+            <a:pPr lvl="1">
+              <a:buFont typeface="Wingdings" panose="05000000000000000000" pitchFamily="2" charset="2"/>
+              <a:buChar char="Ø"/>
+            </a:pPr>
+            <a:r>
+              <a:rPr lang="en-US" dirty="0">
+                <a:solidFill>
+                  <a:schemeClr val="tx1"/>
+                </a:solidFill>
+              </a:rPr>
+              <a:t>Unit Tests (Junit)</a:t>
+            </a:r>
+          </a:p>
+        </p:txBody>
+      </p:sp>
+    </p:spTree>
+    <p:extLst>
+      <p:ext uri="{BB962C8B-B14F-4D97-AF65-F5344CB8AC3E}">
+        <p14:creationId xmlns:p14="http://schemas.microsoft.com/office/powerpoint/2010/main" val="4188420629"/>
+      </p:ext>
+    </p:extLst>
+  </p:cSld>
+  <p:clrMapOvr>
+    <a:masterClrMapping/>
+  </p:clrMapOvr>
+</p:sld>
+</file>
+
+<file path=ppt/slides/slide33.xml><?xml version="1.0" encoding="utf-8"?>
+<p:sld xmlns:a="http://schemas.openxmlformats.org/drawingml/2006/main" xmlns:r="http://schemas.openxmlformats.org/officeDocument/2006/relationships" xmlns:p="http://schemas.openxmlformats.org/presentationml/2006/main">
+  <p:cSld>
+    <p:spTree>
+      <p:nvGrpSpPr>
+        <p:cNvPr id="1" name=""/>
+        <p:cNvGrpSpPr/>
+        <p:nvPr/>
+      </p:nvGrpSpPr>
+      <p:grpSpPr>
+        <a:xfrm>
+          <a:off x="0" y="0"/>
+          <a:ext cx="0" cy="0"/>
+          <a:chOff x="0" y="0"/>
+          <a:chExt cx="0" cy="0"/>
+        </a:xfrm>
+      </p:grpSpPr>
+      <p:sp>
+        <p:nvSpPr>
+          <p:cNvPr id="2" name="Title 1">
+            <a:extLst>
+              <a:ext uri="{FF2B5EF4-FFF2-40B4-BE49-F238E27FC236}">
+                <a16:creationId xmlns:a16="http://schemas.microsoft.com/office/drawing/2014/main" id="{64C64BBE-DC3D-874C-A5D2-96AC27F3F4DB}"/>
+              </a:ext>
+            </a:extLst>
+          </p:cNvPr>
+          <p:cNvSpPr>
+            <a:spLocks noGrp="1"/>
+          </p:cNvSpPr>
+          <p:nvPr>
+            <p:ph type="ctrTitle"/>
+          </p:nvPr>
+        </p:nvSpPr>
+        <p:spPr>
+          <a:xfrm>
+            <a:off x="4974337" y="1265314"/>
+            <a:ext cx="4299666" cy="3249131"/>
+          </a:xfrm>
+        </p:spPr>
+        <p:txBody>
+          <a:bodyPr anchorCtr="0">
+            <a:normAutofit/>
+          </a:bodyPr>
+          <a:lstStyle/>
+          <a:p>
+            <a:pPr algn="l"/>
+            <a:r>
+              <a:rPr lang="en-US" dirty="0"/>
+              <a:t>References</a:t>
+            </a:r>
+          </a:p>
+        </p:txBody>
+      </p:sp>
+      <p:pic>
+        <p:nvPicPr>
+          <p:cNvPr id="5" name="Picture 4" descr="Close-up of water drops on a leaf in black and white">
+            <a:extLst>
+              <a:ext uri="{FF2B5EF4-FFF2-40B4-BE49-F238E27FC236}">
+                <a16:creationId xmlns:a16="http://schemas.microsoft.com/office/drawing/2014/main" id="{5B4601BB-44D3-39F5-A38E-46E6C44A3CB2}"/>
+              </a:ext>
+            </a:extLst>
+          </p:cNvPr>
+          <p:cNvPicPr>
+            <a:picLocks noChangeAspect="1"/>
+          </p:cNvPicPr>
+          <p:nvPr/>
+        </p:nvPicPr>
+        <p:blipFill rotWithShape="1">
+          <a:blip r:embed="rId2"/>
+          <a:srcRect l="14920" r="16571"/>
+          <a:stretch/>
+        </p:blipFill>
+        <p:spPr>
+          <a:xfrm>
+            <a:off x="888604" y="1605352"/>
+            <a:ext cx="3765692" cy="3655265"/>
+          </a:xfrm>
+          <a:prstGeom prst="rect">
+            <a:avLst/>
+          </a:prstGeom>
+        </p:spPr>
+      </p:pic>
+    </p:spTree>
+    <p:extLst>
+      <p:ext uri="{BB962C8B-B14F-4D97-AF65-F5344CB8AC3E}">
+        <p14:creationId xmlns:p14="http://schemas.microsoft.com/office/powerpoint/2010/main" val="3860671785"/>
+      </p:ext>
+    </p:extLst>
+  </p:cSld>
+  <p:clrMapOvr>
+    <a:masterClrMapping/>
+  </p:clrMapOvr>
+</p:sld>
+</file>
+
+<file path=ppt/slides/slide34.xml><?xml version="1.0" encoding="utf-8"?>
+<p:sld xmlns:a="http://schemas.openxmlformats.org/drawingml/2006/main" xmlns:r="http://schemas.openxmlformats.org/officeDocument/2006/relationships" xmlns:p="http://schemas.openxmlformats.org/presentationml/2006/main">
+  <p:cSld>
+    <p:spTree>
+      <p:nvGrpSpPr>
+        <p:cNvPr id="1" name=""/>
+        <p:cNvGrpSpPr/>
+        <p:nvPr/>
+      </p:nvGrpSpPr>
+      <p:grpSpPr>
+        <a:xfrm>
+          <a:off x="0" y="0"/>
+          <a:ext cx="0" cy="0"/>
+          <a:chOff x="0" y="0"/>
+          <a:chExt cx="0" cy="0"/>
+        </a:xfrm>
+      </p:grpSpPr>
+      <p:sp>
+        <p:nvSpPr>
+          <p:cNvPr id="2" name="Title 1">
+            <a:extLst>
+              <a:ext uri="{FF2B5EF4-FFF2-40B4-BE49-F238E27FC236}">
+                <a16:creationId xmlns:a16="http://schemas.microsoft.com/office/drawing/2014/main" id="{CCC6900C-1478-449E-A0C5-FE712A332800}"/>
+              </a:ext>
+            </a:extLst>
+          </p:cNvPr>
+          <p:cNvSpPr>
+            <a:spLocks noGrp="1"/>
+          </p:cNvSpPr>
+          <p:nvPr>
+            <p:ph type="title"/>
+          </p:nvPr>
+        </p:nvSpPr>
+        <p:spPr>
+          <a:xfrm>
+            <a:off x="1153906" y="374074"/>
+            <a:ext cx="9087373" cy="897774"/>
+          </a:xfrm>
+        </p:spPr>
+        <p:txBody>
+          <a:bodyPr anchor="t" anchorCtr="0">
+            <a:normAutofit/>
+          </a:bodyPr>
+          <a:lstStyle/>
+          <a:p>
+            <a:r>
+              <a:rPr lang="en-US" sz="4200" dirty="0"/>
+              <a:t>References</a:t>
+            </a:r>
+          </a:p>
+        </p:txBody>
+      </p:sp>
+      <p:sp>
+        <p:nvSpPr>
+          <p:cNvPr id="4" name="Text Placeholder 3">
+            <a:extLst>
+              <a:ext uri="{FF2B5EF4-FFF2-40B4-BE49-F238E27FC236}">
+                <a16:creationId xmlns:a16="http://schemas.microsoft.com/office/drawing/2014/main" id="{25C0817A-4CFB-4C37-9E46-30E71EDEE75B}"/>
+              </a:ext>
+            </a:extLst>
+          </p:cNvPr>
+          <p:cNvSpPr>
+            <a:spLocks noGrp="1"/>
+          </p:cNvSpPr>
+          <p:nvPr>
+            <p:ph type="body" sz="half" idx="2"/>
+          </p:nvPr>
+        </p:nvSpPr>
+        <p:spPr>
+          <a:xfrm>
+            <a:off x="1154955" y="1338349"/>
+            <a:ext cx="8812762" cy="5203767"/>
+          </a:xfrm>
+        </p:spPr>
+        <p:txBody>
+          <a:bodyPr/>
+          <a:lstStyle/>
+          <a:p>
+            <a:pPr marL="285750" indent="-285750">
+              <a:buFont typeface="Arial" panose="020B0604020202020204" pitchFamily="34" charset="0"/>
+              <a:buChar char="•"/>
+            </a:pPr>
+            <a:r>
+              <a:rPr lang="en-US" sz="1600" dirty="0">
+                <a:solidFill>
+                  <a:schemeClr val="accent2"/>
+                </a:solidFill>
+                <a:effectLst>
+                  <a:glow rad="38100">
+                    <a:prstClr val="black">
+                      <a:lumMod val="50000"/>
+                      <a:lumOff val="50000"/>
+                      <a:alpha val="20000"/>
+                    </a:prstClr>
+                  </a:glow>
+                  <a:outerShdw blurRad="44450" dist="12700" dir="13860000" algn="tl" rotWithShape="0">
+                    <a:srgbClr val="000000">
+                      <a:alpha val="20000"/>
+                    </a:srgbClr>
+                  </a:outerShdw>
+                </a:effectLst>
+                <a:hlinkClick r:id="rId2">
+                  <a:extLst>
+                    <a:ext uri="{A12FA001-AC4F-418D-AE19-62706E023703}">
+                      <ahyp:hlinkClr xmlns:ahyp="http://schemas.microsoft.com/office/drawing/2018/hyperlinkcolor" val="tx"/>
+                    </a:ext>
+                  </a:extLst>
+                </a:hlinkClick>
+              </a:rPr>
+              <a:t>Forbes: Meet the Team that Built GraalVM, an Energy-Saving Multi-Lingual Compiler Written Entirely in Java </a:t>
+            </a:r>
+            <a:endParaRPr lang="en-US" sz="1600" dirty="0">
+              <a:solidFill>
+                <a:schemeClr val="accent2"/>
+              </a:solidFill>
+              <a:effectLst>
+                <a:glow rad="38100">
+                  <a:prstClr val="black">
+                    <a:lumMod val="50000"/>
+                    <a:lumOff val="50000"/>
+                    <a:alpha val="20000"/>
+                  </a:prstClr>
+                </a:glow>
+                <a:outerShdw blurRad="44450" dist="12700" dir="13860000" algn="tl" rotWithShape="0">
+                  <a:srgbClr val="000000">
+                    <a:alpha val="20000"/>
+                  </a:srgbClr>
+                </a:outerShdw>
+              </a:effectLst>
+            </a:endParaRPr>
+          </a:p>
+          <a:p>
+            <a:pPr marL="285750" indent="-285750">
+              <a:buFont typeface="Arial" panose="020B0604020202020204" pitchFamily="34" charset="0"/>
+              <a:buChar char="•"/>
+            </a:pPr>
+            <a:r>
+              <a:rPr lang="en-US" sz="1600" dirty="0">
+                <a:solidFill>
+                  <a:schemeClr val="accent2"/>
+                </a:solidFill>
+                <a:effectLst>
+                  <a:glow rad="38100">
+                    <a:prstClr val="black">
+                      <a:lumMod val="50000"/>
+                      <a:lumOff val="50000"/>
+                      <a:alpha val="20000"/>
+                    </a:prstClr>
+                  </a:glow>
+                  <a:outerShdw blurRad="44450" dist="12700" dir="13860000" algn="tl" rotWithShape="0">
+                    <a:srgbClr val="000000">
+                      <a:alpha val="20000"/>
+                    </a:srgbClr>
+                  </a:outerShdw>
+                </a:effectLst>
+                <a:hlinkClick r:id="rId3">
+                  <a:extLst>
+                    <a:ext uri="{A12FA001-AC4F-418D-AE19-62706E023703}">
+                      <ahyp:hlinkClr xmlns:ahyp="http://schemas.microsoft.com/office/drawing/2018/hyperlinkcolor" val="tx"/>
+                    </a:ext>
+                  </a:extLst>
+                </a:hlinkClick>
+              </a:rPr>
+              <a:t>GraalVM</a:t>
+            </a:r>
+            <a:endParaRPr lang="en-US" sz="1600" dirty="0">
+              <a:solidFill>
+                <a:schemeClr val="accent2"/>
+              </a:solidFill>
+              <a:effectLst>
+                <a:glow rad="38100">
+                  <a:prstClr val="black">
+                    <a:lumMod val="50000"/>
+                    <a:lumOff val="50000"/>
+                    <a:alpha val="20000"/>
+                  </a:prstClr>
+                </a:glow>
+                <a:outerShdw blurRad="44450" dist="12700" dir="13860000" algn="tl" rotWithShape="0">
+                  <a:srgbClr val="000000">
+                    <a:alpha val="20000"/>
+                  </a:srgbClr>
+                </a:outerShdw>
+              </a:effectLst>
+            </a:endParaRPr>
+          </a:p>
+          <a:p>
+            <a:pPr marL="285750" indent="-285750">
+              <a:buFont typeface="Arial" panose="020B0604020202020204" pitchFamily="34" charset="0"/>
+              <a:buChar char="•"/>
+            </a:pPr>
+            <a:r>
+              <a:rPr lang="en-US" sz="1600" dirty="0" err="1">
+                <a:solidFill>
+                  <a:schemeClr val="accent2"/>
+                </a:solidFill>
+                <a:effectLst>
+                  <a:glow rad="38100">
+                    <a:prstClr val="black">
+                      <a:lumMod val="50000"/>
+                      <a:lumOff val="50000"/>
+                      <a:alpha val="20000"/>
+                    </a:prstClr>
+                  </a:glow>
+                  <a:outerShdw blurRad="44450" dist="12700" dir="13860000" algn="tl" rotWithShape="0">
+                    <a:srgbClr val="000000">
+                      <a:alpha val="20000"/>
+                    </a:srgbClr>
+                  </a:outerShdw>
+                </a:effectLst>
+                <a:hlinkClick r:id="rId4">
+                  <a:extLst>
+                    <a:ext uri="{A12FA001-AC4F-418D-AE19-62706E023703}">
+                      <ahyp:hlinkClr xmlns:ahyp="http://schemas.microsoft.com/office/drawing/2018/hyperlinkcolor" val="tx"/>
+                    </a:ext>
+                  </a:extLst>
+                </a:hlinkClick>
+              </a:rPr>
+              <a:t>GraalVm</a:t>
+            </a:r>
+            <a:r>
+              <a:rPr lang="en-US" sz="1600" dirty="0">
+                <a:solidFill>
+                  <a:schemeClr val="accent2"/>
+                </a:solidFill>
+                <a:effectLst>
+                  <a:glow rad="38100">
+                    <a:prstClr val="black">
+                      <a:lumMod val="50000"/>
+                      <a:lumOff val="50000"/>
+                      <a:alpha val="20000"/>
+                    </a:prstClr>
+                  </a:glow>
+                  <a:outerShdw blurRad="44450" dist="12700" dir="13860000" algn="tl" rotWithShape="0">
+                    <a:srgbClr val="000000">
+                      <a:alpha val="20000"/>
+                    </a:srgbClr>
+                  </a:outerShdw>
+                </a:effectLst>
+                <a:hlinkClick r:id="rId4">
+                  <a:extLst>
+                    <a:ext uri="{A12FA001-AC4F-418D-AE19-62706E023703}">
+                      <ahyp:hlinkClr xmlns:ahyp="http://schemas.microsoft.com/office/drawing/2018/hyperlinkcolor" val="tx"/>
+                    </a:ext>
+                  </a:extLst>
+                </a:hlinkClick>
+              </a:rPr>
+              <a:t> v22.2 Reference Manuals</a:t>
+            </a:r>
+            <a:endParaRPr lang="en-US" sz="1600" dirty="0">
+              <a:solidFill>
+                <a:schemeClr val="accent2"/>
+              </a:solidFill>
+              <a:effectLst>
+                <a:glow rad="38100">
+                  <a:prstClr val="black">
+                    <a:lumMod val="50000"/>
+                    <a:lumOff val="50000"/>
+                    <a:alpha val="20000"/>
+                  </a:prstClr>
+                </a:glow>
+                <a:outerShdw blurRad="44450" dist="12700" dir="13860000" algn="tl" rotWithShape="0">
+                  <a:srgbClr val="000000">
+                    <a:alpha val="20000"/>
+                  </a:srgbClr>
+                </a:outerShdw>
+              </a:effectLst>
+            </a:endParaRPr>
+          </a:p>
+          <a:p>
+            <a:pPr marL="285750" indent="-285750">
+              <a:buFont typeface="Arial" panose="020B0604020202020204" pitchFamily="34" charset="0"/>
+              <a:buChar char="•"/>
+            </a:pPr>
+            <a:r>
+              <a:rPr lang="en-US" sz="1600" dirty="0">
+                <a:solidFill>
+                  <a:schemeClr val="accent2"/>
+                </a:solidFill>
+                <a:effectLst>
+                  <a:glow rad="38100">
+                    <a:prstClr val="black">
+                      <a:lumMod val="50000"/>
+                      <a:lumOff val="50000"/>
+                      <a:alpha val="20000"/>
+                    </a:prstClr>
+                  </a:glow>
+                  <a:outerShdw blurRad="44450" dist="12700" dir="13860000" algn="tl" rotWithShape="0">
+                    <a:srgbClr val="000000">
+                      <a:alpha val="20000"/>
+                    </a:srgbClr>
+                  </a:outerShdw>
+                </a:effectLst>
+                <a:hlinkClick r:id="rId5">
+                  <a:extLst>
+                    <a:ext uri="{A12FA001-AC4F-418D-AE19-62706E023703}">
+                      <ahyp:hlinkClr xmlns:ahyp="http://schemas.microsoft.com/office/drawing/2018/hyperlinkcolor" val="tx"/>
+                    </a:ext>
+                  </a:extLst>
+                </a:hlinkClick>
+              </a:rPr>
+              <a:t>Java 17 Features: A comparison between versions 8 and 17. What has changed over the years?</a:t>
+            </a:r>
+            <a:endParaRPr lang="en-US" sz="1600" dirty="0">
+              <a:solidFill>
+                <a:schemeClr val="accent2"/>
+              </a:solidFill>
+              <a:effectLst>
+                <a:glow rad="38100">
+                  <a:prstClr val="black">
+                    <a:lumMod val="50000"/>
+                    <a:lumOff val="50000"/>
+                    <a:alpha val="20000"/>
+                  </a:prstClr>
+                </a:glow>
+                <a:outerShdw blurRad="44450" dist="12700" dir="13860000" algn="tl" rotWithShape="0">
+                  <a:srgbClr val="000000">
+                    <a:alpha val="20000"/>
+                  </a:srgbClr>
+                </a:outerShdw>
+              </a:effectLst>
+            </a:endParaRPr>
+          </a:p>
+          <a:p>
+            <a:pPr marL="285750" indent="-285750">
+              <a:buFont typeface="Arial" panose="020B0604020202020204" pitchFamily="34" charset="0"/>
+              <a:buChar char="•"/>
+            </a:pPr>
+            <a:r>
+              <a:rPr lang="en-US" sz="1600" dirty="0">
+                <a:solidFill>
+                  <a:schemeClr val="accent2"/>
+                </a:solidFill>
+                <a:effectLst>
+                  <a:glow rad="38100">
+                    <a:prstClr val="black">
+                      <a:lumMod val="50000"/>
+                      <a:lumOff val="50000"/>
+                      <a:alpha val="20000"/>
+                    </a:prstClr>
+                  </a:glow>
+                  <a:outerShdw blurRad="44450" dist="12700" dir="13860000" algn="tl" rotWithShape="0">
+                    <a:srgbClr val="000000">
+                      <a:alpha val="20000"/>
+                    </a:srgbClr>
+                  </a:outerShdw>
+                </a:effectLst>
+                <a:hlinkClick r:id="rId6">
+                  <a:extLst>
+                    <a:ext uri="{A12FA001-AC4F-418D-AE19-62706E023703}">
+                      <ahyp:hlinkClr xmlns:ahyp="http://schemas.microsoft.com/office/drawing/2018/hyperlinkcolor" val="tx"/>
+                    </a:ext>
+                  </a:extLst>
+                </a:hlinkClick>
+              </a:rPr>
+              <a:t>Native Image Compatibility Guide</a:t>
+            </a:r>
+            <a:endParaRPr lang="en-US" sz="1600" dirty="0">
+              <a:solidFill>
+                <a:schemeClr val="accent2"/>
+              </a:solidFill>
+              <a:effectLst>
+                <a:glow rad="38100">
+                  <a:prstClr val="black">
+                    <a:lumMod val="50000"/>
+                    <a:lumOff val="50000"/>
+                    <a:alpha val="20000"/>
+                  </a:prstClr>
+                </a:glow>
+                <a:outerShdw blurRad="44450" dist="12700" dir="13860000" algn="tl" rotWithShape="0">
+                  <a:srgbClr val="000000">
+                    <a:alpha val="20000"/>
+                  </a:srgbClr>
+                </a:outerShdw>
+              </a:effectLst>
+            </a:endParaRPr>
+          </a:p>
+          <a:p>
+            <a:pPr marL="285750" indent="-285750">
+              <a:buFont typeface="Arial" panose="020B0604020202020204" pitchFamily="34" charset="0"/>
+              <a:buChar char="•"/>
+            </a:pPr>
+            <a:r>
+              <a:rPr lang="en-US" sz="1600" dirty="0">
+                <a:solidFill>
+                  <a:schemeClr val="accent2"/>
+                </a:solidFill>
+                <a:effectLst>
+                  <a:glow rad="38100">
+                    <a:prstClr val="black">
+                      <a:lumMod val="50000"/>
+                      <a:lumOff val="50000"/>
+                      <a:alpha val="20000"/>
+                    </a:prstClr>
+                  </a:glow>
+                  <a:outerShdw blurRad="44450" dist="12700" dir="13860000" algn="tl" rotWithShape="0">
+                    <a:srgbClr val="000000">
+                      <a:alpha val="20000"/>
+                    </a:srgbClr>
+                  </a:outerShdw>
+                </a:effectLst>
+                <a:hlinkClick r:id="rId7">
+                  <a:extLst>
+                    <a:ext uri="{A12FA001-AC4F-418D-AE19-62706E023703}">
+                      <ahyp:hlinkClr xmlns:ahyp="http://schemas.microsoft.com/office/drawing/2018/hyperlinkcolor" val="tx"/>
+                    </a:ext>
+                  </a:extLst>
+                </a:hlinkClick>
+              </a:rPr>
+              <a:t>OpenJDK JEP Index</a:t>
+            </a:r>
+            <a:endParaRPr lang="en-US" sz="1600" dirty="0">
+              <a:solidFill>
+                <a:schemeClr val="accent2"/>
+              </a:solidFill>
+              <a:effectLst>
+                <a:glow rad="38100">
+                  <a:prstClr val="black">
+                    <a:lumMod val="50000"/>
+                    <a:lumOff val="50000"/>
+                    <a:alpha val="20000"/>
+                  </a:prstClr>
+                </a:glow>
+                <a:outerShdw blurRad="44450" dist="12700" dir="13860000" algn="tl" rotWithShape="0">
+                  <a:srgbClr val="000000">
+                    <a:alpha val="20000"/>
+                  </a:srgbClr>
+                </a:outerShdw>
+              </a:effectLst>
+            </a:endParaRPr>
+          </a:p>
+          <a:p>
+            <a:pPr marL="285750" indent="-285750">
+              <a:buFont typeface="Arial" panose="020B0604020202020204" pitchFamily="34" charset="0"/>
+              <a:buChar char="•"/>
+            </a:pPr>
+            <a:r>
+              <a:rPr lang="en-US" sz="1600" dirty="0">
+                <a:solidFill>
+                  <a:schemeClr val="accent2"/>
+                </a:solidFill>
+                <a:effectLst>
+                  <a:glow rad="38100">
+                    <a:prstClr val="black">
+                      <a:lumMod val="50000"/>
+                      <a:lumOff val="50000"/>
+                      <a:alpha val="20000"/>
+                    </a:prstClr>
+                  </a:glow>
+                  <a:outerShdw blurRad="44450" dist="12700" dir="13860000" algn="tl" rotWithShape="0">
+                    <a:srgbClr val="000000">
+                      <a:alpha val="20000"/>
+                    </a:srgbClr>
+                  </a:outerShdw>
+                </a:effectLst>
+                <a:hlinkClick r:id="rId8">
+                  <a:extLst>
+                    <a:ext uri="{A12FA001-AC4F-418D-AE19-62706E023703}">
+                      <ahyp:hlinkClr xmlns:ahyp="http://schemas.microsoft.com/office/drawing/2018/hyperlinkcolor" val="tx"/>
+                    </a:ext>
+                  </a:extLst>
+                </a:hlinkClick>
+              </a:rPr>
+              <a:t>Qpid GraalVM Project</a:t>
+            </a:r>
+            <a:endParaRPr lang="en-US" sz="1600" dirty="0">
+              <a:solidFill>
+                <a:schemeClr val="accent2"/>
+              </a:solidFill>
+              <a:effectLst>
+                <a:glow rad="38100">
+                  <a:prstClr val="black">
+                    <a:lumMod val="50000"/>
+                    <a:lumOff val="50000"/>
+                    <a:alpha val="20000"/>
+                  </a:prstClr>
+                </a:glow>
+                <a:outerShdw blurRad="44450" dist="12700" dir="13860000" algn="tl" rotWithShape="0">
+                  <a:srgbClr val="000000">
+                    <a:alpha val="20000"/>
+                  </a:srgbClr>
+                </a:outerShdw>
+              </a:effectLst>
+            </a:endParaRPr>
+          </a:p>
+          <a:p>
+            <a:pPr marL="285750" indent="-285750">
+              <a:buFont typeface="Arial" panose="020B0604020202020204" pitchFamily="34" charset="0"/>
+              <a:buChar char="•"/>
+            </a:pPr>
+            <a:r>
+              <a:rPr lang="en-US" sz="1600" dirty="0">
+                <a:solidFill>
+                  <a:schemeClr val="accent2"/>
+                </a:solidFill>
+                <a:effectLst>
+                  <a:glow rad="38100">
+                    <a:prstClr val="black">
+                      <a:lumMod val="50000"/>
+                      <a:lumOff val="50000"/>
+                      <a:alpha val="20000"/>
+                    </a:prstClr>
+                  </a:glow>
+                  <a:outerShdw blurRad="44450" dist="12700" dir="13860000" algn="tl" rotWithShape="0">
+                    <a:srgbClr val="000000">
+                      <a:alpha val="20000"/>
+                    </a:srgbClr>
+                  </a:outerShdw>
+                </a:effectLst>
+                <a:hlinkClick r:id="rId9">
+                  <a:extLst>
+                    <a:ext uri="{A12FA001-AC4F-418D-AE19-62706E023703}">
+                      <ahyp:hlinkClr xmlns:ahyp="http://schemas.microsoft.com/office/drawing/2018/hyperlinkcolor" val="tx"/>
+                    </a:ext>
+                  </a:extLst>
+                </a:hlinkClick>
+              </a:rPr>
+              <a:t>Spring Native Image Documentation</a:t>
+            </a:r>
+            <a:endParaRPr lang="en-US" sz="1600" dirty="0">
+              <a:solidFill>
+                <a:schemeClr val="accent2"/>
+              </a:solidFill>
+              <a:effectLst>
+                <a:glow rad="38100">
+                  <a:prstClr val="black">
+                    <a:lumMod val="50000"/>
+                    <a:lumOff val="50000"/>
+                    <a:alpha val="20000"/>
+                  </a:prstClr>
+                </a:glow>
+                <a:outerShdw blurRad="44450" dist="12700" dir="13860000" algn="tl" rotWithShape="0">
+                  <a:srgbClr val="000000">
+                    <a:alpha val="20000"/>
+                  </a:srgbClr>
+                </a:outerShdw>
+              </a:effectLst>
+            </a:endParaRPr>
+          </a:p>
+          <a:p>
+            <a:pPr marL="285750" indent="-285750">
+              <a:buFont typeface="Arial" panose="020B0604020202020204" pitchFamily="34" charset="0"/>
+              <a:buChar char="•"/>
+            </a:pPr>
+            <a:r>
+              <a:rPr lang="en-US" sz="1600" dirty="0">
+                <a:solidFill>
+                  <a:schemeClr val="accent2"/>
+                </a:solidFill>
+                <a:effectLst>
+                  <a:glow rad="38100">
+                    <a:prstClr val="black">
+                      <a:lumMod val="50000"/>
+                      <a:lumOff val="50000"/>
+                      <a:alpha val="20000"/>
+                    </a:prstClr>
+                  </a:glow>
+                  <a:outerShdw blurRad="44450" dist="12700" dir="13860000" algn="tl" rotWithShape="0">
+                    <a:srgbClr val="000000">
+                      <a:alpha val="20000"/>
+                    </a:srgbClr>
+                  </a:outerShdw>
+                </a:effectLst>
+                <a:hlinkClick r:id="rId10">
+                  <a:extLst>
+                    <a:ext uri="{A12FA001-AC4F-418D-AE19-62706E023703}">
+                      <ahyp:hlinkClr xmlns:ahyp="http://schemas.microsoft.com/office/drawing/2018/hyperlinkcolor" val="tx"/>
+                    </a:ext>
+                  </a:extLst>
+                </a:hlinkClick>
+              </a:rPr>
+              <a:t>Understanding Reflection and GraalVM Native Image</a:t>
+            </a:r>
+            <a:endParaRPr lang="en-US" dirty="0">
+              <a:effectLst>
+                <a:glow rad="38100">
+                  <a:prstClr val="black">
+                    <a:lumMod val="50000"/>
+                    <a:lumOff val="50000"/>
+                    <a:alpha val="20000"/>
+                  </a:prstClr>
+                </a:glow>
+                <a:outerShdw blurRad="44450" dist="12700" dir="13860000" algn="tl" rotWithShape="0">
+                  <a:srgbClr val="000000">
+                    <a:alpha val="20000"/>
+                  </a:srgbClr>
+                </a:outerShdw>
+              </a:effectLst>
+            </a:endParaRPr>
+          </a:p>
+        </p:txBody>
+      </p:sp>
+    </p:spTree>
+    <p:extLst>
+      <p:ext uri="{BB962C8B-B14F-4D97-AF65-F5344CB8AC3E}">
+        <p14:creationId xmlns:p14="http://schemas.microsoft.com/office/powerpoint/2010/main" val="158878503"/>
+      </p:ext>
+    </p:extLst>
+  </p:cSld>
+  <p:clrMapOvr>
+    <a:masterClrMapping/>
+  </p:clrMapOvr>
+</p:sld>
+</file>
+
 <file path=ppt/slides/slide4.xml><?xml version="1.0" encoding="utf-8"?>
 <p:sld xmlns:a="http://schemas.openxmlformats.org/drawingml/2006/main" xmlns:r="http://schemas.openxmlformats.org/officeDocument/2006/relationships" xmlns:p="http://schemas.openxmlformats.org/presentationml/2006/main">
   <p:cSld>
@@ -13245,7 +17692,7 @@
             </a:pPr>
             <a:r>
               <a:rPr lang="en-US" dirty="0"/>
-              <a:t>JEP 353: Reimplement the Legacy Socket API</a:t>
+              <a:t> JEP 353: Reimplement the Legacy Socket API</a:t>
             </a:r>
           </a:p>
           <a:p>
@@ -13273,7 +17720,7 @@
             </a:pPr>
             <a:r>
               <a:rPr lang="en-US" dirty="0"/>
-              <a:t>JEP 396: Strongly Encapsulate JDK Internals by Default</a:t>
+              <a:t> JEP 396: Strongly Encapsulate JDK Internals by Default</a:t>
             </a:r>
           </a:p>
           <a:p>
@@ -13282,8 +17729,12 @@
               <a:buChar char="Ø"/>
             </a:pPr>
             <a:r>
-              <a:rPr lang="en-US" dirty="0"/>
-              <a:t>JEP 403: Strongly Encapsulate JDK Internals</a:t>
+              <a:rPr lang="en-US"/>
+              <a:t> JEP </a:t>
+            </a:r>
+            <a:r>
+              <a:rPr lang="en-US" dirty="0"/>
+              <a:t>403: Strongly Encapsulate JDK Internals</a:t>
             </a:r>
           </a:p>
           <a:p>

--- a/doc/reference/GraalVm _Upgrade.pptx
+++ b/doc/reference/GraalVm _Upgrade.pptx
@@ -36,9 +36,8 @@
     <p:sldId id="301" r:id="rId30"/>
     <p:sldId id="306" r:id="rId31"/>
     <p:sldId id="304" r:id="rId32"/>
-    <p:sldId id="305" r:id="rId33"/>
-    <p:sldId id="290" r:id="rId34"/>
-    <p:sldId id="273" r:id="rId35"/>
+    <p:sldId id="290" r:id="rId33"/>
+    <p:sldId id="273" r:id="rId34"/>
   </p:sldIdLst>
   <p:sldSz cx="12192000" cy="6858000"/>
   <p:notesSz cx="6858000" cy="9144000"/>
@@ -8738,12 +8737,8 @@
               </a:lnSpc>
             </a:pPr>
             <a:r>
-              <a:rPr lang="en-US" dirty="0" err="1"/>
-              <a:t>GraalVm</a:t>
-            </a:r>
-            <a:r>
-              <a:rPr lang="en-US" dirty="0"/>
-              <a:t> Overview</a:t>
+              <a:rPr lang="en-US" dirty="0"/>
+              <a:t>GraalVM Overview</a:t>
             </a:r>
           </a:p>
           <a:p>
@@ -9992,7 +9987,7 @@
             </a:pPr>
             <a:r>
               <a:rPr lang="en-US" dirty="0"/>
-              <a:t>JVM includes Jar files from the </a:t>
+              <a:t>JVM includes JAR files from the </a:t>
             </a:r>
             <a:r>
               <a:rPr lang="en-US" dirty="0" err="1"/>
@@ -10040,7 +10035,7 @@
             </a:pPr>
             <a:r>
               <a:rPr lang="en-US" dirty="0"/>
-              <a:t>All static state is compiled at stored at image build time</a:t>
+              <a:t>All static state is compiled and stored at image build time</a:t>
             </a:r>
           </a:p>
           <a:p>
@@ -10085,7 +10080,26 @@
             </a:pPr>
             <a:r>
               <a:rPr lang="en-US" dirty="0"/>
-              <a:t>From a configuration file</a:t>
+              <a:t>From a configuration file (</a:t>
+            </a:r>
+            <a:r>
+              <a:rPr lang="en-US" dirty="0">
+                <a:solidFill>
+                  <a:schemeClr val="accent2"/>
+                </a:solidFill>
+                <a:hlinkClick r:id="rId2">
+                  <a:extLst>
+                    <a:ext uri="{A12FA001-AC4F-418D-AE19-62706E023703}">
+                      <ahyp:hlinkClr xmlns:ahyp="http://schemas.microsoft.com/office/drawing/2018/hyperlinkcolor" val="tx"/>
+                    </a:ext>
+                  </a:extLst>
+                </a:hlinkClick>
+              </a:rPr>
+              <a:t>Native Image Build Configuration</a:t>
+            </a:r>
+            <a:r>
+              <a:rPr lang="en-US" dirty="0"/>
+              <a:t>)</a:t>
             </a:r>
           </a:p>
           <a:p>
@@ -10287,12 +10301,8 @@
               <a:buChar char="Ø"/>
             </a:pPr>
             <a:r>
-              <a:rPr lang="en-US" dirty="0" err="1"/>
-              <a:t>Graal</a:t>
-            </a:r>
-            <a:r>
-              <a:rPr lang="en-US" dirty="0"/>
-              <a:t> Updater (for tracing agent) installed</a:t>
+              <a:rPr lang="en-US" dirty="0"/>
+              <a:t>GraalVM Updater (for tracing agent) installed</a:t>
             </a:r>
           </a:p>
           <a:p>
@@ -10332,77 +10342,119 @@
             </a:pPr>
             <a:r>
               <a:rPr lang="en-US" dirty="0">
-                <a:latin typeface="Lucida Console" panose="020B0609040504020204" pitchFamily="49" charset="0"/>
-              </a:rPr>
-              <a:t>native-image --no-fallback </a:t>
+                <a:solidFill>
+                  <a:schemeClr val="tx1">
+                    <a:lumMod val="50000"/>
+                    <a:lumOff val="50000"/>
+                  </a:schemeClr>
+                </a:solidFill>
+                <a:latin typeface="Lucida Console" panose="020B0609040504020204" pitchFamily="49" charset="0"/>
+              </a:rPr>
+              <a:t>native-image --no-fallback -J-XX:MaxDirectMemorySize=1536m -J-server -</a:t>
+            </a:r>
+            <a:r>
+              <a:rPr lang="en-US" dirty="0" err="1">
+                <a:solidFill>
+                  <a:schemeClr val="tx1">
+                    <a:lumMod val="50000"/>
+                    <a:lumOff val="50000"/>
+                  </a:schemeClr>
+                </a:solidFill>
+                <a:latin typeface="Lucida Console" panose="020B0609040504020204" pitchFamily="49" charset="0"/>
+              </a:rPr>
+              <a:t>Dpolyglot.js.nashorn-compat</a:t>
             </a:r>
             <a:r>
               <a:rPr lang="en-US" dirty="0">
                 <a:solidFill>
-                  <a:srgbClr val="000000"/>
-                </a:solidFill>
-                <a:latin typeface="Lucida Console" panose="020B0609040504020204" pitchFamily="49" charset="0"/>
-              </a:rPr>
-              <a:t>-J-XX:MaxDirectMemorySize=1536m -J-server -</a:t>
+                  <a:schemeClr val="tx1">
+                    <a:lumMod val="50000"/>
+                    <a:lumOff val="50000"/>
+                  </a:schemeClr>
+                </a:solidFill>
+                <a:latin typeface="Lucida Console" panose="020B0609040504020204" pitchFamily="49" charset="0"/>
+              </a:rPr>
+              <a:t>=true -DPNAME=QPBRKR -DQPID_HOME=/</a:t>
             </a:r>
             <a:r>
               <a:rPr lang="en-US" dirty="0" err="1">
                 <a:solidFill>
-                  <a:srgbClr val="000000"/>
-                </a:solidFill>
-                <a:latin typeface="Lucida Console" panose="020B0609040504020204" pitchFamily="49" charset="0"/>
-              </a:rPr>
-              <a:t>Dpolyglot.js.nashorn-compat</a:t>
+                  <a:schemeClr val="tx1">
+                    <a:lumMod val="50000"/>
+                    <a:lumOff val="50000"/>
+                  </a:schemeClr>
+                </a:solidFill>
+                <a:latin typeface="Lucida Console" panose="020B0609040504020204" pitchFamily="49" charset="0"/>
+              </a:rPr>
+              <a:t>usr</a:t>
             </a:r>
             <a:r>
               <a:rPr lang="en-US" dirty="0">
                 <a:solidFill>
-                  <a:srgbClr val="000000"/>
-                </a:solidFill>
-                <a:latin typeface="Lucida Console" panose="020B0609040504020204" pitchFamily="49" charset="0"/>
-              </a:rPr>
-              <a:t>=true -DPNAME=QPBRKR -DQPID_HOME=/</a:t>
+                  <a:schemeClr val="tx1">
+                    <a:lumMod val="50000"/>
+                    <a:lumOff val="50000"/>
+                  </a:schemeClr>
+                </a:solidFill>
+                <a:latin typeface="Lucida Console" panose="020B0609040504020204" pitchFamily="49" charset="0"/>
+              </a:rPr>
+              <a:t>/local/</a:t>
             </a:r>
             <a:r>
               <a:rPr lang="en-US" dirty="0" err="1">
                 <a:solidFill>
-                  <a:srgbClr val="000000"/>
-                </a:solidFill>
-                <a:latin typeface="Lucida Console" panose="020B0609040504020204" pitchFamily="49" charset="0"/>
-              </a:rPr>
-              <a:t>usr</a:t>
+                  <a:schemeClr val="tx1">
+                    <a:lumMod val="50000"/>
+                    <a:lumOff val="50000"/>
+                  </a:schemeClr>
+                </a:solidFill>
+                <a:latin typeface="Lucida Console" panose="020B0609040504020204" pitchFamily="49" charset="0"/>
+              </a:rPr>
+              <a:t>src</a:t>
             </a:r>
             <a:r>
               <a:rPr lang="en-US" dirty="0">
                 <a:solidFill>
-                  <a:srgbClr val="000000"/>
-                </a:solidFill>
-                <a:latin typeface="Lucida Console" panose="020B0609040504020204" pitchFamily="49" charset="0"/>
-              </a:rPr>
-              <a:t>/local/</a:t>
+                  <a:schemeClr val="tx1">
+                    <a:lumMod val="50000"/>
+                    <a:lumOff val="50000"/>
+                  </a:schemeClr>
+                </a:solidFill>
+                <a:latin typeface="Lucida Console" panose="020B0609040504020204" pitchFamily="49" charset="0"/>
+              </a:rPr>
+              <a:t>/</a:t>
             </a:r>
             <a:r>
               <a:rPr lang="en-US" dirty="0" err="1">
                 <a:solidFill>
-                  <a:srgbClr val="000000"/>
-                </a:solidFill>
-                <a:latin typeface="Lucida Console" panose="020B0609040504020204" pitchFamily="49" charset="0"/>
-              </a:rPr>
-              <a:t>src</a:t>
+                  <a:schemeClr val="tx1">
+                    <a:lumMod val="50000"/>
+                    <a:lumOff val="50000"/>
+                  </a:schemeClr>
+                </a:solidFill>
+                <a:latin typeface="Lucida Console" panose="020B0609040504020204" pitchFamily="49" charset="0"/>
+              </a:rPr>
+              <a:t>qpid</a:t>
             </a:r>
             <a:r>
               <a:rPr lang="en-US" dirty="0">
                 <a:solidFill>
-                  <a:srgbClr val="000000"/>
-                </a:solidFill>
-                <a:latin typeface="Lucida Console" panose="020B0609040504020204" pitchFamily="49" charset="0"/>
-              </a:rPr>
-              <a:t>/</a:t>
+                  <a:schemeClr val="tx1">
+                    <a:lumMod val="50000"/>
+                    <a:lumOff val="50000"/>
+                  </a:schemeClr>
+                </a:solidFill>
+                <a:latin typeface="Lucida Console" panose="020B0609040504020204" pitchFamily="49" charset="0"/>
+              </a:rPr>
+              <a:t>/Qpid4Graal/native/</a:t>
             </a:r>
             <a:r>
               <a:rPr lang="en-US" dirty="0" err="1">
                 <a:solidFill>
-                  <a:srgbClr val="000000"/>
+                  <a:schemeClr val="tx1">
+                    <a:lumMod val="50000"/>
+                    <a:lumOff val="50000"/>
+                  </a:schemeClr>
                 </a:solidFill>
                 <a:latin typeface="Lucida Console" panose="020B0609040504020204" pitchFamily="49" charset="0"/>
               </a:rPr>
@@ -10411,52 +10463,46 @@
             <a:r>
               <a:rPr lang="en-US" dirty="0">
                 <a:solidFill>
-                  <a:srgbClr val="000000"/>
-                </a:solidFill>
-                <a:latin typeface="Lucida Console" panose="020B0609040504020204" pitchFamily="49" charset="0"/>
-              </a:rPr>
-              <a:t>/Qpid4Graal/native/</a:t>
+                  <a:schemeClr val="tx1">
+                    <a:lumMod val="50000"/>
+                    <a:lumOff val="50000"/>
+                  </a:schemeClr>
+                </a:solidFill>
+                <a:latin typeface="Lucida Console" panose="020B0609040504020204" pitchFamily="49" charset="0"/>
+              </a:rPr>
+              <a:t>-broker/8.0.6 -DQPID_WORK=/var/</a:t>
             </a:r>
             <a:r>
               <a:rPr lang="en-US" dirty="0" err="1">
                 <a:solidFill>
-                  <a:srgbClr val="000000"/>
-                </a:solidFill>
-                <a:latin typeface="Lucida Console" panose="020B0609040504020204" pitchFamily="49" charset="0"/>
-              </a:rPr>
-              <a:t>qpid</a:t>
+                  <a:schemeClr val="tx1">
+                    <a:lumMod val="50000"/>
+                    <a:lumOff val="50000"/>
+                  </a:schemeClr>
+                </a:solidFill>
+                <a:latin typeface="Lucida Console" panose="020B0609040504020204" pitchFamily="49" charset="0"/>
+              </a:rPr>
+              <a:t>qpidwork</a:t>
             </a:r>
             <a:r>
               <a:rPr lang="en-US" dirty="0">
                 <a:solidFill>
-                  <a:srgbClr val="000000"/>
-                </a:solidFill>
-                <a:latin typeface="Lucida Console" panose="020B0609040504020204" pitchFamily="49" charset="0"/>
-              </a:rPr>
-              <a:t>-broker/8.0.6 -DQPID_WORK=/var/</a:t>
+                  <a:schemeClr val="tx1">
+                    <a:lumMod val="50000"/>
+                    <a:lumOff val="50000"/>
+                  </a:schemeClr>
+                </a:solidFill>
+                <a:latin typeface="Lucida Console" panose="020B0609040504020204" pitchFamily="49" charset="0"/>
+              </a:rPr>
+              <a:t> -jar qpid-broker-8.0.6.jar </a:t>
             </a:r>
             <a:r>
               <a:rPr lang="en-US" dirty="0" err="1">
                 <a:solidFill>
-                  <a:srgbClr val="000000"/>
-                </a:solidFill>
-                <a:latin typeface="Lucida Console" panose="020B0609040504020204" pitchFamily="49" charset="0"/>
-              </a:rPr>
-              <a:t>qpidwork</a:t>
-            </a:r>
-            <a:r>
-              <a:rPr lang="en-US" dirty="0">
-                <a:solidFill>
-                  <a:srgbClr val="000000"/>
-                </a:solidFill>
-                <a:latin typeface="Lucida Console" panose="020B0609040504020204" pitchFamily="49" charset="0"/>
-              </a:rPr>
-              <a:t> -jar qpid-broker-8.0.6.jar </a:t>
-            </a:r>
-            <a:r>
-              <a:rPr lang="en-US" dirty="0" err="1">
-                <a:solidFill>
-                  <a:srgbClr val="000000"/>
+                  <a:schemeClr val="tx1">
+                    <a:lumMod val="50000"/>
+                    <a:lumOff val="50000"/>
+                  </a:schemeClr>
                 </a:solidFill>
                 <a:latin typeface="Lucida Console" panose="020B0609040504020204" pitchFamily="49" charset="0"/>
               </a:rPr>
@@ -10464,7 +10510,10 @@
             </a:r>
             <a:endParaRPr lang="en-US" dirty="0">
               <a:solidFill>
-                <a:srgbClr val="000000"/>
+                <a:schemeClr val="tx1">
+                  <a:lumMod val="50000"/>
+                  <a:lumOff val="50000"/>
+                </a:schemeClr>
               </a:solidFill>
               <a:latin typeface="Lucida Console" panose="020B0609040504020204" pitchFamily="49" charset="0"/>
             </a:endParaRPr>
@@ -10491,7 +10540,10 @@
             <a:r>
               <a:rPr lang="en-US" dirty="0">
                 <a:solidFill>
-                  <a:srgbClr val="000000"/>
+                  <a:schemeClr val="tx1">
+                    <a:lumMod val="50000"/>
+                    <a:lumOff val="50000"/>
+                  </a:schemeClr>
                 </a:solidFill>
                 <a:latin typeface="Lucida Console" panose="020B0609040504020204" pitchFamily="49" charset="0"/>
               </a:rPr>
@@ -10500,7 +10552,10 @@
             <a:r>
               <a:rPr lang="en-US" dirty="0" err="1">
                 <a:solidFill>
-                  <a:srgbClr val="000000"/>
+                  <a:schemeClr val="tx1">
+                    <a:lumMod val="50000"/>
+                    <a:lumOff val="50000"/>
+                  </a:schemeClr>
                 </a:solidFill>
                 <a:latin typeface="Lucida Console" panose="020B0609040504020204" pitchFamily="49" charset="0"/>
               </a:rPr>
@@ -10509,7 +10564,10 @@
             <a:r>
               <a:rPr lang="en-US" dirty="0">
                 <a:solidFill>
-                  <a:srgbClr val="000000"/>
+                  <a:schemeClr val="tx1">
+                    <a:lumMod val="50000"/>
+                    <a:lumOff val="50000"/>
+                  </a:schemeClr>
                 </a:solidFill>
                 <a:latin typeface="Lucida Console" panose="020B0609040504020204" pitchFamily="49" charset="0"/>
               </a:rPr>
@@ -10518,7 +10576,10 @@
             <a:r>
               <a:rPr lang="en-US" dirty="0" err="1">
                 <a:solidFill>
-                  <a:srgbClr val="000000"/>
+                  <a:schemeClr val="tx1">
+                    <a:lumMod val="50000"/>
+                    <a:lumOff val="50000"/>
+                  </a:schemeClr>
                 </a:solidFill>
                 <a:latin typeface="Lucida Console" panose="020B0609040504020204" pitchFamily="49" charset="0"/>
               </a:rPr>
@@ -10527,7 +10588,10 @@
             <a:r>
               <a:rPr lang="en-US" dirty="0">
                 <a:solidFill>
-                  <a:srgbClr val="000000"/>
+                  <a:schemeClr val="tx1">
+                    <a:lumMod val="50000"/>
+                    <a:lumOff val="50000"/>
+                  </a:schemeClr>
                 </a:solidFill>
                 <a:latin typeface="Lucida Console" panose="020B0609040504020204" pitchFamily="49" charset="0"/>
               </a:rPr>
@@ -10536,7 +10600,10 @@
             <a:r>
               <a:rPr lang="en-US" dirty="0" err="1">
                 <a:solidFill>
-                  <a:srgbClr val="000000"/>
+                  <a:schemeClr val="tx1">
+                    <a:lumMod val="50000"/>
+                    <a:lumOff val="50000"/>
+                  </a:schemeClr>
                 </a:solidFill>
                 <a:latin typeface="Lucida Console" panose="020B0609040504020204" pitchFamily="49" charset="0"/>
               </a:rPr>
@@ -10545,7 +10612,10 @@
             <a:r>
               <a:rPr lang="en-US" dirty="0">
                 <a:solidFill>
-                  <a:srgbClr val="000000"/>
+                  <a:schemeClr val="tx1">
+                    <a:lumMod val="50000"/>
+                    <a:lumOff val="50000"/>
+                  </a:schemeClr>
                 </a:solidFill>
                 <a:latin typeface="Lucida Console" panose="020B0609040504020204" pitchFamily="49" charset="0"/>
               </a:rPr>
@@ -10554,7 +10624,10 @@
             <a:r>
               <a:rPr lang="en-US" dirty="0" err="1">
                 <a:solidFill>
-                  <a:srgbClr val="000000"/>
+                  <a:schemeClr val="tx1">
+                    <a:lumMod val="50000"/>
+                    <a:lumOff val="50000"/>
+                  </a:schemeClr>
                 </a:solidFill>
                 <a:latin typeface="Lucida Console" panose="020B0609040504020204" pitchFamily="49" charset="0"/>
               </a:rPr>
@@ -10563,7 +10636,10 @@
             <a:r>
               <a:rPr lang="en-US" dirty="0">
                 <a:solidFill>
-                  <a:srgbClr val="000000"/>
+                  <a:schemeClr val="tx1">
+                    <a:lumMod val="50000"/>
+                    <a:lumOff val="50000"/>
+                  </a:schemeClr>
                 </a:solidFill>
                 <a:latin typeface="Lucida Console" panose="020B0609040504020204" pitchFamily="49" charset="0"/>
               </a:rPr>
@@ -11145,7 +11221,11 @@
               <a:buChar char="Ø"/>
             </a:pPr>
             <a:r>
-              <a:rPr lang="en-US" dirty="0"/>
+              <a:rPr lang="en-US" dirty="0">
+                <a:solidFill>
+                  <a:schemeClr val="tx1"/>
+                </a:solidFill>
+              </a:rPr>
               <a:t>2b: Run the Tracing Agent</a:t>
             </a:r>
           </a:p>
@@ -11293,175 +11373,349 @@
               <a:buChar char="Ø"/>
             </a:pPr>
             <a:r>
-              <a:rPr lang="en-US" sz="1100" dirty="0">
+              <a:rPr lang="en-US" sz="1000" dirty="0">
+                <a:solidFill>
+                  <a:schemeClr val="tx1">
+                    <a:lumMod val="50000"/>
+                    <a:lumOff val="50000"/>
+                  </a:schemeClr>
+                </a:solidFill>
                 <a:latin typeface="Lucida Console" panose="020B0609040504020204" pitchFamily="49" charset="0"/>
               </a:rPr>
               <a:t>java -</a:t>
             </a:r>
             <a:r>
-              <a:rPr lang="en-US" sz="1100" dirty="0" err="1">
+              <a:rPr lang="en-US" sz="1000" dirty="0" err="1">
+                <a:solidFill>
+                  <a:schemeClr val="tx1">
+                    <a:lumMod val="50000"/>
+                    <a:lumOff val="50000"/>
+                  </a:schemeClr>
+                </a:solidFill>
                 <a:latin typeface="Lucida Console" panose="020B0609040504020204" pitchFamily="49" charset="0"/>
               </a:rPr>
               <a:t>agentlib:native-image-agent</a:t>
             </a:r>
             <a:r>
-              <a:rPr lang="en-US" sz="1100" dirty="0">
+              <a:rPr lang="en-US" sz="1000" dirty="0">
+                <a:solidFill>
+                  <a:schemeClr val="tx1">
+                    <a:lumMod val="50000"/>
+                    <a:lumOff val="50000"/>
+                  </a:schemeClr>
+                </a:solidFill>
                 <a:latin typeface="Lucida Console" panose="020B0609040504020204" pitchFamily="49" charset="0"/>
               </a:rPr>
               <a:t>=config-merge-</a:t>
             </a:r>
             <a:r>
-              <a:rPr lang="en-US" sz="1100" dirty="0" err="1">
+              <a:rPr lang="en-US" sz="1000" dirty="0" err="1">
+                <a:solidFill>
+                  <a:schemeClr val="tx1">
+                    <a:lumMod val="50000"/>
+                    <a:lumOff val="50000"/>
+                  </a:schemeClr>
+                </a:solidFill>
                 <a:latin typeface="Lucida Console" panose="020B0609040504020204" pitchFamily="49" charset="0"/>
               </a:rPr>
               <a:t>dir</a:t>
             </a:r>
             <a:r>
-              <a:rPr lang="en-US" sz="1100" dirty="0">
+              <a:rPr lang="en-US" sz="1000" dirty="0">
+                <a:solidFill>
+                  <a:schemeClr val="tx1">
+                    <a:lumMod val="50000"/>
+                    <a:lumOff val="50000"/>
+                  </a:schemeClr>
+                </a:solidFill>
                 <a:latin typeface="Lucida Console" panose="020B0609040504020204" pitchFamily="49" charset="0"/>
               </a:rPr>
               <a:t>=${BUILDPATH}/</a:t>
             </a:r>
             <a:r>
-              <a:rPr lang="en-US" sz="1100" dirty="0" err="1">
+              <a:rPr lang="en-US" sz="1000" dirty="0" err="1">
+                <a:solidFill>
+                  <a:schemeClr val="tx1">
+                    <a:lumMod val="50000"/>
+                    <a:lumOff val="50000"/>
+                  </a:schemeClr>
+                </a:solidFill>
                 <a:latin typeface="Lucida Console" panose="020B0609040504020204" pitchFamily="49" charset="0"/>
               </a:rPr>
               <a:t>src</a:t>
             </a:r>
             <a:r>
-              <a:rPr lang="en-US" sz="1100" dirty="0">
+              <a:rPr lang="en-US" sz="1000" dirty="0">
+                <a:solidFill>
+                  <a:schemeClr val="tx1">
+                    <a:lumMod val="50000"/>
+                    <a:lumOff val="50000"/>
+                  </a:schemeClr>
+                </a:solidFill>
                 <a:latin typeface="Lucida Console" panose="020B0609040504020204" pitchFamily="49" charset="0"/>
               </a:rPr>
               <a:t>/main/resources/META-INF/native-image -server –</a:t>
             </a:r>
             <a:r>
-              <a:rPr lang="en-US" sz="1100" dirty="0" err="1">
+              <a:rPr lang="en-US" sz="1000" dirty="0" err="1">
+                <a:solidFill>
+                  <a:schemeClr val="tx1">
+                    <a:lumMod val="50000"/>
+                    <a:lumOff val="50000"/>
+                  </a:schemeClr>
+                </a:solidFill>
                 <a:latin typeface="Lucida Console" panose="020B0609040504020204" pitchFamily="49" charset="0"/>
               </a:rPr>
               <a:t>classpath</a:t>
             </a:r>
             <a:r>
-              <a:rPr lang="en-US" sz="1100" dirty="0">
+              <a:rPr lang="en-US" sz="1000" dirty="0">
+                <a:solidFill>
+                  <a:schemeClr val="tx1">
+                    <a:lumMod val="50000"/>
+                    <a:lumOff val="50000"/>
+                  </a:schemeClr>
+                </a:solidFill>
                 <a:latin typeface="Lucida Console" panose="020B0609040504020204" pitchFamily="49" charset="0"/>
               </a:rPr>
               <a:t> &lt;CLASSPATH&gt; -</a:t>
             </a:r>
             <a:r>
-              <a:rPr lang="en-US" sz="1100" dirty="0" err="1">
+              <a:rPr lang="en-US" sz="1000" dirty="0" err="1">
+                <a:solidFill>
+                  <a:schemeClr val="tx1">
+                    <a:lumMod val="50000"/>
+                    <a:lumOff val="50000"/>
+                  </a:schemeClr>
+                </a:solidFill>
                 <a:latin typeface="Lucida Console" panose="020B0609040504020204" pitchFamily="49" charset="0"/>
               </a:rPr>
               <a:t>Dpolyglot.js.nashorn-compat</a:t>
             </a:r>
             <a:r>
-              <a:rPr lang="en-US" sz="1100" dirty="0">
+              <a:rPr lang="en-US" sz="1000" dirty="0">
+                <a:solidFill>
+                  <a:schemeClr val="tx1">
+                    <a:lumMod val="50000"/>
+                    <a:lumOff val="50000"/>
+                  </a:schemeClr>
+                </a:solidFill>
                 <a:latin typeface="Lucida Console" panose="020B0609040504020204" pitchFamily="49" charset="0"/>
               </a:rPr>
               <a:t>=true -DPNAME=QPBRKR -XX:+</a:t>
             </a:r>
             <a:r>
-              <a:rPr lang="en-US" sz="1100" dirty="0" err="1">
+              <a:rPr lang="en-US" sz="1000" dirty="0" err="1">
+                <a:solidFill>
+                  <a:schemeClr val="tx1">
+                    <a:lumMod val="50000"/>
+                    <a:lumOff val="50000"/>
+                  </a:schemeClr>
+                </a:solidFill>
                 <a:latin typeface="Lucida Console" panose="020B0609040504020204" pitchFamily="49" charset="0"/>
               </a:rPr>
               <a:t>HeapDumpOnOutOfMemoryError</a:t>
             </a:r>
             <a:r>
-              <a:rPr lang="en-US" sz="1100" dirty="0">
+              <a:rPr lang="en-US" sz="1000" dirty="0">
+                <a:solidFill>
+                  <a:schemeClr val="tx1">
+                    <a:lumMod val="50000"/>
+                    <a:lumOff val="50000"/>
+                  </a:schemeClr>
+                </a:solidFill>
                 <a:latin typeface="Lucida Console" panose="020B0609040504020204" pitchFamily="49" charset="0"/>
               </a:rPr>
               <a:t> -Xmx512m -</a:t>
             </a:r>
             <a:r>
-              <a:rPr lang="en-US" sz="1100" dirty="0" err="1">
+              <a:rPr lang="en-US" sz="1000" dirty="0" err="1">
+                <a:solidFill>
+                  <a:schemeClr val="tx1">
+                    <a:lumMod val="50000"/>
+                    <a:lumOff val="50000"/>
+                  </a:schemeClr>
+                </a:solidFill>
                 <a:latin typeface="Lucida Console" panose="020B0609040504020204" pitchFamily="49" charset="0"/>
               </a:rPr>
               <a:t>XX:MaxDirectMemorySize</a:t>
             </a:r>
             <a:r>
-              <a:rPr lang="en-US" sz="1100" dirty="0">
+              <a:rPr lang="en-US" sz="1000" dirty="0">
+                <a:solidFill>
+                  <a:schemeClr val="tx1">
+                    <a:lumMod val="50000"/>
+                    <a:lumOff val="50000"/>
+                  </a:schemeClr>
+                </a:solidFill>
                 <a:latin typeface="Lucida Console" panose="020B0609040504020204" pitchFamily="49" charset="0"/>
               </a:rPr>
               <a:t>=1536m -DQPID_HOME=/</a:t>
             </a:r>
             <a:r>
-              <a:rPr lang="en-US" sz="1100" dirty="0" err="1">
+              <a:rPr lang="en-US" sz="1000" dirty="0" err="1">
+                <a:solidFill>
+                  <a:schemeClr val="tx1">
+                    <a:lumMod val="50000"/>
+                    <a:lumOff val="50000"/>
+                  </a:schemeClr>
+                </a:solidFill>
                 <a:latin typeface="Lucida Console" panose="020B0609040504020204" pitchFamily="49" charset="0"/>
               </a:rPr>
               <a:t>usr</a:t>
             </a:r>
             <a:r>
-              <a:rPr lang="en-US" sz="1100" dirty="0">
+              <a:rPr lang="en-US" sz="1000" dirty="0">
+                <a:solidFill>
+                  <a:schemeClr val="tx1">
+                    <a:lumMod val="50000"/>
+                    <a:lumOff val="50000"/>
+                  </a:schemeClr>
+                </a:solidFill>
                 <a:latin typeface="Lucida Console" panose="020B0609040504020204" pitchFamily="49" charset="0"/>
               </a:rPr>
               <a:t>/local/</a:t>
             </a:r>
             <a:r>
-              <a:rPr lang="en-US" sz="1100" dirty="0" err="1">
+              <a:rPr lang="en-US" sz="1000" dirty="0" err="1">
+                <a:solidFill>
+                  <a:schemeClr val="tx1">
+                    <a:lumMod val="50000"/>
+                    <a:lumOff val="50000"/>
+                  </a:schemeClr>
+                </a:solidFill>
                 <a:latin typeface="Lucida Console" panose="020B0609040504020204" pitchFamily="49" charset="0"/>
               </a:rPr>
               <a:t>src</a:t>
             </a:r>
             <a:r>
-              <a:rPr lang="en-US" sz="1100" dirty="0">
+              <a:rPr lang="en-US" sz="1000" dirty="0">
+                <a:solidFill>
+                  <a:schemeClr val="tx1">
+                    <a:lumMod val="50000"/>
+                    <a:lumOff val="50000"/>
+                  </a:schemeClr>
+                </a:solidFill>
                 <a:latin typeface="Lucida Console" panose="020B0609040504020204" pitchFamily="49" charset="0"/>
               </a:rPr>
               <a:t>/</a:t>
             </a:r>
             <a:r>
-              <a:rPr lang="en-US" sz="1100" dirty="0" err="1">
+              <a:rPr lang="en-US" sz="1000" dirty="0" err="1">
+                <a:solidFill>
+                  <a:schemeClr val="tx1">
+                    <a:lumMod val="50000"/>
+                    <a:lumOff val="50000"/>
+                  </a:schemeClr>
+                </a:solidFill>
                 <a:latin typeface="Lucida Console" panose="020B0609040504020204" pitchFamily="49" charset="0"/>
               </a:rPr>
               <a:t>qpid</a:t>
             </a:r>
             <a:r>
-              <a:rPr lang="en-US" sz="1100" dirty="0">
+              <a:rPr lang="en-US" sz="1000" dirty="0">
+                <a:solidFill>
+                  <a:schemeClr val="tx1">
+                    <a:lumMod val="50000"/>
+                    <a:lumOff val="50000"/>
+                  </a:schemeClr>
+                </a:solidFill>
                 <a:latin typeface="Lucida Console" panose="020B0609040504020204" pitchFamily="49" charset="0"/>
               </a:rPr>
               <a:t>/Qpid4Graal/native/</a:t>
             </a:r>
             <a:r>
-              <a:rPr lang="en-US" sz="1100" dirty="0" err="1">
+              <a:rPr lang="en-US" sz="1000" dirty="0" err="1">
+                <a:solidFill>
+                  <a:schemeClr val="tx1">
+                    <a:lumMod val="50000"/>
+                    <a:lumOff val="50000"/>
+                  </a:schemeClr>
+                </a:solidFill>
                 <a:latin typeface="Lucida Console" panose="020B0609040504020204" pitchFamily="49" charset="0"/>
               </a:rPr>
               <a:t>qpid</a:t>
             </a:r>
             <a:r>
-              <a:rPr lang="en-US" sz="1100" dirty="0">
+              <a:rPr lang="en-US" sz="1000" dirty="0">
+                <a:solidFill>
+                  <a:schemeClr val="tx1">
+                    <a:lumMod val="50000"/>
+                    <a:lumOff val="50000"/>
+                  </a:schemeClr>
+                </a:solidFill>
                 <a:latin typeface="Lucida Console" panose="020B0609040504020204" pitchFamily="49" charset="0"/>
               </a:rPr>
               <a:t>-broker/8.0.6 -DQPID_WORK=/var/</a:t>
             </a:r>
             <a:r>
-              <a:rPr lang="en-US" sz="1100" dirty="0" err="1">
+              <a:rPr lang="en-US" sz="1000" dirty="0" err="1">
+                <a:solidFill>
+                  <a:schemeClr val="tx1">
+                    <a:lumMod val="50000"/>
+                    <a:lumOff val="50000"/>
+                  </a:schemeClr>
+                </a:solidFill>
                 <a:latin typeface="Lucida Console" panose="020B0609040504020204" pitchFamily="49" charset="0"/>
               </a:rPr>
               <a:t>qpidwork</a:t>
             </a:r>
             <a:r>
-              <a:rPr lang="en-US" sz="1100" dirty="0">
+              <a:rPr lang="en-US" sz="1000" dirty="0">
+                <a:solidFill>
+                  <a:schemeClr val="tx1">
+                    <a:lumMod val="50000"/>
+                    <a:lumOff val="50000"/>
+                  </a:schemeClr>
+                </a:solidFill>
                 <a:latin typeface="Lucida Console" panose="020B0609040504020204" pitchFamily="49" charset="0"/>
               </a:rPr>
               <a:t> </a:t>
             </a:r>
             <a:r>
-              <a:rPr lang="en-US" sz="1100" dirty="0" err="1">
+              <a:rPr lang="en-US" sz="1000" dirty="0" err="1">
+                <a:solidFill>
+                  <a:schemeClr val="tx1">
+                    <a:lumMod val="50000"/>
+                    <a:lumOff val="50000"/>
+                  </a:schemeClr>
+                </a:solidFill>
                 <a:latin typeface="Lucida Console" panose="020B0609040504020204" pitchFamily="49" charset="0"/>
               </a:rPr>
               <a:t>org.apache.qpid.server.Main</a:t>
             </a:r>
             <a:r>
-              <a:rPr lang="en-US" sz="1100" dirty="0">
+              <a:rPr lang="en-US" sz="1000" dirty="0">
+                <a:solidFill>
+                  <a:schemeClr val="tx1">
+                    <a:lumMod val="50000"/>
+                    <a:lumOff val="50000"/>
+                  </a:schemeClr>
+                </a:solidFill>
                 <a:latin typeface="Lucida Console" panose="020B0609040504020204" pitchFamily="49" charset="0"/>
               </a:rPr>
               <a:t> -</a:t>
             </a:r>
             <a:r>
-              <a:rPr lang="en-US" sz="1100" dirty="0" err="1">
+              <a:rPr lang="en-US" sz="1000" dirty="0" err="1">
+                <a:solidFill>
+                  <a:schemeClr val="tx1">
+                    <a:lumMod val="50000"/>
+                    <a:lumOff val="50000"/>
+                  </a:schemeClr>
+                </a:solidFill>
                 <a:latin typeface="Lucida Console" panose="020B0609040504020204" pitchFamily="49" charset="0"/>
               </a:rPr>
               <a:t>st</a:t>
             </a:r>
             <a:r>
-              <a:rPr lang="en-US" sz="1100" dirty="0">
+              <a:rPr lang="en-US" sz="1000" dirty="0">
+                <a:solidFill>
+                  <a:schemeClr val="tx1">
+                    <a:lumMod val="50000"/>
+                    <a:lumOff val="50000"/>
+                  </a:schemeClr>
+                </a:solidFill>
                 <a:latin typeface="Lucida Console" panose="020B0609040504020204" pitchFamily="49" charset="0"/>
               </a:rPr>
               <a:t> BDB</a:t>
@@ -11493,56 +11747,110 @@
               <a:buChar char="Ø"/>
             </a:pPr>
             <a:r>
-              <a:rPr lang="en-US" sz="1100" b="0" i="0" dirty="0">
+              <a:rPr lang="en-US" sz="1000" b="0" i="0" dirty="0">
+                <a:solidFill>
+                  <a:schemeClr val="tx1">
+                    <a:lumMod val="50000"/>
+                    <a:lumOff val="50000"/>
+                  </a:schemeClr>
+                </a:solidFill>
                 <a:effectLst/>
                 <a:latin typeface="Lucida Console" panose="020B0609040504020204" pitchFamily="49" charset="0"/>
               </a:rPr>
               <a:t>export JAVA_TOOL_OPTIONS="</a:t>
             </a:r>
             <a:r>
-              <a:rPr lang="en-US" sz="1100" dirty="0">
+              <a:rPr lang="en-US" sz="1000" dirty="0">
+                <a:solidFill>
+                  <a:schemeClr val="tx1">
+                    <a:lumMod val="50000"/>
+                    <a:lumOff val="50000"/>
+                  </a:schemeClr>
+                </a:solidFill>
                 <a:latin typeface="Lucida Console" panose="020B0609040504020204" pitchFamily="49" charset="0"/>
               </a:rPr>
               <a:t>-</a:t>
             </a:r>
             <a:r>
-              <a:rPr lang="en-US" sz="1100" dirty="0" err="1">
+              <a:rPr lang="en-US" sz="1000" dirty="0" err="1">
+                <a:solidFill>
+                  <a:schemeClr val="tx1">
+                    <a:lumMod val="50000"/>
+                    <a:lumOff val="50000"/>
+                  </a:schemeClr>
+                </a:solidFill>
                 <a:latin typeface="Lucida Console" panose="020B0609040504020204" pitchFamily="49" charset="0"/>
               </a:rPr>
               <a:t>agentlib:native-image-agent</a:t>
             </a:r>
             <a:r>
-              <a:rPr lang="en-US" sz="1100" dirty="0">
+              <a:rPr lang="en-US" sz="1000" dirty="0">
+                <a:solidFill>
+                  <a:schemeClr val="tx1">
+                    <a:lumMod val="50000"/>
+                    <a:lumOff val="50000"/>
+                  </a:schemeClr>
+                </a:solidFill>
                 <a:latin typeface="Lucida Console" panose="020B0609040504020204" pitchFamily="49" charset="0"/>
               </a:rPr>
               <a:t>=config-merge-</a:t>
             </a:r>
             <a:r>
-              <a:rPr lang="en-US" sz="1100" dirty="0" err="1">
+              <a:rPr lang="en-US" sz="1000" dirty="0" err="1">
+                <a:solidFill>
+                  <a:schemeClr val="tx1">
+                    <a:lumMod val="50000"/>
+                    <a:lumOff val="50000"/>
+                  </a:schemeClr>
+                </a:solidFill>
                 <a:latin typeface="Lucida Console" panose="020B0609040504020204" pitchFamily="49" charset="0"/>
               </a:rPr>
               <a:t>dir</a:t>
             </a:r>
             <a:r>
-              <a:rPr lang="en-US" sz="1100" dirty="0">
+              <a:rPr lang="en-US" sz="1000" dirty="0">
+                <a:solidFill>
+                  <a:schemeClr val="tx1">
+                    <a:lumMod val="50000"/>
+                    <a:lumOff val="50000"/>
+                  </a:schemeClr>
+                </a:solidFill>
                 <a:latin typeface="Lucida Console" panose="020B0609040504020204" pitchFamily="49" charset="0"/>
               </a:rPr>
               <a:t>=${BUILDPATH}/</a:t>
             </a:r>
             <a:r>
-              <a:rPr lang="en-US" sz="1100" dirty="0" err="1">
+              <a:rPr lang="en-US" sz="1000" dirty="0" err="1">
+                <a:solidFill>
+                  <a:schemeClr val="tx1">
+                    <a:lumMod val="50000"/>
+                    <a:lumOff val="50000"/>
+                  </a:schemeClr>
+                </a:solidFill>
                 <a:latin typeface="Lucida Console" panose="020B0609040504020204" pitchFamily="49" charset="0"/>
               </a:rPr>
               <a:t>src</a:t>
             </a:r>
             <a:r>
-              <a:rPr lang="en-US" sz="1100" dirty="0">
+              <a:rPr lang="en-US" sz="1000" dirty="0">
+                <a:solidFill>
+                  <a:schemeClr val="tx1">
+                    <a:lumMod val="50000"/>
+                    <a:lumOff val="50000"/>
+                  </a:schemeClr>
+                </a:solidFill>
                 <a:latin typeface="Lucida Console" panose="020B0609040504020204" pitchFamily="49" charset="0"/>
               </a:rPr>
               <a:t>/main/resources/META-INF/native-image</a:t>
             </a:r>
             <a:r>
-              <a:rPr lang="en-US" sz="1100" b="0" i="0" dirty="0">
+              <a:rPr lang="en-US" sz="1000" b="0" i="0" dirty="0">
+                <a:solidFill>
+                  <a:schemeClr val="tx1">
+                    <a:lumMod val="50000"/>
+                    <a:lumOff val="50000"/>
+                  </a:schemeClr>
+                </a:solidFill>
                 <a:effectLst/>
                 <a:latin typeface="Lucida Console" panose="020B0609040504020204" pitchFamily="49" charset="0"/>
               </a:rPr>
@@ -11558,11 +11866,10 @@
               <a:buChar char="Ø"/>
             </a:pPr>
             <a:r>
-              <a:rPr lang="en-US" sz="1100" dirty="0">
+              <a:rPr lang="en-US" dirty="0">
                 <a:solidFill>
                   <a:schemeClr val="tx1"/>
                 </a:solidFill>
-                <a:latin typeface="Lucida Console" panose="020B0609040504020204" pitchFamily="49" charset="0"/>
               </a:rPr>
               <a:t>Execute system tests</a:t>
             </a:r>
@@ -11573,11 +11880,10 @@
               <a:buChar char="Ø"/>
             </a:pPr>
             <a:r>
-              <a:rPr lang="en-US" sz="1050" dirty="0">
+              <a:rPr lang="en-US" dirty="0">
                 <a:solidFill>
                   <a:schemeClr val="tx1"/>
                 </a:solidFill>
-                <a:latin typeface="Lucida Console" panose="020B0609040504020204" pitchFamily="49" charset="0"/>
               </a:rPr>
               <a:t>Stop the application to save configuration</a:t>
             </a:r>
@@ -11691,19 +11997,35 @@
           <a:lstStyle/>
           <a:p>
             <a:r>
-              <a:rPr lang="en-US" dirty="0"/>
+              <a:rPr lang="en-US" dirty="0">
+                <a:solidFill>
+                  <a:schemeClr val="tx1"/>
+                </a:solidFill>
+              </a:rPr>
               <a:t>Detailed Build Process </a:t>
             </a:r>
             <a:r>
-              <a:rPr lang="en-US" sz="1050" dirty="0"/>
+              <a:rPr lang="en-US" sz="1050" dirty="0">
+                <a:solidFill>
+                  <a:schemeClr val="tx1"/>
+                </a:solidFill>
+              </a:rPr>
               <a:t>(</a:t>
             </a:r>
             <a:r>
-              <a:rPr lang="en-US" sz="1050" dirty="0" err="1"/>
+              <a:rPr lang="en-US" sz="1050" dirty="0" err="1">
+                <a:solidFill>
+                  <a:schemeClr val="tx1"/>
+                </a:solidFill>
+              </a:rPr>
               <a:t>Cont</a:t>
             </a:r>
             <a:r>
-              <a:rPr lang="en-US" sz="1050" dirty="0"/>
+              <a:rPr lang="en-US" sz="1050" dirty="0">
+                <a:solidFill>
+                  <a:schemeClr val="tx1"/>
+                </a:solidFill>
+              </a:rPr>
               <a:t>)</a:t>
             </a:r>
           </a:p>
@@ -11771,7 +12093,7 @@
             <a:r>
               <a:rPr lang="en-US" dirty="0">
                 <a:solidFill>
-                  <a:srgbClr val="000000"/>
+                  <a:schemeClr val="tx1"/>
                 </a:solidFill>
               </a:rPr>
               <a:t>Repeat Step 2 and 3 as needed</a:t>
@@ -11871,14 +12193,14 @@
           <a:lstStyle/>
           <a:p>
             <a:r>
-              <a:rPr lang="en-US" dirty="0"/>
+              <a:rPr lang="en-US" sz="1900" dirty="0"/>
               <a:t>Maven build</a:t>
             </a:r>
           </a:p>
           <a:p>
             <a:pPr lvl="1"/>
             <a:r>
-              <a:rPr lang="en-US" dirty="0"/>
+              <a:rPr lang="en-US" sz="1700" dirty="0"/>
               <a:t>Typical</a:t>
             </a:r>
           </a:p>
@@ -11888,7 +12210,7 @@
               <a:buChar char="Ø"/>
             </a:pPr>
             <a:r>
-              <a:rPr lang="en-US" dirty="0"/>
+              <a:rPr lang="en-US" sz="1500" dirty="0"/>
               <a:t>Set Java version to 17</a:t>
             </a:r>
           </a:p>
@@ -11898,7 +12220,7 @@
               <a:buChar char="Ø"/>
             </a:pPr>
             <a:r>
-              <a:rPr lang="en-US" dirty="0"/>
+              <a:rPr lang="en-US" sz="1500" dirty="0"/>
               <a:t>Add dependencies:</a:t>
             </a:r>
           </a:p>
@@ -11908,21 +12230,12 @@
             </a:pPr>
             <a:r>
               <a:rPr lang="en-US" sz="1000" dirty="0">
-                <a:latin typeface="Lucida Console" panose="020B0609040504020204" pitchFamily="49" charset="0"/>
-              </a:rPr>
-              <a:t>&lt;!-- TODO: Remove when </a:t>
-            </a:r>
-            <a:r>
-              <a:rPr lang="en-US" sz="1000" dirty="0" err="1">
-                <a:latin typeface="Lucida Console" panose="020B0609040504020204" pitchFamily="49" charset="0"/>
-              </a:rPr>
-              <a:t>GraalVM</a:t>
-            </a:r>
-            <a:r>
-              <a:rPr lang="en-US" sz="1000" dirty="0">
-                <a:latin typeface="Lucida Console" panose="020B0609040504020204" pitchFamily="49" charset="0"/>
-              </a:rPr>
-              <a:t> engine support is working. --&gt;</a:t>
+                <a:solidFill>
+                  <a:schemeClr val="tx1"/>
+                </a:solidFill>
+                <a:latin typeface="Lucida Console" panose="020B0609040504020204" pitchFamily="49" charset="0"/>
+              </a:rPr>
+              <a:t>&lt;!-- TODO: Remove when GraalVM engine support is working. --&gt;</a:t>
             </a:r>
           </a:p>
           <a:p>
@@ -11937,9 +12250,30 @@
             </a:pPr>
             <a:r>
               <a:rPr lang="en-US" sz="1000" dirty="0">
-                <a:latin typeface="Lucida Console" panose="020B0609040504020204" pitchFamily="49" charset="0"/>
-              </a:rPr>
-              <a:t>&lt;dependency&gt;</a:t>
+                <a:solidFill>
+                  <a:schemeClr val="tx1"/>
+                </a:solidFill>
+                <a:latin typeface="Lucida Console" panose="020B0609040504020204" pitchFamily="49" charset="0"/>
+              </a:rPr>
+              <a:t>&lt;</a:t>
+            </a:r>
+            <a:r>
+              <a:rPr lang="en-US" sz="1000" dirty="0">
+                <a:solidFill>
+                  <a:srgbClr val="00B0F0"/>
+                </a:solidFill>
+                <a:latin typeface="Lucida Console" panose="020B0609040504020204" pitchFamily="49" charset="0"/>
+              </a:rPr>
+              <a:t>dependency</a:t>
+            </a:r>
+            <a:r>
+              <a:rPr lang="en-US" sz="1000" dirty="0">
+                <a:solidFill>
+                  <a:schemeClr val="tx1"/>
+                </a:solidFill>
+                <a:latin typeface="Lucida Console" panose="020B0609040504020204" pitchFamily="49" charset="0"/>
+              </a:rPr>
+              <a:t>&gt;</a:t>
             </a:r>
           </a:p>
           <a:p>
@@ -11954,42 +12288,63 @@
             </a:pPr>
             <a:r>
               <a:rPr lang="en-US" sz="1000" dirty="0">
+                <a:solidFill>
+                  <a:schemeClr val="tx1"/>
+                </a:solidFill>
                 <a:latin typeface="Lucida Console" panose="020B0609040504020204" pitchFamily="49" charset="0"/>
               </a:rPr>
               <a:t>  &lt;</a:t>
             </a:r>
             <a:r>
               <a:rPr lang="en-US" sz="1000" dirty="0" err="1">
+                <a:solidFill>
+                  <a:srgbClr val="00B0F0"/>
+                </a:solidFill>
                 <a:latin typeface="Lucida Console" panose="020B0609040504020204" pitchFamily="49" charset="0"/>
               </a:rPr>
               <a:t>groupId</a:t>
             </a:r>
             <a:r>
               <a:rPr lang="en-US" sz="1000" dirty="0">
+                <a:solidFill>
+                  <a:schemeClr val="tx1"/>
+                </a:solidFill>
                 <a:latin typeface="Lucida Console" panose="020B0609040504020204" pitchFamily="49" charset="0"/>
               </a:rPr>
               <a:t>&gt;</a:t>
             </a:r>
             <a:r>
               <a:rPr lang="en-US" sz="1000" dirty="0" err="1">
+                <a:solidFill>
+                  <a:schemeClr val="tx1"/>
+                </a:solidFill>
                 <a:latin typeface="Lucida Console" panose="020B0609040504020204" pitchFamily="49" charset="0"/>
               </a:rPr>
               <a:t>org.openjdk.nashorn</a:t>
             </a:r>
             <a:r>
               <a:rPr lang="en-US" sz="1000" dirty="0">
+                <a:solidFill>
+                  <a:schemeClr val="tx1"/>
+                </a:solidFill>
                 <a:latin typeface="Lucida Console" panose="020B0609040504020204" pitchFamily="49" charset="0"/>
               </a:rPr>
               <a:t>&lt;/</a:t>
             </a:r>
             <a:r>
               <a:rPr lang="en-US" sz="1000" dirty="0" err="1">
+                <a:solidFill>
+                  <a:srgbClr val="00B0F0"/>
+                </a:solidFill>
                 <a:latin typeface="Lucida Console" panose="020B0609040504020204" pitchFamily="49" charset="0"/>
               </a:rPr>
               <a:t>groupId</a:t>
             </a:r>
             <a:r>
               <a:rPr lang="en-US" sz="1000" dirty="0">
+                <a:solidFill>
+                  <a:schemeClr val="tx1"/>
+                </a:solidFill>
                 <a:latin typeface="Lucida Console" panose="020B0609040504020204" pitchFamily="49" charset="0"/>
               </a:rPr>
               <a:t>&gt;</a:t>
@@ -12007,42 +12362,63 @@
             </a:pPr>
             <a:r>
               <a:rPr lang="en-US" sz="1000" dirty="0">
+                <a:solidFill>
+                  <a:schemeClr val="tx1"/>
+                </a:solidFill>
                 <a:latin typeface="Lucida Console" panose="020B0609040504020204" pitchFamily="49" charset="0"/>
               </a:rPr>
               <a:t>  &lt;</a:t>
             </a:r>
             <a:r>
               <a:rPr lang="en-US" sz="1000" dirty="0" err="1">
+                <a:solidFill>
+                  <a:srgbClr val="00B0F0"/>
+                </a:solidFill>
                 <a:latin typeface="Lucida Console" panose="020B0609040504020204" pitchFamily="49" charset="0"/>
               </a:rPr>
               <a:t>artifactId</a:t>
             </a:r>
             <a:r>
               <a:rPr lang="en-US" sz="1000" dirty="0">
+                <a:solidFill>
+                  <a:schemeClr val="tx1"/>
+                </a:solidFill>
                 <a:latin typeface="Lucida Console" panose="020B0609040504020204" pitchFamily="49" charset="0"/>
               </a:rPr>
               <a:t>&gt;</a:t>
             </a:r>
             <a:r>
               <a:rPr lang="en-US" sz="1000" dirty="0" err="1">
+                <a:solidFill>
+                  <a:schemeClr val="tx1"/>
+                </a:solidFill>
                 <a:latin typeface="Lucida Console" panose="020B0609040504020204" pitchFamily="49" charset="0"/>
               </a:rPr>
               <a:t>nashorn</a:t>
             </a:r>
             <a:r>
               <a:rPr lang="en-US" sz="1000" dirty="0">
+                <a:solidFill>
+                  <a:schemeClr val="tx1"/>
+                </a:solidFill>
                 <a:latin typeface="Lucida Console" panose="020B0609040504020204" pitchFamily="49" charset="0"/>
               </a:rPr>
               <a:t>-core&lt;/</a:t>
             </a:r>
             <a:r>
               <a:rPr lang="en-US" sz="1000" dirty="0" err="1">
+                <a:solidFill>
+                  <a:srgbClr val="00B0F0"/>
+                </a:solidFill>
                 <a:latin typeface="Lucida Console" panose="020B0609040504020204" pitchFamily="49" charset="0"/>
               </a:rPr>
               <a:t>artifactId</a:t>
             </a:r>
             <a:r>
               <a:rPr lang="en-US" sz="1000" dirty="0">
+                <a:solidFill>
+                  <a:schemeClr val="tx1"/>
+                </a:solidFill>
                 <a:latin typeface="Lucida Console" panose="020B0609040504020204" pitchFamily="49" charset="0"/>
               </a:rPr>
               <a:t>&gt;</a:t>
@@ -12060,9 +12436,48 @@
             </a:pPr>
             <a:r>
               <a:rPr lang="en-US" sz="1000" dirty="0">
-                <a:latin typeface="Lucida Console" panose="020B0609040504020204" pitchFamily="49" charset="0"/>
-              </a:rPr>
-              <a:t>  &lt;version&gt;15.4&lt;/version&gt;</a:t>
+                <a:solidFill>
+                  <a:schemeClr val="tx1"/>
+                </a:solidFill>
+                <a:latin typeface="Lucida Console" panose="020B0609040504020204" pitchFamily="49" charset="0"/>
+              </a:rPr>
+              <a:t>  &lt;</a:t>
+            </a:r>
+            <a:r>
+              <a:rPr lang="en-US" sz="1000" dirty="0">
+                <a:solidFill>
+                  <a:srgbClr val="00B0F0"/>
+                </a:solidFill>
+                <a:latin typeface="Lucida Console" panose="020B0609040504020204" pitchFamily="49" charset="0"/>
+              </a:rPr>
+              <a:t>version</a:t>
+            </a:r>
+            <a:r>
+              <a:rPr lang="en-US" sz="1000" dirty="0">
+                <a:solidFill>
+                  <a:schemeClr val="tx1"/>
+                </a:solidFill>
+                <a:latin typeface="Lucida Console" panose="020B0609040504020204" pitchFamily="49" charset="0"/>
+              </a:rPr>
+              <a:t>&gt;15.4&lt;/</a:t>
+            </a:r>
+            <a:r>
+              <a:rPr lang="en-US" sz="1000" dirty="0">
+                <a:solidFill>
+                  <a:srgbClr val="00B0F0"/>
+                </a:solidFill>
+                <a:latin typeface="Lucida Console" panose="020B0609040504020204" pitchFamily="49" charset="0"/>
+              </a:rPr>
+              <a:t>version</a:t>
+            </a:r>
+            <a:r>
+              <a:rPr lang="en-US" sz="1000" dirty="0">
+                <a:solidFill>
+                  <a:schemeClr val="tx1"/>
+                </a:solidFill>
+                <a:latin typeface="Lucida Console" panose="020B0609040504020204" pitchFamily="49" charset="0"/>
+              </a:rPr>
+              <a:t>&gt;</a:t>
             </a:r>
           </a:p>
           <a:p>
@@ -12077,9 +12492,30 @@
             </a:pPr>
             <a:r>
               <a:rPr lang="en-US" sz="1000" dirty="0">
-                <a:latin typeface="Lucida Console" panose="020B0609040504020204" pitchFamily="49" charset="0"/>
-              </a:rPr>
-              <a:t>&lt;/dependency&gt;</a:t>
+                <a:solidFill>
+                  <a:schemeClr val="tx1"/>
+                </a:solidFill>
+                <a:latin typeface="Lucida Console" panose="020B0609040504020204" pitchFamily="49" charset="0"/>
+              </a:rPr>
+              <a:t>&lt;/</a:t>
+            </a:r>
+            <a:r>
+              <a:rPr lang="en-US" sz="1000" dirty="0">
+                <a:solidFill>
+                  <a:srgbClr val="00B0F0"/>
+                </a:solidFill>
+                <a:latin typeface="Lucida Console" panose="020B0609040504020204" pitchFamily="49" charset="0"/>
+              </a:rPr>
+              <a:t>dependency</a:t>
+            </a:r>
+            <a:r>
+              <a:rPr lang="en-US" sz="1000" dirty="0">
+                <a:solidFill>
+                  <a:schemeClr val="tx1"/>
+                </a:solidFill>
+                <a:latin typeface="Lucida Console" panose="020B0609040504020204" pitchFamily="49" charset="0"/>
+              </a:rPr>
+              <a:t>&gt;</a:t>
             </a:r>
           </a:p>
           <a:p>
@@ -12094,6 +12530,9 @@
             </a:pPr>
             <a:r>
               <a:rPr lang="en-US" sz="1000" dirty="0">
+                <a:solidFill>
+                  <a:schemeClr val="tx1"/>
+                </a:solidFill>
                 <a:latin typeface="Lucida Console" panose="020B0609040504020204" pitchFamily="49" charset="0"/>
               </a:rPr>
               <a:t>&lt;!-- TODO END --&gt;</a:t>
@@ -12110,6 +12549,9 @@
               <a:buNone/>
             </a:pPr>
             <a:endParaRPr lang="en-US" sz="1000" dirty="0">
+              <a:solidFill>
+                <a:schemeClr val="tx1"/>
+              </a:solidFill>
               <a:latin typeface="Lucida Console" panose="020B0609040504020204" pitchFamily="49" charset="0"/>
             </a:endParaRPr>
           </a:p>
@@ -12125,21 +12567,12 @@
             </a:pPr>
             <a:r>
               <a:rPr lang="en-US" sz="1000" dirty="0">
-                <a:latin typeface="Lucida Console" panose="020B0609040504020204" pitchFamily="49" charset="0"/>
-              </a:rPr>
-              <a:t>&lt;!-- Java 17 </a:t>
-            </a:r>
-            <a:r>
-              <a:rPr lang="en-US" sz="1000" dirty="0" err="1">
-                <a:latin typeface="Lucida Console" panose="020B0609040504020204" pitchFamily="49" charset="0"/>
-              </a:rPr>
-              <a:t>GraalVM</a:t>
-            </a:r>
-            <a:r>
-              <a:rPr lang="en-US" sz="1000" dirty="0">
-                <a:latin typeface="Lucida Console" panose="020B0609040504020204" pitchFamily="49" charset="0"/>
-              </a:rPr>
-              <a:t> compiler and JavaScript engine --&gt;</a:t>
+                <a:solidFill>
+                  <a:schemeClr val="tx1"/>
+                </a:solidFill>
+                <a:latin typeface="Lucida Console" panose="020B0609040504020204" pitchFamily="49" charset="0"/>
+              </a:rPr>
+              <a:t>&lt;!-- Java 17 GraalVM compiler and JavaScript engine --&gt;</a:t>
             </a:r>
           </a:p>
           <a:p>
@@ -12154,9 +12587,30 @@
             </a:pPr>
             <a:r>
               <a:rPr lang="en-US" sz="1000" dirty="0">
-                <a:latin typeface="Lucida Console" panose="020B0609040504020204" pitchFamily="49" charset="0"/>
-              </a:rPr>
-              <a:t>&lt;dependency&gt;</a:t>
+                <a:solidFill>
+                  <a:schemeClr val="tx1"/>
+                </a:solidFill>
+                <a:latin typeface="Lucida Console" panose="020B0609040504020204" pitchFamily="49" charset="0"/>
+              </a:rPr>
+              <a:t>&lt;</a:t>
+            </a:r>
+            <a:r>
+              <a:rPr lang="en-US" sz="1000" dirty="0">
+                <a:solidFill>
+                  <a:srgbClr val="00B0F0"/>
+                </a:solidFill>
+                <a:latin typeface="Lucida Console" panose="020B0609040504020204" pitchFamily="49" charset="0"/>
+              </a:rPr>
+              <a:t>dependency</a:t>
+            </a:r>
+            <a:r>
+              <a:rPr lang="en-US" sz="1000" dirty="0">
+                <a:solidFill>
+                  <a:schemeClr val="tx1"/>
+                </a:solidFill>
+                <a:latin typeface="Lucida Console" panose="020B0609040504020204" pitchFamily="49" charset="0"/>
+              </a:rPr>
+              <a:t>&gt;</a:t>
             </a:r>
           </a:p>
           <a:p>
@@ -12171,42 +12625,63 @@
             </a:pPr>
             <a:r>
               <a:rPr lang="en-US" sz="1000" dirty="0">
+                <a:solidFill>
+                  <a:schemeClr val="tx1"/>
+                </a:solidFill>
                 <a:latin typeface="Lucida Console" panose="020B0609040504020204" pitchFamily="49" charset="0"/>
               </a:rPr>
               <a:t>  &lt;</a:t>
             </a:r>
             <a:r>
               <a:rPr lang="en-US" sz="1000" dirty="0" err="1">
+                <a:solidFill>
+                  <a:srgbClr val="00B0F0"/>
+                </a:solidFill>
                 <a:latin typeface="Lucida Console" panose="020B0609040504020204" pitchFamily="49" charset="0"/>
               </a:rPr>
               <a:t>groupId</a:t>
             </a:r>
             <a:r>
               <a:rPr lang="en-US" sz="1000" dirty="0">
+                <a:solidFill>
+                  <a:schemeClr val="tx1"/>
+                </a:solidFill>
                 <a:latin typeface="Lucida Console" panose="020B0609040504020204" pitchFamily="49" charset="0"/>
               </a:rPr>
               <a:t>&gt;</a:t>
             </a:r>
             <a:r>
               <a:rPr lang="en-US" sz="1000" dirty="0" err="1">
+                <a:solidFill>
+                  <a:schemeClr val="tx1"/>
+                </a:solidFill>
                 <a:latin typeface="Lucida Console" panose="020B0609040504020204" pitchFamily="49" charset="0"/>
               </a:rPr>
               <a:t>org.graalvm.compiler</a:t>
             </a:r>
             <a:r>
               <a:rPr lang="en-US" sz="1000" dirty="0">
+                <a:solidFill>
+                  <a:schemeClr val="tx1"/>
+                </a:solidFill>
                 <a:latin typeface="Lucida Console" panose="020B0609040504020204" pitchFamily="49" charset="0"/>
               </a:rPr>
               <a:t>&lt;/</a:t>
             </a:r>
             <a:r>
               <a:rPr lang="en-US" sz="1000" dirty="0" err="1">
+                <a:solidFill>
+                  <a:srgbClr val="00B0F0"/>
+                </a:solidFill>
                 <a:latin typeface="Lucida Console" panose="020B0609040504020204" pitchFamily="49" charset="0"/>
               </a:rPr>
               <a:t>groupId</a:t>
             </a:r>
             <a:r>
               <a:rPr lang="en-US" sz="1000" dirty="0">
+                <a:solidFill>
+                  <a:schemeClr val="tx1"/>
+                </a:solidFill>
                 <a:latin typeface="Lucida Console" panose="020B0609040504020204" pitchFamily="49" charset="0"/>
               </a:rPr>
               <a:t>&gt;</a:t>
@@ -12224,30 +12699,45 @@
             </a:pPr>
             <a:r>
               <a:rPr lang="en-US" sz="1000" dirty="0">
+                <a:solidFill>
+                  <a:schemeClr val="tx1"/>
+                </a:solidFill>
                 <a:latin typeface="Lucida Console" panose="020B0609040504020204" pitchFamily="49" charset="0"/>
               </a:rPr>
               <a:t>  &lt;</a:t>
             </a:r>
             <a:r>
               <a:rPr lang="en-US" sz="1000" dirty="0" err="1">
+                <a:solidFill>
+                  <a:srgbClr val="00B0F0"/>
+                </a:solidFill>
                 <a:latin typeface="Lucida Console" panose="020B0609040504020204" pitchFamily="49" charset="0"/>
               </a:rPr>
               <a:t>artifactId</a:t>
             </a:r>
             <a:r>
               <a:rPr lang="en-US" sz="1000" dirty="0">
+                <a:solidFill>
+                  <a:schemeClr val="tx1"/>
+                </a:solidFill>
                 <a:latin typeface="Lucida Console" panose="020B0609040504020204" pitchFamily="49" charset="0"/>
               </a:rPr>
               <a:t>&gt;compiler&lt;/</a:t>
             </a:r>
             <a:r>
               <a:rPr lang="en-US" sz="1000" dirty="0" err="1">
+                <a:solidFill>
+                  <a:srgbClr val="00B0F0"/>
+                </a:solidFill>
                 <a:latin typeface="Lucida Console" panose="020B0609040504020204" pitchFamily="49" charset="0"/>
               </a:rPr>
               <a:t>artifactId</a:t>
             </a:r>
             <a:r>
               <a:rPr lang="en-US" sz="1000" dirty="0">
+                <a:solidFill>
+                  <a:schemeClr val="tx1"/>
+                </a:solidFill>
                 <a:latin typeface="Lucida Console" panose="020B0609040504020204" pitchFamily="49" charset="0"/>
               </a:rPr>
               <a:t>&gt;</a:t>
@@ -12265,9 +12755,48 @@
             </a:pPr>
             <a:r>
               <a:rPr lang="en-US" sz="1000" dirty="0">
-                <a:latin typeface="Lucida Console" panose="020B0609040504020204" pitchFamily="49" charset="0"/>
-              </a:rPr>
-              <a:t>  &lt;version&gt;22.2.0&lt;/version&gt;</a:t>
+                <a:solidFill>
+                  <a:schemeClr val="tx1"/>
+                </a:solidFill>
+                <a:latin typeface="Lucida Console" panose="020B0609040504020204" pitchFamily="49" charset="0"/>
+              </a:rPr>
+              <a:t>  &lt;</a:t>
+            </a:r>
+            <a:r>
+              <a:rPr lang="en-US" sz="1000" dirty="0">
+                <a:solidFill>
+                  <a:srgbClr val="00B0F0"/>
+                </a:solidFill>
+                <a:latin typeface="Lucida Console" panose="020B0609040504020204" pitchFamily="49" charset="0"/>
+              </a:rPr>
+              <a:t>version</a:t>
+            </a:r>
+            <a:r>
+              <a:rPr lang="en-US" sz="1000" dirty="0">
+                <a:solidFill>
+                  <a:schemeClr val="tx1"/>
+                </a:solidFill>
+                <a:latin typeface="Lucida Console" panose="020B0609040504020204" pitchFamily="49" charset="0"/>
+              </a:rPr>
+              <a:t>&gt;22.2.0&lt;/</a:t>
+            </a:r>
+            <a:r>
+              <a:rPr lang="en-US" sz="1000" dirty="0">
+                <a:solidFill>
+                  <a:srgbClr val="00B0F0"/>
+                </a:solidFill>
+                <a:latin typeface="Lucida Console" panose="020B0609040504020204" pitchFamily="49" charset="0"/>
+              </a:rPr>
+              <a:t>version</a:t>
+            </a:r>
+            <a:r>
+              <a:rPr lang="en-US" sz="1000" dirty="0">
+                <a:solidFill>
+                  <a:schemeClr val="tx1"/>
+                </a:solidFill>
+                <a:latin typeface="Lucida Console" panose="020B0609040504020204" pitchFamily="49" charset="0"/>
+              </a:rPr>
+              <a:t>&gt;</a:t>
             </a:r>
           </a:p>
           <a:p>
@@ -12282,9 +12811,30 @@
             </a:pPr>
             <a:r>
               <a:rPr lang="en-US" sz="1000" dirty="0">
-                <a:latin typeface="Lucida Console" panose="020B0609040504020204" pitchFamily="49" charset="0"/>
-              </a:rPr>
-              <a:t>&lt;/dependency&gt;</a:t>
+                <a:solidFill>
+                  <a:schemeClr val="tx1"/>
+                </a:solidFill>
+                <a:latin typeface="Lucida Console" panose="020B0609040504020204" pitchFamily="49" charset="0"/>
+              </a:rPr>
+              <a:t>&lt;/</a:t>
+            </a:r>
+            <a:r>
+              <a:rPr lang="en-US" sz="1000" dirty="0">
+                <a:solidFill>
+                  <a:srgbClr val="00B0F0"/>
+                </a:solidFill>
+                <a:latin typeface="Lucida Console" panose="020B0609040504020204" pitchFamily="49" charset="0"/>
+              </a:rPr>
+              <a:t>dependency</a:t>
+            </a:r>
+            <a:r>
+              <a:rPr lang="en-US" sz="1000" dirty="0">
+                <a:solidFill>
+                  <a:schemeClr val="tx1"/>
+                </a:solidFill>
+                <a:latin typeface="Lucida Console" panose="020B0609040504020204" pitchFamily="49" charset="0"/>
+              </a:rPr>
+              <a:t>&gt;</a:t>
             </a:r>
           </a:p>
           <a:p>
@@ -12299,6 +12849,9 @@
             </a:pPr>
             <a:r>
               <a:rPr lang="en-US" sz="1000" dirty="0">
+                <a:solidFill>
+                  <a:schemeClr val="tx1"/>
+                </a:solidFill>
                 <a:latin typeface="Lucida Console" panose="020B0609040504020204" pitchFamily="49" charset="0"/>
               </a:rPr>
               <a:t>	</a:t>
@@ -12316,9 +12869,30 @@
             </a:pPr>
             <a:r>
               <a:rPr lang="en-US" sz="1000" dirty="0">
-                <a:latin typeface="Lucida Console" panose="020B0609040504020204" pitchFamily="49" charset="0"/>
-              </a:rPr>
-              <a:t>&lt;dependency&gt;</a:t>
+                <a:solidFill>
+                  <a:schemeClr val="tx1"/>
+                </a:solidFill>
+                <a:latin typeface="Lucida Console" panose="020B0609040504020204" pitchFamily="49" charset="0"/>
+              </a:rPr>
+              <a:t>&lt;</a:t>
+            </a:r>
+            <a:r>
+              <a:rPr lang="en-US" sz="1000" dirty="0">
+                <a:solidFill>
+                  <a:srgbClr val="00B0F0"/>
+                </a:solidFill>
+                <a:latin typeface="Lucida Console" panose="020B0609040504020204" pitchFamily="49" charset="0"/>
+              </a:rPr>
+              <a:t>dependency</a:t>
+            </a:r>
+            <a:r>
+              <a:rPr lang="en-US" sz="1000" dirty="0">
+                <a:solidFill>
+                  <a:schemeClr val="tx1"/>
+                </a:solidFill>
+                <a:latin typeface="Lucida Console" panose="020B0609040504020204" pitchFamily="49" charset="0"/>
+              </a:rPr>
+              <a:t>&gt;</a:t>
             </a:r>
           </a:p>
           <a:p>
@@ -12333,30 +12907,45 @@
             </a:pPr>
             <a:r>
               <a:rPr lang="en-US" sz="1000" dirty="0">
+                <a:solidFill>
+                  <a:schemeClr val="tx1"/>
+                </a:solidFill>
                 <a:latin typeface="Lucida Console" panose="020B0609040504020204" pitchFamily="49" charset="0"/>
               </a:rPr>
               <a:t>  &lt;</a:t>
             </a:r>
             <a:r>
               <a:rPr lang="en-US" sz="1000" dirty="0" err="1">
+                <a:solidFill>
+                  <a:srgbClr val="00B0F0"/>
+                </a:solidFill>
                 <a:latin typeface="Lucida Console" panose="020B0609040504020204" pitchFamily="49" charset="0"/>
               </a:rPr>
               <a:t>groupId</a:t>
             </a:r>
             <a:r>
               <a:rPr lang="en-US" sz="1000" dirty="0">
+                <a:solidFill>
+                  <a:schemeClr val="tx1"/>
+                </a:solidFill>
                 <a:latin typeface="Lucida Console" panose="020B0609040504020204" pitchFamily="49" charset="0"/>
               </a:rPr>
               <a:t>&gt;org.graalvm.js&lt;/</a:t>
             </a:r>
             <a:r>
               <a:rPr lang="en-US" sz="1000" dirty="0" err="1">
+                <a:solidFill>
+                  <a:srgbClr val="00B0F0"/>
+                </a:solidFill>
                 <a:latin typeface="Lucida Console" panose="020B0609040504020204" pitchFamily="49" charset="0"/>
               </a:rPr>
               <a:t>groupId</a:t>
             </a:r>
             <a:r>
               <a:rPr lang="en-US" sz="1000" dirty="0">
+                <a:solidFill>
+                  <a:schemeClr val="tx1"/>
+                </a:solidFill>
                 <a:latin typeface="Lucida Console" panose="020B0609040504020204" pitchFamily="49" charset="0"/>
               </a:rPr>
               <a:t>&gt;</a:t>
@@ -12374,42 +12963,63 @@
             </a:pPr>
             <a:r>
               <a:rPr lang="en-US" sz="1000" dirty="0">
+                <a:solidFill>
+                  <a:schemeClr val="tx1"/>
+                </a:solidFill>
                 <a:latin typeface="Lucida Console" panose="020B0609040504020204" pitchFamily="49" charset="0"/>
               </a:rPr>
               <a:t>  &lt;</a:t>
             </a:r>
             <a:r>
               <a:rPr lang="en-US" sz="1000" dirty="0" err="1">
+                <a:solidFill>
+                  <a:srgbClr val="00B0F0"/>
+                </a:solidFill>
                 <a:latin typeface="Lucida Console" panose="020B0609040504020204" pitchFamily="49" charset="0"/>
               </a:rPr>
               <a:t>artifactId</a:t>
             </a:r>
             <a:r>
               <a:rPr lang="en-US" sz="1000" dirty="0">
+                <a:solidFill>
+                  <a:schemeClr val="tx1"/>
+                </a:solidFill>
                 <a:latin typeface="Lucida Console" panose="020B0609040504020204" pitchFamily="49" charset="0"/>
               </a:rPr>
               <a:t>&gt;</a:t>
             </a:r>
             <a:r>
               <a:rPr lang="en-US" sz="1000" dirty="0" err="1">
+                <a:solidFill>
+                  <a:schemeClr val="tx1"/>
+                </a:solidFill>
                 <a:latin typeface="Lucida Console" panose="020B0609040504020204" pitchFamily="49" charset="0"/>
               </a:rPr>
               <a:t>js</a:t>
             </a:r>
             <a:r>
               <a:rPr lang="en-US" sz="1000" dirty="0">
+                <a:solidFill>
+                  <a:schemeClr val="tx1"/>
+                </a:solidFill>
                 <a:latin typeface="Lucida Console" panose="020B0609040504020204" pitchFamily="49" charset="0"/>
               </a:rPr>
               <a:t>&lt;/</a:t>
             </a:r>
             <a:r>
               <a:rPr lang="en-US" sz="1000" dirty="0" err="1">
+                <a:solidFill>
+                  <a:srgbClr val="00B0F0"/>
+                </a:solidFill>
                 <a:latin typeface="Lucida Console" panose="020B0609040504020204" pitchFamily="49" charset="0"/>
               </a:rPr>
               <a:t>artifactId</a:t>
             </a:r>
             <a:r>
               <a:rPr lang="en-US" sz="1000" dirty="0">
+                <a:solidFill>
+                  <a:schemeClr val="tx1"/>
+                </a:solidFill>
                 <a:latin typeface="Lucida Console" panose="020B0609040504020204" pitchFamily="49" charset="0"/>
               </a:rPr>
               <a:t>&gt;</a:t>
@@ -12427,9 +13037,48 @@
             </a:pPr>
             <a:r>
               <a:rPr lang="en-US" sz="1000" dirty="0">
-                <a:latin typeface="Lucida Console" panose="020B0609040504020204" pitchFamily="49" charset="0"/>
-              </a:rPr>
-              <a:t>  &lt;version&gt;22.2.0&lt;/version&gt;</a:t>
+                <a:solidFill>
+                  <a:schemeClr val="tx1"/>
+                </a:solidFill>
+                <a:latin typeface="Lucida Console" panose="020B0609040504020204" pitchFamily="49" charset="0"/>
+              </a:rPr>
+              <a:t>  &lt;</a:t>
+            </a:r>
+            <a:r>
+              <a:rPr lang="en-US" sz="1000" dirty="0">
+                <a:solidFill>
+                  <a:srgbClr val="00B0F0"/>
+                </a:solidFill>
+                <a:latin typeface="Lucida Console" panose="020B0609040504020204" pitchFamily="49" charset="0"/>
+              </a:rPr>
+              <a:t>version</a:t>
+            </a:r>
+            <a:r>
+              <a:rPr lang="en-US" sz="1000" dirty="0">
+                <a:solidFill>
+                  <a:schemeClr val="tx1"/>
+                </a:solidFill>
+                <a:latin typeface="Lucida Console" panose="020B0609040504020204" pitchFamily="49" charset="0"/>
+              </a:rPr>
+              <a:t>&gt;22.2.0&lt;/</a:t>
+            </a:r>
+            <a:r>
+              <a:rPr lang="en-US" sz="1000" dirty="0">
+                <a:solidFill>
+                  <a:srgbClr val="00B0F0"/>
+                </a:solidFill>
+                <a:latin typeface="Lucida Console" panose="020B0609040504020204" pitchFamily="49" charset="0"/>
+              </a:rPr>
+              <a:t>version</a:t>
+            </a:r>
+            <a:r>
+              <a:rPr lang="en-US" sz="1000" dirty="0">
+                <a:solidFill>
+                  <a:schemeClr val="tx1"/>
+                </a:solidFill>
+                <a:latin typeface="Lucida Console" panose="020B0609040504020204" pitchFamily="49" charset="0"/>
+              </a:rPr>
+              <a:t>&gt;</a:t>
             </a:r>
           </a:p>
           <a:p>
@@ -12444,9 +13093,30 @@
             </a:pPr>
             <a:r>
               <a:rPr lang="en-US" sz="1000" dirty="0">
-                <a:latin typeface="Lucida Console" panose="020B0609040504020204" pitchFamily="49" charset="0"/>
-              </a:rPr>
-              <a:t>&lt;/dependency&gt;</a:t>
+                <a:solidFill>
+                  <a:schemeClr val="tx1"/>
+                </a:solidFill>
+                <a:latin typeface="Lucida Console" panose="020B0609040504020204" pitchFamily="49" charset="0"/>
+              </a:rPr>
+              <a:t>&lt;/</a:t>
+            </a:r>
+            <a:r>
+              <a:rPr lang="en-US" sz="1000" dirty="0">
+                <a:solidFill>
+                  <a:srgbClr val="00B0F0"/>
+                </a:solidFill>
+                <a:latin typeface="Lucida Console" panose="020B0609040504020204" pitchFamily="49" charset="0"/>
+              </a:rPr>
+              <a:t>dependency</a:t>
+            </a:r>
+            <a:r>
+              <a:rPr lang="en-US" sz="1000" dirty="0">
+                <a:solidFill>
+                  <a:schemeClr val="tx1"/>
+                </a:solidFill>
+                <a:latin typeface="Lucida Console" panose="020B0609040504020204" pitchFamily="49" charset="0"/>
+              </a:rPr>
+              <a:t>&gt;</a:t>
             </a:r>
           </a:p>
           <a:p>
@@ -12460,6 +13130,9 @@
               <a:buNone/>
             </a:pPr>
             <a:endParaRPr lang="en-US" sz="1000" dirty="0">
+              <a:solidFill>
+                <a:schemeClr val="tx1"/>
+              </a:solidFill>
               <a:latin typeface="Lucida Console" panose="020B0609040504020204" pitchFamily="49" charset="0"/>
             </a:endParaRPr>
           </a:p>
@@ -12475,9 +13148,30 @@
             </a:pPr>
             <a:r>
               <a:rPr lang="en-US" sz="1000" dirty="0">
-                <a:latin typeface="Lucida Console" panose="020B0609040504020204" pitchFamily="49" charset="0"/>
-              </a:rPr>
-              <a:t>&lt;dependency&gt;</a:t>
+                <a:solidFill>
+                  <a:schemeClr val="tx1"/>
+                </a:solidFill>
+                <a:latin typeface="Lucida Console" panose="020B0609040504020204" pitchFamily="49" charset="0"/>
+              </a:rPr>
+              <a:t>&lt;</a:t>
+            </a:r>
+            <a:r>
+              <a:rPr lang="en-US" sz="1000" dirty="0">
+                <a:solidFill>
+                  <a:srgbClr val="00B0F0"/>
+                </a:solidFill>
+                <a:latin typeface="Lucida Console" panose="020B0609040504020204" pitchFamily="49" charset="0"/>
+              </a:rPr>
+              <a:t>dependency</a:t>
+            </a:r>
+            <a:r>
+              <a:rPr lang="en-US" sz="1000" dirty="0">
+                <a:solidFill>
+                  <a:schemeClr val="tx1"/>
+                </a:solidFill>
+                <a:latin typeface="Lucida Console" panose="020B0609040504020204" pitchFamily="49" charset="0"/>
+              </a:rPr>
+              <a:t>&gt;</a:t>
             </a:r>
           </a:p>
           <a:p>
@@ -12492,30 +13186,45 @@
             </a:pPr>
             <a:r>
               <a:rPr lang="en-US" sz="1000" dirty="0">
+                <a:solidFill>
+                  <a:schemeClr val="tx1"/>
+                </a:solidFill>
                 <a:latin typeface="Lucida Console" panose="020B0609040504020204" pitchFamily="49" charset="0"/>
               </a:rPr>
               <a:t>  &lt;</a:t>
             </a:r>
             <a:r>
               <a:rPr lang="en-US" sz="1000" dirty="0" err="1">
+                <a:solidFill>
+                  <a:srgbClr val="00B0F0"/>
+                </a:solidFill>
                 <a:latin typeface="Lucida Console" panose="020B0609040504020204" pitchFamily="49" charset="0"/>
               </a:rPr>
               <a:t>groupId</a:t>
             </a:r>
             <a:r>
               <a:rPr lang="en-US" sz="1000" dirty="0">
+                <a:solidFill>
+                  <a:schemeClr val="tx1"/>
+                </a:solidFill>
                 <a:latin typeface="Lucida Console" panose="020B0609040504020204" pitchFamily="49" charset="0"/>
               </a:rPr>
               <a:t>&gt;org.graalvm.js&lt;/</a:t>
             </a:r>
             <a:r>
               <a:rPr lang="en-US" sz="1000" dirty="0" err="1">
+                <a:solidFill>
+                  <a:srgbClr val="00B0F0"/>
+                </a:solidFill>
                 <a:latin typeface="Lucida Console" panose="020B0609040504020204" pitchFamily="49" charset="0"/>
               </a:rPr>
               <a:t>groupId</a:t>
             </a:r>
             <a:r>
               <a:rPr lang="en-US" sz="1000" dirty="0">
+                <a:solidFill>
+                  <a:schemeClr val="tx1"/>
+                </a:solidFill>
                 <a:latin typeface="Lucida Console" panose="020B0609040504020204" pitchFamily="49" charset="0"/>
               </a:rPr>
               <a:t>&gt;</a:t>
@@ -12533,42 +13242,63 @@
             </a:pPr>
             <a:r>
               <a:rPr lang="en-US" sz="1000" dirty="0">
+                <a:solidFill>
+                  <a:schemeClr val="tx1"/>
+                </a:solidFill>
                 <a:latin typeface="Lucida Console" panose="020B0609040504020204" pitchFamily="49" charset="0"/>
               </a:rPr>
               <a:t>  &lt;</a:t>
             </a:r>
             <a:r>
               <a:rPr lang="en-US" sz="1000" dirty="0" err="1">
+                <a:solidFill>
+                  <a:srgbClr val="00B0F0"/>
+                </a:solidFill>
                 <a:latin typeface="Lucida Console" panose="020B0609040504020204" pitchFamily="49" charset="0"/>
               </a:rPr>
               <a:t>artifactId</a:t>
             </a:r>
             <a:r>
               <a:rPr lang="en-US" sz="1000" dirty="0">
+                <a:solidFill>
+                  <a:schemeClr val="tx1"/>
+                </a:solidFill>
                 <a:latin typeface="Lucida Console" panose="020B0609040504020204" pitchFamily="49" charset="0"/>
               </a:rPr>
               <a:t>&gt;</a:t>
             </a:r>
             <a:r>
               <a:rPr lang="en-US" sz="1000" dirty="0" err="1">
+                <a:solidFill>
+                  <a:schemeClr val="tx1"/>
+                </a:solidFill>
                 <a:latin typeface="Lucida Console" panose="020B0609040504020204" pitchFamily="49" charset="0"/>
               </a:rPr>
               <a:t>js-scriptengine</a:t>
             </a:r>
             <a:r>
               <a:rPr lang="en-US" sz="1000" dirty="0">
+                <a:solidFill>
+                  <a:schemeClr val="tx1"/>
+                </a:solidFill>
                 <a:latin typeface="Lucida Console" panose="020B0609040504020204" pitchFamily="49" charset="0"/>
               </a:rPr>
               <a:t>&lt;/</a:t>
             </a:r>
             <a:r>
               <a:rPr lang="en-US" sz="1000" dirty="0" err="1">
+                <a:solidFill>
+                  <a:srgbClr val="00B0F0"/>
+                </a:solidFill>
                 <a:latin typeface="Lucida Console" panose="020B0609040504020204" pitchFamily="49" charset="0"/>
               </a:rPr>
               <a:t>artifactId</a:t>
             </a:r>
             <a:r>
               <a:rPr lang="en-US" sz="1000" dirty="0">
+                <a:solidFill>
+                  <a:schemeClr val="tx1"/>
+                </a:solidFill>
                 <a:latin typeface="Lucida Console" panose="020B0609040504020204" pitchFamily="49" charset="0"/>
               </a:rPr>
               <a:t>&gt;</a:t>
@@ -12586,9 +13316,48 @@
             </a:pPr>
             <a:r>
               <a:rPr lang="en-US" sz="1000" dirty="0">
-                <a:latin typeface="Lucida Console" panose="020B0609040504020204" pitchFamily="49" charset="0"/>
-              </a:rPr>
-              <a:t>  &lt;version&gt;22.2.0&lt;/version&gt;</a:t>
+                <a:solidFill>
+                  <a:schemeClr val="tx1"/>
+                </a:solidFill>
+                <a:latin typeface="Lucida Console" panose="020B0609040504020204" pitchFamily="49" charset="0"/>
+              </a:rPr>
+              <a:t>  &lt;</a:t>
+            </a:r>
+            <a:r>
+              <a:rPr lang="en-US" sz="1000" dirty="0">
+                <a:solidFill>
+                  <a:srgbClr val="00B0F0"/>
+                </a:solidFill>
+                <a:latin typeface="Lucida Console" panose="020B0609040504020204" pitchFamily="49" charset="0"/>
+              </a:rPr>
+              <a:t>version</a:t>
+            </a:r>
+            <a:r>
+              <a:rPr lang="en-US" sz="1000" dirty="0">
+                <a:solidFill>
+                  <a:schemeClr val="tx1"/>
+                </a:solidFill>
+                <a:latin typeface="Lucida Console" panose="020B0609040504020204" pitchFamily="49" charset="0"/>
+              </a:rPr>
+              <a:t>&gt;22.2.0&lt;/</a:t>
+            </a:r>
+            <a:r>
+              <a:rPr lang="en-US" sz="1000" dirty="0">
+                <a:solidFill>
+                  <a:srgbClr val="00B0F0"/>
+                </a:solidFill>
+                <a:latin typeface="Lucida Console" panose="020B0609040504020204" pitchFamily="49" charset="0"/>
+              </a:rPr>
+              <a:t>version</a:t>
+            </a:r>
+            <a:r>
+              <a:rPr lang="en-US" sz="1000" dirty="0">
+                <a:solidFill>
+                  <a:schemeClr val="tx1"/>
+                </a:solidFill>
+                <a:latin typeface="Lucida Console" panose="020B0609040504020204" pitchFamily="49" charset="0"/>
+              </a:rPr>
+              <a:t>&gt;</a:t>
             </a:r>
           </a:p>
           <a:p>
@@ -12603,9 +13372,30 @@
             </a:pPr>
             <a:r>
               <a:rPr lang="en-US" sz="1000" dirty="0">
-                <a:latin typeface="Lucida Console" panose="020B0609040504020204" pitchFamily="49" charset="0"/>
-              </a:rPr>
-              <a:t>&lt;/dependency&gt;</a:t>
+                <a:solidFill>
+                  <a:schemeClr val="tx1"/>
+                </a:solidFill>
+                <a:latin typeface="Lucida Console" panose="020B0609040504020204" pitchFamily="49" charset="0"/>
+              </a:rPr>
+              <a:t>&lt;/</a:t>
+            </a:r>
+            <a:r>
+              <a:rPr lang="en-US" sz="1000" dirty="0">
+                <a:solidFill>
+                  <a:srgbClr val="00B0F0"/>
+                </a:solidFill>
+                <a:latin typeface="Lucida Console" panose="020B0609040504020204" pitchFamily="49" charset="0"/>
+              </a:rPr>
+              <a:t>dependency</a:t>
+            </a:r>
+            <a:r>
+              <a:rPr lang="en-US" sz="1000" dirty="0">
+                <a:solidFill>
+                  <a:schemeClr val="tx1"/>
+                </a:solidFill>
+                <a:latin typeface="Lucida Console" panose="020B0609040504020204" pitchFamily="49" charset="0"/>
+              </a:rPr>
+              <a:t>&gt;</a:t>
             </a:r>
           </a:p>
           <a:p>
@@ -12620,23 +13410,17 @@
             </a:pPr>
             <a:r>
               <a:rPr lang="en-US" sz="1000" dirty="0">
-                <a:latin typeface="Lucida Console" panose="020B0609040504020204" pitchFamily="49" charset="0"/>
-              </a:rPr>
-              <a:t>&lt;!-- END Java 17 </a:t>
-            </a:r>
-            <a:r>
-              <a:rPr lang="en-US" sz="1000" dirty="0" err="1">
-                <a:latin typeface="Lucida Console" panose="020B0609040504020204" pitchFamily="49" charset="0"/>
-              </a:rPr>
-              <a:t>GraalVM</a:t>
-            </a:r>
-            <a:r>
-              <a:rPr lang="en-US" sz="1000" dirty="0">
-                <a:latin typeface="Lucida Console" panose="020B0609040504020204" pitchFamily="49" charset="0"/>
-              </a:rPr>
-              <a:t> and JavaScript engine --&gt;</a:t>
+                <a:solidFill>
+                  <a:schemeClr val="tx1"/>
+                </a:solidFill>
+                <a:latin typeface="Lucida Console" panose="020B0609040504020204" pitchFamily="49" charset="0"/>
+              </a:rPr>
+              <a:t>&lt;!-- END Java 17 GraalVM and JavaScript engine --&gt;</a:t>
             </a:r>
             <a:endParaRPr lang="en-US" dirty="0">
+              <a:solidFill>
+                <a:schemeClr val="tx1"/>
+              </a:solidFill>
               <a:latin typeface="Lucida Console" panose="020B0609040504020204" pitchFamily="49" charset="0"/>
             </a:endParaRPr>
           </a:p>
@@ -12776,7 +13560,10 @@
               <a:buNone/>
             </a:pPr>
             <a:r>
-              <a:rPr lang="en-US" sz="900" dirty="0">
+              <a:rPr lang="en-US" sz="1000" dirty="0">
+                <a:solidFill>
+                  <a:schemeClr val="tx1"/>
+                </a:solidFill>
                 <a:latin typeface="Lucida Console" panose="020B0609040504020204" pitchFamily="49" charset="0"/>
               </a:rPr>
               <a:t>&lt;!–- Migrator is for development/debugging only --&gt;</a:t>
@@ -12790,10 +13577,31 @@
               <a:buNone/>
             </a:pPr>
             <a:r>
-              <a:rPr lang="en-US" sz="900" dirty="0">
-                <a:latin typeface="Lucida Console" panose="020B0609040504020204" pitchFamily="49" charset="0"/>
-              </a:rPr>
-              <a:t>&lt;dependency&gt;</a:t>
+              <a:rPr lang="en-US" sz="1000" dirty="0">
+                <a:solidFill>
+                  <a:schemeClr val="tx1"/>
+                </a:solidFill>
+                <a:latin typeface="Lucida Console" panose="020B0609040504020204" pitchFamily="49" charset="0"/>
+              </a:rPr>
+              <a:t>&lt;</a:t>
+            </a:r>
+            <a:r>
+              <a:rPr lang="en-US" sz="1000" dirty="0">
+                <a:solidFill>
+                  <a:srgbClr val="00B0F0"/>
+                </a:solidFill>
+                <a:latin typeface="Lucida Console" panose="020B0609040504020204" pitchFamily="49" charset="0"/>
+              </a:rPr>
+              <a:t>dependency</a:t>
+            </a:r>
+            <a:r>
+              <a:rPr lang="en-US" sz="1000" dirty="0">
+                <a:solidFill>
+                  <a:schemeClr val="tx1"/>
+                </a:solidFill>
+                <a:latin typeface="Lucida Console" panose="020B0609040504020204" pitchFamily="49" charset="0"/>
+              </a:rPr>
+              <a:t>&gt;</a:t>
             </a:r>
           </a:p>
           <a:p>
@@ -12804,43 +13612,64 @@
               <a:buNone/>
             </a:pPr>
             <a:r>
-              <a:rPr lang="en-US" sz="900" dirty="0">
+              <a:rPr lang="en-US" sz="1000" dirty="0">
+                <a:solidFill>
+                  <a:schemeClr val="tx1"/>
+                </a:solidFill>
                 <a:latin typeface="Lucida Console" panose="020B0609040504020204" pitchFamily="49" charset="0"/>
               </a:rPr>
               <a:t>  &lt;</a:t>
             </a:r>
             <a:r>
-              <a:rPr lang="en-US" sz="900" dirty="0" err="1">
+              <a:rPr lang="en-US" sz="1000" dirty="0" err="1">
+                <a:solidFill>
+                  <a:srgbClr val="00B0F0"/>
+                </a:solidFill>
                 <a:latin typeface="Lucida Console" panose="020B0609040504020204" pitchFamily="49" charset="0"/>
               </a:rPr>
               <a:t>groupId</a:t>
             </a:r>
             <a:r>
-              <a:rPr lang="en-US" sz="900" dirty="0">
+              <a:rPr lang="en-US" sz="1000" dirty="0">
+                <a:solidFill>
+                  <a:schemeClr val="tx1"/>
+                </a:solidFill>
                 <a:latin typeface="Lucida Console" panose="020B0609040504020204" pitchFamily="49" charset="0"/>
               </a:rPr>
               <a:t>&gt;</a:t>
             </a:r>
             <a:r>
-              <a:rPr lang="en-US" sz="900" dirty="0" err="1">
+              <a:rPr lang="en-US" sz="1000" dirty="0" err="1">
+                <a:solidFill>
+                  <a:schemeClr val="tx1"/>
+                </a:solidFill>
                 <a:latin typeface="Lucida Console" panose="020B0609040504020204" pitchFamily="49" charset="0"/>
               </a:rPr>
               <a:t>org.springframework.boot</a:t>
             </a:r>
             <a:r>
-              <a:rPr lang="en-US" sz="900" dirty="0">
+              <a:rPr lang="en-US" sz="1000" dirty="0">
+                <a:solidFill>
+                  <a:schemeClr val="tx1"/>
+                </a:solidFill>
                 <a:latin typeface="Lucida Console" panose="020B0609040504020204" pitchFamily="49" charset="0"/>
               </a:rPr>
               <a:t>&lt;/</a:t>
             </a:r>
             <a:r>
-              <a:rPr lang="en-US" sz="900" dirty="0" err="1">
+              <a:rPr lang="en-US" sz="1000" dirty="0" err="1">
+                <a:solidFill>
+                  <a:srgbClr val="00B0F0"/>
+                </a:solidFill>
                 <a:latin typeface="Lucida Console" panose="020B0609040504020204" pitchFamily="49" charset="0"/>
               </a:rPr>
               <a:t>groupId</a:t>
             </a:r>
             <a:r>
-              <a:rPr lang="en-US" sz="900" dirty="0">
+              <a:rPr lang="en-US" sz="1000" dirty="0">
+                <a:solidFill>
+                  <a:schemeClr val="tx1"/>
+                </a:solidFill>
                 <a:latin typeface="Lucida Console" panose="020B0609040504020204" pitchFamily="49" charset="0"/>
               </a:rPr>
               <a:t>&gt;</a:t>
@@ -12854,31 +13683,46 @@
               <a:buNone/>
             </a:pPr>
             <a:r>
-              <a:rPr lang="en-US" sz="900" dirty="0">
+              <a:rPr lang="en-US" sz="1000" dirty="0">
+                <a:solidFill>
+                  <a:schemeClr val="tx1"/>
+                </a:solidFill>
                 <a:latin typeface="Lucida Console" panose="020B0609040504020204" pitchFamily="49" charset="0"/>
               </a:rPr>
               <a:t>  &lt;</a:t>
             </a:r>
             <a:r>
-              <a:rPr lang="en-US" sz="900" dirty="0" err="1">
+              <a:rPr lang="en-US" sz="1000" dirty="0" err="1">
+                <a:solidFill>
+                  <a:srgbClr val="00B0F0"/>
+                </a:solidFill>
                 <a:latin typeface="Lucida Console" panose="020B0609040504020204" pitchFamily="49" charset="0"/>
               </a:rPr>
               <a:t>artifactId</a:t>
             </a:r>
             <a:r>
-              <a:rPr lang="en-US" sz="900" dirty="0">
+              <a:rPr lang="en-US" sz="1000" dirty="0">
+                <a:solidFill>
+                  <a:schemeClr val="tx1"/>
+                </a:solidFill>
                 <a:latin typeface="Lucida Console" panose="020B0609040504020204" pitchFamily="49" charset="0"/>
               </a:rPr>
               <a:t>&gt;spring-boot-properties-migrator&lt;/</a:t>
             </a:r>
             <a:r>
-              <a:rPr lang="en-US" sz="900" dirty="0" err="1">
+              <a:rPr lang="en-US" sz="1000" dirty="0" err="1">
+                <a:solidFill>
+                  <a:srgbClr val="00B0F0"/>
+                </a:solidFill>
                 <a:latin typeface="Lucida Console" panose="020B0609040504020204" pitchFamily="49" charset="0"/>
               </a:rPr>
               <a:t>artifactId</a:t>
             </a:r>
             <a:r>
-              <a:rPr lang="en-US" sz="900" dirty="0">
+              <a:rPr lang="en-US" sz="1000" dirty="0">
+                <a:solidFill>
+                  <a:schemeClr val="tx1"/>
+                </a:solidFill>
                 <a:latin typeface="Lucida Console" panose="020B0609040504020204" pitchFamily="49" charset="0"/>
               </a:rPr>
               <a:t>&gt;</a:t>
@@ -12892,10 +13736,49 @@
               <a:buNone/>
             </a:pPr>
             <a:r>
-              <a:rPr lang="en-US" sz="900" dirty="0">
-                <a:latin typeface="Lucida Console" panose="020B0609040504020204" pitchFamily="49" charset="0"/>
-              </a:rPr>
-              <a:t>  &lt;scope&gt;runtime&lt;/scope&gt;</a:t>
+              <a:rPr lang="en-US" sz="1000" dirty="0">
+                <a:solidFill>
+                  <a:schemeClr val="tx1"/>
+                </a:solidFill>
+                <a:latin typeface="Lucida Console" panose="020B0609040504020204" pitchFamily="49" charset="0"/>
+              </a:rPr>
+              <a:t>  &lt;</a:t>
+            </a:r>
+            <a:r>
+              <a:rPr lang="en-US" sz="1000" dirty="0">
+                <a:solidFill>
+                  <a:srgbClr val="00B0F0"/>
+                </a:solidFill>
+                <a:latin typeface="Lucida Console" panose="020B0609040504020204" pitchFamily="49" charset="0"/>
+              </a:rPr>
+              <a:t>scope</a:t>
+            </a:r>
+            <a:r>
+              <a:rPr lang="en-US" sz="1000" dirty="0">
+                <a:solidFill>
+                  <a:schemeClr val="tx1"/>
+                </a:solidFill>
+                <a:latin typeface="Lucida Console" panose="020B0609040504020204" pitchFamily="49" charset="0"/>
+              </a:rPr>
+              <a:t>&gt;runtime&lt;/</a:t>
+            </a:r>
+            <a:r>
+              <a:rPr lang="en-US" sz="1000" dirty="0">
+                <a:solidFill>
+                  <a:srgbClr val="00B0F0"/>
+                </a:solidFill>
+                <a:latin typeface="Lucida Console" panose="020B0609040504020204" pitchFamily="49" charset="0"/>
+              </a:rPr>
+              <a:t>scope</a:t>
+            </a:r>
+            <a:r>
+              <a:rPr lang="en-US" sz="1000" dirty="0">
+                <a:solidFill>
+                  <a:schemeClr val="tx1"/>
+                </a:solidFill>
+                <a:latin typeface="Lucida Console" panose="020B0609040504020204" pitchFamily="49" charset="0"/>
+              </a:rPr>
+              <a:t>&gt;</a:t>
             </a:r>
           </a:p>
           <a:p>
@@ -12906,10 +13789,31 @@
               <a:buNone/>
             </a:pPr>
             <a:r>
-              <a:rPr lang="en-US" sz="900" dirty="0">
-                <a:latin typeface="Lucida Console" panose="020B0609040504020204" pitchFamily="49" charset="0"/>
-              </a:rPr>
-              <a:t>&lt;/dependency&gt;</a:t>
+              <a:rPr lang="en-US" sz="1000" dirty="0">
+                <a:solidFill>
+                  <a:schemeClr val="tx1"/>
+                </a:solidFill>
+                <a:latin typeface="Lucida Console" panose="020B0609040504020204" pitchFamily="49" charset="0"/>
+              </a:rPr>
+              <a:t>&lt;/</a:t>
+            </a:r>
+            <a:r>
+              <a:rPr lang="en-US" sz="1000" dirty="0">
+                <a:solidFill>
+                  <a:srgbClr val="00B0F0"/>
+                </a:solidFill>
+                <a:latin typeface="Lucida Console" panose="020B0609040504020204" pitchFamily="49" charset="0"/>
+              </a:rPr>
+              <a:t>dependency</a:t>
+            </a:r>
+            <a:r>
+              <a:rPr lang="en-US" sz="1000" dirty="0">
+                <a:solidFill>
+                  <a:schemeClr val="tx1"/>
+                </a:solidFill>
+                <a:latin typeface="Lucida Console" panose="020B0609040504020204" pitchFamily="49" charset="0"/>
+              </a:rPr>
+              <a:t>&gt;</a:t>
             </a:r>
           </a:p>
           <a:p>
@@ -12920,7 +13824,10 @@
               <a:buNone/>
             </a:pPr>
             <a:r>
-              <a:rPr lang="en-US" sz="900" dirty="0">
+              <a:rPr lang="en-US" sz="1000" dirty="0">
+                <a:solidFill>
+                  <a:schemeClr val="tx1"/>
+                </a:solidFill>
                 <a:latin typeface="Lucida Console" panose="020B0609040504020204" pitchFamily="49" charset="0"/>
               </a:rPr>
               <a:t> </a:t>
@@ -12934,10 +13841,31 @@
               <a:buNone/>
             </a:pPr>
             <a:r>
-              <a:rPr lang="en-US" sz="900" dirty="0">
-                <a:latin typeface="Lucida Console" panose="020B0609040504020204" pitchFamily="49" charset="0"/>
-              </a:rPr>
-              <a:t>&lt;dependency&gt;</a:t>
+              <a:rPr lang="en-US" sz="1000" dirty="0">
+                <a:solidFill>
+                  <a:schemeClr val="tx1"/>
+                </a:solidFill>
+                <a:latin typeface="Lucida Console" panose="020B0609040504020204" pitchFamily="49" charset="0"/>
+              </a:rPr>
+              <a:t>&lt;</a:t>
+            </a:r>
+            <a:r>
+              <a:rPr lang="en-US" sz="1000" dirty="0">
+                <a:solidFill>
+                  <a:srgbClr val="00B0F0"/>
+                </a:solidFill>
+                <a:latin typeface="Lucida Console" panose="020B0609040504020204" pitchFamily="49" charset="0"/>
+              </a:rPr>
+              <a:t>dependency</a:t>
+            </a:r>
+            <a:r>
+              <a:rPr lang="en-US" sz="1000" dirty="0">
+                <a:solidFill>
+                  <a:schemeClr val="tx1"/>
+                </a:solidFill>
+                <a:latin typeface="Lucida Console" panose="020B0609040504020204" pitchFamily="49" charset="0"/>
+              </a:rPr>
+              <a:t>&gt;</a:t>
             </a:r>
           </a:p>
           <a:p>
@@ -12948,43 +13876,64 @@
               <a:buNone/>
             </a:pPr>
             <a:r>
-              <a:rPr lang="en-US" sz="900" dirty="0">
+              <a:rPr lang="en-US" sz="1000" dirty="0">
+                <a:solidFill>
+                  <a:schemeClr val="tx1"/>
+                </a:solidFill>
                 <a:latin typeface="Lucida Console" panose="020B0609040504020204" pitchFamily="49" charset="0"/>
               </a:rPr>
               <a:t>  &lt;</a:t>
             </a:r>
             <a:r>
-              <a:rPr lang="en-US" sz="900" dirty="0" err="1">
+              <a:rPr lang="en-US" sz="1000" dirty="0" err="1">
+                <a:solidFill>
+                  <a:srgbClr val="00B0F0"/>
+                </a:solidFill>
                 <a:latin typeface="Lucida Console" panose="020B0609040504020204" pitchFamily="49" charset="0"/>
               </a:rPr>
               <a:t>groupId</a:t>
             </a:r>
             <a:r>
-              <a:rPr lang="en-US" sz="900" dirty="0">
+              <a:rPr lang="en-US" sz="1000" dirty="0">
+                <a:solidFill>
+                  <a:schemeClr val="tx1"/>
+                </a:solidFill>
                 <a:latin typeface="Lucida Console" panose="020B0609040504020204" pitchFamily="49" charset="0"/>
               </a:rPr>
               <a:t>&gt;</a:t>
             </a:r>
             <a:r>
-              <a:rPr lang="en-US" sz="900" dirty="0" err="1">
+              <a:rPr lang="en-US" sz="1000" dirty="0" err="1">
+                <a:solidFill>
+                  <a:schemeClr val="tx1"/>
+                </a:solidFill>
                 <a:latin typeface="Lucida Console" panose="020B0609040504020204" pitchFamily="49" charset="0"/>
               </a:rPr>
               <a:t>org.springframework.experimental</a:t>
             </a:r>
             <a:r>
-              <a:rPr lang="en-US" sz="900" dirty="0">
+              <a:rPr lang="en-US" sz="1000" dirty="0">
+                <a:solidFill>
+                  <a:schemeClr val="tx1"/>
+                </a:solidFill>
                 <a:latin typeface="Lucida Console" panose="020B0609040504020204" pitchFamily="49" charset="0"/>
               </a:rPr>
               <a:t>&lt;/</a:t>
             </a:r>
             <a:r>
-              <a:rPr lang="en-US" sz="900" dirty="0" err="1">
+              <a:rPr lang="en-US" sz="1000" dirty="0" err="1">
+                <a:solidFill>
+                  <a:srgbClr val="00B0F0"/>
+                </a:solidFill>
                 <a:latin typeface="Lucida Console" panose="020B0609040504020204" pitchFamily="49" charset="0"/>
               </a:rPr>
               <a:t>groupId</a:t>
             </a:r>
             <a:r>
-              <a:rPr lang="en-US" sz="900" dirty="0">
+              <a:rPr lang="en-US" sz="1000" dirty="0">
+                <a:solidFill>
+                  <a:schemeClr val="tx1"/>
+                </a:solidFill>
                 <a:latin typeface="Lucida Console" panose="020B0609040504020204" pitchFamily="49" charset="0"/>
               </a:rPr>
               <a:t>&gt;</a:t>
@@ -12998,31 +13947,46 @@
               <a:buNone/>
             </a:pPr>
             <a:r>
-              <a:rPr lang="en-US" sz="900" dirty="0">
+              <a:rPr lang="en-US" sz="1000" dirty="0">
+                <a:solidFill>
+                  <a:schemeClr val="tx1"/>
+                </a:solidFill>
                 <a:latin typeface="Lucida Console" panose="020B0609040504020204" pitchFamily="49" charset="0"/>
               </a:rPr>
               <a:t>  &lt;</a:t>
             </a:r>
             <a:r>
-              <a:rPr lang="en-US" sz="900" dirty="0" err="1">
+              <a:rPr lang="en-US" sz="1000" dirty="0" err="1">
+                <a:solidFill>
+                  <a:schemeClr val="tx1"/>
+                </a:solidFill>
                 <a:latin typeface="Lucida Console" panose="020B0609040504020204" pitchFamily="49" charset="0"/>
               </a:rPr>
               <a:t>artifactId</a:t>
             </a:r>
             <a:r>
-              <a:rPr lang="en-US" sz="900" dirty="0">
+              <a:rPr lang="en-US" sz="1000" dirty="0">
+                <a:solidFill>
+                  <a:schemeClr val="tx1"/>
+                </a:solidFill>
                 <a:latin typeface="Lucida Console" panose="020B0609040504020204" pitchFamily="49" charset="0"/>
               </a:rPr>
               <a:t>&gt;spring-native&lt;/</a:t>
             </a:r>
             <a:r>
-              <a:rPr lang="en-US" sz="900" dirty="0" err="1">
+              <a:rPr lang="en-US" sz="1000" dirty="0" err="1">
+                <a:solidFill>
+                  <a:schemeClr val="tx1"/>
+                </a:solidFill>
                 <a:latin typeface="Lucida Console" panose="020B0609040504020204" pitchFamily="49" charset="0"/>
               </a:rPr>
               <a:t>artifactId</a:t>
             </a:r>
             <a:r>
-              <a:rPr lang="en-US" sz="900" dirty="0">
+              <a:rPr lang="en-US" sz="1000" dirty="0">
+                <a:solidFill>
+                  <a:schemeClr val="tx1"/>
+                </a:solidFill>
                 <a:latin typeface="Lucida Console" panose="020B0609040504020204" pitchFamily="49" charset="0"/>
               </a:rPr>
               <a:t>&gt;</a:t>
@@ -13036,10 +14000,49 @@
               <a:buNone/>
             </a:pPr>
             <a:r>
-              <a:rPr lang="en-US" sz="900" dirty="0">
-                <a:latin typeface="Lucida Console" panose="020B0609040504020204" pitchFamily="49" charset="0"/>
-              </a:rPr>
-              <a:t>  &lt;version&gt;0.12.0&lt;/version&gt;</a:t>
+              <a:rPr lang="en-US" sz="1000" dirty="0">
+                <a:solidFill>
+                  <a:schemeClr val="tx1"/>
+                </a:solidFill>
+                <a:latin typeface="Lucida Console" panose="020B0609040504020204" pitchFamily="49" charset="0"/>
+              </a:rPr>
+              <a:t>  &lt;</a:t>
+            </a:r>
+            <a:r>
+              <a:rPr lang="en-US" sz="1000" dirty="0">
+                <a:solidFill>
+                  <a:srgbClr val="00B0F0"/>
+                </a:solidFill>
+                <a:latin typeface="Lucida Console" panose="020B0609040504020204" pitchFamily="49" charset="0"/>
+              </a:rPr>
+              <a:t>version</a:t>
+            </a:r>
+            <a:r>
+              <a:rPr lang="en-US" sz="1000" dirty="0">
+                <a:solidFill>
+                  <a:schemeClr val="tx1"/>
+                </a:solidFill>
+                <a:latin typeface="Lucida Console" panose="020B0609040504020204" pitchFamily="49" charset="0"/>
+              </a:rPr>
+              <a:t>&gt;0.12.0&lt;/</a:t>
+            </a:r>
+            <a:r>
+              <a:rPr lang="en-US" sz="1000" dirty="0">
+                <a:solidFill>
+                  <a:srgbClr val="00B0F0"/>
+                </a:solidFill>
+                <a:latin typeface="Lucida Console" panose="020B0609040504020204" pitchFamily="49" charset="0"/>
+              </a:rPr>
+              <a:t>version</a:t>
+            </a:r>
+            <a:r>
+              <a:rPr lang="en-US" sz="1000" dirty="0">
+                <a:solidFill>
+                  <a:schemeClr val="tx1"/>
+                </a:solidFill>
+                <a:latin typeface="Lucida Console" panose="020B0609040504020204" pitchFamily="49" charset="0"/>
+              </a:rPr>
+              <a:t>&gt;</a:t>
             </a:r>
           </a:p>
           <a:p>
@@ -13050,12 +14053,36 @@
               <a:buNone/>
             </a:pPr>
             <a:r>
-              <a:rPr lang="en-US" sz="900" dirty="0">
-                <a:latin typeface="Lucida Console" panose="020B0609040504020204" pitchFamily="49" charset="0"/>
-              </a:rPr>
-              <a:t>&lt;/dependency&gt;</a:t>
-            </a:r>
-            <a:endParaRPr lang="en-US" sz="3200" dirty="0">
+              <a:rPr lang="en-US" sz="1000" dirty="0">
+                <a:solidFill>
+                  <a:schemeClr val="tx1"/>
+                </a:solidFill>
+                <a:latin typeface="Lucida Console" panose="020B0609040504020204" pitchFamily="49" charset="0"/>
+              </a:rPr>
+              <a:t>&lt;/</a:t>
+            </a:r>
+            <a:r>
+              <a:rPr lang="en-US" sz="1000" dirty="0">
+                <a:solidFill>
+                  <a:srgbClr val="00B0F0"/>
+                </a:solidFill>
+                <a:latin typeface="Lucida Console" panose="020B0609040504020204" pitchFamily="49" charset="0"/>
+              </a:rPr>
+              <a:t>dependency</a:t>
+            </a:r>
+            <a:r>
+              <a:rPr lang="en-US" sz="1000" dirty="0">
+                <a:solidFill>
+                  <a:schemeClr val="tx1"/>
+                </a:solidFill>
+                <a:latin typeface="Lucida Console" panose="020B0609040504020204" pitchFamily="49" charset="0"/>
+              </a:rPr>
+              <a:t>&gt;</a:t>
+            </a:r>
+            <a:endParaRPr lang="en-US" sz="3600" dirty="0">
+              <a:solidFill>
+                <a:schemeClr val="tx1"/>
+              </a:solidFill>
               <a:latin typeface="Lucida Console" panose="020B0609040504020204" pitchFamily="49" charset="0"/>
             </a:endParaRPr>
           </a:p>
@@ -13304,12 +14331,12 @@
         <p:spPr>
           <a:xfrm>
             <a:off x="646111" y="1363287"/>
-            <a:ext cx="9403743" cy="5120639"/>
+            <a:ext cx="10319132" cy="5120639"/>
           </a:xfrm>
         </p:spPr>
         <p:txBody>
           <a:bodyPr numCol="2">
-            <a:normAutofit/>
+            <a:normAutofit lnSpcReduction="10000"/>
           </a:bodyPr>
           <a:lstStyle/>
           <a:p>
@@ -13372,7 +14399,7 @@
               <a:buNone/>
             </a:pPr>
             <a:r>
-              <a:rPr lang="en-US" sz="900" dirty="0">
+              <a:rPr lang="en-US" sz="1000" dirty="0">
                 <a:solidFill>
                   <a:srgbClr val="000000"/>
                 </a:solidFill>
@@ -13381,7 +14408,7 @@
               <a:t>&lt;</a:t>
             </a:r>
             <a:r>
-              <a:rPr lang="en-US" sz="900" dirty="0">
+              <a:rPr lang="en-US" sz="1000" dirty="0">
                 <a:solidFill>
                   <a:srgbClr val="268BD2"/>
                 </a:solidFill>
@@ -13390,7 +14417,7 @@
               <a:t>build</a:t>
             </a:r>
             <a:r>
-              <a:rPr lang="en-US" sz="900" dirty="0">
+              <a:rPr lang="en-US" sz="1000" dirty="0">
                 <a:solidFill>
                   <a:srgbClr val="000000"/>
                 </a:solidFill>
@@ -13407,7 +14434,7 @@
               <a:buNone/>
             </a:pPr>
             <a:r>
-              <a:rPr lang="en-US" sz="900" dirty="0">
+              <a:rPr lang="en-US" sz="1000" dirty="0">
                 <a:solidFill>
                   <a:srgbClr val="000000"/>
                 </a:solidFill>
@@ -13416,7 +14443,7 @@
               <a:t>         &lt;</a:t>
             </a:r>
             <a:r>
-              <a:rPr lang="en-US" sz="900" dirty="0">
+              <a:rPr lang="en-US" sz="1000" dirty="0">
                 <a:solidFill>
                   <a:srgbClr val="268BD2"/>
                 </a:solidFill>
@@ -13425,7 +14452,7 @@
               <a:t>plugins</a:t>
             </a:r>
             <a:r>
-              <a:rPr lang="en-US" sz="900" dirty="0">
+              <a:rPr lang="en-US" sz="1000" dirty="0">
                 <a:solidFill>
                   <a:srgbClr val="000000"/>
                 </a:solidFill>
@@ -13442,7 +14469,7 @@
               <a:buNone/>
             </a:pPr>
             <a:r>
-              <a:rPr lang="en-US" sz="900" dirty="0">
+              <a:rPr lang="en-US" sz="1000" dirty="0">
                 <a:solidFill>
                   <a:srgbClr val="000000"/>
                 </a:solidFill>
@@ -13451,7 +14478,7 @@
               <a:t>           &lt;</a:t>
             </a:r>
             <a:r>
-              <a:rPr lang="en-US" sz="900" dirty="0">
+              <a:rPr lang="en-US" sz="1000" dirty="0">
                 <a:solidFill>
                   <a:srgbClr val="268BD2"/>
                 </a:solidFill>
@@ -13460,7 +14487,7 @@
               <a:t>plugin</a:t>
             </a:r>
             <a:r>
-              <a:rPr lang="en-US" sz="900" dirty="0">
+              <a:rPr lang="en-US" sz="1000" dirty="0">
                 <a:solidFill>
                   <a:srgbClr val="000000"/>
                 </a:solidFill>
@@ -13477,7 +14504,7 @@
               <a:buNone/>
             </a:pPr>
             <a:r>
-              <a:rPr lang="en-US" sz="900" dirty="0">
+              <a:rPr lang="en-US" sz="1000" dirty="0">
                 <a:solidFill>
                   <a:srgbClr val="000000"/>
                 </a:solidFill>
@@ -13486,7 +14513,7 @@
               <a:t>             &lt;</a:t>
             </a:r>
             <a:r>
-              <a:rPr lang="en-US" sz="900" dirty="0" err="1">
+              <a:rPr lang="en-US" sz="1000" dirty="0" err="1">
                 <a:solidFill>
                   <a:srgbClr val="268BD2"/>
                 </a:solidFill>
@@ -13495,7 +14522,7 @@
               <a:t>groupId</a:t>
             </a:r>
             <a:r>
-              <a:rPr lang="en-US" sz="900" dirty="0">
+              <a:rPr lang="en-US" sz="1000" dirty="0">
                 <a:solidFill>
                   <a:srgbClr val="000000"/>
                 </a:solidFill>
@@ -13504,7 +14531,7 @@
               <a:t>&gt;</a:t>
             </a:r>
             <a:r>
-              <a:rPr lang="en-US" sz="900" dirty="0" err="1">
+              <a:rPr lang="en-US" sz="1000" dirty="0" err="1">
                 <a:solidFill>
                   <a:srgbClr val="000000"/>
                 </a:solidFill>
@@ -13513,7 +14540,7 @@
               <a:t>org.springframework.experimental</a:t>
             </a:r>
             <a:r>
-              <a:rPr lang="en-US" sz="900" dirty="0">
+              <a:rPr lang="en-US" sz="1000" dirty="0">
                 <a:solidFill>
                   <a:srgbClr val="000000"/>
                 </a:solidFill>
@@ -13522,7 +14549,7 @@
               <a:t>&lt;/</a:t>
             </a:r>
             <a:r>
-              <a:rPr lang="en-US" sz="900" dirty="0" err="1">
+              <a:rPr lang="en-US" sz="1000" dirty="0" err="1">
                 <a:solidFill>
                   <a:srgbClr val="268BD2"/>
                 </a:solidFill>
@@ -13531,7 +14558,7 @@
               <a:t>groupId</a:t>
             </a:r>
             <a:r>
-              <a:rPr lang="en-US" sz="900" dirty="0">
+              <a:rPr lang="en-US" sz="1000" dirty="0">
                 <a:solidFill>
                   <a:srgbClr val="000000"/>
                 </a:solidFill>
@@ -13548,7 +14575,7 @@
               <a:buNone/>
             </a:pPr>
             <a:r>
-              <a:rPr lang="en-US" sz="900" dirty="0">
+              <a:rPr lang="en-US" sz="1000" dirty="0">
                 <a:solidFill>
                   <a:srgbClr val="000000"/>
                 </a:solidFill>
@@ -13557,7 +14584,7 @@
               <a:t>             &lt;</a:t>
             </a:r>
             <a:r>
-              <a:rPr lang="en-US" sz="900" dirty="0" err="1">
+              <a:rPr lang="en-US" sz="1000" dirty="0" err="1">
                 <a:solidFill>
                   <a:srgbClr val="268BD2"/>
                 </a:solidFill>
@@ -13566,7 +14593,7 @@
               <a:t>artifactId</a:t>
             </a:r>
             <a:r>
-              <a:rPr lang="en-US" sz="900" dirty="0">
+              <a:rPr lang="en-US" sz="1000" dirty="0">
                 <a:solidFill>
                   <a:srgbClr val="000000"/>
                 </a:solidFill>
@@ -13575,7 +14602,7 @@
               <a:t>&gt;spring-</a:t>
             </a:r>
             <a:r>
-              <a:rPr lang="en-US" sz="900" dirty="0" err="1">
+              <a:rPr lang="en-US" sz="1000" dirty="0" err="1">
                 <a:solidFill>
                   <a:srgbClr val="000000"/>
                 </a:solidFill>
@@ -13584,7 +14611,7 @@
               <a:t>aot</a:t>
             </a:r>
             <a:r>
-              <a:rPr lang="en-US" sz="900" dirty="0">
+              <a:rPr lang="en-US" sz="1000" dirty="0">
                 <a:solidFill>
                   <a:srgbClr val="000000"/>
                 </a:solidFill>
@@ -13593,7 +14620,7 @@
               <a:t>-maven-plugin&lt;/</a:t>
             </a:r>
             <a:r>
-              <a:rPr lang="en-US" sz="900" dirty="0" err="1">
+              <a:rPr lang="en-US" sz="1000" dirty="0" err="1">
                 <a:solidFill>
                   <a:srgbClr val="268BD2"/>
                 </a:solidFill>
@@ -13602,7 +14629,7 @@
               <a:t>artifactId</a:t>
             </a:r>
             <a:r>
-              <a:rPr lang="en-US" sz="900" dirty="0">
+              <a:rPr lang="en-US" sz="1000" dirty="0">
                 <a:solidFill>
                   <a:srgbClr val="000000"/>
                 </a:solidFill>
@@ -13619,7 +14646,7 @@
               <a:buNone/>
             </a:pPr>
             <a:r>
-              <a:rPr lang="en-US" sz="900" dirty="0">
+              <a:rPr lang="en-US" sz="1000" dirty="0">
                 <a:solidFill>
                   <a:srgbClr val="000000"/>
                 </a:solidFill>
@@ -13628,7 +14655,7 @@
               <a:t>             &lt;</a:t>
             </a:r>
             <a:r>
-              <a:rPr lang="en-US" sz="900" dirty="0">
+              <a:rPr lang="en-US" sz="1000" dirty="0">
                 <a:solidFill>
                   <a:srgbClr val="268BD2"/>
                 </a:solidFill>
@@ -13637,7 +14664,7 @@
               <a:t>version</a:t>
             </a:r>
             <a:r>
-              <a:rPr lang="en-US" sz="900" dirty="0">
+              <a:rPr lang="en-US" sz="1000" dirty="0">
                 <a:solidFill>
                   <a:srgbClr val="000000"/>
                 </a:solidFill>
@@ -13646,7 +14673,7 @@
               <a:t>&gt;0.12.0&lt;/</a:t>
             </a:r>
             <a:r>
-              <a:rPr lang="en-US" sz="900" dirty="0">
+              <a:rPr lang="en-US" sz="1000" dirty="0">
                 <a:solidFill>
                   <a:srgbClr val="268BD2"/>
                 </a:solidFill>
@@ -13655,7 +14682,7 @@
               <a:t>version</a:t>
             </a:r>
             <a:r>
-              <a:rPr lang="en-US" sz="900" dirty="0">
+              <a:rPr lang="en-US" sz="1000" dirty="0">
                 <a:solidFill>
                   <a:srgbClr val="000000"/>
                 </a:solidFill>
@@ -13672,7 +14699,7 @@
               <a:buNone/>
             </a:pPr>
             <a:r>
-              <a:rPr lang="en-US" sz="900" dirty="0">
+              <a:rPr lang="en-US" sz="1000" dirty="0">
                 <a:solidFill>
                   <a:srgbClr val="000000"/>
                 </a:solidFill>
@@ -13681,7 +14708,7 @@
               <a:t>               &lt;</a:t>
             </a:r>
             <a:r>
-              <a:rPr lang="en-US" sz="900" dirty="0">
+              <a:rPr lang="en-US" sz="1000" dirty="0">
                 <a:solidFill>
                   <a:srgbClr val="268BD2"/>
                 </a:solidFill>
@@ -13690,7 +14717,7 @@
               <a:t>executions</a:t>
             </a:r>
             <a:r>
-              <a:rPr lang="en-US" sz="900" dirty="0">
+              <a:rPr lang="en-US" sz="1000" dirty="0">
                 <a:solidFill>
                   <a:srgbClr val="000000"/>
                 </a:solidFill>
@@ -13707,7 +14734,7 @@
               <a:buNone/>
             </a:pPr>
             <a:r>
-              <a:rPr lang="en-US" sz="900" dirty="0">
+              <a:rPr lang="en-US" sz="1000" dirty="0">
                 <a:solidFill>
                   <a:srgbClr val="000000"/>
                 </a:solidFill>
@@ -13716,7 +14743,7 @@
               <a:t>                 &lt;</a:t>
             </a:r>
             <a:r>
-              <a:rPr lang="en-US" sz="900" dirty="0">
+              <a:rPr lang="en-US" sz="1000" dirty="0">
                 <a:solidFill>
                   <a:srgbClr val="268BD2"/>
                 </a:solidFill>
@@ -13725,7 +14752,7 @@
               <a:t>execution</a:t>
             </a:r>
             <a:r>
-              <a:rPr lang="en-US" sz="900" dirty="0">
+              <a:rPr lang="en-US" sz="1000" dirty="0">
                 <a:solidFill>
                   <a:srgbClr val="000000"/>
                 </a:solidFill>
@@ -13742,7 +14769,7 @@
               <a:buNone/>
             </a:pPr>
             <a:r>
-              <a:rPr lang="en-US" sz="900" dirty="0">
+              <a:rPr lang="en-US" sz="1000" dirty="0">
                 <a:solidFill>
                   <a:srgbClr val="000000"/>
                 </a:solidFill>
@@ -13751,7 +14778,7 @@
               <a:t>                   &lt;</a:t>
             </a:r>
             <a:r>
-              <a:rPr lang="en-US" sz="900" dirty="0">
+              <a:rPr lang="en-US" sz="1000" dirty="0">
                 <a:solidFill>
                   <a:srgbClr val="268BD2"/>
                 </a:solidFill>
@@ -13760,7 +14787,7 @@
               <a:t>id</a:t>
             </a:r>
             <a:r>
-              <a:rPr lang="en-US" sz="900" dirty="0">
+              <a:rPr lang="en-US" sz="1000" dirty="0">
                 <a:solidFill>
                   <a:srgbClr val="000000"/>
                 </a:solidFill>
@@ -13769,7 +14796,7 @@
               <a:t>&gt;generate&lt;/</a:t>
             </a:r>
             <a:r>
-              <a:rPr lang="en-US" sz="900" dirty="0">
+              <a:rPr lang="en-US" sz="1000" dirty="0">
                 <a:solidFill>
                   <a:srgbClr val="268BD2"/>
                 </a:solidFill>
@@ -13778,7 +14805,7 @@
               <a:t>id</a:t>
             </a:r>
             <a:r>
-              <a:rPr lang="en-US" sz="900" dirty="0">
+              <a:rPr lang="en-US" sz="1000" dirty="0">
                 <a:solidFill>
                   <a:srgbClr val="000000"/>
                 </a:solidFill>
@@ -13795,7 +14822,7 @@
               <a:buNone/>
             </a:pPr>
             <a:r>
-              <a:rPr lang="en-US" sz="900" dirty="0">
+              <a:rPr lang="en-US" sz="1000" dirty="0">
                 <a:solidFill>
                   <a:srgbClr val="000000"/>
                 </a:solidFill>
@@ -13804,7 +14831,7 @@
               <a:t>                   &lt;</a:t>
             </a:r>
             <a:r>
-              <a:rPr lang="en-US" sz="900" dirty="0">
+              <a:rPr lang="en-US" sz="1000" dirty="0">
                 <a:solidFill>
                   <a:srgbClr val="268BD2"/>
                 </a:solidFill>
@@ -13813,7 +14840,7 @@
               <a:t>goals</a:t>
             </a:r>
             <a:r>
-              <a:rPr lang="en-US" sz="900" dirty="0">
+              <a:rPr lang="en-US" sz="1000" dirty="0">
                 <a:solidFill>
                   <a:srgbClr val="000000"/>
                 </a:solidFill>
@@ -13830,7 +14857,7 @@
               <a:buNone/>
             </a:pPr>
             <a:r>
-              <a:rPr lang="en-US" sz="900" dirty="0">
+              <a:rPr lang="en-US" sz="1000" dirty="0">
                 <a:solidFill>
                   <a:srgbClr val="000000"/>
                 </a:solidFill>
@@ -13839,7 +14866,7 @@
               <a:t>                     &lt;</a:t>
             </a:r>
             <a:r>
-              <a:rPr lang="en-US" sz="900" dirty="0">
+              <a:rPr lang="en-US" sz="1000" dirty="0">
                 <a:solidFill>
                   <a:srgbClr val="268BD2"/>
                 </a:solidFill>
@@ -13848,7 +14875,7 @@
               <a:t>goal</a:t>
             </a:r>
             <a:r>
-              <a:rPr lang="en-US" sz="900" dirty="0">
+              <a:rPr lang="en-US" sz="1000" dirty="0">
                 <a:solidFill>
                   <a:srgbClr val="000000"/>
                 </a:solidFill>
@@ -13857,7 +14884,7 @@
               <a:t>&gt;generate&lt;/</a:t>
             </a:r>
             <a:r>
-              <a:rPr lang="en-US" sz="900" dirty="0">
+              <a:rPr lang="en-US" sz="1000" dirty="0">
                 <a:solidFill>
                   <a:srgbClr val="268BD2"/>
                 </a:solidFill>
@@ -13866,7 +14893,7 @@
               <a:t>goal</a:t>
             </a:r>
             <a:r>
-              <a:rPr lang="en-US" sz="900" dirty="0">
+              <a:rPr lang="en-US" sz="1000" dirty="0">
                 <a:solidFill>
                   <a:srgbClr val="000000"/>
                 </a:solidFill>
@@ -13883,7 +14910,7 @@
               <a:buNone/>
             </a:pPr>
             <a:r>
-              <a:rPr lang="en-US" sz="900" dirty="0">
+              <a:rPr lang="en-US" sz="1000" dirty="0">
                 <a:solidFill>
                   <a:srgbClr val="000000"/>
                 </a:solidFill>
@@ -13892,7 +14919,7 @@
               <a:t>                   &lt;/</a:t>
             </a:r>
             <a:r>
-              <a:rPr lang="en-US" sz="900" dirty="0">
+              <a:rPr lang="en-US" sz="1000" dirty="0">
                 <a:solidFill>
                   <a:srgbClr val="268BD2"/>
                 </a:solidFill>
@@ -13901,7 +14928,7 @@
               <a:t>goals</a:t>
             </a:r>
             <a:r>
-              <a:rPr lang="en-US" sz="900" dirty="0">
+              <a:rPr lang="en-US" sz="1000" dirty="0">
                 <a:solidFill>
                   <a:srgbClr val="000000"/>
                 </a:solidFill>
@@ -13918,7 +14945,7 @@
               <a:buNone/>
             </a:pPr>
             <a:r>
-              <a:rPr lang="en-US" sz="900" dirty="0">
+              <a:rPr lang="en-US" sz="1000" dirty="0">
                 <a:solidFill>
                   <a:srgbClr val="000000"/>
                 </a:solidFill>
@@ -13927,7 +14954,7 @@
               <a:t>                 &lt;/</a:t>
             </a:r>
             <a:r>
-              <a:rPr lang="en-US" sz="900" dirty="0">
+              <a:rPr lang="en-US" sz="1000" dirty="0">
                 <a:solidFill>
                   <a:srgbClr val="268BD2"/>
                 </a:solidFill>
@@ -13936,7 +14963,7 @@
               <a:t>execution</a:t>
             </a:r>
             <a:r>
-              <a:rPr lang="en-US" sz="900" dirty="0">
+              <a:rPr lang="en-US" sz="1000" dirty="0">
                 <a:solidFill>
                   <a:srgbClr val="000000"/>
                 </a:solidFill>
@@ -13953,7 +14980,7 @@
               <a:buNone/>
             </a:pPr>
             <a:r>
-              <a:rPr lang="en-US" sz="900" dirty="0">
+              <a:rPr lang="en-US" sz="1000" dirty="0">
                 <a:solidFill>
                   <a:srgbClr val="000000"/>
                 </a:solidFill>
@@ -13962,7 +14989,7 @@
               <a:t>                 &lt;</a:t>
             </a:r>
             <a:r>
-              <a:rPr lang="en-US" sz="900" dirty="0">
+              <a:rPr lang="en-US" sz="1000" dirty="0">
                 <a:solidFill>
                   <a:srgbClr val="268BD2"/>
                 </a:solidFill>
@@ -13971,7 +14998,7 @@
               <a:t>execution</a:t>
             </a:r>
             <a:r>
-              <a:rPr lang="en-US" sz="900" dirty="0">
+              <a:rPr lang="en-US" sz="1000" dirty="0">
                 <a:solidFill>
                   <a:srgbClr val="000000"/>
                 </a:solidFill>
@@ -13988,7 +15015,7 @@
               <a:buNone/>
             </a:pPr>
             <a:r>
-              <a:rPr lang="en-US" sz="900" dirty="0">
+              <a:rPr lang="en-US" sz="1000" dirty="0">
                 <a:solidFill>
                   <a:srgbClr val="000000"/>
                 </a:solidFill>
@@ -13997,7 +15024,7 @@
               <a:t>                   &lt;</a:t>
             </a:r>
             <a:r>
-              <a:rPr lang="en-US" sz="900" dirty="0">
+              <a:rPr lang="en-US" sz="1000" dirty="0">
                 <a:solidFill>
                   <a:srgbClr val="268BD2"/>
                 </a:solidFill>
@@ -14006,7 +15033,7 @@
               <a:t>id</a:t>
             </a:r>
             <a:r>
-              <a:rPr lang="en-US" sz="900" dirty="0">
+              <a:rPr lang="en-US" sz="1000" dirty="0">
                 <a:solidFill>
                   <a:srgbClr val="000000"/>
                 </a:solidFill>
@@ -14015,7 +15042,7 @@
               <a:t>&gt;test-generate&lt;/</a:t>
             </a:r>
             <a:r>
-              <a:rPr lang="en-US" sz="900" dirty="0">
+              <a:rPr lang="en-US" sz="1000" dirty="0">
                 <a:solidFill>
                   <a:srgbClr val="268BD2"/>
                 </a:solidFill>
@@ -14024,7 +15051,7 @@
               <a:t>id</a:t>
             </a:r>
             <a:r>
-              <a:rPr lang="en-US" sz="900" dirty="0">
+              <a:rPr lang="en-US" sz="1000" dirty="0">
                 <a:solidFill>
                   <a:srgbClr val="000000"/>
                 </a:solidFill>
@@ -14041,7 +15068,7 @@
               <a:buNone/>
             </a:pPr>
             <a:r>
-              <a:rPr lang="en-US" sz="900" dirty="0">
+              <a:rPr lang="en-US" sz="1000" dirty="0">
                 <a:solidFill>
                   <a:srgbClr val="000000"/>
                 </a:solidFill>
@@ -14050,7 +15077,7 @@
               <a:t>                   &lt;</a:t>
             </a:r>
             <a:r>
-              <a:rPr lang="en-US" sz="900" dirty="0">
+              <a:rPr lang="en-US" sz="1000" dirty="0">
                 <a:solidFill>
                   <a:srgbClr val="268BD2"/>
                 </a:solidFill>
@@ -14059,7 +15086,7 @@
               <a:t>goals</a:t>
             </a:r>
             <a:r>
-              <a:rPr lang="en-US" sz="900" dirty="0">
+              <a:rPr lang="en-US" sz="1000" dirty="0">
                 <a:solidFill>
                   <a:srgbClr val="000000"/>
                 </a:solidFill>
@@ -14076,7 +15103,7 @@
               <a:buNone/>
             </a:pPr>
             <a:r>
-              <a:rPr lang="en-US" sz="900" dirty="0">
+              <a:rPr lang="en-US" sz="1000" dirty="0">
                 <a:solidFill>
                   <a:srgbClr val="000000"/>
                 </a:solidFill>
@@ -14085,7 +15112,7 @@
               <a:t>                     &lt;</a:t>
             </a:r>
             <a:r>
-              <a:rPr lang="en-US" sz="900" dirty="0">
+              <a:rPr lang="en-US" sz="1000" dirty="0">
                 <a:solidFill>
                   <a:srgbClr val="268BD2"/>
                 </a:solidFill>
@@ -14094,7 +15121,7 @@
               <a:t>goal</a:t>
             </a:r>
             <a:r>
-              <a:rPr lang="en-US" sz="900" dirty="0">
+              <a:rPr lang="en-US" sz="1000" dirty="0">
                 <a:solidFill>
                   <a:srgbClr val="000000"/>
                 </a:solidFill>
@@ -14103,7 +15130,7 @@
               <a:t>&gt;test-generate&lt;/</a:t>
             </a:r>
             <a:r>
-              <a:rPr lang="en-US" sz="900" dirty="0">
+              <a:rPr lang="en-US" sz="1000" dirty="0">
                 <a:solidFill>
                   <a:srgbClr val="268BD2"/>
                 </a:solidFill>
@@ -14112,7 +15139,7 @@
               <a:t>goal</a:t>
             </a:r>
             <a:r>
-              <a:rPr lang="en-US" sz="900" dirty="0">
+              <a:rPr lang="en-US" sz="1000" dirty="0">
                 <a:solidFill>
                   <a:srgbClr val="000000"/>
                 </a:solidFill>
@@ -14129,7 +15156,7 @@
               <a:buNone/>
             </a:pPr>
             <a:r>
-              <a:rPr lang="en-US" sz="900" dirty="0">
+              <a:rPr lang="en-US" sz="1000" dirty="0">
                 <a:solidFill>
                   <a:srgbClr val="000000"/>
                 </a:solidFill>
@@ -14138,7 +15165,7 @@
               <a:t>                   &lt;/</a:t>
             </a:r>
             <a:r>
-              <a:rPr lang="en-US" sz="900" dirty="0">
+              <a:rPr lang="en-US" sz="1000" dirty="0">
                 <a:solidFill>
                   <a:srgbClr val="268BD2"/>
                 </a:solidFill>
@@ -14147,7 +15174,7 @@
               <a:t>goals</a:t>
             </a:r>
             <a:r>
-              <a:rPr lang="en-US" sz="900" dirty="0">
+              <a:rPr lang="en-US" sz="1000" dirty="0">
                 <a:solidFill>
                   <a:srgbClr val="000000"/>
                 </a:solidFill>
@@ -14164,7 +15191,7 @@
               <a:buNone/>
             </a:pPr>
             <a:r>
-              <a:rPr lang="en-US" sz="900" dirty="0">
+              <a:rPr lang="en-US" sz="1000" dirty="0">
                 <a:solidFill>
                   <a:srgbClr val="000000"/>
                 </a:solidFill>
@@ -14173,7 +15200,7 @@
               <a:t>                 &lt;/</a:t>
             </a:r>
             <a:r>
-              <a:rPr lang="en-US" sz="900" dirty="0">
+              <a:rPr lang="en-US" sz="1000" dirty="0">
                 <a:solidFill>
                   <a:srgbClr val="268BD2"/>
                 </a:solidFill>
@@ -14182,7 +15209,7 @@
               <a:t>execution</a:t>
             </a:r>
             <a:r>
-              <a:rPr lang="en-US" sz="900" dirty="0">
+              <a:rPr lang="en-US" sz="1000" dirty="0">
                 <a:solidFill>
                   <a:srgbClr val="000000"/>
                 </a:solidFill>
@@ -14199,7 +15226,7 @@
               <a:buNone/>
             </a:pPr>
             <a:r>
-              <a:rPr lang="en-US" sz="900" dirty="0">
+              <a:rPr lang="en-US" sz="1000" dirty="0">
                 <a:solidFill>
                   <a:srgbClr val="000000"/>
                 </a:solidFill>
@@ -14208,7 +15235,7 @@
               <a:t>               &lt;/</a:t>
             </a:r>
             <a:r>
-              <a:rPr lang="en-US" sz="900" dirty="0">
+              <a:rPr lang="en-US" sz="1000" dirty="0">
                 <a:solidFill>
                   <a:srgbClr val="268BD2"/>
                 </a:solidFill>
@@ -14217,7 +15244,7 @@
               <a:t>executions</a:t>
             </a:r>
             <a:r>
-              <a:rPr lang="en-US" sz="900" dirty="0">
+              <a:rPr lang="en-US" sz="1000" dirty="0">
                 <a:solidFill>
                   <a:srgbClr val="000000"/>
                 </a:solidFill>
@@ -14234,7 +15261,7 @@
               <a:buNone/>
             </a:pPr>
             <a:r>
-              <a:rPr lang="en-US" sz="900" dirty="0">
+              <a:rPr lang="en-US" sz="1000" dirty="0">
                 <a:solidFill>
                   <a:srgbClr val="000000"/>
                 </a:solidFill>
@@ -14243,7 +15270,7 @@
               <a:t>           &lt;/</a:t>
             </a:r>
             <a:r>
-              <a:rPr lang="en-US" sz="900" dirty="0">
+              <a:rPr lang="en-US" sz="1000" dirty="0">
                 <a:solidFill>
                   <a:srgbClr val="268BD2"/>
                 </a:solidFill>
@@ -14252,7 +15279,7 @@
               <a:t>plugin</a:t>
             </a:r>
             <a:r>
-              <a:rPr lang="en-US" sz="900" dirty="0">
+              <a:rPr lang="en-US" sz="1000" dirty="0">
                 <a:solidFill>
                   <a:srgbClr val="000000"/>
                 </a:solidFill>
@@ -14260,7 +15287,7 @@
               </a:rPr>
               <a:t>&gt;</a:t>
             </a:r>
-            <a:endParaRPr lang="en-US" sz="900" dirty="0">
+            <a:endParaRPr lang="en-US" sz="1000" dirty="0">
               <a:latin typeface="Consolas" panose="020B0609020204030204" pitchFamily="49" charset="0"/>
             </a:endParaRPr>
           </a:p>
@@ -14271,7 +15298,7 @@
               </a:spcBef>
               <a:buNone/>
             </a:pPr>
-            <a:endParaRPr lang="en-US" sz="900" dirty="0">
+            <a:endParaRPr lang="en-US" sz="1000" dirty="0">
               <a:latin typeface="Consolas" panose="020B0609020204030204" pitchFamily="49" charset="0"/>
             </a:endParaRPr>
           </a:p>
@@ -14283,7 +15310,7 @@
               <a:buNone/>
             </a:pPr>
             <a:r>
-              <a:rPr lang="en-US" sz="900" dirty="0">
+              <a:rPr lang="en-US" sz="1000" dirty="0">
                 <a:solidFill>
                   <a:srgbClr val="000000"/>
                 </a:solidFill>
@@ -14291,174 +15318,6 @@
               </a:rPr>
               <a:t>           </a:t>
             </a:r>
-          </a:p>
-          <a:p>
-            <a:pPr marL="400050" lvl="1" indent="0">
-              <a:spcBef>
-                <a:spcPts val="0"/>
-              </a:spcBef>
-              <a:buNone/>
-            </a:pPr>
-            <a:endParaRPr lang="en-US" sz="900" dirty="0">
-              <a:solidFill>
-                <a:srgbClr val="000000"/>
-              </a:solidFill>
-              <a:latin typeface="Consolas" panose="020B0609020204030204" pitchFamily="49" charset="0"/>
-            </a:endParaRPr>
-          </a:p>
-          <a:p>
-            <a:pPr marL="400050" lvl="1" indent="0">
-              <a:spcBef>
-                <a:spcPts val="0"/>
-              </a:spcBef>
-              <a:buNone/>
-            </a:pPr>
-            <a:endParaRPr lang="en-US" sz="900" dirty="0">
-              <a:solidFill>
-                <a:srgbClr val="000000"/>
-              </a:solidFill>
-              <a:latin typeface="Consolas" panose="020B0609020204030204" pitchFamily="49" charset="0"/>
-            </a:endParaRPr>
-          </a:p>
-          <a:p>
-            <a:pPr marL="400050" lvl="1" indent="0">
-              <a:spcBef>
-                <a:spcPts val="0"/>
-              </a:spcBef>
-              <a:buNone/>
-            </a:pPr>
-            <a:endParaRPr lang="en-US" sz="900" dirty="0">
-              <a:solidFill>
-                <a:srgbClr val="000000"/>
-              </a:solidFill>
-              <a:latin typeface="Consolas" panose="020B0609020204030204" pitchFamily="49" charset="0"/>
-            </a:endParaRPr>
-          </a:p>
-          <a:p>
-            <a:pPr marL="400050" lvl="1" indent="0">
-              <a:spcBef>
-                <a:spcPts val="0"/>
-              </a:spcBef>
-              <a:buNone/>
-            </a:pPr>
-            <a:endParaRPr lang="en-US" sz="900" dirty="0">
-              <a:solidFill>
-                <a:srgbClr val="000000"/>
-              </a:solidFill>
-              <a:latin typeface="Consolas" panose="020B0609020204030204" pitchFamily="49" charset="0"/>
-            </a:endParaRPr>
-          </a:p>
-          <a:p>
-            <a:pPr marL="400050" lvl="1" indent="0">
-              <a:spcBef>
-                <a:spcPts val="0"/>
-              </a:spcBef>
-              <a:buNone/>
-            </a:pPr>
-            <a:endParaRPr lang="en-US" sz="900" dirty="0">
-              <a:solidFill>
-                <a:srgbClr val="000000"/>
-              </a:solidFill>
-              <a:latin typeface="Consolas" panose="020B0609020204030204" pitchFamily="49" charset="0"/>
-            </a:endParaRPr>
-          </a:p>
-          <a:p>
-            <a:pPr marL="400050" lvl="1" indent="0">
-              <a:spcBef>
-                <a:spcPts val="0"/>
-              </a:spcBef>
-              <a:buNone/>
-            </a:pPr>
-            <a:endParaRPr lang="en-US" sz="900" dirty="0">
-              <a:solidFill>
-                <a:srgbClr val="000000"/>
-              </a:solidFill>
-              <a:latin typeface="Consolas" panose="020B0609020204030204" pitchFamily="49" charset="0"/>
-            </a:endParaRPr>
-          </a:p>
-          <a:p>
-            <a:pPr marL="400050" lvl="1" indent="0">
-              <a:spcBef>
-                <a:spcPts val="0"/>
-              </a:spcBef>
-              <a:buNone/>
-            </a:pPr>
-            <a:endParaRPr lang="en-US" sz="900" dirty="0">
-              <a:solidFill>
-                <a:srgbClr val="000000"/>
-              </a:solidFill>
-              <a:latin typeface="Consolas" panose="020B0609020204030204" pitchFamily="49" charset="0"/>
-            </a:endParaRPr>
-          </a:p>
-          <a:p>
-            <a:pPr marL="400050" lvl="1" indent="0">
-              <a:spcBef>
-                <a:spcPts val="0"/>
-              </a:spcBef>
-              <a:buNone/>
-            </a:pPr>
-            <a:endParaRPr lang="en-US" sz="900" dirty="0">
-              <a:solidFill>
-                <a:srgbClr val="000000"/>
-              </a:solidFill>
-              <a:latin typeface="Consolas" panose="020B0609020204030204" pitchFamily="49" charset="0"/>
-            </a:endParaRPr>
-          </a:p>
-          <a:p>
-            <a:pPr marL="400050" lvl="1" indent="0">
-              <a:spcBef>
-                <a:spcPts val="0"/>
-              </a:spcBef>
-              <a:buNone/>
-            </a:pPr>
-            <a:endParaRPr lang="en-US" sz="900" dirty="0">
-              <a:solidFill>
-                <a:srgbClr val="000000"/>
-              </a:solidFill>
-              <a:latin typeface="Consolas" panose="020B0609020204030204" pitchFamily="49" charset="0"/>
-            </a:endParaRPr>
-          </a:p>
-          <a:p>
-            <a:pPr marL="400050" lvl="1" indent="0">
-              <a:spcBef>
-                <a:spcPts val="0"/>
-              </a:spcBef>
-              <a:buNone/>
-            </a:pPr>
-            <a:endParaRPr lang="en-US" sz="900" dirty="0">
-              <a:solidFill>
-                <a:srgbClr val="000000"/>
-              </a:solidFill>
-              <a:latin typeface="Consolas" panose="020B0609020204030204" pitchFamily="49" charset="0"/>
-            </a:endParaRPr>
-          </a:p>
-          <a:p>
-            <a:pPr marL="400050" lvl="1" indent="0">
-              <a:spcBef>
-                <a:spcPts val="0"/>
-              </a:spcBef>
-              <a:buNone/>
-            </a:pPr>
-            <a:endParaRPr lang="en-US" sz="900" dirty="0">
-              <a:solidFill>
-                <a:srgbClr val="000000"/>
-              </a:solidFill>
-              <a:latin typeface="Consolas" panose="020B0609020204030204" pitchFamily="49" charset="0"/>
-            </a:endParaRPr>
-          </a:p>
-          <a:p>
-            <a:pPr marL="400050" lvl="1" indent="0">
-              <a:spcBef>
-                <a:spcPts val="0"/>
-              </a:spcBef>
-              <a:buNone/>
-            </a:pPr>
-            <a:endParaRPr lang="en-US" sz="900" dirty="0">
-              <a:solidFill>
-                <a:srgbClr val="000000"/>
-              </a:solidFill>
-              <a:latin typeface="Consolas" panose="020B0609020204030204" pitchFamily="49" charset="0"/>
-            </a:endParaRPr>
           </a:p>
           <a:p>
             <a:pPr marL="400050" lvl="1" indent="0">
@@ -14481,42 +15340,12 @@
               </a:spcBef>
               <a:buNone/>
             </a:pPr>
-            <a:r>
-              <a:rPr lang="en-US" sz="1000" dirty="0">
-                <a:solidFill>
-                  <a:srgbClr val="000000"/>
-                </a:solidFill>
-                <a:latin typeface="Consolas" panose="020B0609020204030204" pitchFamily="49" charset="0"/>
-              </a:rPr>
-              <a:t>    </a:t>
-            </a:r>
-            <a:r>
-              <a:rPr lang="en-US" sz="900" dirty="0">
-                <a:solidFill>
-                  <a:srgbClr val="000000"/>
-                </a:solidFill>
-                <a:latin typeface="Consolas" panose="020B0609020204030204" pitchFamily="49" charset="0"/>
-              </a:rPr>
-              <a:t>&lt;</a:t>
-            </a:r>
-            <a:r>
-              <a:rPr lang="en-US" sz="900" dirty="0">
-                <a:solidFill>
-                  <a:srgbClr val="268BD2"/>
-                </a:solidFill>
-                <a:latin typeface="Consolas" panose="020B0609020204030204" pitchFamily="49" charset="0"/>
-              </a:rPr>
-              <a:t>plugin</a:t>
-            </a:r>
-            <a:r>
-              <a:rPr lang="en-US" sz="900" dirty="0">
-                <a:solidFill>
-                  <a:srgbClr val="000000"/>
-                </a:solidFill>
-                <a:latin typeface="Consolas" panose="020B0609020204030204" pitchFamily="49" charset="0"/>
-              </a:rPr>
-              <a:t>&gt;</a:t>
-            </a:r>
+            <a:endParaRPr lang="en-US" sz="1000" dirty="0">
+              <a:solidFill>
+                <a:srgbClr val="000000"/>
+              </a:solidFill>
+              <a:latin typeface="Consolas" panose="020B0609020204030204" pitchFamily="49" charset="0"/>
+            </a:endParaRPr>
           </a:p>
           <a:p>
             <a:pPr marL="400050" lvl="1" indent="0">
@@ -14525,69 +15354,12 @@
               </a:spcBef>
               <a:buNone/>
             </a:pPr>
-            <a:r>
-              <a:rPr lang="en-US" sz="900" dirty="0">
-                <a:solidFill>
-                  <a:srgbClr val="000000"/>
-                </a:solidFill>
-                <a:latin typeface="Consolas" panose="020B0609020204030204" pitchFamily="49" charset="0"/>
-              </a:rPr>
-              <a:t>      &lt;</a:t>
-            </a:r>
-            <a:r>
-              <a:rPr lang="en-US" sz="900" dirty="0" err="1">
-                <a:solidFill>
-                  <a:srgbClr val="268BD2"/>
-                </a:solidFill>
-                <a:latin typeface="Consolas" panose="020B0609020204030204" pitchFamily="49" charset="0"/>
-              </a:rPr>
-              <a:t>groupId</a:t>
-            </a:r>
-            <a:r>
-              <a:rPr lang="en-US" sz="900" dirty="0">
-                <a:solidFill>
-                  <a:srgbClr val="000000"/>
-                </a:solidFill>
-                <a:latin typeface="Consolas" panose="020B0609020204030204" pitchFamily="49" charset="0"/>
-              </a:rPr>
-              <a:t>&gt;</a:t>
-            </a:r>
-            <a:r>
-              <a:rPr lang="en-US" sz="900" dirty="0" err="1">
-                <a:solidFill>
-                  <a:srgbClr val="000000"/>
-                </a:solidFill>
-                <a:latin typeface="Consolas" panose="020B0609020204030204" pitchFamily="49" charset="0"/>
-              </a:rPr>
-              <a:t>org.springframework.boot</a:t>
-            </a:r>
-            <a:r>
-              <a:rPr lang="en-US" sz="900" dirty="0">
-                <a:solidFill>
-                  <a:srgbClr val="000000"/>
-                </a:solidFill>
-                <a:latin typeface="Consolas" panose="020B0609020204030204" pitchFamily="49" charset="0"/>
-              </a:rPr>
-              <a:t>&lt;/</a:t>
-            </a:r>
-            <a:r>
-              <a:rPr lang="en-US" sz="900" dirty="0" err="1">
-                <a:solidFill>
-                  <a:srgbClr val="268BD2"/>
-                </a:solidFill>
-                <a:latin typeface="Consolas" panose="020B0609020204030204" pitchFamily="49" charset="0"/>
-              </a:rPr>
-              <a:t>groupId</a:t>
-            </a:r>
-            <a:r>
-              <a:rPr lang="en-US" sz="900" dirty="0">
-                <a:solidFill>
-                  <a:srgbClr val="000000"/>
-                </a:solidFill>
-                <a:latin typeface="Consolas" panose="020B0609020204030204" pitchFamily="49" charset="0"/>
-              </a:rPr>
-              <a:t>&gt;</a:t>
-            </a:r>
+            <a:endParaRPr lang="en-US" sz="1000" dirty="0">
+              <a:solidFill>
+                <a:srgbClr val="000000"/>
+              </a:solidFill>
+              <a:latin typeface="Consolas" panose="020B0609020204030204" pitchFamily="49" charset="0"/>
+            </a:endParaRPr>
           </a:p>
           <a:p>
             <a:pPr marL="400050" lvl="1" indent="0">
@@ -14596,51 +15368,12 @@
               </a:spcBef>
               <a:buNone/>
             </a:pPr>
-            <a:r>
-              <a:rPr lang="en-US" sz="900" dirty="0">
-                <a:solidFill>
-                  <a:srgbClr val="000000"/>
-                </a:solidFill>
-                <a:latin typeface="Consolas" panose="020B0609020204030204" pitchFamily="49" charset="0"/>
-              </a:rPr>
-              <a:t>      &lt;</a:t>
-            </a:r>
-            <a:r>
-              <a:rPr lang="en-US" sz="900" dirty="0" err="1">
-                <a:solidFill>
-                  <a:srgbClr val="268BD2"/>
-                </a:solidFill>
-                <a:latin typeface="Consolas" panose="020B0609020204030204" pitchFamily="49" charset="0"/>
-              </a:rPr>
-              <a:t>artifactId</a:t>
-            </a:r>
-            <a:r>
-              <a:rPr lang="en-US" sz="900" dirty="0">
-                <a:solidFill>
-                  <a:srgbClr val="000000"/>
-                </a:solidFill>
-                <a:latin typeface="Consolas" panose="020B0609020204030204" pitchFamily="49" charset="0"/>
-              </a:rPr>
-              <a:t>&gt;spring-boot-maven-plugin&lt;/</a:t>
-            </a:r>
-            <a:r>
-              <a:rPr lang="en-US" sz="900" dirty="0" err="1">
-                <a:solidFill>
-                  <a:srgbClr val="268BD2"/>
-                </a:solidFill>
-                <a:latin typeface="Consolas" panose="020B0609020204030204" pitchFamily="49" charset="0"/>
-              </a:rPr>
-              <a:t>artifactId</a:t>
-            </a:r>
-            <a:r>
-              <a:rPr lang="en-US" sz="900" dirty="0">
-                <a:solidFill>
-                  <a:srgbClr val="000000"/>
-                </a:solidFill>
-                <a:latin typeface="Consolas" panose="020B0609020204030204" pitchFamily="49" charset="0"/>
-              </a:rPr>
-              <a:t>&gt;</a:t>
-            </a:r>
+            <a:endParaRPr lang="en-US" sz="1000" dirty="0">
+              <a:solidFill>
+                <a:srgbClr val="000000"/>
+              </a:solidFill>
+              <a:latin typeface="Consolas" panose="020B0609020204030204" pitchFamily="49" charset="0"/>
+            </a:endParaRPr>
           </a:p>
           <a:p>
             <a:pPr marL="400050" lvl="1" indent="0">
@@ -14649,33 +15382,12 @@
               </a:spcBef>
               <a:buNone/>
             </a:pPr>
-            <a:r>
-              <a:rPr lang="en-US" sz="900" dirty="0">
-                <a:solidFill>
-                  <a:srgbClr val="000000"/>
-                </a:solidFill>
-                <a:latin typeface="Consolas" panose="020B0609020204030204" pitchFamily="49" charset="0"/>
-              </a:rPr>
-              <a:t>      &lt;</a:t>
-            </a:r>
-            <a:r>
-              <a:rPr lang="en-US" sz="900" dirty="0">
-                <a:solidFill>
-                  <a:srgbClr val="268BD2"/>
-                </a:solidFill>
-                <a:latin typeface="Consolas" panose="020B0609020204030204" pitchFamily="49" charset="0"/>
-              </a:rPr>
-              <a:t>executions</a:t>
-            </a:r>
-            <a:r>
-              <a:rPr lang="en-US" sz="900" dirty="0">
-                <a:solidFill>
-                  <a:srgbClr val="000000"/>
-                </a:solidFill>
-                <a:latin typeface="Consolas" panose="020B0609020204030204" pitchFamily="49" charset="0"/>
-              </a:rPr>
-              <a:t>&gt;</a:t>
-            </a:r>
+            <a:endParaRPr lang="en-US" sz="1000" dirty="0">
+              <a:solidFill>
+                <a:srgbClr val="000000"/>
+              </a:solidFill>
+              <a:latin typeface="Consolas" panose="020B0609020204030204" pitchFamily="49" charset="0"/>
+            </a:endParaRPr>
           </a:p>
           <a:p>
             <a:pPr marL="400050" lvl="1" indent="0">
@@ -14684,33 +15396,12 @@
               </a:spcBef>
               <a:buNone/>
             </a:pPr>
-            <a:r>
-              <a:rPr lang="en-US" sz="900" dirty="0">
-                <a:solidFill>
-                  <a:srgbClr val="000000"/>
-                </a:solidFill>
-                <a:latin typeface="Consolas" panose="020B0609020204030204" pitchFamily="49" charset="0"/>
-              </a:rPr>
-              <a:t>        &lt;</a:t>
-            </a:r>
-            <a:r>
-              <a:rPr lang="en-US" sz="900" dirty="0">
-                <a:solidFill>
-                  <a:srgbClr val="268BD2"/>
-                </a:solidFill>
-                <a:latin typeface="Consolas" panose="020B0609020204030204" pitchFamily="49" charset="0"/>
-              </a:rPr>
-              <a:t>execution</a:t>
-            </a:r>
-            <a:r>
-              <a:rPr lang="en-US" sz="900" dirty="0">
-                <a:solidFill>
-                  <a:srgbClr val="000000"/>
-                </a:solidFill>
-                <a:latin typeface="Consolas" panose="020B0609020204030204" pitchFamily="49" charset="0"/>
-              </a:rPr>
-              <a:t>&gt;</a:t>
-            </a:r>
+            <a:endParaRPr lang="en-US" sz="1000" dirty="0">
+              <a:solidFill>
+                <a:srgbClr val="000000"/>
+              </a:solidFill>
+              <a:latin typeface="Consolas" panose="020B0609020204030204" pitchFamily="49" charset="0"/>
+            </a:endParaRPr>
           </a:p>
           <a:p>
             <a:pPr marL="400050" lvl="1" indent="0">
@@ -14719,33 +15410,12 @@
               </a:spcBef>
               <a:buNone/>
             </a:pPr>
-            <a:r>
-              <a:rPr lang="en-US" sz="900" dirty="0">
-                <a:solidFill>
-                  <a:srgbClr val="000000"/>
-                </a:solidFill>
-                <a:latin typeface="Consolas" panose="020B0609020204030204" pitchFamily="49" charset="0"/>
-              </a:rPr>
-              <a:t>          &lt;</a:t>
-            </a:r>
-            <a:r>
-              <a:rPr lang="en-US" sz="900" dirty="0">
-                <a:solidFill>
-                  <a:srgbClr val="268BD2"/>
-                </a:solidFill>
-                <a:latin typeface="Consolas" panose="020B0609020204030204" pitchFamily="49" charset="0"/>
-              </a:rPr>
-              <a:t>goals</a:t>
-            </a:r>
-            <a:r>
-              <a:rPr lang="en-US" sz="900" dirty="0">
-                <a:solidFill>
-                  <a:srgbClr val="000000"/>
-                </a:solidFill>
-                <a:latin typeface="Consolas" panose="020B0609020204030204" pitchFamily="49" charset="0"/>
-              </a:rPr>
-              <a:t>&gt;</a:t>
-            </a:r>
+            <a:endParaRPr lang="en-US" sz="1000" dirty="0">
+              <a:solidFill>
+                <a:srgbClr val="000000"/>
+              </a:solidFill>
+              <a:latin typeface="Consolas" panose="020B0609020204030204" pitchFamily="49" charset="0"/>
+            </a:endParaRPr>
           </a:p>
           <a:p>
             <a:pPr marL="400050" lvl="1" indent="0">
@@ -14754,51 +15424,12 @@
               </a:spcBef>
               <a:buNone/>
             </a:pPr>
-            <a:r>
-              <a:rPr lang="en-US" sz="900" dirty="0">
-                <a:solidFill>
-                  <a:srgbClr val="000000"/>
-                </a:solidFill>
-                <a:latin typeface="Consolas" panose="020B0609020204030204" pitchFamily="49" charset="0"/>
-              </a:rPr>
-              <a:t>            &lt;</a:t>
-            </a:r>
-            <a:r>
-              <a:rPr lang="en-US" sz="900" dirty="0">
-                <a:solidFill>
-                  <a:srgbClr val="268BD2"/>
-                </a:solidFill>
-                <a:latin typeface="Consolas" panose="020B0609020204030204" pitchFamily="49" charset="0"/>
-              </a:rPr>
-              <a:t>goal</a:t>
-            </a:r>
-            <a:r>
-              <a:rPr lang="en-US" sz="900" dirty="0">
-                <a:solidFill>
-                  <a:srgbClr val="000000"/>
-                </a:solidFill>
-                <a:latin typeface="Consolas" panose="020B0609020204030204" pitchFamily="49" charset="0"/>
-              </a:rPr>
-              <a:t>&gt;build-image&lt;/</a:t>
-            </a:r>
-            <a:r>
-              <a:rPr lang="en-US" sz="900" dirty="0">
-                <a:solidFill>
-                  <a:srgbClr val="268BD2"/>
-                </a:solidFill>
-                <a:latin typeface="Consolas" panose="020B0609020204030204" pitchFamily="49" charset="0"/>
-              </a:rPr>
-              <a:t>goal</a:t>
-            </a:r>
-            <a:r>
-              <a:rPr lang="en-US" sz="900" dirty="0">
-                <a:solidFill>
-                  <a:srgbClr val="000000"/>
-                </a:solidFill>
-                <a:latin typeface="Consolas" panose="020B0609020204030204" pitchFamily="49" charset="0"/>
-              </a:rPr>
-              <a:t>&gt;</a:t>
-            </a:r>
+            <a:endParaRPr lang="en-US" sz="1000" dirty="0">
+              <a:solidFill>
+                <a:srgbClr val="000000"/>
+              </a:solidFill>
+              <a:latin typeface="Consolas" panose="020B0609020204030204" pitchFamily="49" charset="0"/>
+            </a:endParaRPr>
           </a:p>
           <a:p>
             <a:pPr marL="400050" lvl="1" indent="0">
@@ -14807,33 +15438,12 @@
               </a:spcBef>
               <a:buNone/>
             </a:pPr>
-            <a:r>
-              <a:rPr lang="en-US" sz="900" dirty="0">
-                <a:solidFill>
-                  <a:srgbClr val="000000"/>
-                </a:solidFill>
-                <a:latin typeface="Consolas" panose="020B0609020204030204" pitchFamily="49" charset="0"/>
-              </a:rPr>
-              <a:t>          &lt;/</a:t>
-            </a:r>
-            <a:r>
-              <a:rPr lang="en-US" sz="900" dirty="0">
-                <a:solidFill>
-                  <a:srgbClr val="268BD2"/>
-                </a:solidFill>
-                <a:latin typeface="Consolas" panose="020B0609020204030204" pitchFamily="49" charset="0"/>
-              </a:rPr>
-              <a:t>goals</a:t>
-            </a:r>
-            <a:r>
-              <a:rPr lang="en-US" sz="900" dirty="0">
-                <a:solidFill>
-                  <a:srgbClr val="000000"/>
-                </a:solidFill>
-                <a:latin typeface="Consolas" panose="020B0609020204030204" pitchFamily="49" charset="0"/>
-              </a:rPr>
-              <a:t>&gt;</a:t>
-            </a:r>
+            <a:endParaRPr lang="en-US" sz="1000" dirty="0">
+              <a:solidFill>
+                <a:srgbClr val="000000"/>
+              </a:solidFill>
+              <a:latin typeface="Consolas" panose="020B0609020204030204" pitchFamily="49" charset="0"/>
+            </a:endParaRPr>
           </a:p>
           <a:p>
             <a:pPr marL="400050" lvl="1" indent="0">
@@ -14842,33 +15452,12 @@
               </a:spcBef>
               <a:buNone/>
             </a:pPr>
-            <a:r>
-              <a:rPr lang="en-US" sz="900" dirty="0">
-                <a:solidFill>
-                  <a:srgbClr val="000000"/>
-                </a:solidFill>
-                <a:latin typeface="Consolas" panose="020B0609020204030204" pitchFamily="49" charset="0"/>
-              </a:rPr>
-              <a:t>        &lt;/</a:t>
-            </a:r>
-            <a:r>
-              <a:rPr lang="en-US" sz="900" dirty="0">
-                <a:solidFill>
-                  <a:srgbClr val="268BD2"/>
-                </a:solidFill>
-                <a:latin typeface="Consolas" panose="020B0609020204030204" pitchFamily="49" charset="0"/>
-              </a:rPr>
-              <a:t>execution</a:t>
-            </a:r>
-            <a:r>
-              <a:rPr lang="en-US" sz="900" dirty="0">
-                <a:solidFill>
-                  <a:srgbClr val="000000"/>
-                </a:solidFill>
-                <a:latin typeface="Consolas" panose="020B0609020204030204" pitchFamily="49" charset="0"/>
-              </a:rPr>
-              <a:t>&gt;</a:t>
-            </a:r>
+            <a:endParaRPr lang="en-US" sz="1000" dirty="0">
+              <a:solidFill>
+                <a:srgbClr val="000000"/>
+              </a:solidFill>
+              <a:latin typeface="Consolas" panose="020B0609020204030204" pitchFamily="49" charset="0"/>
+            </a:endParaRPr>
           </a:p>
           <a:p>
             <a:pPr marL="400050" lvl="1" indent="0">
@@ -14877,33 +15466,12 @@
               </a:spcBef>
               <a:buNone/>
             </a:pPr>
-            <a:r>
-              <a:rPr lang="en-US" sz="900" dirty="0">
-                <a:solidFill>
-                  <a:srgbClr val="000000"/>
-                </a:solidFill>
-                <a:latin typeface="Consolas" panose="020B0609020204030204" pitchFamily="49" charset="0"/>
-              </a:rPr>
-              <a:t>      &lt;/</a:t>
-            </a:r>
-            <a:r>
-              <a:rPr lang="en-US" sz="900" dirty="0">
-                <a:solidFill>
-                  <a:srgbClr val="268BD2"/>
-                </a:solidFill>
-                <a:latin typeface="Consolas" panose="020B0609020204030204" pitchFamily="49" charset="0"/>
-              </a:rPr>
-              <a:t>executions</a:t>
-            </a:r>
-            <a:r>
-              <a:rPr lang="en-US" sz="900" dirty="0">
-                <a:solidFill>
-                  <a:srgbClr val="000000"/>
-                </a:solidFill>
-                <a:latin typeface="Consolas" panose="020B0609020204030204" pitchFamily="49" charset="0"/>
-              </a:rPr>
-              <a:t>&gt;</a:t>
-            </a:r>
+            <a:endParaRPr lang="en-US" sz="1000" dirty="0">
+              <a:solidFill>
+                <a:srgbClr val="000000"/>
+              </a:solidFill>
+              <a:latin typeface="Consolas" panose="020B0609020204030204" pitchFamily="49" charset="0"/>
+            </a:endParaRPr>
           </a:p>
           <a:p>
             <a:pPr marL="400050" lvl="1" indent="0">
@@ -14912,33 +15480,12 @@
               </a:spcBef>
               <a:buNone/>
             </a:pPr>
-            <a:r>
-              <a:rPr lang="en-US" sz="900" dirty="0">
-                <a:solidFill>
-                  <a:srgbClr val="000000"/>
-                </a:solidFill>
-                <a:latin typeface="Consolas" panose="020B0609020204030204" pitchFamily="49" charset="0"/>
-              </a:rPr>
-              <a:t>      &lt;</a:t>
-            </a:r>
-            <a:r>
-              <a:rPr lang="en-US" sz="900" dirty="0">
-                <a:solidFill>
-                  <a:srgbClr val="268BD2"/>
-                </a:solidFill>
-                <a:latin typeface="Consolas" panose="020B0609020204030204" pitchFamily="49" charset="0"/>
-              </a:rPr>
-              <a:t>configuration</a:t>
-            </a:r>
-            <a:r>
-              <a:rPr lang="en-US" sz="900" dirty="0">
-                <a:solidFill>
-                  <a:srgbClr val="000000"/>
-                </a:solidFill>
-                <a:latin typeface="Consolas" panose="020B0609020204030204" pitchFamily="49" charset="0"/>
-              </a:rPr>
-              <a:t>&gt;</a:t>
-            </a:r>
+            <a:endParaRPr lang="en-US" sz="1000" dirty="0">
+              <a:solidFill>
+                <a:srgbClr val="000000"/>
+              </a:solidFill>
+              <a:latin typeface="Consolas" panose="020B0609020204030204" pitchFamily="49" charset="0"/>
+            </a:endParaRPr>
           </a:p>
           <a:p>
             <a:pPr marL="400050" lvl="1" indent="0">
@@ -14947,33 +15494,12 @@
               </a:spcBef>
               <a:buNone/>
             </a:pPr>
-            <a:r>
-              <a:rPr lang="en-US" sz="900" dirty="0">
-                <a:solidFill>
-                  <a:srgbClr val="000000"/>
-                </a:solidFill>
-                <a:latin typeface="Consolas" panose="020B0609020204030204" pitchFamily="49" charset="0"/>
-              </a:rPr>
-              <a:t>        &lt;</a:t>
-            </a:r>
-            <a:r>
-              <a:rPr lang="en-US" sz="900" dirty="0">
-                <a:solidFill>
-                  <a:srgbClr val="268BD2"/>
-                </a:solidFill>
-                <a:latin typeface="Consolas" panose="020B0609020204030204" pitchFamily="49" charset="0"/>
-              </a:rPr>
-              <a:t>image</a:t>
-            </a:r>
-            <a:r>
-              <a:rPr lang="en-US" sz="900" dirty="0">
-                <a:solidFill>
-                  <a:srgbClr val="000000"/>
-                </a:solidFill>
-                <a:latin typeface="Consolas" panose="020B0609020204030204" pitchFamily="49" charset="0"/>
-              </a:rPr>
-              <a:t>&gt;</a:t>
-            </a:r>
+            <a:endParaRPr lang="en-US" sz="1000" dirty="0">
+              <a:solidFill>
+                <a:srgbClr val="000000"/>
+              </a:solidFill>
+              <a:latin typeface="Consolas" panose="020B0609020204030204" pitchFamily="49" charset="0"/>
+            </a:endParaRPr>
           </a:p>
           <a:p>
             <a:pPr marL="400050" lvl="1" indent="0">
@@ -14983,79 +15509,25 @@
               <a:buNone/>
             </a:pPr>
             <a:r>
-              <a:rPr lang="en-US" sz="900" dirty="0">
+              <a:rPr lang="en-US" sz="1000" dirty="0">
                 <a:solidFill>
                   <a:srgbClr val="000000"/>
                 </a:solidFill>
                 <a:latin typeface="Consolas" panose="020B0609020204030204" pitchFamily="49" charset="0"/>
               </a:rPr>
-              <a:t>          &lt;</a:t>
-            </a:r>
-            <a:r>
-              <a:rPr lang="en-US" sz="900" dirty="0">
+              <a:t>    &lt;</a:t>
+            </a:r>
+            <a:r>
+              <a:rPr lang="en-US" sz="1000" dirty="0">
                 <a:solidFill>
                   <a:srgbClr val="268BD2"/>
                 </a:solidFill>
                 <a:latin typeface="Consolas" panose="020B0609020204030204" pitchFamily="49" charset="0"/>
               </a:rPr>
-              <a:t>builder</a:t>
-            </a:r>
-            <a:r>
-              <a:rPr lang="en-US" sz="900" dirty="0">
-                <a:solidFill>
-                  <a:srgbClr val="000000"/>
-                </a:solidFill>
-                <a:latin typeface="Consolas" panose="020B0609020204030204" pitchFamily="49" charset="0"/>
-              </a:rPr>
-              <a:t>&gt;</a:t>
-            </a:r>
-            <a:r>
-              <a:rPr lang="en-US" sz="900" dirty="0" err="1">
-                <a:solidFill>
-                  <a:srgbClr val="000000"/>
-                </a:solidFill>
-                <a:latin typeface="Consolas" panose="020B0609020204030204" pitchFamily="49" charset="0"/>
-              </a:rPr>
-              <a:t>paketobuildpacks</a:t>
-            </a:r>
-            <a:r>
-              <a:rPr lang="en-US" sz="900" dirty="0">
-                <a:solidFill>
-                  <a:srgbClr val="000000"/>
-                </a:solidFill>
-                <a:latin typeface="Consolas" panose="020B0609020204030204" pitchFamily="49" charset="0"/>
-              </a:rPr>
-              <a:t>/</a:t>
-            </a:r>
-            <a:r>
-              <a:rPr lang="en-US" sz="900" dirty="0" err="1">
-                <a:solidFill>
-                  <a:srgbClr val="000000"/>
-                </a:solidFill>
-                <a:latin typeface="Consolas" panose="020B0609020204030204" pitchFamily="49" charset="0"/>
-              </a:rPr>
-              <a:t>builder:tiny</a:t>
-            </a:r>
-            <a:r>
-              <a:rPr lang="en-US" sz="900" dirty="0">
-                <a:solidFill>
-                  <a:srgbClr val="000000"/>
-                </a:solidFill>
-                <a:latin typeface="Consolas" panose="020B0609020204030204" pitchFamily="49" charset="0"/>
-              </a:rPr>
-              <a:t>&lt;/</a:t>
-            </a:r>
-            <a:r>
-              <a:rPr lang="en-US" sz="900" dirty="0">
-                <a:solidFill>
-                  <a:srgbClr val="268BD2"/>
-                </a:solidFill>
-                <a:latin typeface="Consolas" panose="020B0609020204030204" pitchFamily="49" charset="0"/>
-              </a:rPr>
-              <a:t>builder</a:t>
-            </a:r>
-            <a:r>
-              <a:rPr lang="en-US" sz="900" dirty="0">
+              <a:t>plugin</a:t>
+            </a:r>
+            <a:r>
+              <a:rPr lang="en-US" sz="1000" dirty="0">
                 <a:solidFill>
                   <a:srgbClr val="000000"/>
                 </a:solidFill>
@@ -15072,25 +15544,61 @@
               <a:buNone/>
             </a:pPr>
             <a:r>
-              <a:rPr lang="en-US" sz="900" dirty="0">
+              <a:rPr lang="en-US" sz="1000" dirty="0">
                 <a:solidFill>
                   <a:srgbClr val="000000"/>
                 </a:solidFill>
                 <a:latin typeface="Consolas" panose="020B0609020204030204" pitchFamily="49" charset="0"/>
               </a:rPr>
-              <a:t>          &lt;</a:t>
-            </a:r>
-            <a:r>
-              <a:rPr lang="en-US" sz="900" dirty="0">
+              <a:t>      &lt;</a:t>
+            </a:r>
+            <a:r>
+              <a:rPr lang="en-US" sz="1000" dirty="0" err="1">
                 <a:solidFill>
                   <a:srgbClr val="268BD2"/>
                 </a:solidFill>
                 <a:latin typeface="Consolas" panose="020B0609020204030204" pitchFamily="49" charset="0"/>
               </a:rPr>
-              <a:t>env</a:t>
-            </a:r>
-            <a:r>
-              <a:rPr lang="en-US" sz="900" dirty="0">
+              <a:t>groupId</a:t>
+            </a:r>
+            <a:r>
+              <a:rPr lang="en-US" sz="1000" dirty="0">
+                <a:solidFill>
+                  <a:srgbClr val="000000"/>
+                </a:solidFill>
+                <a:latin typeface="Consolas" panose="020B0609020204030204" pitchFamily="49" charset="0"/>
+              </a:rPr>
+              <a:t>&gt;</a:t>
+            </a:r>
+            <a:r>
+              <a:rPr lang="en-US" sz="1000" dirty="0" err="1">
+                <a:solidFill>
+                  <a:srgbClr val="000000"/>
+                </a:solidFill>
+                <a:latin typeface="Consolas" panose="020B0609020204030204" pitchFamily="49" charset="0"/>
+              </a:rPr>
+              <a:t>org.springframework.boot</a:t>
+            </a:r>
+            <a:r>
+              <a:rPr lang="en-US" sz="1000" dirty="0">
+                <a:solidFill>
+                  <a:srgbClr val="000000"/>
+                </a:solidFill>
+                <a:latin typeface="Consolas" panose="020B0609020204030204" pitchFamily="49" charset="0"/>
+              </a:rPr>
+              <a:t>&lt;/</a:t>
+            </a:r>
+            <a:r>
+              <a:rPr lang="en-US" sz="1000" dirty="0" err="1">
+                <a:solidFill>
+                  <a:srgbClr val="268BD2"/>
+                </a:solidFill>
+                <a:latin typeface="Consolas" panose="020B0609020204030204" pitchFamily="49" charset="0"/>
+              </a:rPr>
+              <a:t>groupId</a:t>
+            </a:r>
+            <a:r>
+              <a:rPr lang="en-US" sz="1000" dirty="0">
                 <a:solidFill>
                   <a:srgbClr val="000000"/>
                 </a:solidFill>
@@ -15107,43 +15615,43 @@
               <a:buNone/>
             </a:pPr>
             <a:r>
-              <a:rPr lang="en-US" sz="900" dirty="0">
+              <a:rPr lang="en-US" sz="1000" dirty="0">
                 <a:solidFill>
                   <a:srgbClr val="000000"/>
                 </a:solidFill>
                 <a:latin typeface="Consolas" panose="020B0609020204030204" pitchFamily="49" charset="0"/>
               </a:rPr>
-              <a:t>            &lt;</a:t>
-            </a:r>
-            <a:r>
-              <a:rPr lang="en-US" sz="900" dirty="0">
+              <a:t>      &lt;</a:t>
+            </a:r>
+            <a:r>
+              <a:rPr lang="en-US" sz="1000" dirty="0" err="1">
                 <a:solidFill>
                   <a:srgbClr val="268BD2"/>
                 </a:solidFill>
                 <a:latin typeface="Consolas" panose="020B0609020204030204" pitchFamily="49" charset="0"/>
               </a:rPr>
-              <a:t>BP_NATIVE_IMAGE</a:t>
-            </a:r>
-            <a:r>
-              <a:rPr lang="en-US" sz="900" dirty="0">
+              <a:t>artifactId</a:t>
+            </a:r>
+            <a:r>
+              <a:rPr lang="en-US" sz="1000" dirty="0">
                 <a:solidFill>
                   <a:srgbClr val="000000"/>
                 </a:solidFill>
                 <a:latin typeface="Consolas" panose="020B0609020204030204" pitchFamily="49" charset="0"/>
               </a:rPr>
-              <a:t>&gt;true&lt;/</a:t>
-            </a:r>
-            <a:r>
-              <a:rPr lang="en-US" sz="900" dirty="0">
+              <a:t>&gt;spring-boot-maven-plugin&lt;/</a:t>
+            </a:r>
+            <a:r>
+              <a:rPr lang="en-US" sz="1000" dirty="0" err="1">
                 <a:solidFill>
                   <a:srgbClr val="268BD2"/>
                 </a:solidFill>
                 <a:latin typeface="Consolas" panose="020B0609020204030204" pitchFamily="49" charset="0"/>
               </a:rPr>
-              <a:t>BP_NATIVE_IMAGE</a:t>
-            </a:r>
-            <a:r>
-              <a:rPr lang="en-US" sz="900" dirty="0">
+              <a:t>artifactId</a:t>
+            </a:r>
+            <a:r>
+              <a:rPr lang="en-US" sz="1000" dirty="0">
                 <a:solidFill>
                   <a:srgbClr val="000000"/>
                 </a:solidFill>
@@ -15160,25 +15668,25 @@
               <a:buNone/>
             </a:pPr>
             <a:r>
-              <a:rPr lang="en-US" sz="900" dirty="0">
+              <a:rPr lang="en-US" sz="1000" dirty="0">
                 <a:solidFill>
                   <a:srgbClr val="000000"/>
                 </a:solidFill>
                 <a:latin typeface="Consolas" panose="020B0609020204030204" pitchFamily="49" charset="0"/>
               </a:rPr>
-              <a:t>          &lt;/</a:t>
-            </a:r>
-            <a:r>
-              <a:rPr lang="en-US" sz="900" dirty="0">
+              <a:t>      &lt;</a:t>
+            </a:r>
+            <a:r>
+              <a:rPr lang="en-US" sz="1000" dirty="0">
                 <a:solidFill>
                   <a:srgbClr val="268BD2"/>
                 </a:solidFill>
                 <a:latin typeface="Consolas" panose="020B0609020204030204" pitchFamily="49" charset="0"/>
               </a:rPr>
-              <a:t>env</a:t>
-            </a:r>
-            <a:r>
-              <a:rPr lang="en-US" sz="900" dirty="0">
+              <a:t>executions</a:t>
+            </a:r>
+            <a:r>
+              <a:rPr lang="en-US" sz="1000" dirty="0">
                 <a:solidFill>
                   <a:srgbClr val="000000"/>
                 </a:solidFill>
@@ -15195,43 +15703,25 @@
               <a:buNone/>
             </a:pPr>
             <a:r>
-              <a:rPr lang="en-US" sz="900" dirty="0">
+              <a:rPr lang="en-US" sz="1000" dirty="0">
                 <a:solidFill>
                   <a:srgbClr val="000000"/>
                 </a:solidFill>
                 <a:latin typeface="Consolas" panose="020B0609020204030204" pitchFamily="49" charset="0"/>
               </a:rPr>
-              <a:t>          &lt;</a:t>
-            </a:r>
-            <a:r>
-              <a:rPr lang="en-US" sz="900" dirty="0">
+              <a:t>        &lt;</a:t>
+            </a:r>
+            <a:r>
+              <a:rPr lang="en-US" sz="1000" dirty="0">
                 <a:solidFill>
                   <a:srgbClr val="268BD2"/>
                 </a:solidFill>
                 <a:latin typeface="Consolas" panose="020B0609020204030204" pitchFamily="49" charset="0"/>
               </a:rPr>
-              <a:t>name</a:t>
-            </a:r>
-            <a:r>
-              <a:rPr lang="en-US" sz="900" dirty="0">
-                <a:solidFill>
-                  <a:srgbClr val="000000"/>
-                </a:solidFill>
-                <a:latin typeface="Consolas" panose="020B0609020204030204" pitchFamily="49" charset="0"/>
-              </a:rPr>
-              <a:t>&gt;${NATIVE_IMAGE_NAME}&lt;/</a:t>
-            </a:r>
-            <a:r>
-              <a:rPr lang="en-US" sz="900" dirty="0">
-                <a:solidFill>
-                  <a:srgbClr val="268BD2"/>
-                </a:solidFill>
-                <a:latin typeface="Consolas" panose="020B0609020204030204" pitchFamily="49" charset="0"/>
-              </a:rPr>
-              <a:t>name</a:t>
-            </a:r>
-            <a:r>
-              <a:rPr lang="en-US" sz="900" dirty="0">
+              <a:t>execution</a:t>
+            </a:r>
+            <a:r>
+              <a:rPr lang="en-US" sz="1000" dirty="0">
                 <a:solidFill>
                   <a:srgbClr val="000000"/>
                 </a:solidFill>
@@ -15248,25 +15738,25 @@
               <a:buNone/>
             </a:pPr>
             <a:r>
-              <a:rPr lang="en-US" sz="900" dirty="0">
+              <a:rPr lang="en-US" sz="1000" dirty="0">
                 <a:solidFill>
                   <a:srgbClr val="000000"/>
                 </a:solidFill>
                 <a:latin typeface="Consolas" panose="020B0609020204030204" pitchFamily="49" charset="0"/>
               </a:rPr>
-              <a:t>        &lt;/</a:t>
-            </a:r>
-            <a:r>
-              <a:rPr lang="en-US" sz="900" dirty="0">
+              <a:t>          &lt;</a:t>
+            </a:r>
+            <a:r>
+              <a:rPr lang="en-US" sz="1000" dirty="0">
                 <a:solidFill>
                   <a:srgbClr val="268BD2"/>
                 </a:solidFill>
                 <a:latin typeface="Consolas" panose="020B0609020204030204" pitchFamily="49" charset="0"/>
               </a:rPr>
-              <a:t>image</a:t>
-            </a:r>
-            <a:r>
-              <a:rPr lang="en-US" sz="900" dirty="0">
+              <a:t>goals</a:t>
+            </a:r>
+            <a:r>
+              <a:rPr lang="en-US" sz="1000" dirty="0">
                 <a:solidFill>
                   <a:srgbClr val="000000"/>
                 </a:solidFill>
@@ -15274,9 +15764,6 @@
               </a:rPr>
               <a:t>&gt;</a:t>
             </a:r>
-            <a:endParaRPr lang="en-US" sz="900" dirty="0">
-              <a:latin typeface="Consolas" panose="020B0609020204030204" pitchFamily="49" charset="0"/>
-            </a:endParaRPr>
           </a:p>
           <a:p>
             <a:pPr marL="400050" lvl="1" indent="0">
@@ -15286,25 +15773,43 @@
               <a:buNone/>
             </a:pPr>
             <a:r>
-              <a:rPr lang="en-US" sz="900" dirty="0">
+              <a:rPr lang="en-US" sz="1000" dirty="0">
                 <a:solidFill>
                   <a:srgbClr val="000000"/>
                 </a:solidFill>
                 <a:latin typeface="Consolas" panose="020B0609020204030204" pitchFamily="49" charset="0"/>
               </a:rPr>
-              <a:t>      &lt;/</a:t>
-            </a:r>
-            <a:r>
-              <a:rPr lang="en-US" sz="900" dirty="0">
+              <a:t>            &lt;</a:t>
+            </a:r>
+            <a:r>
+              <a:rPr lang="en-US" sz="1000" dirty="0">
                 <a:solidFill>
                   <a:srgbClr val="268BD2"/>
                 </a:solidFill>
                 <a:latin typeface="Consolas" panose="020B0609020204030204" pitchFamily="49" charset="0"/>
               </a:rPr>
-              <a:t>configuration</a:t>
-            </a:r>
-            <a:r>
-              <a:rPr lang="en-US" sz="900" dirty="0">
+              <a:t>goal</a:t>
+            </a:r>
+            <a:r>
+              <a:rPr lang="en-US" sz="1000" dirty="0">
+                <a:solidFill>
+                  <a:srgbClr val="000000"/>
+                </a:solidFill>
+                <a:latin typeface="Consolas" panose="020B0609020204030204" pitchFamily="49" charset="0"/>
+              </a:rPr>
+              <a:t>&gt;build-image&lt;/</a:t>
+            </a:r>
+            <a:r>
+              <a:rPr lang="en-US" sz="1000" dirty="0">
+                <a:solidFill>
+                  <a:srgbClr val="268BD2"/>
+                </a:solidFill>
+                <a:latin typeface="Consolas" panose="020B0609020204030204" pitchFamily="49" charset="0"/>
+              </a:rPr>
+              <a:t>goal</a:t>
+            </a:r>
+            <a:r>
+              <a:rPr lang="en-US" sz="1000" dirty="0">
                 <a:solidFill>
                   <a:srgbClr val="000000"/>
                 </a:solidFill>
@@ -15321,25 +15826,25 @@
               <a:buNone/>
             </a:pPr>
             <a:r>
-              <a:rPr lang="en-US" sz="900" dirty="0">
+              <a:rPr lang="en-US" sz="1000" dirty="0">
                 <a:solidFill>
                   <a:srgbClr val="000000"/>
                 </a:solidFill>
                 <a:latin typeface="Consolas" panose="020B0609020204030204" pitchFamily="49" charset="0"/>
               </a:rPr>
-              <a:t>    &lt;/</a:t>
-            </a:r>
-            <a:r>
-              <a:rPr lang="en-US" sz="900" dirty="0">
+              <a:t>          &lt;/</a:t>
+            </a:r>
+            <a:r>
+              <a:rPr lang="en-US" sz="1000" dirty="0">
                 <a:solidFill>
                   <a:srgbClr val="268BD2"/>
                 </a:solidFill>
                 <a:latin typeface="Consolas" panose="020B0609020204030204" pitchFamily="49" charset="0"/>
               </a:rPr>
-              <a:t>plugin</a:t>
-            </a:r>
-            <a:r>
-              <a:rPr lang="en-US" sz="900" dirty="0">
+              <a:t>goals</a:t>
+            </a:r>
+            <a:r>
+              <a:rPr lang="en-US" sz="1000" dirty="0">
                 <a:solidFill>
                   <a:srgbClr val="000000"/>
                 </a:solidFill>
@@ -15356,25 +15861,25 @@
               <a:buNone/>
             </a:pPr>
             <a:r>
-              <a:rPr lang="en-US" sz="900" dirty="0">
+              <a:rPr lang="en-US" sz="1000" dirty="0">
                 <a:solidFill>
                   <a:srgbClr val="000000"/>
                 </a:solidFill>
                 <a:latin typeface="Consolas" panose="020B0609020204030204" pitchFamily="49" charset="0"/>
               </a:rPr>
-              <a:t>  &lt;/</a:t>
-            </a:r>
-            <a:r>
-              <a:rPr lang="en-US" sz="900" dirty="0">
+              <a:t>        &lt;/</a:t>
+            </a:r>
+            <a:r>
+              <a:rPr lang="en-US" sz="1000" dirty="0">
                 <a:solidFill>
                   <a:srgbClr val="268BD2"/>
                 </a:solidFill>
                 <a:latin typeface="Consolas" panose="020B0609020204030204" pitchFamily="49" charset="0"/>
               </a:rPr>
-              <a:t>plugins</a:t>
-            </a:r>
-            <a:r>
-              <a:rPr lang="en-US" sz="900" dirty="0">
+              <a:t>execution</a:t>
+            </a:r>
+            <a:r>
+              <a:rPr lang="en-US" sz="1000" dirty="0">
                 <a:solidFill>
                   <a:srgbClr val="000000"/>
                 </a:solidFill>
@@ -15391,25 +15896,538 @@
               <a:buNone/>
             </a:pPr>
             <a:r>
-              <a:rPr lang="en-US" sz="900" dirty="0">
+              <a:rPr lang="en-US" sz="1000" dirty="0">
                 <a:solidFill>
                   <a:srgbClr val="000000"/>
                 </a:solidFill>
                 <a:latin typeface="Consolas" panose="020B0609020204030204" pitchFamily="49" charset="0"/>
               </a:rPr>
+              <a:t>      &lt;/</a:t>
+            </a:r>
+            <a:r>
+              <a:rPr lang="en-US" sz="1000" dirty="0">
+                <a:solidFill>
+                  <a:srgbClr val="268BD2"/>
+                </a:solidFill>
+                <a:latin typeface="Consolas" panose="020B0609020204030204" pitchFamily="49" charset="0"/>
+              </a:rPr>
+              <a:t>executions</a:t>
+            </a:r>
+            <a:r>
+              <a:rPr lang="en-US" sz="1000" dirty="0">
+                <a:solidFill>
+                  <a:srgbClr val="000000"/>
+                </a:solidFill>
+                <a:latin typeface="Consolas" panose="020B0609020204030204" pitchFamily="49" charset="0"/>
+              </a:rPr>
+              <a:t>&gt;</a:t>
+            </a:r>
+          </a:p>
+          <a:p>
+            <a:pPr marL="400050" lvl="1" indent="0">
+              <a:spcBef>
+                <a:spcPts val="0"/>
+              </a:spcBef>
+              <a:buNone/>
+            </a:pPr>
+            <a:r>
+              <a:rPr lang="en-US" sz="1000" dirty="0">
+                <a:solidFill>
+                  <a:srgbClr val="000000"/>
+                </a:solidFill>
+                <a:latin typeface="Consolas" panose="020B0609020204030204" pitchFamily="49" charset="0"/>
+              </a:rPr>
+              <a:t>      &lt;</a:t>
+            </a:r>
+            <a:r>
+              <a:rPr lang="en-US" sz="1000" dirty="0">
+                <a:solidFill>
+                  <a:srgbClr val="268BD2"/>
+                </a:solidFill>
+                <a:latin typeface="Consolas" panose="020B0609020204030204" pitchFamily="49" charset="0"/>
+              </a:rPr>
+              <a:t>configuration</a:t>
+            </a:r>
+            <a:r>
+              <a:rPr lang="en-US" sz="1000" dirty="0">
+                <a:solidFill>
+                  <a:srgbClr val="000000"/>
+                </a:solidFill>
+                <a:latin typeface="Consolas" panose="020B0609020204030204" pitchFamily="49" charset="0"/>
+              </a:rPr>
+              <a:t>&gt;</a:t>
+            </a:r>
+          </a:p>
+          <a:p>
+            <a:pPr marL="400050" lvl="1" indent="0">
+              <a:spcBef>
+                <a:spcPts val="0"/>
+              </a:spcBef>
+              <a:buNone/>
+            </a:pPr>
+            <a:r>
+              <a:rPr lang="en-US" sz="1000" dirty="0">
+                <a:solidFill>
+                  <a:srgbClr val="000000"/>
+                </a:solidFill>
+                <a:latin typeface="Consolas" panose="020B0609020204030204" pitchFamily="49" charset="0"/>
+              </a:rPr>
+              <a:t>        &lt;</a:t>
+            </a:r>
+            <a:r>
+              <a:rPr lang="en-US" sz="1000" dirty="0">
+                <a:solidFill>
+                  <a:srgbClr val="268BD2"/>
+                </a:solidFill>
+                <a:latin typeface="Consolas" panose="020B0609020204030204" pitchFamily="49" charset="0"/>
+              </a:rPr>
+              <a:t>image</a:t>
+            </a:r>
+            <a:r>
+              <a:rPr lang="en-US" sz="1000" dirty="0">
+                <a:solidFill>
+                  <a:srgbClr val="000000"/>
+                </a:solidFill>
+                <a:latin typeface="Consolas" panose="020B0609020204030204" pitchFamily="49" charset="0"/>
+              </a:rPr>
+              <a:t>&gt;</a:t>
+            </a:r>
+          </a:p>
+          <a:p>
+            <a:pPr marL="400050" lvl="1" indent="0">
+              <a:spcBef>
+                <a:spcPts val="0"/>
+              </a:spcBef>
+              <a:buNone/>
+            </a:pPr>
+            <a:r>
+              <a:rPr lang="en-US" sz="1000" dirty="0">
+                <a:solidFill>
+                  <a:srgbClr val="000000"/>
+                </a:solidFill>
+                <a:latin typeface="Consolas" panose="020B0609020204030204" pitchFamily="49" charset="0"/>
+              </a:rPr>
+              <a:t>          &lt;</a:t>
+            </a:r>
+            <a:r>
+              <a:rPr lang="en-US" sz="1000" dirty="0">
+                <a:solidFill>
+                  <a:srgbClr val="268BD2"/>
+                </a:solidFill>
+                <a:latin typeface="Consolas" panose="020B0609020204030204" pitchFamily="49" charset="0"/>
+              </a:rPr>
+              <a:t>builder</a:t>
+            </a:r>
+            <a:r>
+              <a:rPr lang="en-US" sz="1000" dirty="0">
+                <a:solidFill>
+                  <a:srgbClr val="000000"/>
+                </a:solidFill>
+                <a:latin typeface="Consolas" panose="020B0609020204030204" pitchFamily="49" charset="0"/>
+              </a:rPr>
+              <a:t>&gt;</a:t>
+            </a:r>
+            <a:r>
+              <a:rPr lang="en-US" sz="1000" dirty="0" err="1">
+                <a:solidFill>
+                  <a:srgbClr val="000000"/>
+                </a:solidFill>
+                <a:latin typeface="Consolas" panose="020B0609020204030204" pitchFamily="49" charset="0"/>
+              </a:rPr>
+              <a:t>paketobuildpacks</a:t>
+            </a:r>
+            <a:r>
+              <a:rPr lang="en-US" sz="1000" dirty="0">
+                <a:solidFill>
+                  <a:srgbClr val="000000"/>
+                </a:solidFill>
+                <a:latin typeface="Consolas" panose="020B0609020204030204" pitchFamily="49" charset="0"/>
+              </a:rPr>
+              <a:t>/</a:t>
+            </a:r>
+            <a:r>
+              <a:rPr lang="en-US" sz="1000" dirty="0" err="1">
+                <a:solidFill>
+                  <a:srgbClr val="000000"/>
+                </a:solidFill>
+                <a:latin typeface="Consolas" panose="020B0609020204030204" pitchFamily="49" charset="0"/>
+              </a:rPr>
+              <a:t>builder:tiny</a:t>
+            </a:r>
+            <a:r>
+              <a:rPr lang="en-US" sz="1000" dirty="0">
+                <a:solidFill>
+                  <a:srgbClr val="000000"/>
+                </a:solidFill>
+                <a:latin typeface="Consolas" panose="020B0609020204030204" pitchFamily="49" charset="0"/>
+              </a:rPr>
               <a:t>&lt;/</a:t>
             </a:r>
             <a:r>
-              <a:rPr lang="en-US" sz="900" dirty="0">
+              <a:rPr lang="en-US" sz="1000" dirty="0">
                 <a:solidFill>
                   <a:srgbClr val="268BD2"/>
                 </a:solidFill>
                 <a:latin typeface="Consolas" panose="020B0609020204030204" pitchFamily="49" charset="0"/>
               </a:rPr>
+              <a:t>builder</a:t>
+            </a:r>
+            <a:r>
+              <a:rPr lang="en-US" sz="1000" dirty="0">
+                <a:solidFill>
+                  <a:srgbClr val="000000"/>
+                </a:solidFill>
+                <a:latin typeface="Consolas" panose="020B0609020204030204" pitchFamily="49" charset="0"/>
+              </a:rPr>
+              <a:t>&gt;</a:t>
+            </a:r>
+          </a:p>
+          <a:p>
+            <a:pPr marL="400050" lvl="1" indent="0">
+              <a:spcBef>
+                <a:spcPts val="0"/>
+              </a:spcBef>
+              <a:buNone/>
+            </a:pPr>
+            <a:r>
+              <a:rPr lang="en-US" sz="1000" dirty="0">
+                <a:solidFill>
+                  <a:srgbClr val="000000"/>
+                </a:solidFill>
+                <a:latin typeface="Consolas" panose="020B0609020204030204" pitchFamily="49" charset="0"/>
+              </a:rPr>
+              <a:t>          &lt;</a:t>
+            </a:r>
+            <a:r>
+              <a:rPr lang="en-US" sz="1000" dirty="0">
+                <a:solidFill>
+                  <a:srgbClr val="268BD2"/>
+                </a:solidFill>
+                <a:latin typeface="Consolas" panose="020B0609020204030204" pitchFamily="49" charset="0"/>
+              </a:rPr>
+              <a:t>env</a:t>
+            </a:r>
+            <a:r>
+              <a:rPr lang="en-US" sz="1000" dirty="0">
+                <a:solidFill>
+                  <a:srgbClr val="000000"/>
+                </a:solidFill>
+                <a:latin typeface="Consolas" panose="020B0609020204030204" pitchFamily="49" charset="0"/>
+              </a:rPr>
+              <a:t>&gt;</a:t>
+            </a:r>
+          </a:p>
+          <a:p>
+            <a:pPr marL="400050" lvl="1" indent="0">
+              <a:spcBef>
+                <a:spcPts val="0"/>
+              </a:spcBef>
+              <a:buNone/>
+            </a:pPr>
+            <a:r>
+              <a:rPr lang="en-US" sz="1000" dirty="0">
+                <a:solidFill>
+                  <a:srgbClr val="000000"/>
+                </a:solidFill>
+                <a:latin typeface="Consolas" panose="020B0609020204030204" pitchFamily="49" charset="0"/>
+              </a:rPr>
+              <a:t>            &lt;</a:t>
+            </a:r>
+            <a:r>
+              <a:rPr lang="en-US" sz="1000" dirty="0">
+                <a:solidFill>
+                  <a:srgbClr val="268BD2"/>
+                </a:solidFill>
+                <a:latin typeface="Consolas" panose="020B0609020204030204" pitchFamily="49" charset="0"/>
+              </a:rPr>
+              <a:t>BP_NATIVE_IMAGE</a:t>
+            </a:r>
+            <a:r>
+              <a:rPr lang="en-US" sz="1000" dirty="0">
+                <a:solidFill>
+                  <a:srgbClr val="000000"/>
+                </a:solidFill>
+                <a:latin typeface="Consolas" panose="020B0609020204030204" pitchFamily="49" charset="0"/>
+              </a:rPr>
+              <a:t>&gt;true&lt;/</a:t>
+            </a:r>
+            <a:r>
+              <a:rPr lang="en-US" sz="1000" dirty="0">
+                <a:solidFill>
+                  <a:srgbClr val="268BD2"/>
+                </a:solidFill>
+                <a:latin typeface="Consolas" panose="020B0609020204030204" pitchFamily="49" charset="0"/>
+              </a:rPr>
+              <a:t>BP_NATIVE_IMAGE</a:t>
+            </a:r>
+            <a:r>
+              <a:rPr lang="en-US" sz="1000" dirty="0">
+                <a:solidFill>
+                  <a:srgbClr val="000000"/>
+                </a:solidFill>
+                <a:latin typeface="Consolas" panose="020B0609020204030204" pitchFamily="49" charset="0"/>
+              </a:rPr>
+              <a:t>&gt;</a:t>
+            </a:r>
+          </a:p>
+          <a:p>
+            <a:pPr marL="400050" lvl="1" indent="0">
+              <a:spcBef>
+                <a:spcPts val="0"/>
+              </a:spcBef>
+              <a:buNone/>
+            </a:pPr>
+            <a:r>
+              <a:rPr lang="en-US" sz="1000" dirty="0">
+                <a:solidFill>
+                  <a:srgbClr val="000000"/>
+                </a:solidFill>
+                <a:latin typeface="Consolas" panose="020B0609020204030204" pitchFamily="49" charset="0"/>
+              </a:rPr>
+              <a:t>          &lt;/</a:t>
+            </a:r>
+            <a:r>
+              <a:rPr lang="en-US" sz="1000" dirty="0">
+                <a:solidFill>
+                  <a:srgbClr val="268BD2"/>
+                </a:solidFill>
+                <a:latin typeface="Consolas" panose="020B0609020204030204" pitchFamily="49" charset="0"/>
+              </a:rPr>
+              <a:t>env</a:t>
+            </a:r>
+            <a:r>
+              <a:rPr lang="en-US" sz="1000" dirty="0">
+                <a:solidFill>
+                  <a:srgbClr val="000000"/>
+                </a:solidFill>
+                <a:latin typeface="Consolas" panose="020B0609020204030204" pitchFamily="49" charset="0"/>
+              </a:rPr>
+              <a:t>&gt;</a:t>
+            </a:r>
+          </a:p>
+          <a:p>
+            <a:pPr marL="400050" lvl="1" indent="0">
+              <a:spcBef>
+                <a:spcPts val="0"/>
+              </a:spcBef>
+              <a:buNone/>
+            </a:pPr>
+            <a:r>
+              <a:rPr lang="en-US" sz="1000" dirty="0">
+                <a:solidFill>
+                  <a:srgbClr val="000000"/>
+                </a:solidFill>
+                <a:latin typeface="Consolas" panose="020B0609020204030204" pitchFamily="49" charset="0"/>
+              </a:rPr>
+              <a:t>          &lt;</a:t>
+            </a:r>
+            <a:r>
+              <a:rPr lang="en-US" sz="1000" dirty="0">
+                <a:solidFill>
+                  <a:srgbClr val="268BD2"/>
+                </a:solidFill>
+                <a:latin typeface="Consolas" panose="020B0609020204030204" pitchFamily="49" charset="0"/>
+              </a:rPr>
+              <a:t>name</a:t>
+            </a:r>
+            <a:r>
+              <a:rPr lang="en-US" sz="1000" dirty="0">
+                <a:solidFill>
+                  <a:srgbClr val="000000"/>
+                </a:solidFill>
+                <a:latin typeface="Consolas" panose="020B0609020204030204" pitchFamily="49" charset="0"/>
+              </a:rPr>
+              <a:t>&gt;${NATIVE_IMAGE_NAME}&lt;/</a:t>
+            </a:r>
+            <a:r>
+              <a:rPr lang="en-US" sz="1000" dirty="0">
+                <a:solidFill>
+                  <a:srgbClr val="268BD2"/>
+                </a:solidFill>
+                <a:latin typeface="Consolas" panose="020B0609020204030204" pitchFamily="49" charset="0"/>
+              </a:rPr>
+              <a:t>name</a:t>
+            </a:r>
+            <a:r>
+              <a:rPr lang="en-US" sz="1000" dirty="0">
+                <a:solidFill>
+                  <a:srgbClr val="000000"/>
+                </a:solidFill>
+                <a:latin typeface="Consolas" panose="020B0609020204030204" pitchFamily="49" charset="0"/>
+              </a:rPr>
+              <a:t>&gt;</a:t>
+            </a:r>
+          </a:p>
+          <a:p>
+            <a:pPr marL="400050" lvl="1" indent="0">
+              <a:spcBef>
+                <a:spcPts val="0"/>
+              </a:spcBef>
+              <a:buNone/>
+            </a:pPr>
+            <a:r>
+              <a:rPr lang="en-US" sz="1000" dirty="0">
+                <a:solidFill>
+                  <a:srgbClr val="000000"/>
+                </a:solidFill>
+                <a:latin typeface="Consolas" panose="020B0609020204030204" pitchFamily="49" charset="0"/>
+              </a:rPr>
+              <a:t>        &lt;/</a:t>
+            </a:r>
+            <a:r>
+              <a:rPr lang="en-US" sz="1000" dirty="0">
+                <a:solidFill>
+                  <a:srgbClr val="268BD2"/>
+                </a:solidFill>
+                <a:latin typeface="Consolas" panose="020B0609020204030204" pitchFamily="49" charset="0"/>
+              </a:rPr>
+              <a:t>image</a:t>
+            </a:r>
+            <a:r>
+              <a:rPr lang="en-US" sz="1000" dirty="0">
+                <a:solidFill>
+                  <a:srgbClr val="000000"/>
+                </a:solidFill>
+                <a:latin typeface="Consolas" panose="020B0609020204030204" pitchFamily="49" charset="0"/>
+              </a:rPr>
+              <a:t>&gt;</a:t>
+            </a:r>
+            <a:endParaRPr lang="en-US" sz="1000" dirty="0">
+              <a:latin typeface="Consolas" panose="020B0609020204030204" pitchFamily="49" charset="0"/>
+            </a:endParaRPr>
+          </a:p>
+          <a:p>
+            <a:pPr marL="400050" lvl="1" indent="0">
+              <a:spcBef>
+                <a:spcPts val="0"/>
+              </a:spcBef>
+              <a:buNone/>
+            </a:pPr>
+            <a:r>
+              <a:rPr lang="en-US" sz="1000" dirty="0">
+                <a:solidFill>
+                  <a:srgbClr val="000000"/>
+                </a:solidFill>
+                <a:latin typeface="Consolas" panose="020B0609020204030204" pitchFamily="49" charset="0"/>
+              </a:rPr>
+              <a:t>      &lt;/</a:t>
+            </a:r>
+            <a:r>
+              <a:rPr lang="en-US" sz="1000" dirty="0">
+                <a:solidFill>
+                  <a:srgbClr val="268BD2"/>
+                </a:solidFill>
+                <a:latin typeface="Consolas" panose="020B0609020204030204" pitchFamily="49" charset="0"/>
+              </a:rPr>
+              <a:t>configuration</a:t>
+            </a:r>
+            <a:r>
+              <a:rPr lang="en-US" sz="1000" dirty="0">
+                <a:solidFill>
+                  <a:srgbClr val="000000"/>
+                </a:solidFill>
+                <a:latin typeface="Consolas" panose="020B0609020204030204" pitchFamily="49" charset="0"/>
+              </a:rPr>
+              <a:t>&gt;</a:t>
+            </a:r>
+          </a:p>
+          <a:p>
+            <a:pPr marL="400050" lvl="1" indent="0">
+              <a:spcBef>
+                <a:spcPts val="0"/>
+              </a:spcBef>
+              <a:buNone/>
+            </a:pPr>
+            <a:r>
+              <a:rPr lang="en-US" sz="1000" dirty="0">
+                <a:solidFill>
+                  <a:srgbClr val="000000"/>
+                </a:solidFill>
+                <a:latin typeface="Consolas" panose="020B0609020204030204" pitchFamily="49" charset="0"/>
+              </a:rPr>
+              <a:t>    &lt;/</a:t>
+            </a:r>
+            <a:r>
+              <a:rPr lang="en-US" sz="1000" dirty="0">
+                <a:solidFill>
+                  <a:srgbClr val="268BD2"/>
+                </a:solidFill>
+                <a:latin typeface="Consolas" panose="020B0609020204030204" pitchFamily="49" charset="0"/>
+              </a:rPr>
+              <a:t>plugin</a:t>
+            </a:r>
+            <a:r>
+              <a:rPr lang="en-US" sz="1000" dirty="0">
+                <a:solidFill>
+                  <a:srgbClr val="000000"/>
+                </a:solidFill>
+                <a:latin typeface="Consolas" panose="020B0609020204030204" pitchFamily="49" charset="0"/>
+              </a:rPr>
+              <a:t>&gt;</a:t>
+            </a:r>
+          </a:p>
+          <a:p>
+            <a:pPr marL="400050" lvl="1" indent="0">
+              <a:spcBef>
+                <a:spcPts val="0"/>
+              </a:spcBef>
+              <a:buNone/>
+            </a:pPr>
+            <a:r>
+              <a:rPr lang="en-US" sz="1000" dirty="0">
+                <a:solidFill>
+                  <a:srgbClr val="000000"/>
+                </a:solidFill>
+                <a:latin typeface="Consolas" panose="020B0609020204030204" pitchFamily="49" charset="0"/>
+              </a:rPr>
+              <a:t>  &lt;/</a:t>
+            </a:r>
+            <a:r>
+              <a:rPr lang="en-US" sz="1000" dirty="0">
+                <a:solidFill>
+                  <a:srgbClr val="268BD2"/>
+                </a:solidFill>
+                <a:latin typeface="Consolas" panose="020B0609020204030204" pitchFamily="49" charset="0"/>
+              </a:rPr>
+              <a:t>plugins</a:t>
+            </a:r>
+            <a:r>
+              <a:rPr lang="en-US" sz="1000" dirty="0">
+                <a:solidFill>
+                  <a:srgbClr val="000000"/>
+                </a:solidFill>
+                <a:latin typeface="Consolas" panose="020B0609020204030204" pitchFamily="49" charset="0"/>
+              </a:rPr>
+              <a:t>&gt;</a:t>
+            </a:r>
+          </a:p>
+          <a:p>
+            <a:pPr marL="400050" lvl="1" indent="0">
+              <a:spcBef>
+                <a:spcPts val="0"/>
+              </a:spcBef>
+              <a:buNone/>
+            </a:pPr>
+            <a:r>
+              <a:rPr lang="en-US" sz="1000" dirty="0">
+                <a:solidFill>
+                  <a:srgbClr val="000000"/>
+                </a:solidFill>
+                <a:latin typeface="Consolas" panose="020B0609020204030204" pitchFamily="49" charset="0"/>
+              </a:rPr>
+              <a:t>&lt;/</a:t>
+            </a:r>
+            <a:r>
+              <a:rPr lang="en-US" sz="1000" dirty="0">
+                <a:solidFill>
+                  <a:srgbClr val="268BD2"/>
+                </a:solidFill>
+                <a:latin typeface="Consolas" panose="020B0609020204030204" pitchFamily="49" charset="0"/>
+              </a:rPr>
               <a:t>build</a:t>
             </a:r>
             <a:r>
-              <a:rPr lang="en-US" sz="900" dirty="0">
+              <a:rPr lang="en-US" sz="1000" dirty="0">
                 <a:solidFill>
                   <a:srgbClr val="000000"/>
                 </a:solidFill>
@@ -15417,7 +16435,7 @@
               </a:rPr>
               <a:t>&gt;</a:t>
             </a:r>
-            <a:endParaRPr lang="en-US" sz="900" dirty="0">
+            <a:endParaRPr lang="en-US" sz="1000" dirty="0">
               <a:latin typeface="Lucida Console" panose="020B0609040504020204" pitchFamily="49" charset="0"/>
             </a:endParaRPr>
           </a:p>
@@ -15578,55 +16596,7 @@
                   </a:extLst>
                 </a:hlinkClick>
               </a:rPr>
-              <a:t>Understanding Reflection and </a:t>
-            </a:r>
-            <a:r>
-              <a:rPr lang="en-US" sz="1400" dirty="0" err="1">
-                <a:solidFill>
-                  <a:schemeClr val="accent2"/>
-                </a:solidFill>
-                <a:effectLst>
-                  <a:glow rad="38100">
-                    <a:prstClr val="black">
-                      <a:lumMod val="50000"/>
-                      <a:lumOff val="50000"/>
-                      <a:alpha val="20000"/>
-                    </a:prstClr>
-                  </a:glow>
-                </a:effectLst>
-                <a:hlinkClick r:id="rId2">
-                  <a:extLst>
-                    <a:ext uri="{A12FA001-AC4F-418D-AE19-62706E023703}">
-                      <ahyp:hlinkClr xmlns:ahyp="http://schemas.microsoft.com/office/drawing/2018/hyperlinkcolor" val="tx"/>
-                    </a:ext>
-                  </a:extLst>
-                </a:hlinkClick>
-              </a:rPr>
-              <a:t>GraalVM</a:t>
-            </a:r>
-            <a:r>
-              <a:rPr lang="en-US" sz="1400" dirty="0">
-                <a:solidFill>
-                  <a:schemeClr val="accent2"/>
-                </a:solidFill>
-                <a:effectLst>
-                  <a:glow rad="38100">
-                    <a:prstClr val="black">
-                      <a:lumMod val="50000"/>
-                      <a:lumOff val="50000"/>
-                      <a:alpha val="20000"/>
-                    </a:prstClr>
-                  </a:glow>
-                </a:effectLst>
-                <a:hlinkClick r:id="rId2">
-                  <a:extLst>
-                    <a:ext uri="{A12FA001-AC4F-418D-AE19-62706E023703}">
-                      <ahyp:hlinkClr xmlns:ahyp="http://schemas.microsoft.com/office/drawing/2018/hyperlinkcolor" val="tx"/>
-                    </a:ext>
-                  </a:extLst>
-                </a:hlinkClick>
-              </a:rPr>
-              <a:t> Native Image</a:t>
+              <a:t>Understanding Reflection and GraalVM Native Image</a:t>
             </a:r>
             <a:endParaRPr lang="en-US" sz="1400" dirty="0">
               <a:solidFill>
@@ -15814,7 +16784,7 @@
                   <a:schemeClr val="tx1"/>
                 </a:solidFill>
               </a:rPr>
-              <a:t>No JAR files</a:t>
+              <a:t>No JAR files in a native image</a:t>
             </a:r>
           </a:p>
           <a:p>
@@ -15889,420 +16859,6 @@
 </file>
 
 <file path=ppt/slides/slide32.xml><?xml version="1.0" encoding="utf-8"?>
-<p:sld xmlns:a="http://schemas.openxmlformats.org/drawingml/2006/main" xmlns:r="http://schemas.openxmlformats.org/officeDocument/2006/relationships" xmlns:p="http://schemas.openxmlformats.org/presentationml/2006/main">
-  <p:cSld>
-    <p:spTree>
-      <p:nvGrpSpPr>
-        <p:cNvPr id="1" name=""/>
-        <p:cNvGrpSpPr/>
-        <p:nvPr/>
-      </p:nvGrpSpPr>
-      <p:grpSpPr>
-        <a:xfrm>
-          <a:off x="0" y="0"/>
-          <a:ext cx="0" cy="0"/>
-          <a:chOff x="0" y="0"/>
-          <a:chExt cx="0" cy="0"/>
-        </a:xfrm>
-      </p:grpSpPr>
-      <p:sp>
-        <p:nvSpPr>
-          <p:cNvPr id="2" name="Title 1"/>
-          <p:cNvSpPr>
-            <a:spLocks noGrp="1"/>
-          </p:cNvSpPr>
-          <p:nvPr>
-            <p:ph type="title"/>
-          </p:nvPr>
-        </p:nvSpPr>
-        <p:spPr>
-          <a:xfrm>
-            <a:off x="646111" y="452718"/>
-            <a:ext cx="9404723" cy="910569"/>
-          </a:xfrm>
-        </p:spPr>
-        <p:txBody>
-          <a:bodyPr/>
-          <a:lstStyle/>
-          <a:p>
-            <a:r>
-              <a:rPr lang="en-US" dirty="0"/>
-              <a:t>Native Image Conversion </a:t>
-            </a:r>
-            <a:r>
-              <a:rPr lang="en-US" sz="1800" dirty="0"/>
-              <a:t>(</a:t>
-            </a:r>
-            <a:r>
-              <a:rPr lang="en-US" sz="1800" dirty="0" err="1"/>
-              <a:t>Cont</a:t>
-            </a:r>
-            <a:r>
-              <a:rPr lang="en-US" sz="1800" dirty="0"/>
-              <a:t>)</a:t>
-            </a:r>
-          </a:p>
-        </p:txBody>
-      </p:sp>
-      <p:sp>
-        <p:nvSpPr>
-          <p:cNvPr id="3" name="Content Placeholder 2"/>
-          <p:cNvSpPr>
-            <a:spLocks noGrp="1"/>
-          </p:cNvSpPr>
-          <p:nvPr>
-            <p:ph idx="1"/>
-          </p:nvPr>
-        </p:nvSpPr>
-        <p:spPr>
-          <a:xfrm>
-            <a:off x="646111" y="1363287"/>
-            <a:ext cx="9403743" cy="5120639"/>
-          </a:xfrm>
-        </p:spPr>
-        <p:txBody>
-          <a:bodyPr>
-            <a:normAutofit/>
-          </a:bodyPr>
-          <a:lstStyle/>
-          <a:p>
-            <a:r>
-              <a:rPr lang="en-US" dirty="0"/>
-              <a:t>Maven</a:t>
-            </a:r>
-          </a:p>
-          <a:p>
-            <a:r>
-              <a:rPr lang="en-US" dirty="0"/>
-              <a:t>Gradle</a:t>
-            </a:r>
-          </a:p>
-          <a:p>
-            <a:r>
-              <a:rPr lang="en-US" dirty="0"/>
-              <a:t>Common Build Issues</a:t>
-            </a:r>
-            <a:endParaRPr lang="en-US" sz="1100" dirty="0"/>
-          </a:p>
-          <a:p>
-            <a:pPr lvl="1">
-              <a:buFont typeface="Wingdings" panose="05000000000000000000" pitchFamily="2" charset="2"/>
-              <a:buChar char="Ø"/>
-            </a:pPr>
-            <a:r>
-              <a:rPr lang="en-US" dirty="0">
-                <a:solidFill>
-                  <a:schemeClr val="tx1"/>
-                </a:solidFill>
-              </a:rPr>
-              <a:t>Reflection and Proxies</a:t>
-            </a:r>
-          </a:p>
-          <a:p>
-            <a:pPr lvl="2">
-              <a:buFont typeface="Wingdings" panose="05000000000000000000" pitchFamily="2" charset="2"/>
-              <a:buChar char="Ø"/>
-            </a:pPr>
-            <a:r>
-              <a:rPr lang="en-US" sz="1400" dirty="0">
-                <a:solidFill>
-                  <a:schemeClr val="tx1"/>
-                </a:solidFill>
-                <a:effectLst>
-                  <a:glow rad="38100">
-                    <a:prstClr val="black">
-                      <a:lumMod val="50000"/>
-                      <a:lumOff val="50000"/>
-                      <a:alpha val="20000"/>
-                    </a:prstClr>
-                  </a:glow>
-                </a:effectLst>
-              </a:rPr>
-              <a:t>Review</a:t>
-            </a:r>
-            <a:r>
-              <a:rPr lang="en-US" sz="1400" dirty="0">
-                <a:solidFill>
-                  <a:schemeClr val="tx1"/>
-                </a:solidFill>
-                <a:effectLst>
-                  <a:glow rad="38100">
-                    <a:prstClr val="black">
-                      <a:lumMod val="50000"/>
-                      <a:lumOff val="50000"/>
-                      <a:alpha val="20000"/>
-                    </a:prstClr>
-                  </a:glow>
-                  <a:outerShdw blurRad="44450" dist="12700" dir="13860000" algn="tl" rotWithShape="0">
-                    <a:srgbClr val="000000">
-                      <a:alpha val="20000"/>
-                    </a:srgbClr>
-                  </a:outerShdw>
-                </a:effectLst>
-              </a:rPr>
-              <a:t> </a:t>
-            </a:r>
-            <a:r>
-              <a:rPr lang="en-US" sz="1400" dirty="0">
-                <a:solidFill>
-                  <a:schemeClr val="accent2"/>
-                </a:solidFill>
-                <a:effectLst>
-                  <a:glow rad="38100">
-                    <a:prstClr val="black">
-                      <a:lumMod val="50000"/>
-                      <a:lumOff val="50000"/>
-                      <a:alpha val="20000"/>
-                    </a:prstClr>
-                  </a:glow>
-                </a:effectLst>
-                <a:hlinkClick r:id="rId2">
-                  <a:extLst>
-                    <a:ext uri="{A12FA001-AC4F-418D-AE19-62706E023703}">
-                      <ahyp:hlinkClr xmlns:ahyp="http://schemas.microsoft.com/office/drawing/2018/hyperlinkcolor" val="tx"/>
-                    </a:ext>
-                  </a:extLst>
-                </a:hlinkClick>
-              </a:rPr>
-              <a:t>Understanding Reflection and </a:t>
-            </a:r>
-            <a:r>
-              <a:rPr lang="en-US" sz="1400" dirty="0" err="1">
-                <a:solidFill>
-                  <a:schemeClr val="accent2"/>
-                </a:solidFill>
-                <a:effectLst>
-                  <a:glow rad="38100">
-                    <a:prstClr val="black">
-                      <a:lumMod val="50000"/>
-                      <a:lumOff val="50000"/>
-                      <a:alpha val="20000"/>
-                    </a:prstClr>
-                  </a:glow>
-                </a:effectLst>
-                <a:hlinkClick r:id="rId2">
-                  <a:extLst>
-                    <a:ext uri="{A12FA001-AC4F-418D-AE19-62706E023703}">
-                      <ahyp:hlinkClr xmlns:ahyp="http://schemas.microsoft.com/office/drawing/2018/hyperlinkcolor" val="tx"/>
-                    </a:ext>
-                  </a:extLst>
-                </a:hlinkClick>
-              </a:rPr>
-              <a:t>GraalVM</a:t>
-            </a:r>
-            <a:r>
-              <a:rPr lang="en-US" sz="1400" dirty="0">
-                <a:solidFill>
-                  <a:schemeClr val="accent2"/>
-                </a:solidFill>
-                <a:effectLst>
-                  <a:glow rad="38100">
-                    <a:prstClr val="black">
-                      <a:lumMod val="50000"/>
-                      <a:lumOff val="50000"/>
-                      <a:alpha val="20000"/>
-                    </a:prstClr>
-                  </a:glow>
-                </a:effectLst>
-                <a:hlinkClick r:id="rId2">
-                  <a:extLst>
-                    <a:ext uri="{A12FA001-AC4F-418D-AE19-62706E023703}">
-                      <ahyp:hlinkClr xmlns:ahyp="http://schemas.microsoft.com/office/drawing/2018/hyperlinkcolor" val="tx"/>
-                    </a:ext>
-                  </a:extLst>
-                </a:hlinkClick>
-              </a:rPr>
-              <a:t> Native Image</a:t>
-            </a:r>
-            <a:endParaRPr lang="en-US" sz="1400" dirty="0">
-              <a:solidFill>
-                <a:schemeClr val="accent2"/>
-              </a:solidFill>
-              <a:effectLst>
-                <a:glow rad="38100">
-                  <a:prstClr val="black">
-                    <a:lumMod val="50000"/>
-                    <a:lumOff val="50000"/>
-                    <a:alpha val="20000"/>
-                  </a:prstClr>
-                </a:glow>
-              </a:effectLst>
-            </a:endParaRPr>
-          </a:p>
-          <a:p>
-            <a:pPr lvl="2">
-              <a:buFont typeface="Wingdings" panose="05000000000000000000" pitchFamily="2" charset="2"/>
-              <a:buChar char="Ø"/>
-            </a:pPr>
-            <a:r>
-              <a:rPr lang="en-US" sz="1400" dirty="0">
-                <a:solidFill>
-                  <a:schemeClr val="tx1"/>
-                </a:solidFill>
-                <a:effectLst>
-                  <a:glow rad="38100">
-                    <a:prstClr val="black">
-                      <a:lumMod val="50000"/>
-                      <a:lumOff val="50000"/>
-                      <a:alpha val="20000"/>
-                    </a:prstClr>
-                  </a:glow>
-                </a:effectLst>
-              </a:rPr>
-              <a:t>Random class names (Derby)</a:t>
-            </a:r>
-          </a:p>
-          <a:p>
-            <a:pPr lvl="1">
-              <a:buFont typeface="Wingdings" panose="05000000000000000000" pitchFamily="2" charset="2"/>
-              <a:buChar char="Ø"/>
-            </a:pPr>
-            <a:r>
-              <a:rPr lang="en-US" dirty="0">
-                <a:solidFill>
-                  <a:schemeClr val="tx1"/>
-                </a:solidFill>
-              </a:rPr>
-              <a:t>Entry Point</a:t>
-            </a:r>
-          </a:p>
-          <a:p>
-            <a:pPr lvl="2">
-              <a:buFont typeface="Wingdings" panose="05000000000000000000" pitchFamily="2" charset="2"/>
-              <a:buChar char="Ø"/>
-            </a:pPr>
-            <a:r>
-              <a:rPr lang="en-US" dirty="0">
-                <a:solidFill>
-                  <a:schemeClr val="tx1"/>
-                </a:solidFill>
-              </a:rPr>
-              <a:t>Missing </a:t>
-            </a:r>
-            <a:r>
-              <a:rPr lang="en-US" dirty="0" err="1">
-                <a:solidFill>
-                  <a:schemeClr val="tx1"/>
-                </a:solidFill>
-              </a:rPr>
-              <a:t>Manifest.MF</a:t>
-            </a:r>
-            <a:r>
-              <a:rPr lang="en-US" dirty="0">
-                <a:solidFill>
-                  <a:schemeClr val="tx1"/>
-                </a:solidFill>
-              </a:rPr>
-              <a:t> file</a:t>
-            </a:r>
-          </a:p>
-          <a:p>
-            <a:pPr lvl="2">
-              <a:buFont typeface="Wingdings" panose="05000000000000000000" pitchFamily="2" charset="2"/>
-              <a:buChar char="Ø"/>
-            </a:pPr>
-            <a:r>
-              <a:rPr lang="en-US" dirty="0">
-                <a:solidFill>
-                  <a:schemeClr val="tx1"/>
-                </a:solidFill>
-              </a:rPr>
-              <a:t>Missing entry point in </a:t>
-            </a:r>
-            <a:r>
-              <a:rPr lang="en-US" dirty="0" err="1">
-                <a:solidFill>
-                  <a:schemeClr val="tx1"/>
-                </a:solidFill>
-              </a:rPr>
-              <a:t>Manifest.MF</a:t>
-            </a:r>
-            <a:endParaRPr lang="en-US" dirty="0">
-              <a:solidFill>
-                <a:schemeClr val="tx1"/>
-              </a:solidFill>
-            </a:endParaRPr>
-          </a:p>
-          <a:p>
-            <a:pPr lvl="2">
-              <a:buFont typeface="Wingdings" panose="05000000000000000000" pitchFamily="2" charset="2"/>
-              <a:buChar char="Ø"/>
-            </a:pPr>
-            <a:r>
-              <a:rPr lang="en-US" dirty="0" err="1">
-                <a:solidFill>
-                  <a:schemeClr val="tx1"/>
-                </a:solidFill>
-              </a:rPr>
-              <a:t>Manifest.MF</a:t>
-            </a:r>
-            <a:r>
-              <a:rPr lang="en-US" dirty="0">
-                <a:solidFill>
-                  <a:schemeClr val="tx1"/>
-                </a:solidFill>
-              </a:rPr>
-              <a:t> not in application path</a:t>
-            </a:r>
-          </a:p>
-          <a:p>
-            <a:pPr lvl="1">
-              <a:buFont typeface="Wingdings" panose="05000000000000000000" pitchFamily="2" charset="2"/>
-              <a:buChar char="Ø"/>
-            </a:pPr>
-            <a:r>
-              <a:rPr lang="en-US" dirty="0">
-                <a:solidFill>
-                  <a:schemeClr val="tx1"/>
-                </a:solidFill>
-              </a:rPr>
-              <a:t>Resources</a:t>
-            </a:r>
-          </a:p>
-          <a:p>
-            <a:pPr lvl="1">
-              <a:buFont typeface="Wingdings" panose="05000000000000000000" pitchFamily="2" charset="2"/>
-              <a:buChar char="Ø"/>
-            </a:pPr>
-            <a:r>
-              <a:rPr lang="en-US" dirty="0">
-                <a:solidFill>
-                  <a:schemeClr val="tx1"/>
-                </a:solidFill>
-              </a:rPr>
-              <a:t>Spring Framework and Spring Boot</a:t>
-            </a:r>
-          </a:p>
-          <a:p>
-            <a:pPr lvl="1">
-              <a:buFont typeface="Wingdings" panose="05000000000000000000" pitchFamily="2" charset="2"/>
-              <a:buChar char="Ø"/>
-            </a:pPr>
-            <a:r>
-              <a:rPr lang="en-US" dirty="0">
-                <a:solidFill>
-                  <a:schemeClr val="tx1"/>
-                </a:solidFill>
-              </a:rPr>
-              <a:t>Unit Tests (Junit)</a:t>
-            </a:r>
-          </a:p>
-        </p:txBody>
-      </p:sp>
-    </p:spTree>
-    <p:extLst>
-      <p:ext uri="{BB962C8B-B14F-4D97-AF65-F5344CB8AC3E}">
-        <p14:creationId xmlns:p14="http://schemas.microsoft.com/office/powerpoint/2010/main" val="4188420629"/>
-      </p:ext>
-    </p:extLst>
-  </p:cSld>
-  <p:clrMapOvr>
-    <a:masterClrMapping/>
-  </p:clrMapOvr>
-</p:sld>
-</file>
-
-<file path=ppt/slides/slide33.xml><?xml version="1.0" encoding="utf-8"?>
 <p:sld xmlns:a="http://schemas.openxmlformats.org/drawingml/2006/main" xmlns:r="http://schemas.openxmlformats.org/officeDocument/2006/relationships" xmlns:p="http://schemas.openxmlformats.org/presentationml/2006/main">
   <p:cSld>
     <p:spTree>
@@ -16397,7 +16953,7 @@
 </p:sld>
 </file>
 
-<file path=ppt/slides/slide34.xml><?xml version="1.0" encoding="utf-8"?>
+<file path=ppt/slides/slide33.xml><?xml version="1.0" encoding="utf-8"?>
 <p:sld xmlns:a="http://schemas.openxmlformats.org/drawingml/2006/main" xmlns:r="http://schemas.openxmlformats.org/officeDocument/2006/relationships" xmlns:p="http://schemas.openxmlformats.org/presentationml/2006/main">
   <p:cSld>
     <p:spTree>
@@ -16492,11 +17048,6 @@
                       <a:alpha val="20000"/>
                     </a:prstClr>
                   </a:glow>
-                  <a:outerShdw blurRad="44450" dist="12700" dir="13860000" algn="tl" rotWithShape="0">
-                    <a:srgbClr val="000000">
-                      <a:alpha val="20000"/>
-                    </a:srgbClr>
-                  </a:outerShdw>
                 </a:effectLst>
                 <a:hlinkClick r:id="rId2">
                   <a:extLst>
@@ -16520,11 +17071,6 @@
                     <a:alpha val="20000"/>
                   </a:prstClr>
                 </a:glow>
-                <a:outerShdw blurRad="44450" dist="12700" dir="13860000" algn="tl" rotWithShape="0">
-                  <a:srgbClr val="000000">
-                    <a:alpha val="20000"/>
-                  </a:srgbClr>
-                </a:outerShdw>
               </a:effectLst>
             </a:endParaRPr>
           </a:p>
@@ -16546,11 +17092,6 @@
                       <a:alpha val="20000"/>
                     </a:prstClr>
                   </a:glow>
-                  <a:outerShdw blurRad="44450" dist="12700" dir="13860000" algn="tl" rotWithShape="0">
-                    <a:srgbClr val="000000">
-                      <a:alpha val="20000"/>
-                    </a:srgbClr>
-                  </a:outerShdw>
                 </a:effectLst>
                 <a:hlinkClick r:id="rId3">
                   <a:extLst>
@@ -16560,7 +17101,7 @@
                   </a:extLst>
                 </a:hlinkClick>
               </a:rPr>
-              <a:t>GraalVM</a:t>
+              <a:t>GraalVM Project</a:t>
             </a:r>
             <a:endParaRPr lang="en-US" sz="1600" dirty="0">
               <a:solidFill>
@@ -16574,11 +17115,6 @@
                     <a:alpha val="20000"/>
                   </a:prstClr>
                 </a:glow>
-                <a:outerShdw blurRad="44450" dist="12700" dir="13860000" algn="tl" rotWithShape="0">
-                  <a:srgbClr val="000000">
-                    <a:alpha val="20000"/>
-                  </a:srgbClr>
-                </a:outerShdw>
               </a:effectLst>
             </a:endParaRPr>
           </a:p>
@@ -16600,11 +17136,6 @@
                       <a:alpha val="20000"/>
                     </a:prstClr>
                   </a:glow>
-                  <a:outerShdw blurRad="44450" dist="12700" dir="13860000" algn="tl" rotWithShape="0">
-                    <a:srgbClr val="000000">
-                      <a:alpha val="20000"/>
-                    </a:srgbClr>
-                  </a:outerShdw>
                 </a:effectLst>
                 <a:hlinkClick r:id="rId4">
                   <a:extLst>
@@ -16629,11 +17160,6 @@
                       <a:alpha val="20000"/>
                     </a:prstClr>
                   </a:glow>
-                  <a:outerShdw blurRad="44450" dist="12700" dir="13860000" algn="tl" rotWithShape="0">
-                    <a:srgbClr val="000000">
-                      <a:alpha val="20000"/>
-                    </a:srgbClr>
-                  </a:outerShdw>
                 </a:effectLst>
                 <a:hlinkClick r:id="rId4">
                   <a:extLst>
@@ -16657,11 +17183,6 @@
                     <a:alpha val="20000"/>
                   </a:prstClr>
                 </a:glow>
-                <a:outerShdw blurRad="44450" dist="12700" dir="13860000" algn="tl" rotWithShape="0">
-                  <a:srgbClr val="000000">
-                    <a:alpha val="20000"/>
-                  </a:srgbClr>
-                </a:outerShdw>
               </a:effectLst>
             </a:endParaRPr>
           </a:p>
@@ -16683,11 +17204,6 @@
                       <a:alpha val="20000"/>
                     </a:prstClr>
                   </a:glow>
-                  <a:outerShdw blurRad="44450" dist="12700" dir="13860000" algn="tl" rotWithShape="0">
-                    <a:srgbClr val="000000">
-                      <a:alpha val="20000"/>
-                    </a:srgbClr>
-                  </a:outerShdw>
                 </a:effectLst>
                 <a:hlinkClick r:id="rId5">
                   <a:extLst>
@@ -16711,11 +17227,6 @@
                     <a:alpha val="20000"/>
                   </a:prstClr>
                 </a:glow>
-                <a:outerShdw blurRad="44450" dist="12700" dir="13860000" algn="tl" rotWithShape="0">
-                  <a:srgbClr val="000000">
-                    <a:alpha val="20000"/>
-                  </a:srgbClr>
-                </a:outerShdw>
               </a:effectLst>
             </a:endParaRPr>
           </a:p>
@@ -16737,11 +17248,6 @@
                       <a:alpha val="20000"/>
                     </a:prstClr>
                   </a:glow>
-                  <a:outerShdw blurRad="44450" dist="12700" dir="13860000" algn="tl" rotWithShape="0">
-                    <a:srgbClr val="000000">
-                      <a:alpha val="20000"/>
-                    </a:srgbClr>
-                  </a:outerShdw>
                 </a:effectLst>
                 <a:hlinkClick r:id="rId6">
                   <a:extLst>
@@ -16751,7 +17257,7 @@
                   </a:extLst>
                 </a:hlinkClick>
               </a:rPr>
-              <a:t>Native Image Compatibility Guide</a:t>
+              <a:t>Native Image Build Configuration</a:t>
             </a:r>
             <a:endParaRPr lang="en-US" sz="1600" dirty="0">
               <a:solidFill>
@@ -16765,11 +17271,6 @@
                     <a:alpha val="20000"/>
                   </a:prstClr>
                 </a:glow>
-                <a:outerShdw blurRad="44450" dist="12700" dir="13860000" algn="tl" rotWithShape="0">
-                  <a:srgbClr val="000000">
-                    <a:alpha val="20000"/>
-                  </a:srgbClr>
-                </a:outerShdw>
               </a:effectLst>
             </a:endParaRPr>
           </a:p>
@@ -16791,11 +17292,6 @@
                       <a:alpha val="20000"/>
                     </a:prstClr>
                   </a:glow>
-                  <a:outerShdw blurRad="44450" dist="12700" dir="13860000" algn="tl" rotWithShape="0">
-                    <a:srgbClr val="000000">
-                      <a:alpha val="20000"/>
-                    </a:srgbClr>
-                  </a:outerShdw>
                 </a:effectLst>
                 <a:hlinkClick r:id="rId7">
                   <a:extLst>
@@ -16805,7 +17301,7 @@
                   </a:extLst>
                 </a:hlinkClick>
               </a:rPr>
-              <a:t>OpenJDK JEP Index</a:t>
+              <a:t>Native Image Compatibility Guide</a:t>
             </a:r>
             <a:endParaRPr lang="en-US" sz="1600" dirty="0">
               <a:solidFill>
@@ -16819,11 +17315,6 @@
                     <a:alpha val="20000"/>
                   </a:prstClr>
                 </a:glow>
-                <a:outerShdw blurRad="44450" dist="12700" dir="13860000" algn="tl" rotWithShape="0">
-                  <a:srgbClr val="000000">
-                    <a:alpha val="20000"/>
-                  </a:srgbClr>
-                </a:outerShdw>
               </a:effectLst>
             </a:endParaRPr>
           </a:p>
@@ -16845,11 +17336,6 @@
                       <a:alpha val="20000"/>
                     </a:prstClr>
                   </a:glow>
-                  <a:outerShdw blurRad="44450" dist="12700" dir="13860000" algn="tl" rotWithShape="0">
-                    <a:srgbClr val="000000">
-                      <a:alpha val="20000"/>
-                    </a:srgbClr>
-                  </a:outerShdw>
                 </a:effectLst>
                 <a:hlinkClick r:id="rId8">
                   <a:extLst>
@@ -16859,7 +17345,7 @@
                   </a:extLst>
                 </a:hlinkClick>
               </a:rPr>
-              <a:t>Qpid GraalVM Project</a:t>
+              <a:t>OpenJDK JEP Index</a:t>
             </a:r>
             <a:endParaRPr lang="en-US" sz="1600" dirty="0">
               <a:solidFill>
@@ -16873,11 +17359,6 @@
                     <a:alpha val="20000"/>
                   </a:prstClr>
                 </a:glow>
-                <a:outerShdw blurRad="44450" dist="12700" dir="13860000" algn="tl" rotWithShape="0">
-                  <a:srgbClr val="000000">
-                    <a:alpha val="20000"/>
-                  </a:srgbClr>
-                </a:outerShdw>
               </a:effectLst>
             </a:endParaRPr>
           </a:p>
@@ -16899,11 +17380,6 @@
                       <a:alpha val="20000"/>
                     </a:prstClr>
                   </a:glow>
-                  <a:outerShdw blurRad="44450" dist="12700" dir="13860000" algn="tl" rotWithShape="0">
-                    <a:srgbClr val="000000">
-                      <a:alpha val="20000"/>
-                    </a:srgbClr>
-                  </a:outerShdw>
                 </a:effectLst>
                 <a:hlinkClick r:id="rId9">
                   <a:extLst>
@@ -16913,7 +17389,7 @@
                   </a:extLst>
                 </a:hlinkClick>
               </a:rPr>
-              <a:t>Spring Native Image Documentation</a:t>
+              <a:t>Qpid GraalVM Project</a:t>
             </a:r>
             <a:endParaRPr lang="en-US" sz="1600" dirty="0">
               <a:solidFill>
@@ -16927,11 +17403,6 @@
                     <a:alpha val="20000"/>
                   </a:prstClr>
                 </a:glow>
-                <a:outerShdw blurRad="44450" dist="12700" dir="13860000" algn="tl" rotWithShape="0">
-                  <a:srgbClr val="000000">
-                    <a:alpha val="20000"/>
-                  </a:srgbClr>
-                </a:outerShdw>
               </a:effectLst>
             </a:endParaRPr>
           </a:p>
@@ -16953,13 +17424,96 @@
                       <a:alpha val="20000"/>
                     </a:prstClr>
                   </a:glow>
-                  <a:outerShdw blurRad="44450" dist="12700" dir="13860000" algn="tl" rotWithShape="0">
-                    <a:srgbClr val="000000">
-                      <a:alpha val="20000"/>
-                    </a:srgbClr>
-                  </a:outerShdw>
                 </a:effectLst>
                 <a:hlinkClick r:id="rId10">
+                  <a:extLst>
+                    <a:ext uri="{A12FA001-AC4F-418D-AE19-62706E023703}">
+                      <ahyp:hlinkClr xmlns:ahyp="http://schemas.microsoft.com/office/drawing/2018/hyperlinkcolor" val="tx"/>
+                    </a:ext>
+                  </a:extLst>
+                </a:hlinkClick>
+              </a:rPr>
+              <a:t>Sdkman!</a:t>
+            </a:r>
+            <a:endParaRPr lang="en-US" sz="1600" dirty="0">
+              <a:solidFill>
+                <a:schemeClr val="accent2"/>
+              </a:solidFill>
+              <a:effectLst>
+                <a:glow rad="38100">
+                  <a:prstClr val="black">
+                    <a:lumMod val="50000"/>
+                    <a:lumOff val="50000"/>
+                    <a:alpha val="20000"/>
+                  </a:prstClr>
+                </a:glow>
+              </a:effectLst>
+            </a:endParaRPr>
+          </a:p>
+          <a:p>
+            <a:pPr marL="285750" indent="-285750">
+              <a:buFont typeface="Arial" panose="020B0604020202020204" pitchFamily="34" charset="0"/>
+              <a:buChar char="•"/>
+            </a:pPr>
+            <a:r>
+              <a:rPr lang="en-US" sz="1600" dirty="0">
+                <a:solidFill>
+                  <a:schemeClr val="accent2"/>
+                </a:solidFill>
+                <a:effectLst>
+                  <a:glow rad="38100">
+                    <a:prstClr val="black">
+                      <a:lumMod val="50000"/>
+                      <a:lumOff val="50000"/>
+                      <a:alpha val="20000"/>
+                    </a:prstClr>
+                  </a:glow>
+                </a:effectLst>
+                <a:hlinkClick r:id="rId11">
+                  <a:extLst>
+                    <a:ext uri="{A12FA001-AC4F-418D-AE19-62706E023703}">
+                      <ahyp:hlinkClr xmlns:ahyp="http://schemas.microsoft.com/office/drawing/2018/hyperlinkcolor" val="tx"/>
+                    </a:ext>
+                  </a:extLst>
+                </a:hlinkClick>
+              </a:rPr>
+              <a:t>Spring Native Image Documentation</a:t>
+            </a:r>
+            <a:endParaRPr lang="en-US" sz="1600" dirty="0">
+              <a:solidFill>
+                <a:schemeClr val="accent2"/>
+              </a:solidFill>
+              <a:effectLst>
+                <a:glow rad="38100">
+                  <a:prstClr val="black">
+                    <a:lumMod val="50000"/>
+                    <a:lumOff val="50000"/>
+                    <a:alpha val="20000"/>
+                  </a:prstClr>
+                </a:glow>
+              </a:effectLst>
+            </a:endParaRPr>
+          </a:p>
+          <a:p>
+            <a:pPr marL="285750" indent="-285750">
+              <a:buFont typeface="Arial" panose="020B0604020202020204" pitchFamily="34" charset="0"/>
+              <a:buChar char="•"/>
+            </a:pPr>
+            <a:r>
+              <a:rPr lang="en-US" sz="1600" dirty="0">
+                <a:solidFill>
+                  <a:schemeClr val="accent2"/>
+                </a:solidFill>
+                <a:effectLst>
+                  <a:glow rad="38100">
+                    <a:prstClr val="black">
+                      <a:lumMod val="50000"/>
+                      <a:lumOff val="50000"/>
+                      <a:alpha val="20000"/>
+                    </a:prstClr>
+                  </a:glow>
+                </a:effectLst>
+                <a:hlinkClick r:id="rId12">
                   <a:extLst>
                     <a:ext uri="{A12FA001-AC4F-418D-AE19-62706E023703}">
                       <ahyp:hlinkClr xmlns:ahyp="http://schemas.microsoft.com/office/drawing/2018/hyperlinkcolor" val="tx"/>
@@ -16978,11 +17532,6 @@
                     <a:alpha val="20000"/>
                   </a:prstClr>
                 </a:glow>
-                <a:outerShdw blurRad="44450" dist="12700" dir="13860000" algn="tl" rotWithShape="0">
-                  <a:srgbClr val="000000">
-                    <a:alpha val="20000"/>
-                  </a:srgbClr>
-                </a:outerShdw>
               </a:effectLst>
             </a:endParaRPr>
           </a:p>
@@ -17077,7 +17626,7 @@
             </a:pPr>
             <a:r>
               <a:rPr lang="en-US" dirty="0"/>
-              <a:t>SW Engineer for more than 30+ years (commercial, contractor)</a:t>
+              <a:t>SW Engineer for more than 30 years (commercial, contractor)</a:t>
             </a:r>
           </a:p>
           <a:p>
@@ -17137,7 +17686,7 @@
             </a:pPr>
             <a:r>
               <a:rPr lang="en-US" dirty="0"/>
-              <a:t>Working with Oracle Technologies for 5 years (Java, WebLogic, oracle DB)</a:t>
+              <a:t>Working with Oracle Technologies for 5 years (Java, WebLogic, Oracle DB)</a:t>
             </a:r>
           </a:p>
           <a:p>
@@ -17343,7 +17892,17 @@
             </a:pPr>
             <a:r>
               <a:rPr lang="en-US" dirty="0"/>
-              <a:t>GraalVM further tightens security and improves performance</a:t>
+              <a:t>GraalVM further tightens security and further improves performance</a:t>
+            </a:r>
+          </a:p>
+          <a:p>
+            <a:pPr lvl="2">
+              <a:buFont typeface="Wingdings" panose="05000000000000000000" pitchFamily="2" charset="2"/>
+              <a:buChar char="§"/>
+            </a:pPr>
+            <a:r>
+              <a:rPr lang="en-US" dirty="0"/>
+              <a:t>GraalVM has several bonus features</a:t>
             </a:r>
           </a:p>
         </p:txBody>

--- a/doc/reference/GraalVm _Upgrade.pptx
+++ b/doc/reference/GraalVm _Upgrade.pptx
@@ -866,7 +866,7 @@
           <a:p>
             <a:fld id="{4AAD347D-5ACD-4C99-B74B-A9C85AD731AF}" type="datetimeFigureOut">
               <a:rPr lang="en-US" smtClean="0"/>
-              <a:t>10/31/2022</a:t>
+              <a:t>11/1/2022</a:t>
             </a:fld>
             <a:endParaRPr lang="en-US" dirty="0"/>
           </a:p>
@@ -1117,7 +1117,7 @@
           <a:p>
             <a:fld id="{4AAD347D-5ACD-4C99-B74B-A9C85AD731AF}" type="datetimeFigureOut">
               <a:rPr lang="en-US" smtClean="0"/>
-              <a:t>10/31/2022</a:t>
+              <a:t>11/1/2022</a:t>
             </a:fld>
             <a:endParaRPr lang="en-US" dirty="0"/>
           </a:p>
@@ -1432,7 +1432,7 @@
           <a:p>
             <a:fld id="{4AAD347D-5ACD-4C99-B74B-A9C85AD731AF}" type="datetimeFigureOut">
               <a:rPr lang="en-US" smtClean="0"/>
-              <a:t>10/31/2022</a:t>
+              <a:t>11/1/2022</a:t>
             </a:fld>
             <a:endParaRPr lang="en-US" dirty="0"/>
           </a:p>
@@ -1774,7 +1774,7 @@
           <a:p>
             <a:fld id="{4509A250-FF31-4206-8172-F9D3106AACB1}" type="datetimeFigureOut">
               <a:rPr lang="en-US" smtClean="0"/>
-              <a:t>10/31/2022</a:t>
+              <a:t>11/1/2022</a:t>
             </a:fld>
             <a:endParaRPr lang="en-US" dirty="0"/>
           </a:p>
@@ -2088,7 +2088,7 @@
           <a:p>
             <a:fld id="{4AAD347D-5ACD-4C99-B74B-A9C85AD731AF}" type="datetimeFigureOut">
               <a:rPr lang="en-US" smtClean="0"/>
-              <a:t>10/31/2022</a:t>
+              <a:t>11/1/2022</a:t>
             </a:fld>
             <a:endParaRPr lang="en-US" dirty="0"/>
           </a:p>
@@ -2482,7 +2482,7 @@
           <a:p>
             <a:fld id="{4AAD347D-5ACD-4C99-B74B-A9C85AD731AF}" type="datetimeFigureOut">
               <a:rPr lang="en-US" smtClean="0"/>
-              <a:t>10/31/2022</a:t>
+              <a:t>11/1/2022</a:t>
             </a:fld>
             <a:endParaRPr lang="en-US" dirty="0"/>
           </a:p>
@@ -2653,7 +2653,7 @@
           <a:p>
             <a:fld id="{4509A250-FF31-4206-8172-F9D3106AACB1}" type="datetimeFigureOut">
               <a:rPr lang="en-US" smtClean="0"/>
-              <a:t>10/31/2022</a:t>
+              <a:t>11/1/2022</a:t>
             </a:fld>
             <a:endParaRPr lang="en-US" dirty="0"/>
           </a:p>
@@ -2833,7 +2833,7 @@
           <a:p>
             <a:fld id="{4509A250-FF31-4206-8172-F9D3106AACB1}" type="datetimeFigureOut">
               <a:rPr lang="en-US" smtClean="0"/>
-              <a:t>10/31/2022</a:t>
+              <a:t>11/1/2022</a:t>
             </a:fld>
             <a:endParaRPr lang="en-US" dirty="0"/>
           </a:p>
@@ -3009,7 +3009,7 @@
           <a:p>
             <a:fld id="{4509A250-FF31-4206-8172-F9D3106AACB1}" type="datetimeFigureOut">
               <a:rPr lang="en-US" smtClean="0"/>
-              <a:t>10/31/2022</a:t>
+              <a:t>11/1/2022</a:t>
             </a:fld>
             <a:endParaRPr lang="en-US" dirty="0"/>
           </a:p>
@@ -3256,7 +3256,7 @@
           <a:p>
             <a:fld id="{9796027F-7875-4030-9381-8BD8C4F21935}" type="datetimeFigureOut">
               <a:rPr lang="en-US" smtClean="0"/>
-              <a:t>10/31/2022</a:t>
+              <a:t>11/1/2022</a:t>
             </a:fld>
             <a:endParaRPr lang="en-US" dirty="0"/>
           </a:p>
@@ -3488,7 +3488,7 @@
           <a:p>
             <a:fld id="{9796027F-7875-4030-9381-8BD8C4F21935}" type="datetimeFigureOut">
               <a:rPr lang="en-US" smtClean="0"/>
-              <a:t>10/31/2022</a:t>
+              <a:t>11/1/2022</a:t>
             </a:fld>
             <a:endParaRPr lang="en-US" dirty="0"/>
           </a:p>
@@ -3862,7 +3862,7 @@
           <a:p>
             <a:fld id="{9796027F-7875-4030-9381-8BD8C4F21935}" type="datetimeFigureOut">
               <a:rPr lang="en-US" smtClean="0"/>
-              <a:t>10/31/2022</a:t>
+              <a:t>11/1/2022</a:t>
             </a:fld>
             <a:endParaRPr lang="en-US" dirty="0"/>
           </a:p>
@@ -3985,7 +3985,7 @@
           <a:p>
             <a:fld id="{4509A250-FF31-4206-8172-F9D3106AACB1}" type="datetimeFigureOut">
               <a:rPr lang="en-US" smtClean="0"/>
-              <a:t>10/31/2022</a:t>
+              <a:t>11/1/2022</a:t>
             </a:fld>
             <a:endParaRPr lang="en-US" dirty="0"/>
           </a:p>
@@ -4080,7 +4080,7 @@
           <a:p>
             <a:fld id="{4509A250-FF31-4206-8172-F9D3106AACB1}" type="datetimeFigureOut">
               <a:rPr lang="en-US" smtClean="0"/>
-              <a:t>10/31/2022</a:t>
+              <a:t>11/1/2022</a:t>
             </a:fld>
             <a:endParaRPr lang="en-US" dirty="0"/>
           </a:p>
@@ -4335,7 +4335,7 @@
           <a:p>
             <a:fld id="{4509A250-FF31-4206-8172-F9D3106AACB1}" type="datetimeFigureOut">
               <a:rPr lang="en-US" smtClean="0"/>
-              <a:t>10/31/2022</a:t>
+              <a:t>11/1/2022</a:t>
             </a:fld>
             <a:endParaRPr lang="en-US" dirty="0"/>
           </a:p>
@@ -4598,7 +4598,7 @@
           <a:p>
             <a:fld id="{4509A250-FF31-4206-8172-F9D3106AACB1}" type="datetimeFigureOut">
               <a:rPr lang="en-US" smtClean="0"/>
-              <a:t>10/31/2022</a:t>
+              <a:t>11/1/2022</a:t>
             </a:fld>
             <a:endParaRPr lang="en-US" dirty="0"/>
           </a:p>
@@ -5341,7 +5341,7 @@
           <a:p>
             <a:fld id="{4AAD347D-5ACD-4C99-B74B-A9C85AD731AF}" type="datetimeFigureOut">
               <a:rPr lang="en-US" smtClean="0"/>
-              <a:t>10/31/2022</a:t>
+              <a:t>11/1/2022</a:t>
             </a:fld>
             <a:endParaRPr lang="en-US" dirty="0"/>
           </a:p>
@@ -17257,7 +17257,7 @@
                   </a:extLst>
                 </a:hlinkClick>
               </a:rPr>
-              <a:t>Native Image Build Configuration</a:t>
+              <a:t>Java 17 Upgrade</a:t>
             </a:r>
             <a:endParaRPr lang="en-US" sz="1600" dirty="0">
               <a:solidFill>
@@ -17301,7 +17301,7 @@
                   </a:extLst>
                 </a:hlinkClick>
               </a:rPr>
-              <a:t>Native Image Compatibility Guide</a:t>
+              <a:t>Native Image Build Configuration</a:t>
             </a:r>
             <a:endParaRPr lang="en-US" sz="1600" dirty="0">
               <a:solidFill>
@@ -17345,7 +17345,7 @@
                   </a:extLst>
                 </a:hlinkClick>
               </a:rPr>
-              <a:t>OpenJDK JEP Index</a:t>
+              <a:t>Native Image Compatibility Guide</a:t>
             </a:r>
             <a:endParaRPr lang="en-US" sz="1600" dirty="0">
               <a:solidFill>
@@ -17389,7 +17389,7 @@
                   </a:extLst>
                 </a:hlinkClick>
               </a:rPr>
-              <a:t>Qpid GraalVM Project</a:t>
+              <a:t>OpenJDK JEP Index</a:t>
             </a:r>
             <a:endParaRPr lang="en-US" sz="1600" dirty="0">
               <a:solidFill>
@@ -17433,7 +17433,7 @@
                   </a:extLst>
                 </a:hlinkClick>
               </a:rPr>
-              <a:t>Sdkman!</a:t>
+              <a:t>Qpid GraalVM Project</a:t>
             </a:r>
             <a:endParaRPr lang="en-US" sz="1600" dirty="0">
               <a:solidFill>
@@ -17477,7 +17477,7 @@
                   </a:extLst>
                 </a:hlinkClick>
               </a:rPr>
-              <a:t>Spring Native Image Documentation</a:t>
+              <a:t>Sdkman!</a:t>
             </a:r>
             <a:endParaRPr lang="en-US" sz="1600" dirty="0">
               <a:solidFill>
@@ -17514,6 +17514,50 @@
                   </a:glow>
                 </a:effectLst>
                 <a:hlinkClick r:id="rId12">
+                  <a:extLst>
+                    <a:ext uri="{A12FA001-AC4F-418D-AE19-62706E023703}">
+                      <ahyp:hlinkClr xmlns:ahyp="http://schemas.microsoft.com/office/drawing/2018/hyperlinkcolor" val="tx"/>
+                    </a:ext>
+                  </a:extLst>
+                </a:hlinkClick>
+              </a:rPr>
+              <a:t>Spring Native Image Documentation</a:t>
+            </a:r>
+            <a:endParaRPr lang="en-US" sz="1600" dirty="0">
+              <a:solidFill>
+                <a:schemeClr val="accent2"/>
+              </a:solidFill>
+              <a:effectLst>
+                <a:glow rad="38100">
+                  <a:prstClr val="black">
+                    <a:lumMod val="50000"/>
+                    <a:lumOff val="50000"/>
+                    <a:alpha val="20000"/>
+                  </a:prstClr>
+                </a:glow>
+              </a:effectLst>
+            </a:endParaRPr>
+          </a:p>
+          <a:p>
+            <a:pPr marL="285750" indent="-285750">
+              <a:buFont typeface="Arial" panose="020B0604020202020204" pitchFamily="34" charset="0"/>
+              <a:buChar char="•"/>
+            </a:pPr>
+            <a:r>
+              <a:rPr lang="en-US" sz="1600" dirty="0">
+                <a:solidFill>
+                  <a:schemeClr val="accent2"/>
+                </a:solidFill>
+                <a:effectLst>
+                  <a:glow rad="38100">
+                    <a:prstClr val="black">
+                      <a:lumMod val="50000"/>
+                      <a:lumOff val="50000"/>
+                      <a:alpha val="20000"/>
+                    </a:prstClr>
+                  </a:glow>
+                </a:effectLst>
+                <a:hlinkClick r:id="rId13">
                   <a:extLst>
                     <a:ext uri="{A12FA001-AC4F-418D-AE19-62706E023703}">
                       <ahyp:hlinkClr xmlns:ahyp="http://schemas.microsoft.com/office/drawing/2018/hyperlinkcolor" val="tx"/>
@@ -18288,12 +18332,8 @@
               <a:buChar char="Ø"/>
             </a:pPr>
             <a:r>
-              <a:rPr lang="en-US"/>
-              <a:t> JEP </a:t>
-            </a:r>
-            <a:r>
-              <a:rPr lang="en-US" dirty="0"/>
-              <a:t>403: Strongly Encapsulate JDK Internals</a:t>
+              <a:rPr lang="en-US" dirty="0"/>
+              <a:t> JEP 403: Strongly Encapsulate JDK Internals</a:t>
             </a:r>
           </a:p>
           <a:p>
@@ -18351,6 +18391,42 @@
               <a:rPr lang="en-US" dirty="0"/>
               <a:t>No-Op (memory profiling)</a:t>
             </a:r>
+          </a:p>
+          <a:p>
+            <a:pPr>
+              <a:buFont typeface="Wingdings" panose="05000000000000000000" pitchFamily="2" charset="2"/>
+              <a:buChar char="Ø"/>
+            </a:pPr>
+            <a:r>
+              <a:rPr lang="en-US" dirty="0"/>
+              <a:t>Java 17 Upgrade Details</a:t>
+            </a:r>
+          </a:p>
+          <a:p>
+            <a:pPr lvl="1">
+              <a:buFont typeface="Wingdings" panose="05000000000000000000" pitchFamily="2" charset="2"/>
+              <a:buChar char="Ø"/>
+            </a:pPr>
+            <a:r>
+              <a:rPr lang="en-US" dirty="0">
+                <a:solidFill>
+                  <a:schemeClr val="accent2"/>
+                </a:solidFill>
+                <a:hlinkClick r:id="rId2">
+                  <a:extLst>
+                    <a:ext uri="{A12FA001-AC4F-418D-AE19-62706E023703}">
+                      <ahyp:hlinkClr xmlns:ahyp="http://schemas.microsoft.com/office/drawing/2018/hyperlinkcolor" val="tx"/>
+                    </a:ext>
+                  </a:extLst>
+                </a:hlinkClick>
+              </a:rPr>
+              <a:t>Java 17 Upgrade</a:t>
+            </a:r>
+            <a:endParaRPr lang="en-US" dirty="0">
+              <a:solidFill>
+                <a:schemeClr val="accent2"/>
+              </a:solidFill>
+            </a:endParaRPr>
           </a:p>
         </p:txBody>
       </p:sp>
